--- a/_relazione/Presentazione progetto PANDOLFO.pptx
+++ b/_relazione/Presentazione progetto PANDOLFO.pptx
@@ -3590,7 +3590,7 @@
           <a:ln>
             <a:extLst>
               <a:ext uri="{C807C97D-BFC1-408E-A445-0C87EB9F89A2}">
-                <ask:lineSketchStyleProps xmlns="" xmlns:ask="http://schemas.microsoft.com/office/drawing/2018/sketchyshapes" sd="2244232375">
+                <ask:lineSketchStyleProps xmlns:ask="http://schemas.microsoft.com/office/drawing/2018/sketchyshapes" sd="2244232375">
                   <a:prstGeom prst="rect">
                     <a:avLst/>
                   </a:prstGeom>
@@ -3883,7 +3883,7 @@
             <a:ln>
               <a:extLst>
                 <a:ext uri="{C807C97D-BFC1-408E-A445-0C87EB9F89A2}">
-                  <ask:lineSketchStyleProps xmlns="" xmlns:ask="http://schemas.microsoft.com/office/drawing/2018/sketchyshapes" sd="2244232375">
+                  <ask:lineSketchStyleProps xmlns:ask="http://schemas.microsoft.com/office/drawing/2018/sketchyshapes" sd="2244232375">
                     <a:prstGeom prst="rect">
                       <a:avLst/>
                     </a:prstGeom>
@@ -4126,7 +4126,7 @@
             <a:ln>
               <a:extLst>
                 <a:ext uri="{C807C97D-BFC1-408E-A445-0C87EB9F89A2}">
-                  <ask:lineSketchStyleProps xmlns="" xmlns:ask="http://schemas.microsoft.com/office/drawing/2018/sketchyshapes" sd="2244232375">
+                  <ask:lineSketchStyleProps xmlns:ask="http://schemas.microsoft.com/office/drawing/2018/sketchyshapes" sd="2244232375">
                     <a:prstGeom prst="rect">
                       <a:avLst/>
                     </a:prstGeom>
@@ -4198,16 +4198,16 @@
           <a:custGeom>
             <a:avLst/>
             <a:gdLst>
-              <a:gd name="connsiteX0" fmla="*/ 0 w 5836595"/>
-              <a:gd name="connsiteY0" fmla="*/ 0 h 5593079"/>
-              <a:gd name="connsiteX1" fmla="*/ 5836595 w 5836595"/>
-              <a:gd name="connsiteY1" fmla="*/ 0 h 5593079"/>
-              <a:gd name="connsiteX2" fmla="*/ 5836595 w 5836595"/>
-              <a:gd name="connsiteY2" fmla="*/ 5593079 h 5593079"/>
-              <a:gd name="connsiteX3" fmla="*/ 0 w 5836595"/>
-              <a:gd name="connsiteY3" fmla="*/ 5593079 h 5593079"/>
-              <a:gd name="connsiteX4" fmla="*/ 0 w 5836595"/>
-              <a:gd name="connsiteY4" fmla="*/ 0 h 5593079"/>
+              <a:gd name="connsiteX0" fmla="*/ 0 w 6188266"/>
+              <a:gd name="connsiteY0" fmla="*/ 0 h 5189231"/>
+              <a:gd name="connsiteX1" fmla="*/ 6188266 w 6188266"/>
+              <a:gd name="connsiteY1" fmla="*/ 0 h 5189231"/>
+              <a:gd name="connsiteX2" fmla="*/ 6188266 w 6188266"/>
+              <a:gd name="connsiteY2" fmla="*/ 5189231 h 5189231"/>
+              <a:gd name="connsiteX3" fmla="*/ 0 w 6188266"/>
+              <a:gd name="connsiteY3" fmla="*/ 5189231 h 5189231"/>
+              <a:gd name="connsiteX4" fmla="*/ 0 w 6188266"/>
+              <a:gd name="connsiteY4" fmla="*/ 0 h 5189231"/>
             </a:gdLst>
             <a:ahLst/>
             <a:cxnLst>
@@ -4229,28 +4229,28 @@
             </a:cxnLst>
             <a:rect l="l" t="t" r="r" b="b"/>
             <a:pathLst>
-              <a:path w="5836595" h="5593079" extrusionOk="0">
+              <a:path w="6188266" h="5189231" extrusionOk="0">
                 <a:moveTo>
                   <a:pt x="0" y="0"/>
                 </a:moveTo>
                 <a:cubicBezTo>
-                  <a:pt x="2438026" y="-5264"/>
-                  <a:pt x="4830497" y="84467"/>
-                  <a:pt x="5836595" y="0"/>
-                </a:cubicBezTo>
-                <a:cubicBezTo>
-                  <a:pt x="5708422" y="2403091"/>
-                  <a:pt x="5965745" y="3020250"/>
-                  <a:pt x="5836595" y="5593079"/>
-                </a:cubicBezTo>
-                <a:cubicBezTo>
-                  <a:pt x="4984392" y="5699399"/>
-                  <a:pt x="2715717" y="5585430"/>
-                  <a:pt x="0" y="5593079"/>
-                </a:cubicBezTo>
-                <a:cubicBezTo>
-                  <a:pt x="160128" y="3458748"/>
-                  <a:pt x="25049" y="2480559"/>
+                  <a:pt x="835049" y="-5264"/>
+                  <a:pt x="4169003" y="84467"/>
+                  <a:pt x="6188266" y="0"/>
+                </a:cubicBezTo>
+                <a:cubicBezTo>
+                  <a:pt x="6060093" y="1146612"/>
+                  <a:pt x="6317416" y="4306876"/>
+                  <a:pt x="6188266" y="5189231"/>
+                </a:cubicBezTo>
+                <a:cubicBezTo>
+                  <a:pt x="3528930" y="5295551"/>
+                  <a:pt x="1022114" y="5181582"/>
+                  <a:pt x="0" y="5189231"/>
+                </a:cubicBezTo>
+                <a:cubicBezTo>
+                  <a:pt x="160128" y="2873168"/>
+                  <a:pt x="25049" y="576500"/>
                   <a:pt x="0" y="0"/>
                 </a:cubicBezTo>
                 <a:close/>
@@ -4262,7 +4262,7 @@
             <a:prstDash val="dash"/>
             <a:extLst>
               <a:ext uri="{C807C97D-BFC1-408E-A445-0C87EB9F89A2}">
-                <ask:lineSketchStyleProps xmlns="" xmlns:ask="http://schemas.microsoft.com/office/drawing/2018/sketchyshapes" sd="2650216993">
+                <ask:lineSketchStyleProps xmlns:ask="http://schemas.microsoft.com/office/drawing/2018/sketchyshapes" sd="2650216993">
                   <a:prstGeom prst="rect">
                     <a:avLst/>
                   </a:prstGeom>
@@ -4323,13 +4323,14 @@
           </p:cNvPr>
           <p:cNvCxnSpPr>
             <a:cxnSpLocks/>
+            <a:endCxn id="15" idx="1"/>
           </p:cNvCxnSpPr>
           <p:nvPr/>
         </p:nvCxnSpPr>
         <p:spPr>
           <a:xfrm>
-            <a:off x="9007815" y="2001717"/>
-            <a:ext cx="876218" cy="0"/>
+            <a:off x="9023470" y="1991897"/>
+            <a:ext cx="1034931" cy="0"/>
           </a:xfrm>
           <a:prstGeom prst="line">
             <a:avLst/>
@@ -4373,7 +4374,7 @@
         </p:nvSpPr>
         <p:spPr>
           <a:xfrm>
-            <a:off x="9408122" y="1746633"/>
+            <a:off x="9602677" y="1727177"/>
             <a:ext cx="433132" cy="276999"/>
           </a:xfrm>
           <a:prstGeom prst="rect">
@@ -4413,54 +4414,54 @@
         </p:nvSpPr>
         <p:spPr>
           <a:xfrm>
-            <a:off x="9883299" y="1242959"/>
+            <a:off x="10048673" y="1379157"/>
             <a:ext cx="1273985" cy="2130358"/>
           </a:xfrm>
           <a:custGeom>
             <a:avLst/>
             <a:gdLst>
-              <a:gd name="connsiteX0" fmla="*/ 0 w 1809345"/>
-              <a:gd name="connsiteY0" fmla="*/ 226168 h 2130358"/>
-              <a:gd name="connsiteX1" fmla="*/ 904673 w 1809345"/>
-              <a:gd name="connsiteY1" fmla="*/ 452336 h 2130358"/>
-              <a:gd name="connsiteX2" fmla="*/ 1809346 w 1809345"/>
-              <a:gd name="connsiteY2" fmla="*/ 226168 h 2130358"/>
-              <a:gd name="connsiteX3" fmla="*/ 1809345 w 1809345"/>
-              <a:gd name="connsiteY3" fmla="*/ 1904190 h 2130358"/>
-              <a:gd name="connsiteX4" fmla="*/ 904672 w 1809345"/>
+              <a:gd name="connsiteX0" fmla="*/ 0 w 1273985"/>
+              <a:gd name="connsiteY0" fmla="*/ 159248 h 2130358"/>
+              <a:gd name="connsiteX1" fmla="*/ 636993 w 1273985"/>
+              <a:gd name="connsiteY1" fmla="*/ 318496 h 2130358"/>
+              <a:gd name="connsiteX2" fmla="*/ 1273986 w 1273985"/>
+              <a:gd name="connsiteY2" fmla="*/ 159248 h 2130358"/>
+              <a:gd name="connsiteX3" fmla="*/ 1273985 w 1273985"/>
+              <a:gd name="connsiteY3" fmla="*/ 1971110 h 2130358"/>
+              <a:gd name="connsiteX4" fmla="*/ 636992 w 1273985"/>
               <a:gd name="connsiteY4" fmla="*/ 2130358 h 2130358"/>
-              <a:gd name="connsiteX5" fmla="*/ -1 w 1809345"/>
-              <a:gd name="connsiteY5" fmla="*/ 1904190 h 2130358"/>
-              <a:gd name="connsiteX6" fmla="*/ 0 w 1809345"/>
-              <a:gd name="connsiteY6" fmla="*/ 226168 h 2130358"/>
-              <a:gd name="connsiteX0" fmla="*/ 0 w 1809345"/>
-              <a:gd name="connsiteY0" fmla="*/ 226168 h 2130358"/>
-              <a:gd name="connsiteX1" fmla="*/ 904673 w 1809345"/>
+              <a:gd name="connsiteX5" fmla="*/ -1 w 1273985"/>
+              <a:gd name="connsiteY5" fmla="*/ 1971110 h 2130358"/>
+              <a:gd name="connsiteX6" fmla="*/ 0 w 1273985"/>
+              <a:gd name="connsiteY6" fmla="*/ 159248 h 2130358"/>
+              <a:gd name="connsiteX0" fmla="*/ 0 w 1273985"/>
+              <a:gd name="connsiteY0" fmla="*/ 159248 h 2130358"/>
+              <a:gd name="connsiteX1" fmla="*/ 636993 w 1273985"/>
               <a:gd name="connsiteY1" fmla="*/ 0 h 2130358"/>
-              <a:gd name="connsiteX2" fmla="*/ 1809346 w 1809345"/>
-              <a:gd name="connsiteY2" fmla="*/ 226168 h 2130358"/>
-              <a:gd name="connsiteX3" fmla="*/ 904673 w 1809345"/>
-              <a:gd name="connsiteY3" fmla="*/ 452336 h 2130358"/>
-              <a:gd name="connsiteX4" fmla="*/ 0 w 1809345"/>
-              <a:gd name="connsiteY4" fmla="*/ 226168 h 2130358"/>
-              <a:gd name="connsiteX0" fmla="*/ 1809345 w 1809345"/>
-              <a:gd name="connsiteY0" fmla="*/ 226168 h 2130358"/>
-              <a:gd name="connsiteX1" fmla="*/ 904672 w 1809345"/>
-              <a:gd name="connsiteY1" fmla="*/ 452336 h 2130358"/>
-              <a:gd name="connsiteX2" fmla="*/ -1 w 1809345"/>
-              <a:gd name="connsiteY2" fmla="*/ 226168 h 2130358"/>
-              <a:gd name="connsiteX3" fmla="*/ 904672 w 1809345"/>
+              <a:gd name="connsiteX2" fmla="*/ 1273986 w 1273985"/>
+              <a:gd name="connsiteY2" fmla="*/ 159248 h 2130358"/>
+              <a:gd name="connsiteX3" fmla="*/ 636993 w 1273985"/>
+              <a:gd name="connsiteY3" fmla="*/ 318496 h 2130358"/>
+              <a:gd name="connsiteX4" fmla="*/ 0 w 1273985"/>
+              <a:gd name="connsiteY4" fmla="*/ 159248 h 2130358"/>
+              <a:gd name="connsiteX0" fmla="*/ 1273985 w 1273985"/>
+              <a:gd name="connsiteY0" fmla="*/ 159248 h 2130358"/>
+              <a:gd name="connsiteX1" fmla="*/ 636992 w 1273985"/>
+              <a:gd name="connsiteY1" fmla="*/ 318496 h 2130358"/>
+              <a:gd name="connsiteX2" fmla="*/ -1 w 1273985"/>
+              <a:gd name="connsiteY2" fmla="*/ 159248 h 2130358"/>
+              <a:gd name="connsiteX3" fmla="*/ 636992 w 1273985"/>
               <a:gd name="connsiteY3" fmla="*/ 0 h 2130358"/>
-              <a:gd name="connsiteX4" fmla="*/ 1809345 w 1809345"/>
-              <a:gd name="connsiteY4" fmla="*/ 226168 h 2130358"/>
-              <a:gd name="connsiteX5" fmla="*/ 1809345 w 1809345"/>
-              <a:gd name="connsiteY5" fmla="*/ 1904190 h 2130358"/>
-              <a:gd name="connsiteX6" fmla="*/ 904672 w 1809345"/>
+              <a:gd name="connsiteX4" fmla="*/ 1273985 w 1273985"/>
+              <a:gd name="connsiteY4" fmla="*/ 159248 h 2130358"/>
+              <a:gd name="connsiteX5" fmla="*/ 1273985 w 1273985"/>
+              <a:gd name="connsiteY5" fmla="*/ 1971110 h 2130358"/>
+              <a:gd name="connsiteX6" fmla="*/ 636992 w 1273985"/>
               <a:gd name="connsiteY6" fmla="*/ 2130358 h 2130358"/>
-              <a:gd name="connsiteX7" fmla="*/ -1 w 1809345"/>
-              <a:gd name="connsiteY7" fmla="*/ 1904190 h 2130358"/>
-              <a:gd name="connsiteX8" fmla="*/ 0 w 1809345"/>
-              <a:gd name="connsiteY8" fmla="*/ 226168 h 2130358"/>
+              <a:gd name="connsiteX7" fmla="*/ -1 w 1273985"/>
+              <a:gd name="connsiteY7" fmla="*/ 1971110 h 2130358"/>
+              <a:gd name="connsiteX8" fmla="*/ 0 w 1273985"/>
+              <a:gd name="connsiteY8" fmla="*/ 159248 h 2130358"/>
             </a:gdLst>
             <a:ahLst/>
             <a:cxnLst>
@@ -4494,111 +4495,111 @@
             </a:cxnLst>
             <a:rect l="l" t="t" r="r" b="b"/>
             <a:pathLst>
-              <a:path w="1809345" h="2130358" stroke="0" extrusionOk="0">
+              <a:path w="1273985" h="2130358" stroke="0" extrusionOk="0">
                 <a:moveTo>
-                  <a:pt x="0" y="226168"/>
+                  <a:pt x="0" y="159248"/>
                 </a:moveTo>
                 <a:cubicBezTo>
-                  <a:pt x="41559" y="304999"/>
-                  <a:pt x="346616" y="455386"/>
-                  <a:pt x="904673" y="452336"/>
-                </a:cubicBezTo>
-                <a:cubicBezTo>
-                  <a:pt x="1409365" y="451702"/>
-                  <a:pt x="1798622" y="353229"/>
-                  <a:pt x="1809346" y="226168"/>
-                </a:cubicBezTo>
-                <a:cubicBezTo>
-                  <a:pt x="1792088" y="793166"/>
-                  <a:pt x="1879287" y="1427487"/>
-                  <a:pt x="1809345" y="1904190"/>
-                </a:cubicBezTo>
-                <a:cubicBezTo>
-                  <a:pt x="1819024" y="2046097"/>
-                  <a:pt x="1392573" y="2109618"/>
-                  <a:pt x="904672" y="2130358"/>
-                </a:cubicBezTo>
-                <a:cubicBezTo>
-                  <a:pt x="401904" y="2144777"/>
-                  <a:pt x="-4717" y="2031076"/>
-                  <a:pt x="-1" y="1904190"/>
-                </a:cubicBezTo>
-                <a:cubicBezTo>
-                  <a:pt x="13442" y="1378023"/>
-                  <a:pt x="9187" y="782265"/>
-                  <a:pt x="0" y="226168"/>
+                  <a:pt x="27718" y="216466"/>
+                  <a:pt x="235684" y="321080"/>
+                  <a:pt x="636993" y="318496"/>
+                </a:cubicBezTo>
+                <a:cubicBezTo>
+                  <a:pt x="1005287" y="316426"/>
+                  <a:pt x="1262069" y="249589"/>
+                  <a:pt x="1273986" y="159248"/>
+                </a:cubicBezTo>
+                <a:cubicBezTo>
+                  <a:pt x="1239861" y="778344"/>
+                  <a:pt x="1335447" y="1439774"/>
+                  <a:pt x="1273985" y="1971110"/>
+                </a:cubicBezTo>
+                <a:cubicBezTo>
+                  <a:pt x="1302477" y="2109099"/>
+                  <a:pt x="975765" y="2107334"/>
+                  <a:pt x="636992" y="2130358"/>
+                </a:cubicBezTo>
+                <a:cubicBezTo>
+                  <a:pt x="284948" y="2131471"/>
+                  <a:pt x="-13566" y="2064746"/>
+                  <a:pt x="-1" y="1971110"/>
+                </a:cubicBezTo>
+                <a:cubicBezTo>
+                  <a:pt x="33797" y="1450562"/>
+                  <a:pt x="15750" y="757640"/>
+                  <a:pt x="0" y="159248"/>
                 </a:cubicBezTo>
                 <a:close/>
               </a:path>
-              <a:path w="1809345" h="2130358" fill="lighten" stroke="0" extrusionOk="0">
+              <a:path w="1273985" h="2130358" fill="lighten" stroke="0" extrusionOk="0">
                 <a:moveTo>
-                  <a:pt x="0" y="226168"/>
+                  <a:pt x="0" y="159248"/>
                 </a:moveTo>
                 <a:cubicBezTo>
-                  <a:pt x="2844" y="113196"/>
-                  <a:pt x="363101" y="-14791"/>
-                  <a:pt x="904673" y="0"/>
-                </a:cubicBezTo>
-                <a:cubicBezTo>
-                  <a:pt x="1400387" y="-11472"/>
-                  <a:pt x="1819382" y="88138"/>
-                  <a:pt x="1809346" y="226168"/>
-                </a:cubicBezTo>
-                <a:cubicBezTo>
-                  <a:pt x="1851616" y="310735"/>
-                  <a:pt x="1381195" y="523315"/>
-                  <a:pt x="904673" y="452336"/>
-                </a:cubicBezTo>
-                <a:cubicBezTo>
-                  <a:pt x="404904" y="454466"/>
-                  <a:pt x="1829" y="369561"/>
-                  <a:pt x="0" y="226168"/>
+                  <a:pt x="12098" y="122065"/>
+                  <a:pt x="238949" y="-16309"/>
+                  <a:pt x="636993" y="0"/>
+                </a:cubicBezTo>
+                <a:cubicBezTo>
+                  <a:pt x="984254" y="-13279"/>
+                  <a:pt x="1277384" y="66855"/>
+                  <a:pt x="1273986" y="159248"/>
+                </a:cubicBezTo>
+                <a:cubicBezTo>
+                  <a:pt x="1281897" y="239648"/>
+                  <a:pt x="978186" y="351073"/>
+                  <a:pt x="636993" y="318496"/>
+                </a:cubicBezTo>
+                <a:cubicBezTo>
+                  <a:pt x="284178" y="334885"/>
+                  <a:pt x="1308" y="260419"/>
+                  <a:pt x="0" y="159248"/>
                 </a:cubicBezTo>
                 <a:close/>
               </a:path>
-              <a:path w="1809345" h="2130358" fill="none" extrusionOk="0">
+              <a:path w="1273985" h="2130358" fill="none" extrusionOk="0">
                 <a:moveTo>
-                  <a:pt x="1809345" y="226168"/>
+                  <a:pt x="1273985" y="159248"/>
                 </a:moveTo>
                 <a:cubicBezTo>
-                  <a:pt x="1820733" y="331447"/>
-                  <a:pt x="1392231" y="424781"/>
-                  <a:pt x="904672" y="452336"/>
-                </a:cubicBezTo>
-                <a:cubicBezTo>
-                  <a:pt x="411670" y="432788"/>
-                  <a:pt x="5237" y="338405"/>
-                  <a:pt x="-1" y="226168"/>
-                </a:cubicBezTo>
-                <a:cubicBezTo>
-                  <a:pt x="44185" y="134258"/>
-                  <a:pt x="411479" y="-2032"/>
-                  <a:pt x="904672" y="0"/>
-                </a:cubicBezTo>
-                <a:cubicBezTo>
-                  <a:pt x="1410950" y="5353"/>
-                  <a:pt x="1810453" y="105559"/>
-                  <a:pt x="1809345" y="226168"/>
-                </a:cubicBezTo>
-                <a:cubicBezTo>
-                  <a:pt x="1819357" y="514557"/>
-                  <a:pt x="1683544" y="1369021"/>
-                  <a:pt x="1809345" y="1904190"/>
-                </a:cubicBezTo>
-                <a:cubicBezTo>
-                  <a:pt x="1815426" y="2037325"/>
-                  <a:pt x="1332506" y="2154160"/>
-                  <a:pt x="904672" y="2130358"/>
-                </a:cubicBezTo>
-                <a:cubicBezTo>
-                  <a:pt x="400537" y="2136575"/>
-                  <a:pt x="19704" y="2014858"/>
-                  <a:pt x="-1" y="1904190"/>
-                </a:cubicBezTo>
-                <a:cubicBezTo>
-                  <a:pt x="20264" y="1287837"/>
-                  <a:pt x="15217" y="817741"/>
-                  <a:pt x="0" y="226168"/>
+                  <a:pt x="1293022" y="214383"/>
+                  <a:pt x="966780" y="268274"/>
+                  <a:pt x="636992" y="318496"/>
+                </a:cubicBezTo>
+                <a:cubicBezTo>
+                  <a:pt x="289363" y="306202"/>
+                  <a:pt x="3468" y="238805"/>
+                  <a:pt x="-1" y="159248"/>
+                </a:cubicBezTo>
+                <a:cubicBezTo>
+                  <a:pt x="14294" y="81974"/>
+                  <a:pt x="319795" y="-10914"/>
+                  <a:pt x="636992" y="0"/>
+                </a:cubicBezTo>
+                <a:cubicBezTo>
+                  <a:pt x="991406" y="2105"/>
+                  <a:pt x="1275307" y="76431"/>
+                  <a:pt x="1273985" y="159248"/>
+                </a:cubicBezTo>
+                <a:cubicBezTo>
+                  <a:pt x="1281441" y="1047995"/>
+                  <a:pt x="1167756" y="1600701"/>
+                  <a:pt x="1273985" y="1971110"/>
+                </a:cubicBezTo>
+                <a:cubicBezTo>
+                  <a:pt x="1295774" y="2088537"/>
+                  <a:pt x="955590" y="2141365"/>
+                  <a:pt x="636992" y="2130358"/>
+                </a:cubicBezTo>
+                <a:cubicBezTo>
+                  <a:pt x="275783" y="2143362"/>
+                  <a:pt x="3108" y="2056813"/>
+                  <a:pt x="-1" y="1971110"/>
+                </a:cubicBezTo>
+                <a:cubicBezTo>
+                  <a:pt x="18809" y="1314238"/>
+                  <a:pt x="18875" y="803182"/>
+                  <a:pt x="0" y="159248"/>
                 </a:cubicBezTo>
               </a:path>
             </a:pathLst>
@@ -4607,7 +4608,7 @@
           <a:ln>
             <a:extLst>
               <a:ext uri="{C807C97D-BFC1-408E-A445-0C87EB9F89A2}">
-                <ask:lineSketchStyleProps xmlns="" xmlns:ask="http://schemas.microsoft.com/office/drawing/2018/sketchyshapes" sd="278935163">
+                <ask:lineSketchStyleProps xmlns:ask="http://schemas.microsoft.com/office/drawing/2018/sketchyshapes" sd="278935163">
                   <a:prstGeom prst="can">
                     <a:avLst/>
                   </a:prstGeom>
@@ -4668,7 +4669,7 @@
         </p:blipFill>
         <p:spPr>
           <a:xfrm>
-            <a:off x="9446898" y="2673525"/>
+            <a:off x="9592813" y="2829176"/>
             <a:ext cx="2144472" cy="795241"/>
           </a:xfrm>
           <a:prstGeom prst="rect">
@@ -4690,7 +4691,7 @@
         </p:nvSpPr>
         <p:spPr>
           <a:xfrm>
-            <a:off x="9833968" y="1872336"/>
+            <a:off x="10058401" y="1853397"/>
             <a:ext cx="518091" cy="276999"/>
           </a:xfrm>
           <a:prstGeom prst="rect">
@@ -4801,25 +4802,13 @@
               <a:rPr lang="it-IT" sz="1200">
                 <a:latin typeface="Bahnschrift Light Condensed" panose="020B0502040204020203" pitchFamily="34" charset="0"/>
               </a:rPr>
-              <a:t>   </a:t>
-            </a:r>
-            <a:r>
-              <a:rPr lang="it-IT" sz="1200" smtClean="0">
-                <a:latin typeface="Bahnschrift Light Condensed" panose="020B0502040204020203" pitchFamily="34" charset="0"/>
-              </a:rPr>
-              <a:t>    </a:t>
-            </a:r>
-            <a:r>
-              <a:rPr lang="it-IT" sz="1050" b="1" smtClean="0">
-                <a:latin typeface="Bahnschrift Light Condensed" panose="020B0502040204020203" pitchFamily="34" charset="0"/>
-              </a:rPr>
-              <a:t>/</a:t>
+              <a:t>       </a:t>
             </a:r>
             <a:r>
               <a:rPr lang="it-IT" sz="1050" b="1">
                 <a:latin typeface="Bahnschrift Light Condensed" panose="020B0502040204020203" pitchFamily="34" charset="0"/>
               </a:rPr>
-              <a:t>gettimeseries</a:t>
+              <a:t>/gettimeseries</a:t>
             </a:r>
             <a:endParaRPr lang="it-IT" b="1">
               <a:latin typeface="Bahnschrift Light Condensed" panose="020B0502040204020203" pitchFamily="34" charset="0"/>
@@ -4976,7 +4965,7 @@
         <p:spPr>
           <a:xfrm flipH="1">
             <a:off x="9007815" y="2154117"/>
-            <a:ext cx="881977" cy="0"/>
+            <a:ext cx="1050586" cy="0"/>
           </a:xfrm>
           <a:prstGeom prst="line">
             <a:avLst/>
@@ -5020,7 +5009,7 @@
         </p:nvSpPr>
         <p:spPr>
           <a:xfrm>
-            <a:off x="9347071" y="2118984"/>
+            <a:off x="9599992" y="2118984"/>
             <a:ext cx="511679" cy="215444"/>
           </a:xfrm>
           <a:prstGeom prst="rect">
@@ -5068,13 +5057,13 @@
             <a:gdLst>
               <a:gd name="connsiteX0" fmla="*/ 0 w 894080"/>
               <a:gd name="connsiteY0" fmla="*/ 0 h 169993"/>
-              <a:gd name="connsiteX1" fmla="*/ 455981 w 894080"/>
+              <a:gd name="connsiteX1" fmla="*/ 420218 w 894080"/>
               <a:gd name="connsiteY1" fmla="*/ 0 h 169993"/>
               <a:gd name="connsiteX2" fmla="*/ 894080 w 894080"/>
               <a:gd name="connsiteY2" fmla="*/ 0 h 169993"/>
               <a:gd name="connsiteX3" fmla="*/ 894080 w 894080"/>
               <a:gd name="connsiteY3" fmla="*/ 169993 h 169993"/>
-              <a:gd name="connsiteX4" fmla="*/ 447040 w 894080"/>
+              <a:gd name="connsiteX4" fmla="*/ 464922 w 894080"/>
               <a:gd name="connsiteY4" fmla="*/ 169993 h 169993"/>
               <a:gd name="connsiteX5" fmla="*/ 0 w 894080"/>
               <a:gd name="connsiteY5" fmla="*/ 169993 h 169993"/>
@@ -5107,7 +5096,43 @@
             </a:cxnLst>
             <a:rect l="l" t="t" r="r" b="b"/>
             <a:pathLst>
-              <a:path w="894080" h="169993" extrusionOk="0">
+              <a:path w="894080" h="169993" fill="none" extrusionOk="0">
+                <a:moveTo>
+                  <a:pt x="0" y="0"/>
+                </a:moveTo>
+                <a:cubicBezTo>
+                  <a:pt x="123420" y="8948"/>
+                  <a:pt x="268336" y="10215"/>
+                  <a:pt x="420218" y="0"/>
+                </a:cubicBezTo>
+                <a:cubicBezTo>
+                  <a:pt x="572100" y="-10215"/>
+                  <a:pt x="662119" y="-19408"/>
+                  <a:pt x="894080" y="0"/>
+                </a:cubicBezTo>
+                <a:cubicBezTo>
+                  <a:pt x="889653" y="78804"/>
+                  <a:pt x="895597" y="99518"/>
+                  <a:pt x="894080" y="169993"/>
+                </a:cubicBezTo>
+                <a:cubicBezTo>
+                  <a:pt x="804932" y="154185"/>
+                  <a:pt x="561156" y="183375"/>
+                  <a:pt x="464922" y="169993"/>
+                </a:cubicBezTo>
+                <a:cubicBezTo>
+                  <a:pt x="368688" y="156611"/>
+                  <a:pt x="148189" y="154479"/>
+                  <a:pt x="0" y="169993"/>
+                </a:cubicBezTo>
+                <a:cubicBezTo>
+                  <a:pt x="-4347" y="129826"/>
+                  <a:pt x="-1196" y="41927"/>
+                  <a:pt x="0" y="0"/>
+                </a:cubicBezTo>
+                <a:close/>
+              </a:path>
+              <a:path w="894080" h="169993" stroke="0" extrusionOk="0">
                 <a:moveTo>
                   <a:pt x="0" y="0"/>
                 </a:moveTo>
@@ -5151,7 +5176,7 @@
           <a:ln w="9525">
             <a:extLst>
               <a:ext uri="{C807C97D-BFC1-408E-A445-0C87EB9F89A2}">
-                <ask:lineSketchStyleProps xmlns="" xmlns:ask="http://schemas.microsoft.com/office/drawing/2018/sketchyshapes" sd="1725041551">
+                <ask:lineSketchStyleProps xmlns:ask="http://schemas.microsoft.com/office/drawing/2018/sketchyshapes" sd="1725041551">
                   <a:prstGeom prst="rect">
                     <a:avLst/>
                   </a:prstGeom>
@@ -5389,7 +5414,7 @@
           <a:ln w="9525">
             <a:extLst>
               <a:ext uri="{C807C97D-BFC1-408E-A445-0C87EB9F89A2}">
-                <ask:lineSketchStyleProps xmlns="" xmlns:ask="http://schemas.microsoft.com/office/drawing/2018/sketchyshapes" sd="1725041551">
+                <ask:lineSketchStyleProps xmlns:ask="http://schemas.microsoft.com/office/drawing/2018/sketchyshapes" sd="1725041551">
                   <a:prstGeom prst="rect">
                     <a:avLst/>
                   </a:prstGeom>
@@ -5645,7 +5670,7 @@
           <a:ln w="9525">
             <a:extLst>
               <a:ext uri="{C807C97D-BFC1-408E-A445-0C87EB9F89A2}">
-                <ask:lineSketchStyleProps xmlns="" xmlns:ask="http://schemas.microsoft.com/office/drawing/2018/sketchyshapes" sd="1725041551">
+                <ask:lineSketchStyleProps xmlns:ask="http://schemas.microsoft.com/office/drawing/2018/sketchyshapes" sd="1725041551">
                   <a:prstGeom prst="rect">
                     <a:avLst/>
                   </a:prstGeom>
@@ -5918,7 +5943,7 @@
           <a:ln w="9525">
             <a:extLst>
               <a:ext uri="{C807C97D-BFC1-408E-A445-0C87EB9F89A2}">
-                <ask:lineSketchStyleProps xmlns="" xmlns:ask="http://schemas.microsoft.com/office/drawing/2018/sketchyshapes" sd="2244232375">
+                <ask:lineSketchStyleProps xmlns:ask="http://schemas.microsoft.com/office/drawing/2018/sketchyshapes" sd="2244232375">
                   <a:prstGeom prst="rect">
                     <a:avLst/>
                   </a:prstGeom>
@@ -6028,31 +6053,27 @@
               <a:avLst/>
               <a:gdLst>
                 <a:gd name="connsiteX0" fmla="*/ 0 w 2242673"/>
-                <a:gd name="connsiteY0" fmla="*/ 0 h 867704"/>
-                <a:gd name="connsiteX1" fmla="*/ 560668 w 2242673"/>
-                <a:gd name="connsiteY1" fmla="*/ 0 h 867704"/>
-                <a:gd name="connsiteX2" fmla="*/ 1121337 w 2242673"/>
-                <a:gd name="connsiteY2" fmla="*/ 0 h 867704"/>
-                <a:gd name="connsiteX3" fmla="*/ 1726858 w 2242673"/>
-                <a:gd name="connsiteY3" fmla="*/ 0 h 867704"/>
+                <a:gd name="connsiteY0" fmla="*/ 0 h 581110"/>
+                <a:gd name="connsiteX1" fmla="*/ 605522 w 2242673"/>
+                <a:gd name="connsiteY1" fmla="*/ 0 h 581110"/>
+                <a:gd name="connsiteX2" fmla="*/ 1211043 w 2242673"/>
+                <a:gd name="connsiteY2" fmla="*/ 0 h 581110"/>
+                <a:gd name="connsiteX3" fmla="*/ 1704431 w 2242673"/>
+                <a:gd name="connsiteY3" fmla="*/ 0 h 581110"/>
                 <a:gd name="connsiteX4" fmla="*/ 2242673 w 2242673"/>
-                <a:gd name="connsiteY4" fmla="*/ 0 h 867704"/>
+                <a:gd name="connsiteY4" fmla="*/ 0 h 581110"/>
                 <a:gd name="connsiteX5" fmla="*/ 2242673 w 2242673"/>
-                <a:gd name="connsiteY5" fmla="*/ 425175 h 867704"/>
-                <a:gd name="connsiteX6" fmla="*/ 2242673 w 2242673"/>
-                <a:gd name="connsiteY6" fmla="*/ 867704 h 867704"/>
-                <a:gd name="connsiteX7" fmla="*/ 1682005 w 2242673"/>
-                <a:gd name="connsiteY7" fmla="*/ 867704 h 867704"/>
-                <a:gd name="connsiteX8" fmla="*/ 1166190 w 2242673"/>
-                <a:gd name="connsiteY8" fmla="*/ 867704 h 867704"/>
-                <a:gd name="connsiteX9" fmla="*/ 583095 w 2242673"/>
-                <a:gd name="connsiteY9" fmla="*/ 867704 h 867704"/>
+                <a:gd name="connsiteY5" fmla="*/ 581110 h 581110"/>
+                <a:gd name="connsiteX6" fmla="*/ 1749285 w 2242673"/>
+                <a:gd name="connsiteY6" fmla="*/ 581110 h 581110"/>
+                <a:gd name="connsiteX7" fmla="*/ 1255897 w 2242673"/>
+                <a:gd name="connsiteY7" fmla="*/ 581110 h 581110"/>
+                <a:gd name="connsiteX8" fmla="*/ 695229 w 2242673"/>
+                <a:gd name="connsiteY8" fmla="*/ 581110 h 581110"/>
+                <a:gd name="connsiteX9" fmla="*/ 0 w 2242673"/>
+                <a:gd name="connsiteY9" fmla="*/ 581110 h 581110"/>
                 <a:gd name="connsiteX10" fmla="*/ 0 w 2242673"/>
-                <a:gd name="connsiteY10" fmla="*/ 867704 h 867704"/>
-                <a:gd name="connsiteX11" fmla="*/ 0 w 2242673"/>
-                <a:gd name="connsiteY11" fmla="*/ 451206 h 867704"/>
-                <a:gd name="connsiteX12" fmla="*/ 0 w 2242673"/>
-                <a:gd name="connsiteY12" fmla="*/ 0 h 867704"/>
+                <a:gd name="connsiteY10" fmla="*/ 0 h 581110"/>
               </a:gdLst>
               <a:ahLst/>
               <a:cxnLst>
@@ -6089,82 +6110,66 @@
                 <a:cxn ang="0">
                   <a:pos x="connsiteX10" y="connsiteY10"/>
                 </a:cxn>
-                <a:cxn ang="0">
-                  <a:pos x="connsiteX11" y="connsiteY11"/>
-                </a:cxn>
-                <a:cxn ang="0">
-                  <a:pos x="connsiteX12" y="connsiteY12"/>
-                </a:cxn>
               </a:cxnLst>
               <a:rect l="l" t="t" r="r" b="b"/>
               <a:pathLst>
-                <a:path w="2242673" h="867704" fill="none" extrusionOk="0">
+                <a:path w="2242673" h="581110" fill="none" extrusionOk="0">
                   <a:moveTo>
                     <a:pt x="0" y="0"/>
                   </a:moveTo>
                   <a:cubicBezTo>
-                    <a:pt x="235854" y="12919"/>
-                    <a:pt x="336399" y="-11571"/>
-                    <a:pt x="560668" y="0"/>
+                    <a:pt x="271175" y="26416"/>
+                    <a:pt x="445617" y="-2552"/>
+                    <a:pt x="605522" y="0"/>
                   </a:cubicBezTo>
                   <a:cubicBezTo>
-                    <a:pt x="784937" y="11571"/>
-                    <a:pt x="891064" y="-18622"/>
-                    <a:pt x="1121337" y="0"/>
+                    <a:pt x="765427" y="2552"/>
+                    <a:pt x="1048727" y="-9591"/>
+                    <a:pt x="1211043" y="0"/>
                   </a:cubicBezTo>
                   <a:cubicBezTo>
-                    <a:pt x="1351610" y="18622"/>
-                    <a:pt x="1436542" y="8585"/>
-                    <a:pt x="1726858" y="0"/>
+                    <a:pt x="1373359" y="9591"/>
+                    <a:pt x="1577875" y="17364"/>
+                    <a:pt x="1704431" y="0"/>
                   </a:cubicBezTo>
                   <a:cubicBezTo>
-                    <a:pt x="2017174" y="-8585"/>
-                    <a:pt x="2018079" y="-21759"/>
+                    <a:pt x="1830987" y="-17364"/>
+                    <a:pt x="2064556" y="-13737"/>
                     <a:pt x="2242673" y="0"/>
                   </a:cubicBezTo>
                   <a:cubicBezTo>
-                    <a:pt x="2227610" y="112293"/>
-                    <a:pt x="2258310" y="304722"/>
-                    <a:pt x="2242673" y="425175"/>
+                    <a:pt x="2234508" y="143183"/>
+                    <a:pt x="2233273" y="434307"/>
+                    <a:pt x="2242673" y="581110"/>
                   </a:cubicBezTo>
                   <a:cubicBezTo>
-                    <a:pt x="2227036" y="545629"/>
-                    <a:pt x="2226864" y="680613"/>
-                    <a:pt x="2242673" y="867704"/>
+                    <a:pt x="2088036" y="603017"/>
+                    <a:pt x="1907952" y="587478"/>
+                    <a:pt x="1749285" y="581110"/>
                   </a:cubicBezTo>
                   <a:cubicBezTo>
-                    <a:pt x="2091189" y="872517"/>
-                    <a:pt x="1869055" y="841099"/>
-                    <a:pt x="1682005" y="867704"/>
+                    <a:pt x="1590618" y="574742"/>
+                    <a:pt x="1464598" y="558617"/>
+                    <a:pt x="1255897" y="581110"/>
                   </a:cubicBezTo>
                   <a:cubicBezTo>
-                    <a:pt x="1494955" y="894309"/>
-                    <a:pt x="1383911" y="852613"/>
-                    <a:pt x="1166190" y="867704"/>
+                    <a:pt x="1047196" y="603603"/>
+                    <a:pt x="850654" y="563195"/>
+                    <a:pt x="695229" y="581110"/>
                   </a:cubicBezTo>
                   <a:cubicBezTo>
-                    <a:pt x="948470" y="882795"/>
-                    <a:pt x="714606" y="864280"/>
-                    <a:pt x="583095" y="867704"/>
+                    <a:pt x="539804" y="599025"/>
+                    <a:pt x="199873" y="570994"/>
+                    <a:pt x="0" y="581110"/>
                   </a:cubicBezTo>
                   <a:cubicBezTo>
-                    <a:pt x="451585" y="871128"/>
-                    <a:pt x="269680" y="861036"/>
-                    <a:pt x="0" y="867704"/>
-                  </a:cubicBezTo>
-                  <a:cubicBezTo>
-                    <a:pt x="491" y="716538"/>
-                    <a:pt x="18850" y="646532"/>
-                    <a:pt x="0" y="451206"/>
-                  </a:cubicBezTo>
-                  <a:cubicBezTo>
-                    <a:pt x="-18850" y="255880"/>
-                    <a:pt x="5201" y="93585"/>
+                    <a:pt x="6924" y="350783"/>
+                    <a:pt x="-27552" y="177721"/>
                     <a:pt x="0" y="0"/>
                   </a:cubicBezTo>
                   <a:close/>
                 </a:path>
-                <a:path w="2242673" h="867704" stroke="0" extrusionOk="0">
+                <a:path w="2242673" h="581110" stroke="0" extrusionOk="0">
                   <a:moveTo>
                     <a:pt x="0" y="0"/>
                   </a:moveTo>
@@ -6189,43 +6194,33 @@
                     <a:pt x="2242673" y="0"/>
                   </a:cubicBezTo>
                   <a:cubicBezTo>
-                    <a:pt x="2223920" y="161774"/>
-                    <a:pt x="2226481" y="245512"/>
-                    <a:pt x="2242673" y="451206"/>
+                    <a:pt x="2238664" y="123264"/>
+                    <a:pt x="2236584" y="446056"/>
+                    <a:pt x="2242673" y="581110"/>
                   </a:cubicBezTo>
                   <a:cubicBezTo>
-                    <a:pt x="2258865" y="656900"/>
-                    <a:pt x="2247905" y="730374"/>
-                    <a:pt x="2242673" y="867704"/>
+                    <a:pt x="2023607" y="583014"/>
+                    <a:pt x="1929762" y="592384"/>
+                    <a:pt x="1749285" y="581110"/>
                   </a:cubicBezTo>
                   <a:cubicBezTo>
-                    <a:pt x="2045926" y="857665"/>
-                    <a:pt x="1919443" y="853495"/>
-                    <a:pt x="1749285" y="867704"/>
+                    <a:pt x="1568808" y="569836"/>
+                    <a:pt x="1426055" y="566901"/>
+                    <a:pt x="1255897" y="581110"/>
                   </a:cubicBezTo>
                   <a:cubicBezTo>
-                    <a:pt x="1579127" y="881913"/>
-                    <a:pt x="1313771" y="878753"/>
-                    <a:pt x="1166190" y="867704"/>
+                    <a:pt x="1085739" y="595319"/>
+                    <a:pt x="820383" y="592159"/>
+                    <a:pt x="672802" y="581110"/>
                   </a:cubicBezTo>
                   <a:cubicBezTo>
-                    <a:pt x="1018609" y="856655"/>
-                    <a:pt x="764009" y="849830"/>
-                    <a:pt x="605522" y="867704"/>
+                    <a:pt x="525221" y="570061"/>
+                    <a:pt x="315094" y="591449"/>
+                    <a:pt x="0" y="581110"/>
                   </a:cubicBezTo>
                   <a:cubicBezTo>
-                    <a:pt x="447035" y="885578"/>
-                    <a:pt x="169398" y="895171"/>
-                    <a:pt x="0" y="867704"/>
-                  </a:cubicBezTo>
-                  <a:cubicBezTo>
-                    <a:pt x="8418" y="679053"/>
-                    <a:pt x="-4119" y="640234"/>
-                    <a:pt x="0" y="433852"/>
-                  </a:cubicBezTo>
-                  <a:cubicBezTo>
-                    <a:pt x="4119" y="227470"/>
-                    <a:pt x="-1065" y="148264"/>
+                    <a:pt x="22649" y="358255"/>
+                    <a:pt x="-25567" y="149682"/>
                     <a:pt x="0" y="0"/>
                   </a:cubicBezTo>
                   <a:close/>
@@ -6241,7 +6236,7 @@
             <a:ln>
               <a:extLst>
                 <a:ext uri="{C807C97D-BFC1-408E-A445-0C87EB9F89A2}">
-                  <ask:lineSketchStyleProps xmlns="" xmlns:ask="http://schemas.microsoft.com/office/drawing/2018/sketchyshapes" sd="2244232375">
+                  <ask:lineSketchStyleProps xmlns:ask="http://schemas.microsoft.com/office/drawing/2018/sketchyshapes" sd="2244232375">
                     <a:prstGeom prst="rect">
                       <a:avLst/>
                     </a:prstGeom>
@@ -6301,27 +6296,27 @@
               <a:avLst/>
               <a:gdLst>
                 <a:gd name="connsiteX0" fmla="*/ 0 w 2242673"/>
-                <a:gd name="connsiteY0" fmla="*/ 0 h 290405"/>
+                <a:gd name="connsiteY0" fmla="*/ 0 h 194487"/>
                 <a:gd name="connsiteX1" fmla="*/ 605522 w 2242673"/>
-                <a:gd name="connsiteY1" fmla="*/ 0 h 290405"/>
+                <a:gd name="connsiteY1" fmla="*/ 0 h 194487"/>
                 <a:gd name="connsiteX2" fmla="*/ 1211043 w 2242673"/>
-                <a:gd name="connsiteY2" fmla="*/ 0 h 290405"/>
+                <a:gd name="connsiteY2" fmla="*/ 0 h 194487"/>
                 <a:gd name="connsiteX3" fmla="*/ 1704431 w 2242673"/>
-                <a:gd name="connsiteY3" fmla="*/ 0 h 290405"/>
+                <a:gd name="connsiteY3" fmla="*/ 0 h 194487"/>
                 <a:gd name="connsiteX4" fmla="*/ 2242673 w 2242673"/>
-                <a:gd name="connsiteY4" fmla="*/ 0 h 290405"/>
+                <a:gd name="connsiteY4" fmla="*/ 0 h 194487"/>
                 <a:gd name="connsiteX5" fmla="*/ 2242673 w 2242673"/>
-                <a:gd name="connsiteY5" fmla="*/ 290405 h 290405"/>
+                <a:gd name="connsiteY5" fmla="*/ 194487 h 194487"/>
                 <a:gd name="connsiteX6" fmla="*/ 1749285 w 2242673"/>
-                <a:gd name="connsiteY6" fmla="*/ 290405 h 290405"/>
+                <a:gd name="connsiteY6" fmla="*/ 194487 h 194487"/>
                 <a:gd name="connsiteX7" fmla="*/ 1255897 w 2242673"/>
-                <a:gd name="connsiteY7" fmla="*/ 290405 h 290405"/>
+                <a:gd name="connsiteY7" fmla="*/ 194487 h 194487"/>
                 <a:gd name="connsiteX8" fmla="*/ 695229 w 2242673"/>
-                <a:gd name="connsiteY8" fmla="*/ 290405 h 290405"/>
+                <a:gd name="connsiteY8" fmla="*/ 194487 h 194487"/>
                 <a:gd name="connsiteX9" fmla="*/ 0 w 2242673"/>
-                <a:gd name="connsiteY9" fmla="*/ 290405 h 290405"/>
+                <a:gd name="connsiteY9" fmla="*/ 194487 h 194487"/>
                 <a:gd name="connsiteX10" fmla="*/ 0 w 2242673"/>
-                <a:gd name="connsiteY10" fmla="*/ 0 h 290405"/>
+                <a:gd name="connsiteY10" fmla="*/ 0 h 194487"/>
               </a:gdLst>
               <a:ahLst/>
               <a:cxnLst>
@@ -6361,7 +6356,7 @@
               </a:cxnLst>
               <a:rect l="l" t="t" r="r" b="b"/>
               <a:pathLst>
-                <a:path w="2242673" h="290405" fill="none" extrusionOk="0">
+                <a:path w="2242673" h="194487" fill="none" extrusionOk="0">
                   <a:moveTo>
                     <a:pt x="0" y="0"/>
                   </a:moveTo>
@@ -6386,38 +6381,38 @@
                     <a:pt x="2242673" y="0"/>
                   </a:cubicBezTo>
                   <a:cubicBezTo>
-                    <a:pt x="2254654" y="61419"/>
-                    <a:pt x="2250348" y="146712"/>
-                    <a:pt x="2242673" y="290405"/>
+                    <a:pt x="2233205" y="66923"/>
+                    <a:pt x="2247577" y="150080"/>
+                    <a:pt x="2242673" y="194487"/>
                   </a:cubicBezTo>
                   <a:cubicBezTo>
-                    <a:pt x="2088036" y="312312"/>
-                    <a:pt x="1907952" y="296773"/>
-                    <a:pt x="1749285" y="290405"/>
+                    <a:pt x="2088036" y="216394"/>
+                    <a:pt x="1907952" y="200855"/>
+                    <a:pt x="1749285" y="194487"/>
                   </a:cubicBezTo>
                   <a:cubicBezTo>
-                    <a:pt x="1590618" y="284037"/>
-                    <a:pt x="1464598" y="267912"/>
-                    <a:pt x="1255897" y="290405"/>
+                    <a:pt x="1590618" y="188119"/>
+                    <a:pt x="1464598" y="171994"/>
+                    <a:pt x="1255897" y="194487"/>
                   </a:cubicBezTo>
                   <a:cubicBezTo>
-                    <a:pt x="1047196" y="312898"/>
-                    <a:pt x="850654" y="272490"/>
-                    <a:pt x="695229" y="290405"/>
+                    <a:pt x="1047196" y="216980"/>
+                    <a:pt x="850654" y="176572"/>
+                    <a:pt x="695229" y="194487"/>
                   </a:cubicBezTo>
                   <a:cubicBezTo>
-                    <a:pt x="539804" y="308320"/>
-                    <a:pt x="199873" y="280289"/>
-                    <a:pt x="0" y="290405"/>
+                    <a:pt x="539804" y="212402"/>
+                    <a:pt x="199873" y="184371"/>
+                    <a:pt x="0" y="194487"/>
                   </a:cubicBezTo>
                   <a:cubicBezTo>
-                    <a:pt x="-5665" y="192962"/>
-                    <a:pt x="-2990" y="73198"/>
+                    <a:pt x="-8340" y="132081"/>
+                    <a:pt x="-8509" y="83835"/>
                     <a:pt x="0" y="0"/>
                   </a:cubicBezTo>
                   <a:close/>
                 </a:path>
-                <a:path w="2242673" h="290405" stroke="0" extrusionOk="0">
+                <a:path w="2242673" h="194487" stroke="0" extrusionOk="0">
                   <a:moveTo>
                     <a:pt x="0" y="0"/>
                   </a:moveTo>
@@ -6442,33 +6437,33 @@
                     <a:pt x="2242673" y="0"/>
                   </a:cubicBezTo>
                   <a:cubicBezTo>
-                    <a:pt x="2249305" y="103118"/>
-                    <a:pt x="2239484" y="191616"/>
-                    <a:pt x="2242673" y="290405"/>
+                    <a:pt x="2240171" y="74748"/>
+                    <a:pt x="2252016" y="139611"/>
+                    <a:pt x="2242673" y="194487"/>
                   </a:cubicBezTo>
                   <a:cubicBezTo>
-                    <a:pt x="2023607" y="292309"/>
-                    <a:pt x="1929762" y="301679"/>
-                    <a:pt x="1749285" y="290405"/>
+                    <a:pt x="2023607" y="196391"/>
+                    <a:pt x="1929762" y="205761"/>
+                    <a:pt x="1749285" y="194487"/>
                   </a:cubicBezTo>
                   <a:cubicBezTo>
-                    <a:pt x="1568808" y="279131"/>
-                    <a:pt x="1426055" y="276196"/>
-                    <a:pt x="1255897" y="290405"/>
+                    <a:pt x="1568808" y="183213"/>
+                    <a:pt x="1426055" y="180278"/>
+                    <a:pt x="1255897" y="194487"/>
                   </a:cubicBezTo>
                   <a:cubicBezTo>
-                    <a:pt x="1085739" y="304614"/>
-                    <a:pt x="820383" y="301454"/>
-                    <a:pt x="672802" y="290405"/>
+                    <a:pt x="1085739" y="208696"/>
+                    <a:pt x="820383" y="205536"/>
+                    <a:pt x="672802" y="194487"/>
                   </a:cubicBezTo>
                   <a:cubicBezTo>
-                    <a:pt x="525221" y="279356"/>
-                    <a:pt x="315094" y="300744"/>
-                    <a:pt x="0" y="290405"/>
+                    <a:pt x="525221" y="183438"/>
+                    <a:pt x="315094" y="204826"/>
+                    <a:pt x="0" y="194487"/>
                   </a:cubicBezTo>
                   <a:cubicBezTo>
-                    <a:pt x="-10246" y="178167"/>
-                    <a:pt x="7882" y="67041"/>
+                    <a:pt x="-2413" y="137438"/>
+                    <a:pt x="-1830" y="68668"/>
                     <a:pt x="0" y="0"/>
                   </a:cubicBezTo>
                   <a:close/>
@@ -6484,7 +6479,7 @@
             <a:ln>
               <a:extLst>
                 <a:ext uri="{C807C97D-BFC1-408E-A445-0C87EB9F89A2}">
-                  <ask:lineSketchStyleProps xmlns="" xmlns:ask="http://schemas.microsoft.com/office/drawing/2018/sketchyshapes" sd="2244232375">
+                  <ask:lineSketchStyleProps xmlns:ask="http://schemas.microsoft.com/office/drawing/2018/sketchyshapes" sd="2244232375">
                     <a:prstGeom prst="rect">
                       <a:avLst/>
                     </a:prstGeom>
@@ -6574,25 +6569,13 @@
               <a:rPr lang="it-IT" sz="1200">
                 <a:latin typeface="Bahnschrift Light Condensed" panose="020B0502040204020203" pitchFamily="34" charset="0"/>
               </a:rPr>
-              <a:t>   </a:t>
-            </a:r>
-            <a:r>
-              <a:rPr lang="it-IT" sz="1200" smtClean="0">
-                <a:latin typeface="Bahnschrift Light Condensed" panose="020B0502040204020203" pitchFamily="34" charset="0"/>
-              </a:rPr>
-              <a:t>   </a:t>
-            </a:r>
-            <a:r>
-              <a:rPr lang="it-IT" sz="1050" b="1" smtClean="0">
-                <a:latin typeface="Bahnschrift Light Condensed" panose="020B0502040204020203" pitchFamily="34" charset="0"/>
-              </a:rPr>
-              <a:t>/</a:t>
+              <a:t>      </a:t>
             </a:r>
             <a:r>
               <a:rPr lang="it-IT" sz="1050" b="1">
                 <a:latin typeface="Bahnschrift Light Condensed" panose="020B0502040204020203" pitchFamily="34" charset="0"/>
               </a:rPr>
-              <a:t>consumers</a:t>
+              <a:t>/consumers</a:t>
             </a:r>
             <a:endParaRPr lang="it-IT" b="1">
               <a:latin typeface="Bahnschrift Light Condensed" panose="020B0502040204020203" pitchFamily="34" charset="0"/>
@@ -6886,321 +6869,300 @@
           </a:p>
         </p:txBody>
       </p:sp>
-      <p:grpSp>
-        <p:nvGrpSpPr>
-          <p:cNvPr id="93" name="Gruppo 92">
-            <a:extLst>
-              <a:ext uri="{FF2B5EF4-FFF2-40B4-BE49-F238E27FC236}">
-                <a16:creationId xmlns:a16="http://schemas.microsoft.com/office/drawing/2014/main" id="{D5FD9FDE-DBE6-952C-FECF-43C31ABF5F8C}"/>
-              </a:ext>
-            </a:extLst>
-          </p:cNvPr>
-          <p:cNvGrpSpPr/>
+      <p:sp>
+        <p:nvSpPr>
+          <p:cNvPr id="91" name="Cilindro 90">
+            <a:extLst>
+              <a:ext uri="{FF2B5EF4-FFF2-40B4-BE49-F238E27FC236}">
+                <a16:creationId xmlns:a16="http://schemas.microsoft.com/office/drawing/2014/main" id="{20C0EB03-4A53-A757-DF1D-8E9797EDB1DC}"/>
+              </a:ext>
+            </a:extLst>
+          </p:cNvPr>
+          <p:cNvSpPr/>
           <p:nvPr/>
-        </p:nvGrpSpPr>
-        <p:grpSpPr>
+        </p:nvSpPr>
+        <p:spPr>
           <a:xfrm>
             <a:off x="7039007" y="2212735"/>
-            <a:ext cx="990168" cy="1126539"/>
-            <a:chOff x="7041780" y="2643742"/>
-            <a:chExt cx="990168" cy="1126539"/>
+            <a:ext cx="758741" cy="928307"/>
           </a:xfrm>
-        </p:grpSpPr>
-        <p:sp>
-          <p:nvSpPr>
-            <p:cNvPr id="91" name="Cilindro 90">
-              <a:extLst>
-                <a:ext uri="{FF2B5EF4-FFF2-40B4-BE49-F238E27FC236}">
-                  <a16:creationId xmlns:a16="http://schemas.microsoft.com/office/drawing/2014/main" id="{20C0EB03-4A53-A757-DF1D-8E9797EDB1DC}"/>
-                </a:ext>
-              </a:extLst>
-            </p:cNvPr>
-            <p:cNvSpPr/>
-            <p:nvPr/>
-          </p:nvSpPr>
-          <p:spPr>
-            <a:xfrm>
-              <a:off x="7041780" y="2643742"/>
-              <a:ext cx="990168" cy="1040093"/>
-            </a:xfrm>
-            <a:custGeom>
-              <a:avLst/>
-              <a:gdLst>
-                <a:gd name="connsiteX0" fmla="*/ 0 w 990168"/>
-                <a:gd name="connsiteY0" fmla="*/ 123771 h 1040093"/>
-                <a:gd name="connsiteX1" fmla="*/ 495084 w 990168"/>
-                <a:gd name="connsiteY1" fmla="*/ 247542 h 1040093"/>
-                <a:gd name="connsiteX2" fmla="*/ 990168 w 990168"/>
-                <a:gd name="connsiteY2" fmla="*/ 123771 h 1040093"/>
-                <a:gd name="connsiteX3" fmla="*/ 990168 w 990168"/>
-                <a:gd name="connsiteY3" fmla="*/ 916322 h 1040093"/>
-                <a:gd name="connsiteX4" fmla="*/ 495084 w 990168"/>
-                <a:gd name="connsiteY4" fmla="*/ 1040093 h 1040093"/>
-                <a:gd name="connsiteX5" fmla="*/ 0 w 990168"/>
-                <a:gd name="connsiteY5" fmla="*/ 916322 h 1040093"/>
-                <a:gd name="connsiteX6" fmla="*/ 0 w 990168"/>
-                <a:gd name="connsiteY6" fmla="*/ 123771 h 1040093"/>
-                <a:gd name="connsiteX0" fmla="*/ 0 w 990168"/>
-                <a:gd name="connsiteY0" fmla="*/ 123771 h 1040093"/>
-                <a:gd name="connsiteX1" fmla="*/ 495084 w 990168"/>
-                <a:gd name="connsiteY1" fmla="*/ 0 h 1040093"/>
-                <a:gd name="connsiteX2" fmla="*/ 990168 w 990168"/>
-                <a:gd name="connsiteY2" fmla="*/ 123771 h 1040093"/>
-                <a:gd name="connsiteX3" fmla="*/ 495084 w 990168"/>
-                <a:gd name="connsiteY3" fmla="*/ 247542 h 1040093"/>
-                <a:gd name="connsiteX4" fmla="*/ 0 w 990168"/>
-                <a:gd name="connsiteY4" fmla="*/ 123771 h 1040093"/>
-                <a:gd name="connsiteX0" fmla="*/ 990168 w 990168"/>
-                <a:gd name="connsiteY0" fmla="*/ 123771 h 1040093"/>
-                <a:gd name="connsiteX1" fmla="*/ 495084 w 990168"/>
-                <a:gd name="connsiteY1" fmla="*/ 247542 h 1040093"/>
-                <a:gd name="connsiteX2" fmla="*/ 0 w 990168"/>
-                <a:gd name="connsiteY2" fmla="*/ 123771 h 1040093"/>
-                <a:gd name="connsiteX3" fmla="*/ 495084 w 990168"/>
-                <a:gd name="connsiteY3" fmla="*/ 0 h 1040093"/>
-                <a:gd name="connsiteX4" fmla="*/ 990168 w 990168"/>
-                <a:gd name="connsiteY4" fmla="*/ 123771 h 1040093"/>
-                <a:gd name="connsiteX5" fmla="*/ 990168 w 990168"/>
-                <a:gd name="connsiteY5" fmla="*/ 916322 h 1040093"/>
-                <a:gd name="connsiteX6" fmla="*/ 495084 w 990168"/>
-                <a:gd name="connsiteY6" fmla="*/ 1040093 h 1040093"/>
-                <a:gd name="connsiteX7" fmla="*/ 0 w 990168"/>
-                <a:gd name="connsiteY7" fmla="*/ 916322 h 1040093"/>
-                <a:gd name="connsiteX8" fmla="*/ 0 w 990168"/>
-                <a:gd name="connsiteY8" fmla="*/ 123771 h 1040093"/>
-              </a:gdLst>
-              <a:ahLst/>
-              <a:cxnLst>
-                <a:cxn ang="0">
-                  <a:pos x="connsiteX0" y="connsiteY0"/>
-                </a:cxn>
-                <a:cxn ang="0">
-                  <a:pos x="connsiteX1" y="connsiteY1"/>
-                </a:cxn>
-                <a:cxn ang="0">
-                  <a:pos x="connsiteX2" y="connsiteY2"/>
-                </a:cxn>
-                <a:cxn ang="0">
-                  <a:pos x="connsiteX3" y="connsiteY3"/>
-                </a:cxn>
-                <a:cxn ang="0">
-                  <a:pos x="connsiteX4" y="connsiteY4"/>
-                </a:cxn>
-                <a:cxn ang="0">
-                  <a:pos x="connsiteX5" y="connsiteY5"/>
-                </a:cxn>
-                <a:cxn ang="0">
-                  <a:pos x="connsiteX6" y="connsiteY6"/>
-                </a:cxn>
-                <a:cxn ang="0">
-                  <a:pos x="connsiteX7" y="connsiteY7"/>
-                </a:cxn>
-                <a:cxn ang="0">
-                  <a:pos x="connsiteX8" y="connsiteY8"/>
-                </a:cxn>
-              </a:cxnLst>
-              <a:rect l="l" t="t" r="r" b="b"/>
-              <a:pathLst>
-                <a:path w="990168" h="1040093" stroke="0" extrusionOk="0">
-                  <a:moveTo>
-                    <a:pt x="0" y="123771"/>
-                  </a:moveTo>
-                  <a:cubicBezTo>
-                    <a:pt x="19628" y="170366"/>
-                    <a:pt x="212671" y="248011"/>
-                    <a:pt x="495084" y="247542"/>
-                  </a:cubicBezTo>
-                  <a:cubicBezTo>
-                    <a:pt x="781531" y="245908"/>
-                    <a:pt x="979050" y="194359"/>
-                    <a:pt x="990168" y="123771"/>
-                  </a:cubicBezTo>
-                  <a:cubicBezTo>
-                    <a:pt x="934788" y="414353"/>
-                    <a:pt x="1038825" y="677579"/>
-                    <a:pt x="990168" y="916322"/>
-                  </a:cubicBezTo>
-                  <a:cubicBezTo>
-                    <a:pt x="1006827" y="1013936"/>
-                    <a:pt x="747092" y="1002241"/>
-                    <a:pt x="495084" y="1040093"/>
-                  </a:cubicBezTo>
-                  <a:cubicBezTo>
-                    <a:pt x="218903" y="1052776"/>
-                    <a:pt x="-8151" y="988095"/>
-                    <a:pt x="0" y="916322"/>
-                  </a:cubicBezTo>
-                  <a:cubicBezTo>
-                    <a:pt x="3183" y="696157"/>
-                    <a:pt x="-68422" y="330146"/>
-                    <a:pt x="0" y="123771"/>
-                  </a:cubicBezTo>
-                  <a:close/>
-                </a:path>
-                <a:path w="990168" h="1040093" fill="lighten" stroke="0" extrusionOk="0">
-                  <a:moveTo>
-                    <a:pt x="0" y="123771"/>
-                  </a:moveTo>
-                  <a:cubicBezTo>
-                    <a:pt x="9867" y="96818"/>
-                    <a:pt x="193719" y="-9854"/>
-                    <a:pt x="495084" y="0"/>
-                  </a:cubicBezTo>
-                  <a:cubicBezTo>
-                    <a:pt x="764092" y="-12922"/>
-                    <a:pt x="995276" y="48736"/>
-                    <a:pt x="990168" y="123771"/>
-                  </a:cubicBezTo>
-                  <a:cubicBezTo>
-                    <a:pt x="997146" y="185469"/>
-                    <a:pt x="763028" y="264377"/>
-                    <a:pt x="495084" y="247542"/>
-                  </a:cubicBezTo>
-                  <a:cubicBezTo>
-                    <a:pt x="221522" y="249724"/>
-                    <a:pt x="297" y="195128"/>
-                    <a:pt x="0" y="123771"/>
-                  </a:cubicBezTo>
-                  <a:close/>
-                </a:path>
-                <a:path w="990168" h="1040093" fill="none" extrusionOk="0">
-                  <a:moveTo>
-                    <a:pt x="990168" y="123771"/>
-                  </a:moveTo>
-                  <a:cubicBezTo>
-                    <a:pt x="995415" y="183084"/>
-                    <a:pt x="765048" y="239641"/>
-                    <a:pt x="495084" y="247542"/>
-                  </a:cubicBezTo>
-                  <a:cubicBezTo>
-                    <a:pt x="225088" y="237436"/>
-                    <a:pt x="1896" y="187540"/>
-                    <a:pt x="0" y="123771"/>
-                  </a:cubicBezTo>
-                  <a:cubicBezTo>
-                    <a:pt x="20691" y="70866"/>
-                    <a:pt x="258751" y="-11698"/>
-                    <a:pt x="495084" y="0"/>
-                  </a:cubicBezTo>
-                  <a:cubicBezTo>
-                    <a:pt x="772107" y="2898"/>
-                    <a:pt x="992252" y="63504"/>
-                    <a:pt x="990168" y="123771"/>
-                  </a:cubicBezTo>
-                  <a:cubicBezTo>
-                    <a:pt x="965285" y="517667"/>
-                    <a:pt x="931267" y="790236"/>
-                    <a:pt x="990168" y="916322"/>
-                  </a:cubicBezTo>
-                  <a:cubicBezTo>
-                    <a:pt x="1009843" y="1011295"/>
-                    <a:pt x="758636" y="1043367"/>
-                    <a:pt x="495084" y="1040093"/>
-                  </a:cubicBezTo>
-                  <a:cubicBezTo>
-                    <a:pt x="218454" y="1044520"/>
-                    <a:pt x="1182" y="983825"/>
-                    <a:pt x="0" y="916322"/>
-                  </a:cubicBezTo>
-                  <a:cubicBezTo>
-                    <a:pt x="-30910" y="531940"/>
-                    <a:pt x="-17760" y="404728"/>
-                    <a:pt x="0" y="123771"/>
-                  </a:cubicBezTo>
-                </a:path>
-              </a:pathLst>
-            </a:custGeom>
-            <a:noFill/>
-            <a:ln>
-              <a:extLst>
-                <a:ext uri="{C807C97D-BFC1-408E-A445-0C87EB9F89A2}">
-                  <ask:lineSketchStyleProps xmlns="" xmlns:ask="http://schemas.microsoft.com/office/drawing/2018/sketchyshapes" sd="278935163">
-                    <a:prstGeom prst="can">
-                      <a:avLst/>
-                    </a:prstGeom>
-                    <ask:type>
-                      <ask:lineSketchCurved/>
-                    </ask:type>
-                  </ask:lineSketchStyleProps>
-                </a:ext>
-              </a:extLst>
-            </a:ln>
-          </p:spPr>
-          <p:style>
-            <a:lnRef idx="2">
-              <a:schemeClr val="accent1">
-                <a:shade val="15000"/>
-              </a:schemeClr>
-            </a:lnRef>
-            <a:fillRef idx="1">
-              <a:schemeClr val="accent1"/>
-            </a:fillRef>
-            <a:effectRef idx="0">
-              <a:schemeClr val="accent1"/>
-            </a:effectRef>
-            <a:fontRef idx="minor">
-              <a:schemeClr val="lt1"/>
-            </a:fontRef>
-          </p:style>
-          <p:txBody>
-            <a:bodyPr rtlCol="0" anchor="ctr"/>
-            <a:lstStyle/>
-            <a:p>
-              <a:pPr algn="ctr"/>
-              <a:endParaRPr lang="it-IT">
-                <a:latin typeface="Bahnschrift Light Condensed" panose="020B0502040204020203" pitchFamily="34" charset="0"/>
-              </a:endParaRPr>
-            </a:p>
-          </p:txBody>
-        </p:sp>
-        <p:pic>
-          <p:nvPicPr>
-            <p:cNvPr id="1026" name="Picture 2" descr="Cos'è MySQL e a cosa serve">
-              <a:extLst>
-                <a:ext uri="{FF2B5EF4-FFF2-40B4-BE49-F238E27FC236}">
-                  <a16:creationId xmlns:a16="http://schemas.microsoft.com/office/drawing/2014/main" id="{2FEC4067-2853-45F8-C292-38507F6473C5}"/>
-                </a:ext>
-              </a:extLst>
-            </p:cNvPr>
-            <p:cNvPicPr>
-              <a:picLocks noChangeAspect="1" noChangeArrowheads="1"/>
-            </p:cNvPicPr>
-            <p:nvPr/>
-          </p:nvPicPr>
-          <p:blipFill>
-            <a:blip r:embed="rId5" cstate="hqprint">
-              <a:extLst>
-                <a:ext uri="{28A0092B-C50C-407E-A947-70E740481C1C}">
-                  <a14:useLocalDpi xmlns:a14="http://schemas.microsoft.com/office/drawing/2010/main" val="0"/>
-                </a:ext>
-              </a:extLst>
-            </a:blip>
-            <a:srcRect/>
-            <a:stretch>
-              <a:fillRect/>
-            </a:stretch>
-          </p:blipFill>
-          <p:spPr bwMode="auto">
-            <a:xfrm>
-              <a:off x="7112791" y="3161927"/>
-              <a:ext cx="912531" cy="608354"/>
-            </a:xfrm>
-            <a:prstGeom prst="rect">
-              <a:avLst/>
-            </a:prstGeom>
-            <a:noFill/>
-            <a:extLst>
-              <a:ext uri="{909E8E84-426E-40DD-AFC4-6F175D3DCCD1}">
-                <a14:hiddenFill xmlns:a14="http://schemas.microsoft.com/office/drawing/2010/main">
-                  <a:solidFill>
-                    <a:srgbClr val="FFFFFF"/>
-                  </a:solidFill>
-                </a14:hiddenFill>
-              </a:ext>
-            </a:extLst>
-          </p:spPr>
-        </p:pic>
-      </p:grpSp>
+          <a:custGeom>
+            <a:avLst/>
+            <a:gdLst>
+              <a:gd name="connsiteX0" fmla="*/ 0 w 758741"/>
+              <a:gd name="connsiteY0" fmla="*/ 94843 h 928307"/>
+              <a:gd name="connsiteX1" fmla="*/ 379371 w 758741"/>
+              <a:gd name="connsiteY1" fmla="*/ 189686 h 928307"/>
+              <a:gd name="connsiteX2" fmla="*/ 758742 w 758741"/>
+              <a:gd name="connsiteY2" fmla="*/ 94843 h 928307"/>
+              <a:gd name="connsiteX3" fmla="*/ 758741 w 758741"/>
+              <a:gd name="connsiteY3" fmla="*/ 833464 h 928307"/>
+              <a:gd name="connsiteX4" fmla="*/ 379370 w 758741"/>
+              <a:gd name="connsiteY4" fmla="*/ 928307 h 928307"/>
+              <a:gd name="connsiteX5" fmla="*/ -1 w 758741"/>
+              <a:gd name="connsiteY5" fmla="*/ 833464 h 928307"/>
+              <a:gd name="connsiteX6" fmla="*/ 0 w 758741"/>
+              <a:gd name="connsiteY6" fmla="*/ 94843 h 928307"/>
+              <a:gd name="connsiteX0" fmla="*/ 0 w 758741"/>
+              <a:gd name="connsiteY0" fmla="*/ 94843 h 928307"/>
+              <a:gd name="connsiteX1" fmla="*/ 379371 w 758741"/>
+              <a:gd name="connsiteY1" fmla="*/ 0 h 928307"/>
+              <a:gd name="connsiteX2" fmla="*/ 758742 w 758741"/>
+              <a:gd name="connsiteY2" fmla="*/ 94843 h 928307"/>
+              <a:gd name="connsiteX3" fmla="*/ 379371 w 758741"/>
+              <a:gd name="connsiteY3" fmla="*/ 189686 h 928307"/>
+              <a:gd name="connsiteX4" fmla="*/ 0 w 758741"/>
+              <a:gd name="connsiteY4" fmla="*/ 94843 h 928307"/>
+              <a:gd name="connsiteX0" fmla="*/ 758741 w 758741"/>
+              <a:gd name="connsiteY0" fmla="*/ 94843 h 928307"/>
+              <a:gd name="connsiteX1" fmla="*/ 379370 w 758741"/>
+              <a:gd name="connsiteY1" fmla="*/ 189686 h 928307"/>
+              <a:gd name="connsiteX2" fmla="*/ -1 w 758741"/>
+              <a:gd name="connsiteY2" fmla="*/ 94843 h 928307"/>
+              <a:gd name="connsiteX3" fmla="*/ 379370 w 758741"/>
+              <a:gd name="connsiteY3" fmla="*/ 0 h 928307"/>
+              <a:gd name="connsiteX4" fmla="*/ 758741 w 758741"/>
+              <a:gd name="connsiteY4" fmla="*/ 94843 h 928307"/>
+              <a:gd name="connsiteX5" fmla="*/ 758741 w 758741"/>
+              <a:gd name="connsiteY5" fmla="*/ 833464 h 928307"/>
+              <a:gd name="connsiteX6" fmla="*/ 379370 w 758741"/>
+              <a:gd name="connsiteY6" fmla="*/ 928307 h 928307"/>
+              <a:gd name="connsiteX7" fmla="*/ -1 w 758741"/>
+              <a:gd name="connsiteY7" fmla="*/ 833464 h 928307"/>
+              <a:gd name="connsiteX8" fmla="*/ 0 w 758741"/>
+              <a:gd name="connsiteY8" fmla="*/ 94843 h 928307"/>
+            </a:gdLst>
+            <a:ahLst/>
+            <a:cxnLst>
+              <a:cxn ang="0">
+                <a:pos x="connsiteX0" y="connsiteY0"/>
+              </a:cxn>
+              <a:cxn ang="0">
+                <a:pos x="connsiteX1" y="connsiteY1"/>
+              </a:cxn>
+              <a:cxn ang="0">
+                <a:pos x="connsiteX2" y="connsiteY2"/>
+              </a:cxn>
+              <a:cxn ang="0">
+                <a:pos x="connsiteX3" y="connsiteY3"/>
+              </a:cxn>
+              <a:cxn ang="0">
+                <a:pos x="connsiteX4" y="connsiteY4"/>
+              </a:cxn>
+              <a:cxn ang="0">
+                <a:pos x="connsiteX5" y="connsiteY5"/>
+              </a:cxn>
+              <a:cxn ang="0">
+                <a:pos x="connsiteX6" y="connsiteY6"/>
+              </a:cxn>
+              <a:cxn ang="0">
+                <a:pos x="connsiteX7" y="connsiteY7"/>
+              </a:cxn>
+              <a:cxn ang="0">
+                <a:pos x="connsiteX8" y="connsiteY8"/>
+              </a:cxn>
+            </a:cxnLst>
+            <a:rect l="l" t="t" r="r" b="b"/>
+            <a:pathLst>
+              <a:path w="758741" h="928307" stroke="0" extrusionOk="0">
+                <a:moveTo>
+                  <a:pt x="0" y="94843"/>
+                </a:moveTo>
+                <a:cubicBezTo>
+                  <a:pt x="13379" y="132390"/>
+                  <a:pt x="141810" y="191150"/>
+                  <a:pt x="379371" y="189686"/>
+                </a:cubicBezTo>
+                <a:cubicBezTo>
+                  <a:pt x="598755" y="188448"/>
+                  <a:pt x="756645" y="147644"/>
+                  <a:pt x="758742" y="94843"/>
+                </a:cubicBezTo>
+                <a:cubicBezTo>
+                  <a:pt x="746149" y="346638"/>
+                  <a:pt x="785014" y="618298"/>
+                  <a:pt x="758741" y="833464"/>
+                </a:cubicBezTo>
+                <a:cubicBezTo>
+                  <a:pt x="772422" y="909871"/>
+                  <a:pt x="575304" y="904296"/>
+                  <a:pt x="379370" y="928307"/>
+                </a:cubicBezTo>
+                <a:cubicBezTo>
+                  <a:pt x="169424" y="930264"/>
+                  <a:pt x="-2554" y="886914"/>
+                  <a:pt x="-1" y="833464"/>
+                </a:cubicBezTo>
+                <a:cubicBezTo>
+                  <a:pt x="5715" y="601363"/>
+                  <a:pt x="37447" y="327826"/>
+                  <a:pt x="0" y="94843"/>
+                </a:cubicBezTo>
+                <a:close/>
+              </a:path>
+              <a:path w="758741" h="928307" fill="lighten" stroke="0" extrusionOk="0">
+                <a:moveTo>
+                  <a:pt x="0" y="94843"/>
+                </a:moveTo>
+                <a:cubicBezTo>
+                  <a:pt x="685" y="45338"/>
+                  <a:pt x="153310" y="-5834"/>
+                  <a:pt x="379371" y="0"/>
+                </a:cubicBezTo>
+                <a:cubicBezTo>
+                  <a:pt x="585949" y="-8606"/>
+                  <a:pt x="764229" y="35289"/>
+                  <a:pt x="758742" y="94843"/>
+                </a:cubicBezTo>
+                <a:cubicBezTo>
+                  <a:pt x="773327" y="133303"/>
+                  <a:pt x="582008" y="210823"/>
+                  <a:pt x="379371" y="189686"/>
+                </a:cubicBezTo>
+                <a:cubicBezTo>
+                  <a:pt x="169636" y="193144"/>
+                  <a:pt x="157" y="148810"/>
+                  <a:pt x="0" y="94843"/>
+                </a:cubicBezTo>
+                <a:close/>
+              </a:path>
+              <a:path w="758741" h="928307" fill="none" extrusionOk="0">
+                <a:moveTo>
+                  <a:pt x="758741" y="94843"/>
+                </a:moveTo>
+                <a:cubicBezTo>
+                  <a:pt x="766701" y="133501"/>
+                  <a:pt x="578073" y="165007"/>
+                  <a:pt x="379370" y="189686"/>
+                </a:cubicBezTo>
+                <a:cubicBezTo>
+                  <a:pt x="170988" y="186331"/>
+                  <a:pt x="2299" y="141660"/>
+                  <a:pt x="-1" y="94843"/>
+                </a:cubicBezTo>
+                <a:cubicBezTo>
+                  <a:pt x="22054" y="58934"/>
+                  <a:pt x="180798" y="-3453"/>
+                  <a:pt x="379370" y="0"/>
+                </a:cubicBezTo>
+                <a:cubicBezTo>
+                  <a:pt x="594639" y="4633"/>
+                  <a:pt x="759362" y="44875"/>
+                  <a:pt x="758741" y="94843"/>
+                </a:cubicBezTo>
+                <a:cubicBezTo>
+                  <a:pt x="752519" y="447162"/>
+                  <a:pt x="749883" y="465217"/>
+                  <a:pt x="758741" y="833464"/>
+                </a:cubicBezTo>
+                <a:cubicBezTo>
+                  <a:pt x="764406" y="893508"/>
+                  <a:pt x="568873" y="934943"/>
+                  <a:pt x="379370" y="928307"/>
+                </a:cubicBezTo>
+                <a:cubicBezTo>
+                  <a:pt x="166397" y="933079"/>
+                  <a:pt x="6246" y="881329"/>
+                  <a:pt x="-1" y="833464"/>
+                </a:cubicBezTo>
+                <a:cubicBezTo>
+                  <a:pt x="15409" y="543904"/>
+                  <a:pt x="14633" y="372044"/>
+                  <a:pt x="0" y="94843"/>
+                </a:cubicBezTo>
+              </a:path>
+            </a:pathLst>
+          </a:custGeom>
+          <a:noFill/>
+          <a:ln>
+            <a:extLst>
+              <a:ext uri="{C807C97D-BFC1-408E-A445-0C87EB9F89A2}">
+                <ask:lineSketchStyleProps xmlns:ask="http://schemas.microsoft.com/office/drawing/2018/sketchyshapes" sd="278935163">
+                  <a:prstGeom prst="can">
+                    <a:avLst/>
+                  </a:prstGeom>
+                  <ask:type>
+                    <ask:lineSketchCurved/>
+                  </ask:type>
+                </ask:lineSketchStyleProps>
+              </a:ext>
+            </a:extLst>
+          </a:ln>
+        </p:spPr>
+        <p:style>
+          <a:lnRef idx="2">
+            <a:schemeClr val="accent1">
+              <a:shade val="15000"/>
+            </a:schemeClr>
+          </a:lnRef>
+          <a:fillRef idx="1">
+            <a:schemeClr val="accent1"/>
+          </a:fillRef>
+          <a:effectRef idx="0">
+            <a:schemeClr val="accent1"/>
+          </a:effectRef>
+          <a:fontRef idx="minor">
+            <a:schemeClr val="lt1"/>
+          </a:fontRef>
+        </p:style>
+        <p:txBody>
+          <a:bodyPr rtlCol="0" anchor="ctr"/>
+          <a:lstStyle/>
+          <a:p>
+            <a:pPr algn="ctr"/>
+            <a:endParaRPr lang="it-IT">
+              <a:latin typeface="Bahnschrift Light Condensed" panose="020B0502040204020203" pitchFamily="34" charset="0"/>
+            </a:endParaRPr>
+          </a:p>
+        </p:txBody>
+      </p:sp>
+      <p:pic>
+        <p:nvPicPr>
+          <p:cNvPr id="1026" name="Picture 2" descr="Cos'è MySQL e a cosa serve">
+            <a:extLst>
+              <a:ext uri="{FF2B5EF4-FFF2-40B4-BE49-F238E27FC236}">
+                <a16:creationId xmlns:a16="http://schemas.microsoft.com/office/drawing/2014/main" id="{2FEC4067-2853-45F8-C292-38507F6473C5}"/>
+              </a:ext>
+            </a:extLst>
+          </p:cNvPr>
+          <p:cNvPicPr>
+            <a:picLocks noChangeAspect="1" noChangeArrowheads="1"/>
+          </p:cNvPicPr>
+          <p:nvPr/>
+        </p:nvPicPr>
+        <p:blipFill>
+          <a:blip r:embed="rId5" cstate="hqprint">
+            <a:extLst>
+              <a:ext uri="{28A0092B-C50C-407E-A947-70E740481C1C}">
+                <a14:useLocalDpi xmlns:a14="http://schemas.microsoft.com/office/drawing/2010/main" val="0"/>
+              </a:ext>
+            </a:extLst>
+          </a:blip>
+          <a:srcRect/>
+          <a:stretch>
+            <a:fillRect/>
+          </a:stretch>
+        </p:blipFill>
+        <p:spPr bwMode="auto">
+          <a:xfrm>
+            <a:off x="7060142" y="2701558"/>
+            <a:ext cx="738549" cy="492366"/>
+          </a:xfrm>
+          <a:prstGeom prst="rect">
+            <a:avLst/>
+          </a:prstGeom>
+          <a:noFill/>
+          <a:extLst>
+            <a:ext uri="{909E8E84-426E-40DD-AFC4-6F175D3DCCD1}">
+              <a14:hiddenFill xmlns:a14="http://schemas.microsoft.com/office/drawing/2010/main">
+                <a:solidFill>
+                  <a:srgbClr val="FFFFFF"/>
+                </a:solidFill>
+              </a14:hiddenFill>
+            </a:ext>
+          </a:extLst>
+        </p:spPr>
+      </p:pic>
       <p:cxnSp>
         <p:nvCxnSpPr>
           <p:cNvPr id="99" name="Connettore 2 98">
@@ -7357,28 +7319,28 @@
             <a:gdLst>
               <a:gd name="connsiteX0" fmla="*/ 0 w 2271384"/>
               <a:gd name="connsiteY0" fmla="*/ 0 h 967348"/>
-              <a:gd name="connsiteX1" fmla="*/ 567846 w 2271384"/>
+              <a:gd name="connsiteX1" fmla="*/ 545132 w 2271384"/>
               <a:gd name="connsiteY1" fmla="*/ 0 h 967348"/>
-              <a:gd name="connsiteX2" fmla="*/ 1135692 w 2271384"/>
+              <a:gd name="connsiteX2" fmla="*/ 1067550 w 2271384"/>
               <a:gd name="connsiteY2" fmla="*/ 0 h 967348"/>
-              <a:gd name="connsiteX3" fmla="*/ 1748966 w 2271384"/>
+              <a:gd name="connsiteX3" fmla="*/ 1612683 w 2271384"/>
               <a:gd name="connsiteY3" fmla="*/ 0 h 967348"/>
               <a:gd name="connsiteX4" fmla="*/ 2271384 w 2271384"/>
               <a:gd name="connsiteY4" fmla="*/ 0 h 967348"/>
               <a:gd name="connsiteX5" fmla="*/ 2271384 w 2271384"/>
-              <a:gd name="connsiteY5" fmla="*/ 474001 h 967348"/>
+              <a:gd name="connsiteY5" fmla="*/ 503021 h 967348"/>
               <a:gd name="connsiteX6" fmla="*/ 2271384 w 2271384"/>
               <a:gd name="connsiteY6" fmla="*/ 967348 h 967348"/>
-              <a:gd name="connsiteX7" fmla="*/ 1703538 w 2271384"/>
+              <a:gd name="connsiteX7" fmla="*/ 1771680 w 2271384"/>
               <a:gd name="connsiteY7" fmla="*/ 967348 h 967348"/>
               <a:gd name="connsiteX8" fmla="*/ 1181120 w 2271384"/>
               <a:gd name="connsiteY8" fmla="*/ 967348 h 967348"/>
-              <a:gd name="connsiteX9" fmla="*/ 590560 w 2271384"/>
+              <a:gd name="connsiteX9" fmla="*/ 613274 w 2271384"/>
               <a:gd name="connsiteY9" fmla="*/ 967348 h 967348"/>
               <a:gd name="connsiteX10" fmla="*/ 0 w 2271384"/>
               <a:gd name="connsiteY10" fmla="*/ 967348 h 967348"/>
               <a:gd name="connsiteX11" fmla="*/ 0 w 2271384"/>
-              <a:gd name="connsiteY11" fmla="*/ 503021 h 967348"/>
+              <a:gd name="connsiteY11" fmla="*/ 483674 h 967348"/>
               <a:gd name="connsiteX12" fmla="*/ 0 w 2271384"/>
               <a:gd name="connsiteY12" fmla="*/ 0 h 967348"/>
             </a:gdLst>
@@ -7426,73 +7388,7 @@
             </a:cxnLst>
             <a:rect l="l" t="t" r="r" b="b"/>
             <a:pathLst>
-              <a:path w="2271384" h="967348" fill="none" extrusionOk="0">
-                <a:moveTo>
-                  <a:pt x="0" y="0"/>
-                </a:moveTo>
-                <a:cubicBezTo>
-                  <a:pt x="147421" y="-18868"/>
-                  <a:pt x="439827" y="-9206"/>
-                  <a:pt x="567846" y="0"/>
-                </a:cubicBezTo>
-                <a:cubicBezTo>
-                  <a:pt x="695865" y="9206"/>
-                  <a:pt x="924039" y="16"/>
-                  <a:pt x="1135692" y="0"/>
-                </a:cubicBezTo>
-                <a:cubicBezTo>
-                  <a:pt x="1347345" y="-16"/>
-                  <a:pt x="1447637" y="-29162"/>
-                  <a:pt x="1748966" y="0"/>
-                </a:cubicBezTo>
-                <a:cubicBezTo>
-                  <a:pt x="2050295" y="29162"/>
-                  <a:pt x="2048106" y="14774"/>
-                  <a:pt x="2271384" y="0"/>
-                </a:cubicBezTo>
-                <a:cubicBezTo>
-                  <a:pt x="2263741" y="96905"/>
-                  <a:pt x="2289254" y="375349"/>
-                  <a:pt x="2271384" y="474001"/>
-                </a:cubicBezTo>
-                <a:cubicBezTo>
-                  <a:pt x="2253514" y="572653"/>
-                  <a:pt x="2271603" y="753491"/>
-                  <a:pt x="2271384" y="967348"/>
-                </a:cubicBezTo>
-                <a:cubicBezTo>
-                  <a:pt x="2016794" y="991329"/>
-                  <a:pt x="1824679" y="939036"/>
-                  <a:pt x="1703538" y="967348"/>
-                </a:cubicBezTo>
-                <a:cubicBezTo>
-                  <a:pt x="1582397" y="995660"/>
-                  <a:pt x="1390454" y="974846"/>
-                  <a:pt x="1181120" y="967348"/>
-                </a:cubicBezTo>
-                <a:cubicBezTo>
-                  <a:pt x="971786" y="959850"/>
-                  <a:pt x="803503" y="996180"/>
-                  <a:pt x="590560" y="967348"/>
-                </a:cubicBezTo>
-                <a:cubicBezTo>
-                  <a:pt x="377617" y="938516"/>
-                  <a:pt x="228649" y="967400"/>
-                  <a:pt x="0" y="967348"/>
-                </a:cubicBezTo>
-                <a:cubicBezTo>
-                  <a:pt x="-11107" y="741673"/>
-                  <a:pt x="22155" y="630406"/>
-                  <a:pt x="0" y="503021"/>
-                </a:cubicBezTo>
-                <a:cubicBezTo>
-                  <a:pt x="-22155" y="375636"/>
-                  <a:pt x="-12687" y="237858"/>
-                  <a:pt x="0" y="0"/>
-                </a:cubicBezTo>
-                <a:close/>
-              </a:path>
-              <a:path w="2271384" h="967348" stroke="0" extrusionOk="0">
+              <a:path w="2271384" h="967348" extrusionOk="0">
                 <a:moveTo>
                   <a:pt x="0" y="0"/>
                 </a:moveTo>
@@ -7564,7 +7460,7 @@
           <a:ln>
             <a:extLst>
               <a:ext uri="{C807C97D-BFC1-408E-A445-0C87EB9F89A2}">
-                <ask:lineSketchStyleProps xmlns="" xmlns:ask="http://schemas.microsoft.com/office/drawing/2018/sketchyshapes" sd="2244232375">
+                <ask:lineSketchStyleProps xmlns:ask="http://schemas.microsoft.com/office/drawing/2018/sketchyshapes" sd="2244232375">
                   <a:prstGeom prst="rect">
                     <a:avLst/>
                   </a:prstGeom>
@@ -7880,7 +7776,7 @@
           <a:ln>
             <a:extLst>
               <a:ext uri="{C807C97D-BFC1-408E-A445-0C87EB9F89A2}">
-                <ask:lineSketchStyleProps xmlns="" xmlns:ask="http://schemas.microsoft.com/office/drawing/2018/sketchyshapes" sd="2244232375">
+                <ask:lineSketchStyleProps xmlns:ask="http://schemas.microsoft.com/office/drawing/2018/sketchyshapes" sd="2244232375">
                   <a:prstGeom prst="rect">
                     <a:avLst/>
                   </a:prstGeom>
@@ -8063,7 +7959,7 @@
           <a:ln w="9525">
             <a:extLst>
               <a:ext uri="{C807C97D-BFC1-408E-A445-0C87EB9F89A2}">
-                <ask:lineSketchStyleProps xmlns="" xmlns:ask="http://schemas.microsoft.com/office/drawing/2018/sketchyshapes" sd="1725041551">
+                <ask:lineSketchStyleProps xmlns:ask="http://schemas.microsoft.com/office/drawing/2018/sketchyshapes" sd="1725041551">
                   <a:prstGeom prst="rect">
                     <a:avLst/>
                   </a:prstGeom>
@@ -8451,7 +8347,7 @@
           <a:ln w="9525">
             <a:extLst>
               <a:ext uri="{C807C97D-BFC1-408E-A445-0C87EB9F89A2}">
-                <ask:lineSketchStyleProps xmlns="" xmlns:ask="http://schemas.microsoft.com/office/drawing/2018/sketchyshapes" sd="1725041551">
+                <ask:lineSketchStyleProps xmlns:ask="http://schemas.microsoft.com/office/drawing/2018/sketchyshapes" sd="1725041551">
                   <a:prstGeom prst="rect">
                     <a:avLst/>
                   </a:prstGeom>
@@ -8644,7 +8540,7 @@
           <a:ln w="9525">
             <a:extLst>
               <a:ext uri="{C807C97D-BFC1-408E-A445-0C87EB9F89A2}">
-                <ask:lineSketchStyleProps xmlns="" xmlns:ask="http://schemas.microsoft.com/office/drawing/2018/sketchyshapes" sd="1725041551">
+                <ask:lineSketchStyleProps xmlns:ask="http://schemas.microsoft.com/office/drawing/2018/sketchyshapes" sd="1725041551">
                   <a:prstGeom prst="rect">
                     <a:avLst/>
                   </a:prstGeom>
@@ -8778,7 +8674,7 @@
           <a:lstStyle/>
           <a:p>
             <a:r>
-              <a:rPr lang="it-IT" sz="700" smtClean="0">
+              <a:rPr lang="it-IT" sz="700">
                 <a:latin typeface="Bahnschrift Light Condensed" panose="020B0502040204020203" pitchFamily="34" charset="0"/>
               </a:rPr>
               <a:t>10sec</a:t>
@@ -9043,7 +8939,7 @@
           <a:ln>
             <a:extLst>
               <a:ext uri="{C807C97D-BFC1-408E-A445-0C87EB9F89A2}">
-                <ask:lineSketchStyleProps xmlns="" xmlns:ask="http://schemas.microsoft.com/office/drawing/2018/sketchyshapes" sd="2244232375">
+                <ask:lineSketchStyleProps xmlns:ask="http://schemas.microsoft.com/office/drawing/2018/sketchyshapes" sd="2244232375">
                   <a:prstGeom prst="rect">
                     <a:avLst/>
                   </a:prstGeom>
@@ -9235,7 +9131,7 @@
           <a:ln w="9525">
             <a:extLst>
               <a:ext uri="{C807C97D-BFC1-408E-A445-0C87EB9F89A2}">
-                <ask:lineSketchStyleProps xmlns="" xmlns:ask="http://schemas.microsoft.com/office/drawing/2018/sketchyshapes" sd="1725041551">
+                <ask:lineSketchStyleProps xmlns:ask="http://schemas.microsoft.com/office/drawing/2018/sketchyshapes" sd="1725041551">
                   <a:prstGeom prst="rect">
                     <a:avLst/>
                   </a:prstGeom>
@@ -9616,7 +9512,7 @@
           <a:ln w="9525">
             <a:extLst>
               <a:ext uri="{C807C97D-BFC1-408E-A445-0C87EB9F89A2}">
-                <ask:lineSketchStyleProps xmlns="" xmlns:ask="http://schemas.microsoft.com/office/drawing/2018/sketchyshapes" sd="1725041551">
+                <ask:lineSketchStyleProps xmlns:ask="http://schemas.microsoft.com/office/drawing/2018/sketchyshapes" sd="1725041551">
                   <a:prstGeom prst="rect">
                     <a:avLst/>
                   </a:prstGeom>
@@ -9868,7 +9764,7 @@
           <a:ln>
             <a:extLst>
               <a:ext uri="{C807C97D-BFC1-408E-A445-0C87EB9F89A2}">
-                <ask:lineSketchStyleProps xmlns="" xmlns:ask="http://schemas.microsoft.com/office/drawing/2018/sketchyshapes" sd="2244232375">
+                <ask:lineSketchStyleProps xmlns:ask="http://schemas.microsoft.com/office/drawing/2018/sketchyshapes" sd="2244232375">
                   <a:prstGeom prst="rect">
                     <a:avLst/>
                   </a:prstGeom>
@@ -10664,7 +10560,7 @@
           <a:lstStyle/>
           <a:p>
             <a:r>
-              <a:rPr lang="it-IT" sz="1200" smtClean="0">
+              <a:rPr lang="it-IT" sz="1200">
                 <a:latin typeface="Bahnschrift Light Condensed" panose="020B0502040204020203" pitchFamily="34" charset="0"/>
               </a:rPr>
               <a:t>3306</a:t>
@@ -10698,20 +10594,19 @@
           <a:lstStyle/>
           <a:p>
             <a:r>
-              <a:rPr lang="it-IT" sz="1200" b="1" smtClean="0"/>
+              <a:rPr lang="it-IT" sz="1200" b="1"/>
               <a:t>Distributed System and Big Data</a:t>
             </a:r>
             <a:r>
-              <a:rPr lang="it-IT" sz="1200" smtClean="0"/>
+              <a:rPr lang="it-IT" sz="1200"/>
               <a:t> – A.A. 2023/24 - Unict</a:t>
             </a:r>
           </a:p>
           <a:p>
             <a:r>
-              <a:rPr lang="it-IT" sz="1200" smtClean="0"/>
+              <a:rPr lang="it-IT" sz="1200"/>
               <a:t>Schema progetto (prima parte) di Francesco Pandolfo</a:t>
             </a:r>
-            <a:endParaRPr lang="it-IT" sz="1200"/>
           </a:p>
         </p:txBody>
       </p:sp>
@@ -10778,8 +10673,8 @@
         </p:blipFill>
         <p:spPr>
           <a:xfrm>
-            <a:off x="9938921" y="2572571"/>
-            <a:ext cx="1067130" cy="355375"/>
+            <a:off x="9972713" y="588509"/>
+            <a:ext cx="1410062" cy="469578"/>
           </a:xfrm>
           <a:prstGeom prst="rect">
             <a:avLst/>
@@ -10815,10 +10710,171 @@
           <a:lstStyle/>
           <a:p>
             <a:r>
-              <a:rPr lang="it-IT" sz="1200" smtClean="0">
+              <a:rPr lang="it-IT" sz="1200">
                 <a:latin typeface="Bahnschrift Light Condensed" panose="020B0502040204020203" pitchFamily="34" charset="0"/>
               </a:rPr>
               <a:t>9092</a:t>
+            </a:r>
+            <a:endParaRPr lang="it-IT">
+              <a:latin typeface="Bahnschrift Light Condensed" panose="020B0502040204020203" pitchFamily="34" charset="0"/>
+            </a:endParaRPr>
+          </a:p>
+        </p:txBody>
+      </p:sp>
+      <p:sp>
+        <p:nvSpPr>
+          <p:cNvPr id="2" name="Ovale 1">
+            <a:extLst>
+              <a:ext uri="{FF2B5EF4-FFF2-40B4-BE49-F238E27FC236}">
+                <a16:creationId xmlns:a16="http://schemas.microsoft.com/office/drawing/2014/main" id="{5EB092F9-4698-CD5C-2A05-582F95F84E2C}"/>
+              </a:ext>
+            </a:extLst>
+          </p:cNvPr>
+          <p:cNvSpPr/>
+          <p:nvPr/>
+        </p:nvSpPr>
+        <p:spPr>
+          <a:xfrm>
+            <a:off x="9251818" y="324661"/>
+            <a:ext cx="2703472" cy="3617806"/>
+          </a:xfrm>
+          <a:custGeom>
+            <a:avLst/>
+            <a:gdLst>
+              <a:gd name="connsiteX0" fmla="*/ 0 w 2703472"/>
+              <a:gd name="connsiteY0" fmla="*/ 1808903 h 3617806"/>
+              <a:gd name="connsiteX1" fmla="*/ 1351736 w 2703472"/>
+              <a:gd name="connsiteY1" fmla="*/ 0 h 3617806"/>
+              <a:gd name="connsiteX2" fmla="*/ 2703472 w 2703472"/>
+              <a:gd name="connsiteY2" fmla="*/ 1808903 h 3617806"/>
+              <a:gd name="connsiteX3" fmla="*/ 1351736 w 2703472"/>
+              <a:gd name="connsiteY3" fmla="*/ 3617806 h 3617806"/>
+              <a:gd name="connsiteX4" fmla="*/ 0 w 2703472"/>
+              <a:gd name="connsiteY4" fmla="*/ 1808903 h 3617806"/>
+            </a:gdLst>
+            <a:ahLst/>
+            <a:cxnLst>
+              <a:cxn ang="0">
+                <a:pos x="connsiteX0" y="connsiteY0"/>
+              </a:cxn>
+              <a:cxn ang="0">
+                <a:pos x="connsiteX1" y="connsiteY1"/>
+              </a:cxn>
+              <a:cxn ang="0">
+                <a:pos x="connsiteX2" y="connsiteY2"/>
+              </a:cxn>
+              <a:cxn ang="0">
+                <a:pos x="connsiteX3" y="connsiteY3"/>
+              </a:cxn>
+              <a:cxn ang="0">
+                <a:pos x="connsiteX4" y="connsiteY4"/>
+              </a:cxn>
+            </a:cxnLst>
+            <a:rect l="l" t="t" r="r" b="b"/>
+            <a:pathLst>
+              <a:path w="2703472" h="3617806" extrusionOk="0">
+                <a:moveTo>
+                  <a:pt x="0" y="1808903"/>
+                </a:moveTo>
+                <a:cubicBezTo>
+                  <a:pt x="-12256" y="884042"/>
+                  <a:pt x="606728" y="67969"/>
+                  <a:pt x="1351736" y="0"/>
+                </a:cubicBezTo>
+                <a:cubicBezTo>
+                  <a:pt x="2139936" y="-22065"/>
+                  <a:pt x="2922046" y="703030"/>
+                  <a:pt x="2703472" y="1808903"/>
+                </a:cubicBezTo>
+                <a:cubicBezTo>
+                  <a:pt x="2826751" y="2780181"/>
+                  <a:pt x="2092890" y="3740463"/>
+                  <a:pt x="1351736" y="3617806"/>
+                </a:cubicBezTo>
+                <a:cubicBezTo>
+                  <a:pt x="645579" y="3681785"/>
+                  <a:pt x="-173189" y="2629092"/>
+                  <a:pt x="0" y="1808903"/>
+                </a:cubicBezTo>
+                <a:close/>
+              </a:path>
+            </a:pathLst>
+          </a:custGeom>
+          <a:noFill/>
+          <a:ln>
+            <a:prstDash val="dash"/>
+            <a:extLst>
+              <a:ext uri="{C807C97D-BFC1-408E-A445-0C87EB9F89A2}">
+                <ask:lineSketchStyleProps xmlns:ask="http://schemas.microsoft.com/office/drawing/2018/sketchyshapes" sd="1634779923">
+                  <a:prstGeom prst="ellipse">
+                    <a:avLst/>
+                  </a:prstGeom>
+                  <ask:type>
+                    <ask:lineSketchFreehand/>
+                  </ask:type>
+                </ask:lineSketchStyleProps>
+              </a:ext>
+            </a:extLst>
+          </a:ln>
+        </p:spPr>
+        <p:style>
+          <a:lnRef idx="2">
+            <a:schemeClr val="accent1">
+              <a:shade val="15000"/>
+            </a:schemeClr>
+          </a:lnRef>
+          <a:fillRef idx="1">
+            <a:schemeClr val="accent1"/>
+          </a:fillRef>
+          <a:effectRef idx="0">
+            <a:schemeClr val="accent1"/>
+          </a:effectRef>
+          <a:fontRef idx="minor">
+            <a:schemeClr val="lt1"/>
+          </a:fontRef>
+        </p:style>
+        <p:txBody>
+          <a:bodyPr rtlCol="0" anchor="ctr"/>
+          <a:lstStyle/>
+          <a:p>
+            <a:pPr algn="ctr"/>
+            <a:endParaRPr lang="it-IT"/>
+          </a:p>
+        </p:txBody>
+      </p:sp>
+      <p:sp>
+        <p:nvSpPr>
+          <p:cNvPr id="3" name="CasellaDiTesto 2">
+            <a:extLst>
+              <a:ext uri="{FF2B5EF4-FFF2-40B4-BE49-F238E27FC236}">
+                <a16:creationId xmlns:a16="http://schemas.microsoft.com/office/drawing/2014/main" id="{14F79A08-3895-F8BA-1BE0-93FAC3CF3A6E}"/>
+              </a:ext>
+            </a:extLst>
+          </p:cNvPr>
+          <p:cNvSpPr txBox="1"/>
+          <p:nvPr/>
+        </p:nvSpPr>
+        <p:spPr>
+          <a:xfrm>
+            <a:off x="10451548" y="332761"/>
+            <a:ext cx="381836" cy="276999"/>
+          </a:xfrm>
+          <a:prstGeom prst="rect">
+            <a:avLst/>
+          </a:prstGeom>
+          <a:noFill/>
+        </p:spPr>
+        <p:txBody>
+          <a:bodyPr wrap="none" rtlCol="0">
+            <a:spAutoFit/>
+          </a:bodyPr>
+          <a:lstStyle/>
+          <a:p>
+            <a:r>
+              <a:rPr lang="it-IT" sz="1200">
+                <a:latin typeface="Bahnschrift Light Condensed" panose="020B0502040204020203" pitchFamily="34" charset="0"/>
+              </a:rPr>
+              <a:t>VPN</a:t>
             </a:r>
             <a:endParaRPr lang="it-IT">
               <a:latin typeface="Bahnschrift Light Condensed" panose="020B0502040204020203" pitchFamily="34" charset="0"/>
@@ -10836,13 +10892,6 @@
   <p:clrMapOvr>
     <a:masterClrMapping/>
   </p:clrMapOvr>
-  <p:timing>
-    <p:tnLst>
-      <p:par>
-        <p:cTn id="1" dur="indefinite" restart="never" nodeType="tmRoot"/>
-      </p:par>
-    </p:tnLst>
-  </p:timing>
 </p:sld>
 </file>
 

--- a/_relazione/Presentazione progetto PANDOLFO.pptx
+++ b/_relazione/Presentazione progetto PANDOLFO.pptx
@@ -5,9 +5,10 @@
     <p:sldMasterId id="2147483648" r:id="rId1"/>
   </p:sldMasterIdLst>
   <p:sldIdLst>
-    <p:sldId id="257" r:id="rId2"/>
-    <p:sldId id="258" r:id="rId3"/>
-    <p:sldId id="259" r:id="rId4"/>
+    <p:sldId id="263" r:id="rId2"/>
+    <p:sldId id="257" r:id="rId3"/>
+    <p:sldId id="261" r:id="rId4"/>
+    <p:sldId id="262" r:id="rId5"/>
   </p:sldIdLst>
   <p:sldSz cx="12192000" cy="6858000"/>
   <p:notesSz cx="6858000" cy="9144000"/>
@@ -261,7 +262,7 @@
           <a:p>
             <a:fld id="{BAB58F22-17AA-4BF2-BF30-6953CFAAFB23}" type="datetimeFigureOut">
               <a:rPr lang="it-IT" smtClean="0"/>
-              <a:t>28/01/2024</a:t>
+              <a:t>31/01/2024</a:t>
             </a:fld>
             <a:endParaRPr lang="it-IT"/>
           </a:p>
@@ -459,7 +460,7 @@
           <a:p>
             <a:fld id="{BAB58F22-17AA-4BF2-BF30-6953CFAAFB23}" type="datetimeFigureOut">
               <a:rPr lang="it-IT" smtClean="0"/>
-              <a:t>28/01/2024</a:t>
+              <a:t>31/01/2024</a:t>
             </a:fld>
             <a:endParaRPr lang="it-IT"/>
           </a:p>
@@ -667,7 +668,7 @@
           <a:p>
             <a:fld id="{BAB58F22-17AA-4BF2-BF30-6953CFAAFB23}" type="datetimeFigureOut">
               <a:rPr lang="it-IT" smtClean="0"/>
-              <a:t>28/01/2024</a:t>
+              <a:t>31/01/2024</a:t>
             </a:fld>
             <a:endParaRPr lang="it-IT"/>
           </a:p>
@@ -865,7 +866,7 @@
           <a:p>
             <a:fld id="{BAB58F22-17AA-4BF2-BF30-6953CFAAFB23}" type="datetimeFigureOut">
               <a:rPr lang="it-IT" smtClean="0"/>
-              <a:t>28/01/2024</a:t>
+              <a:t>31/01/2024</a:t>
             </a:fld>
             <a:endParaRPr lang="it-IT"/>
           </a:p>
@@ -1140,7 +1141,7 @@
           <a:p>
             <a:fld id="{BAB58F22-17AA-4BF2-BF30-6953CFAAFB23}" type="datetimeFigureOut">
               <a:rPr lang="it-IT" smtClean="0"/>
-              <a:t>28/01/2024</a:t>
+              <a:t>31/01/2024</a:t>
             </a:fld>
             <a:endParaRPr lang="it-IT"/>
           </a:p>
@@ -1405,7 +1406,7 @@
           <a:p>
             <a:fld id="{BAB58F22-17AA-4BF2-BF30-6953CFAAFB23}" type="datetimeFigureOut">
               <a:rPr lang="it-IT" smtClean="0"/>
-              <a:t>28/01/2024</a:t>
+              <a:t>31/01/2024</a:t>
             </a:fld>
             <a:endParaRPr lang="it-IT"/>
           </a:p>
@@ -1817,7 +1818,7 @@
           <a:p>
             <a:fld id="{BAB58F22-17AA-4BF2-BF30-6953CFAAFB23}" type="datetimeFigureOut">
               <a:rPr lang="it-IT" smtClean="0"/>
-              <a:t>28/01/2024</a:t>
+              <a:t>31/01/2024</a:t>
             </a:fld>
             <a:endParaRPr lang="it-IT"/>
           </a:p>
@@ -1958,7 +1959,7 @@
           <a:p>
             <a:fld id="{BAB58F22-17AA-4BF2-BF30-6953CFAAFB23}" type="datetimeFigureOut">
               <a:rPr lang="it-IT" smtClean="0"/>
-              <a:t>28/01/2024</a:t>
+              <a:t>31/01/2024</a:t>
             </a:fld>
             <a:endParaRPr lang="it-IT"/>
           </a:p>
@@ -2071,7 +2072,7 @@
           <a:p>
             <a:fld id="{BAB58F22-17AA-4BF2-BF30-6953CFAAFB23}" type="datetimeFigureOut">
               <a:rPr lang="it-IT" smtClean="0"/>
-              <a:t>28/01/2024</a:t>
+              <a:t>31/01/2024</a:t>
             </a:fld>
             <a:endParaRPr lang="it-IT"/>
           </a:p>
@@ -2382,7 +2383,7 @@
           <a:p>
             <a:fld id="{BAB58F22-17AA-4BF2-BF30-6953CFAAFB23}" type="datetimeFigureOut">
               <a:rPr lang="it-IT" smtClean="0"/>
-              <a:t>28/01/2024</a:t>
+              <a:t>31/01/2024</a:t>
             </a:fld>
             <a:endParaRPr lang="it-IT"/>
           </a:p>
@@ -2670,7 +2671,7 @@
           <a:p>
             <a:fld id="{BAB58F22-17AA-4BF2-BF30-6953CFAAFB23}" type="datetimeFigureOut">
               <a:rPr lang="it-IT" smtClean="0"/>
-              <a:t>28/01/2024</a:t>
+              <a:t>31/01/2024</a:t>
             </a:fld>
             <a:endParaRPr lang="it-IT"/>
           </a:p>
@@ -2911,7 +2912,7 @@
           <a:p>
             <a:fld id="{BAB58F22-17AA-4BF2-BF30-6953CFAAFB23}" type="datetimeFigureOut">
               <a:rPr lang="it-IT" smtClean="0"/>
-              <a:t>28/01/2024</a:t>
+              <a:t>31/01/2024</a:t>
             </a:fld>
             <a:endParaRPr lang="it-IT"/>
           </a:p>
@@ -3312,6 +3313,110 @@
 </file>
 
 <file path=ppt/slides/slide1.xml><?xml version="1.0" encoding="utf-8"?>
+<p:sld xmlns:a="http://schemas.openxmlformats.org/drawingml/2006/main" xmlns:r="http://schemas.openxmlformats.org/officeDocument/2006/relationships" xmlns:p="http://schemas.openxmlformats.org/presentationml/2006/main">
+  <p:cSld>
+    <p:spTree>
+      <p:nvGrpSpPr>
+        <p:cNvPr id="1" name=""/>
+        <p:cNvGrpSpPr/>
+        <p:nvPr/>
+      </p:nvGrpSpPr>
+      <p:grpSpPr>
+        <a:xfrm>
+          <a:off x="0" y="0"/>
+          <a:ext cx="0" cy="0"/>
+          <a:chOff x="0" y="0"/>
+          <a:chExt cx="0" cy="0"/>
+        </a:xfrm>
+      </p:grpSpPr>
+      <p:sp>
+        <p:nvSpPr>
+          <p:cNvPr id="2" name="Titolo 1">
+            <a:extLst>
+              <a:ext uri="{FF2B5EF4-FFF2-40B4-BE49-F238E27FC236}">
+                <a16:creationId xmlns:a16="http://schemas.microsoft.com/office/drawing/2014/main" id="{414A9A6B-A599-CF3E-7430-E9777A74D577}"/>
+              </a:ext>
+            </a:extLst>
+          </p:cNvPr>
+          <p:cNvSpPr>
+            <a:spLocks noGrp="1"/>
+          </p:cNvSpPr>
+          <p:nvPr>
+            <p:ph type="title"/>
+          </p:nvPr>
+        </p:nvSpPr>
+        <p:spPr/>
+        <p:txBody>
+          <a:bodyPr/>
+          <a:lstStyle/>
+          <a:p>
+            <a:r>
+              <a:rPr lang="it-IT"/>
+              <a:t>    Distributed Systems &amp; Big Data 2023/24</a:t>
+            </a:r>
+          </a:p>
+        </p:txBody>
+      </p:sp>
+      <p:sp>
+        <p:nvSpPr>
+          <p:cNvPr id="3" name="Segnaposto contenuto 2">
+            <a:extLst>
+              <a:ext uri="{FF2B5EF4-FFF2-40B4-BE49-F238E27FC236}">
+                <a16:creationId xmlns:a16="http://schemas.microsoft.com/office/drawing/2014/main" id="{6358EECC-92EF-6055-A770-FDBEFE502864}"/>
+              </a:ext>
+            </a:extLst>
+          </p:cNvPr>
+          <p:cNvSpPr>
+            <a:spLocks noGrp="1"/>
+          </p:cNvSpPr>
+          <p:nvPr>
+            <p:ph idx="1"/>
+          </p:nvPr>
+        </p:nvSpPr>
+        <p:spPr/>
+        <p:txBody>
+          <a:bodyPr/>
+          <a:lstStyle/>
+          <a:p>
+            <a:pPr marL="0" indent="0">
+              <a:buNone/>
+            </a:pPr>
+            <a:r>
+              <a:rPr lang="it-IT"/>
+              <a:t>                                      Etna events notifier</a:t>
+            </a:r>
+          </a:p>
+          <a:p>
+            <a:endParaRPr lang="it-IT"/>
+          </a:p>
+          <a:p>
+            <a:r>
+              <a:rPr lang="it-IT"/>
+              <a:t>Studente: Francesco Pandolfo</a:t>
+            </a:r>
+          </a:p>
+          <a:p>
+            <a:r>
+              <a:rPr lang="it-IT"/>
+              <a:t>Matricola: 1000008982</a:t>
+            </a:r>
+          </a:p>
+        </p:txBody>
+      </p:sp>
+    </p:spTree>
+    <p:extLst>
+      <p:ext uri="{BB962C8B-B14F-4D97-AF65-F5344CB8AC3E}">
+        <p14:creationId xmlns:p14="http://schemas.microsoft.com/office/powerpoint/2010/main" val="736725526"/>
+      </p:ext>
+    </p:extLst>
+  </p:cSld>
+  <p:clrMapOvr>
+    <a:masterClrMapping/>
+  </p:clrMapOvr>
+</p:sld>
+</file>
+
+<file path=ppt/slides/slide2.xml><?xml version="1.0" encoding="utf-8"?>
 <p:sld xmlns:a="http://schemas.openxmlformats.org/drawingml/2006/main" xmlns:r="http://schemas.openxmlformats.org/officeDocument/2006/relationships" xmlns:p="http://schemas.openxmlformats.org/presentationml/2006/main">
   <p:cSld>
     <p:spTree>
@@ -4195,20 +4300,20 @@
         <p:spPr>
           <a:xfrm>
             <a:off x="1858206" y="811039"/>
-            <a:ext cx="7170537" cy="5189231"/>
+            <a:ext cx="7557977" cy="5189231"/>
           </a:xfrm>
           <a:custGeom>
             <a:avLst/>
             <a:gdLst>
-              <a:gd name="connsiteX0" fmla="*/ 0 w 7170537"/>
+              <a:gd name="connsiteX0" fmla="*/ 0 w 7557977"/>
               <a:gd name="connsiteY0" fmla="*/ 0 h 5189231"/>
-              <a:gd name="connsiteX1" fmla="*/ 7170537 w 7170537"/>
+              <a:gd name="connsiteX1" fmla="*/ 7557977 w 7557977"/>
               <a:gd name="connsiteY1" fmla="*/ 0 h 5189231"/>
-              <a:gd name="connsiteX2" fmla="*/ 7170537 w 7170537"/>
+              <a:gd name="connsiteX2" fmla="*/ 7557977 w 7557977"/>
               <a:gd name="connsiteY2" fmla="*/ 5189231 h 5189231"/>
-              <a:gd name="connsiteX3" fmla="*/ 0 w 7170537"/>
+              <a:gd name="connsiteX3" fmla="*/ 0 w 7557977"/>
               <a:gd name="connsiteY3" fmla="*/ 5189231 h 5189231"/>
-              <a:gd name="connsiteX4" fmla="*/ 0 w 7170537"/>
+              <a:gd name="connsiteX4" fmla="*/ 0 w 7557977"/>
               <a:gd name="connsiteY4" fmla="*/ 0 h 5189231"/>
             </a:gdLst>
             <a:ahLst/>
@@ -4231,23 +4336,23 @@
             </a:cxnLst>
             <a:rect l="l" t="t" r="r" b="b"/>
             <a:pathLst>
-              <a:path w="7170537" h="5189231" extrusionOk="0">
+              <a:path w="7557977" h="5189231" extrusionOk="0">
                 <a:moveTo>
                   <a:pt x="0" y="0"/>
                 </a:moveTo>
                 <a:cubicBezTo>
-                  <a:pt x="2582964" y="-5264"/>
-                  <a:pt x="5601442" y="84467"/>
-                  <a:pt x="7170537" y="0"/>
-                </a:cubicBezTo>
-                <a:cubicBezTo>
-                  <a:pt x="7042364" y="1146612"/>
-                  <a:pt x="7299687" y="4306876"/>
-                  <a:pt x="7170537" y="5189231"/>
-                </a:cubicBezTo>
-                <a:cubicBezTo>
-                  <a:pt x="5984607" y="5295551"/>
-                  <a:pt x="2889593" y="5181582"/>
+                  <a:pt x="3331858" y="-5264"/>
+                  <a:pt x="6533147" y="84467"/>
+                  <a:pt x="7557977" y="0"/>
+                </a:cubicBezTo>
+                <a:cubicBezTo>
+                  <a:pt x="7429804" y="1146612"/>
+                  <a:pt x="7687127" y="4306876"/>
+                  <a:pt x="7557977" y="5189231"/>
+                </a:cubicBezTo>
+                <a:cubicBezTo>
+                  <a:pt x="3930016" y="5295551"/>
+                  <a:pt x="1272094" y="5181582"/>
                   <a:pt x="0" y="5189231"/>
                 </a:cubicBezTo>
                 <a:cubicBezTo>
@@ -4331,8 +4436,8 @@
         </p:nvCxnSpPr>
         <p:spPr>
           <a:xfrm>
-            <a:off x="9023470" y="1991897"/>
-            <a:ext cx="1034931" cy="0"/>
+            <a:off x="9407161" y="1999450"/>
+            <a:ext cx="1171086" cy="0"/>
           </a:xfrm>
           <a:prstGeom prst="line">
             <a:avLst/>
@@ -4376,7 +4481,7 @@
         </p:nvSpPr>
         <p:spPr>
           <a:xfrm>
-            <a:off x="9602677" y="1727177"/>
+            <a:off x="10080197" y="1727177"/>
             <a:ext cx="433132" cy="276999"/>
           </a:xfrm>
           <a:prstGeom prst="rect">
@@ -4416,54 +4521,54 @@
         </p:nvSpPr>
         <p:spPr>
           <a:xfrm>
-            <a:off x="10048673" y="1379157"/>
-            <a:ext cx="1334102" cy="2130358"/>
+            <a:off x="10526193" y="1598955"/>
+            <a:ext cx="892322" cy="1656118"/>
           </a:xfrm>
           <a:custGeom>
             <a:avLst/>
             <a:gdLst>
-              <a:gd name="connsiteX0" fmla="*/ 0 w 1334102"/>
-              <a:gd name="connsiteY0" fmla="*/ 166763 h 2130358"/>
-              <a:gd name="connsiteX1" fmla="*/ 667051 w 1334102"/>
-              <a:gd name="connsiteY1" fmla="*/ 333526 h 2130358"/>
-              <a:gd name="connsiteX2" fmla="*/ 1334102 w 1334102"/>
-              <a:gd name="connsiteY2" fmla="*/ 166763 h 2130358"/>
-              <a:gd name="connsiteX3" fmla="*/ 1334102 w 1334102"/>
-              <a:gd name="connsiteY3" fmla="*/ 1963595 h 2130358"/>
-              <a:gd name="connsiteX4" fmla="*/ 667051 w 1334102"/>
-              <a:gd name="connsiteY4" fmla="*/ 2130358 h 2130358"/>
-              <a:gd name="connsiteX5" fmla="*/ 0 w 1334102"/>
-              <a:gd name="connsiteY5" fmla="*/ 1963595 h 2130358"/>
-              <a:gd name="connsiteX6" fmla="*/ 0 w 1334102"/>
-              <a:gd name="connsiteY6" fmla="*/ 166763 h 2130358"/>
-              <a:gd name="connsiteX0" fmla="*/ 0 w 1334102"/>
-              <a:gd name="connsiteY0" fmla="*/ 166763 h 2130358"/>
-              <a:gd name="connsiteX1" fmla="*/ 667051 w 1334102"/>
-              <a:gd name="connsiteY1" fmla="*/ 0 h 2130358"/>
-              <a:gd name="connsiteX2" fmla="*/ 1334102 w 1334102"/>
-              <a:gd name="connsiteY2" fmla="*/ 166763 h 2130358"/>
-              <a:gd name="connsiteX3" fmla="*/ 667051 w 1334102"/>
-              <a:gd name="connsiteY3" fmla="*/ 333526 h 2130358"/>
-              <a:gd name="connsiteX4" fmla="*/ 0 w 1334102"/>
-              <a:gd name="connsiteY4" fmla="*/ 166763 h 2130358"/>
-              <a:gd name="connsiteX0" fmla="*/ 1334102 w 1334102"/>
-              <a:gd name="connsiteY0" fmla="*/ 166763 h 2130358"/>
-              <a:gd name="connsiteX1" fmla="*/ 667051 w 1334102"/>
-              <a:gd name="connsiteY1" fmla="*/ 333526 h 2130358"/>
-              <a:gd name="connsiteX2" fmla="*/ 0 w 1334102"/>
-              <a:gd name="connsiteY2" fmla="*/ 166763 h 2130358"/>
-              <a:gd name="connsiteX3" fmla="*/ 667051 w 1334102"/>
-              <a:gd name="connsiteY3" fmla="*/ 0 h 2130358"/>
-              <a:gd name="connsiteX4" fmla="*/ 1334102 w 1334102"/>
-              <a:gd name="connsiteY4" fmla="*/ 166763 h 2130358"/>
-              <a:gd name="connsiteX5" fmla="*/ 1334102 w 1334102"/>
-              <a:gd name="connsiteY5" fmla="*/ 1963595 h 2130358"/>
-              <a:gd name="connsiteX6" fmla="*/ 667051 w 1334102"/>
-              <a:gd name="connsiteY6" fmla="*/ 2130358 h 2130358"/>
-              <a:gd name="connsiteX7" fmla="*/ 0 w 1334102"/>
-              <a:gd name="connsiteY7" fmla="*/ 1963595 h 2130358"/>
-              <a:gd name="connsiteX8" fmla="*/ 0 w 1334102"/>
-              <a:gd name="connsiteY8" fmla="*/ 166763 h 2130358"/>
+              <a:gd name="connsiteX0" fmla="*/ 0 w 892322"/>
+              <a:gd name="connsiteY0" fmla="*/ 111540 h 1656118"/>
+              <a:gd name="connsiteX1" fmla="*/ 446161 w 892322"/>
+              <a:gd name="connsiteY1" fmla="*/ 223080 h 1656118"/>
+              <a:gd name="connsiteX2" fmla="*/ 892322 w 892322"/>
+              <a:gd name="connsiteY2" fmla="*/ 111540 h 1656118"/>
+              <a:gd name="connsiteX3" fmla="*/ 892322 w 892322"/>
+              <a:gd name="connsiteY3" fmla="*/ 1544578 h 1656118"/>
+              <a:gd name="connsiteX4" fmla="*/ 446161 w 892322"/>
+              <a:gd name="connsiteY4" fmla="*/ 1656118 h 1656118"/>
+              <a:gd name="connsiteX5" fmla="*/ 0 w 892322"/>
+              <a:gd name="connsiteY5" fmla="*/ 1544578 h 1656118"/>
+              <a:gd name="connsiteX6" fmla="*/ 0 w 892322"/>
+              <a:gd name="connsiteY6" fmla="*/ 111540 h 1656118"/>
+              <a:gd name="connsiteX0" fmla="*/ 0 w 892322"/>
+              <a:gd name="connsiteY0" fmla="*/ 111540 h 1656118"/>
+              <a:gd name="connsiteX1" fmla="*/ 446161 w 892322"/>
+              <a:gd name="connsiteY1" fmla="*/ 0 h 1656118"/>
+              <a:gd name="connsiteX2" fmla="*/ 892322 w 892322"/>
+              <a:gd name="connsiteY2" fmla="*/ 111540 h 1656118"/>
+              <a:gd name="connsiteX3" fmla="*/ 446161 w 892322"/>
+              <a:gd name="connsiteY3" fmla="*/ 223080 h 1656118"/>
+              <a:gd name="connsiteX4" fmla="*/ 0 w 892322"/>
+              <a:gd name="connsiteY4" fmla="*/ 111540 h 1656118"/>
+              <a:gd name="connsiteX0" fmla="*/ 892322 w 892322"/>
+              <a:gd name="connsiteY0" fmla="*/ 111540 h 1656118"/>
+              <a:gd name="connsiteX1" fmla="*/ 446161 w 892322"/>
+              <a:gd name="connsiteY1" fmla="*/ 223080 h 1656118"/>
+              <a:gd name="connsiteX2" fmla="*/ 0 w 892322"/>
+              <a:gd name="connsiteY2" fmla="*/ 111540 h 1656118"/>
+              <a:gd name="connsiteX3" fmla="*/ 446161 w 892322"/>
+              <a:gd name="connsiteY3" fmla="*/ 0 h 1656118"/>
+              <a:gd name="connsiteX4" fmla="*/ 892322 w 892322"/>
+              <a:gd name="connsiteY4" fmla="*/ 111540 h 1656118"/>
+              <a:gd name="connsiteX5" fmla="*/ 892322 w 892322"/>
+              <a:gd name="connsiteY5" fmla="*/ 1544578 h 1656118"/>
+              <a:gd name="connsiteX6" fmla="*/ 446161 w 892322"/>
+              <a:gd name="connsiteY6" fmla="*/ 1656118 h 1656118"/>
+              <a:gd name="connsiteX7" fmla="*/ 0 w 892322"/>
+              <a:gd name="connsiteY7" fmla="*/ 1544578 h 1656118"/>
+              <a:gd name="connsiteX8" fmla="*/ 0 w 892322"/>
+              <a:gd name="connsiteY8" fmla="*/ 111540 h 1656118"/>
             </a:gdLst>
             <a:ahLst/>
             <a:cxnLst>
@@ -4497,116 +4602,120 @@
             </a:cxnLst>
             <a:rect l="l" t="t" r="r" b="b"/>
             <a:pathLst>
-              <a:path w="1334102" h="2130358" stroke="0" extrusionOk="0">
+              <a:path w="892322" h="1656118" stroke="0" extrusionOk="0">
                 <a:moveTo>
-                  <a:pt x="0" y="166763"/>
+                  <a:pt x="0" y="111540"/>
                 </a:moveTo>
                 <a:cubicBezTo>
-                  <a:pt x="10357" y="247381"/>
-                  <a:pt x="244836" y="336335"/>
-                  <a:pt x="667051" y="333526"/>
-                </a:cubicBezTo>
-                <a:cubicBezTo>
-                  <a:pt x="1041697" y="332742"/>
-                  <a:pt x="1321946" y="261303"/>
-                  <a:pt x="1334102" y="166763"/>
-                </a:cubicBezTo>
-                <a:cubicBezTo>
-                  <a:pt x="1413304" y="616163"/>
-                  <a:pt x="1488930" y="1461535"/>
-                  <a:pt x="1334102" y="1963595"/>
-                </a:cubicBezTo>
-                <a:cubicBezTo>
-                  <a:pt x="1360208" y="2101545"/>
-                  <a:pt x="1010517" y="2086291"/>
-                  <a:pt x="667051" y="2130358"/>
-                </a:cubicBezTo>
-                <a:cubicBezTo>
-                  <a:pt x="295099" y="2146709"/>
-                  <a:pt x="-1117" y="2056164"/>
-                  <a:pt x="0" y="1963595"/>
-                </a:cubicBezTo>
-                <a:cubicBezTo>
-                  <a:pt x="131615" y="1769773"/>
-                  <a:pt x="126546" y="817402"/>
-                  <a:pt x="0" y="166763"/>
+                  <a:pt x="7088" y="165283"/>
+                  <a:pt x="161686" y="225067"/>
+                  <a:pt x="446161" y="223080"/>
+                </a:cubicBezTo>
+                <a:cubicBezTo>
+                  <a:pt x="698966" y="222277"/>
+                  <a:pt x="889981" y="173612"/>
+                  <a:pt x="892322" y="111540"/>
+                </a:cubicBezTo>
+                <a:cubicBezTo>
+                  <a:pt x="982670" y="740912"/>
+                  <a:pt x="899275" y="1323338"/>
+                  <a:pt x="892322" y="1544578"/>
+                </a:cubicBezTo>
+                <a:cubicBezTo>
+                  <a:pt x="894074" y="1609258"/>
+                  <a:pt x="681859" y="1637192"/>
+                  <a:pt x="446161" y="1656118"/>
+                </a:cubicBezTo>
+                <a:cubicBezTo>
+                  <a:pt x="198951" y="1659813"/>
+                  <a:pt x="-6940" y="1609089"/>
+                  <a:pt x="0" y="1544578"/>
+                </a:cubicBezTo>
+                <a:cubicBezTo>
+                  <a:pt x="-51940" y="893998"/>
+                  <a:pt x="126657" y="361269"/>
+                  <a:pt x="0" y="111540"/>
                 </a:cubicBezTo>
                 <a:close/>
               </a:path>
-              <a:path w="1334102" h="2130358" fill="lighten" stroke="0" extrusionOk="0">
+              <a:path w="892322" h="1656118" fill="lighten" stroke="0" extrusionOk="0">
                 <a:moveTo>
-                  <a:pt x="0" y="166763"/>
+                  <a:pt x="0" y="111540"/>
                 </a:moveTo>
                 <a:cubicBezTo>
-                  <a:pt x="13122" y="129727"/>
-                  <a:pt x="279188" y="-6864"/>
-                  <a:pt x="667051" y="0"/>
-                </a:cubicBezTo>
-                <a:cubicBezTo>
-                  <a:pt x="1031626" y="-11190"/>
-                  <a:pt x="1344356" y="61256"/>
-                  <a:pt x="1334102" y="166763"/>
-                </a:cubicBezTo>
-                <a:cubicBezTo>
-                  <a:pt x="1349232" y="244424"/>
-                  <a:pt x="1033416" y="339780"/>
-                  <a:pt x="667051" y="333526"/>
-                </a:cubicBezTo>
-                <a:cubicBezTo>
-                  <a:pt x="298420" y="337235"/>
-                  <a:pt x="1510" y="274125"/>
-                  <a:pt x="0" y="166763"/>
+                  <a:pt x="5772" y="74159"/>
+                  <a:pt x="179886" y="-7007"/>
+                  <a:pt x="446161" y="0"/>
+                </a:cubicBezTo>
+                <a:cubicBezTo>
+                  <a:pt x="689925" y="-7732"/>
+                  <a:pt x="899586" y="40440"/>
+                  <a:pt x="892322" y="111540"/>
+                </a:cubicBezTo>
+                <a:cubicBezTo>
+                  <a:pt x="896517" y="169139"/>
+                  <a:pt x="687523" y="238574"/>
+                  <a:pt x="446161" y="223080"/>
+                </a:cubicBezTo>
+                <a:cubicBezTo>
+                  <a:pt x="199022" y="234903"/>
+                  <a:pt x="1181" y="185081"/>
+                  <a:pt x="0" y="111540"/>
                 </a:cubicBezTo>
                 <a:close/>
               </a:path>
-              <a:path w="1334102" h="2130358" fill="none" extrusionOk="0">
+              <a:path w="892322" h="1656118" fill="none" extrusionOk="0">
                 <a:moveTo>
-                  <a:pt x="1334102" y="166763"/>
+                  <a:pt x="892322" y="111540"/>
                 </a:moveTo>
                 <a:cubicBezTo>
-                  <a:pt x="1343778" y="242186"/>
-                  <a:pt x="1021436" y="301548"/>
-                  <a:pt x="667051" y="333526"/>
-                </a:cubicBezTo>
-                <a:cubicBezTo>
-                  <a:pt x="300785" y="327235"/>
-                  <a:pt x="5835" y="244748"/>
-                  <a:pt x="0" y="166763"/>
-                </a:cubicBezTo>
-                <a:cubicBezTo>
-                  <a:pt x="35469" y="101151"/>
-                  <a:pt x="335153" y="-11512"/>
-                  <a:pt x="667051" y="0"/>
-                </a:cubicBezTo>
-                <a:cubicBezTo>
-                  <a:pt x="1040793" y="4304"/>
-                  <a:pt x="1338594" y="92099"/>
-                  <a:pt x="1334102" y="166763"/>
-                </a:cubicBezTo>
-                <a:cubicBezTo>
-                  <a:pt x="1361373" y="1052808"/>
-                  <a:pt x="1379510" y="1216840"/>
-                  <a:pt x="1334102" y="1963595"/>
-                </a:cubicBezTo>
-                <a:cubicBezTo>
-                  <a:pt x="1360042" y="2090788"/>
-                  <a:pt x="1002799" y="2141183"/>
-                  <a:pt x="667051" y="2130358"/>
-                </a:cubicBezTo>
-                <a:cubicBezTo>
-                  <a:pt x="297913" y="2131376"/>
-                  <a:pt x="14138" y="2045479"/>
-                  <a:pt x="0" y="1963595"/>
-                </a:cubicBezTo>
-                <a:cubicBezTo>
-                  <a:pt x="-92158" y="1734069"/>
-                  <a:pt x="72582" y="558999"/>
-                  <a:pt x="0" y="166763"/>
+                  <a:pt x="904755" y="151711"/>
+                  <a:pt x="683205" y="201718"/>
+                  <a:pt x="446161" y="223080"/>
+                </a:cubicBezTo>
+                <a:cubicBezTo>
+                  <a:pt x="200422" y="221111"/>
+                  <a:pt x="2775" y="166429"/>
+                  <a:pt x="0" y="111540"/>
+                </a:cubicBezTo>
+                <a:cubicBezTo>
+                  <a:pt x="16794" y="62480"/>
+                  <a:pt x="233414" y="-10616"/>
+                  <a:pt x="446161" y="0"/>
+                </a:cubicBezTo>
+                <a:cubicBezTo>
+                  <a:pt x="695472" y="2340"/>
+                  <a:pt x="894266" y="57485"/>
+                  <a:pt x="892322" y="111540"/>
+                </a:cubicBezTo>
+                <a:cubicBezTo>
+                  <a:pt x="764444" y="595096"/>
+                  <a:pt x="841231" y="986640"/>
+                  <a:pt x="892322" y="1544578"/>
+                </a:cubicBezTo>
+                <a:cubicBezTo>
+                  <a:pt x="911615" y="1632280"/>
+                  <a:pt x="675986" y="1661615"/>
+                  <a:pt x="446161" y="1656118"/>
+                </a:cubicBezTo>
+                <a:cubicBezTo>
+                  <a:pt x="195924" y="1661410"/>
+                  <a:pt x="7753" y="1600577"/>
+                  <a:pt x="0" y="1544578"/>
+                </a:cubicBezTo>
+                <a:cubicBezTo>
+                  <a:pt x="8279" y="1082380"/>
+                  <a:pt x="89701" y="489007"/>
+                  <a:pt x="0" y="111540"/>
                 </a:cubicBezTo>
               </a:path>
             </a:pathLst>
           </a:custGeom>
-          <a:noFill/>
+          <a:solidFill>
+            <a:schemeClr val="bg1">
+              <a:lumMod val="95000"/>
+            </a:schemeClr>
+          </a:solidFill>
           <a:ln>
             <a:extLst>
               <a:ext uri="{C807C97D-BFC1-408E-A445-0C87EB9F89A2}">
@@ -4671,8 +4780,8 @@
         </p:blipFill>
         <p:spPr>
           <a:xfrm>
-            <a:off x="9592813" y="2829176"/>
-            <a:ext cx="2144472" cy="795241"/>
+            <a:off x="10182940" y="2769591"/>
+            <a:ext cx="1541251" cy="571547"/>
           </a:xfrm>
           <a:prstGeom prst="rect">
             <a:avLst/>
@@ -4693,7 +4802,7 @@
         </p:nvSpPr>
         <p:spPr>
           <a:xfrm>
-            <a:off x="10058401" y="1853397"/>
+            <a:off x="10578247" y="1860950"/>
             <a:ext cx="518091" cy="276999"/>
           </a:xfrm>
           <a:prstGeom prst="rect">
@@ -4876,11 +4985,11 @@
         <p:spPr>
           <a:xfrm>
             <a:off x="4008329" y="1535106"/>
-            <a:ext cx="4986414" cy="455424"/>
+            <a:ext cx="5398832" cy="464344"/>
           </a:xfrm>
           <a:prstGeom prst="bentConnector3">
             <a:avLst>
-              <a:gd name="adj1" fmla="val 89732"/>
+              <a:gd name="adj1" fmla="val 84627"/>
             </a:avLst>
           </a:prstGeom>
           <a:ln>
@@ -4966,8 +5075,8 @@
         </p:nvCxnSpPr>
         <p:spPr>
           <a:xfrm flipH="1">
-            <a:off x="9007815" y="2154117"/>
-            <a:ext cx="1050586" cy="0"/>
+            <a:off x="9416183" y="2154117"/>
+            <a:ext cx="1107889" cy="0"/>
           </a:xfrm>
           <a:prstGeom prst="line">
             <a:avLst/>
@@ -5011,7 +5120,7 @@
         </p:nvSpPr>
         <p:spPr>
           <a:xfrm>
-            <a:off x="9599992" y="2118984"/>
+            <a:off x="10077512" y="2118984"/>
             <a:ext cx="511679" cy="215444"/>
           </a:xfrm>
           <a:prstGeom prst="rect">
@@ -5247,12 +5356,12 @@
         </p:nvCxnSpPr>
         <p:spPr>
           <a:xfrm rot="10800000">
-            <a:off x="4168190" y="1726246"/>
-            <a:ext cx="4816825" cy="412991"/>
+            <a:off x="4168192" y="1726247"/>
+            <a:ext cx="5179009" cy="411702"/>
           </a:xfrm>
           <a:prstGeom prst="bentConnector3">
             <a:avLst>
-              <a:gd name="adj1" fmla="val 12471"/>
+              <a:gd name="adj1" fmla="val 18121"/>
             </a:avLst>
           </a:prstGeom>
           <a:ln>
@@ -6647,7 +6756,7 @@
         <p:spPr>
           <a:xfrm>
             <a:off x="3777828" y="2417598"/>
-            <a:ext cx="603050" cy="461665"/>
+            <a:ext cx="732893" cy="461665"/>
           </a:xfrm>
           <a:prstGeom prst="rect">
             <a:avLst/>
@@ -6672,7 +6781,7 @@
               <a:rPr lang="it-IT" sz="800">
                 <a:latin typeface="Bahnschrift Light Condensed" panose="020B0502040204020203" pitchFamily="34" charset="0"/>
               </a:rPr>
-              <a:t>/getall</a:t>
+              <a:t>/all</a:t>
             </a:r>
           </a:p>
           <a:p>
@@ -6680,7 +6789,7 @@
               <a:rPr lang="it-IT" sz="800">
                 <a:latin typeface="Bahnschrift Light Condensed" panose="020B0502040204020203" pitchFamily="34" charset="0"/>
               </a:rPr>
-              <a:t>/{username}</a:t>
+              <a:t>/get {username}</a:t>
             </a:r>
             <a:endParaRPr lang="it-IT" sz="1050">
               <a:latin typeface="Bahnschrift Light Condensed" panose="020B0502040204020203" pitchFamily="34" charset="0"/>
@@ -6743,7 +6852,7 @@
         <p:spPr>
           <a:xfrm>
             <a:off x="3829216" y="2821930"/>
-            <a:ext cx="627095" cy="461665"/>
+            <a:ext cx="768159" cy="461665"/>
           </a:xfrm>
           <a:prstGeom prst="rect">
             <a:avLst/>
@@ -6768,7 +6877,7 @@
               <a:rPr lang="it-IT" sz="800">
                 <a:latin typeface="Bahnschrift Light Condensed" panose="020B0502040204020203" pitchFamily="34" charset="0"/>
               </a:rPr>
-              <a:t>/getall</a:t>
+              <a:t>/all</a:t>
             </a:r>
           </a:p>
           <a:p>
@@ -6776,7 +6885,7 @@
               <a:rPr lang="it-IT" sz="800">
                 <a:latin typeface="Bahnschrift Light Condensed" panose="020B0502040204020203" pitchFamily="34" charset="0"/>
               </a:rPr>
-              <a:t>/unsubscribe</a:t>
+              <a:t>/unsubscribe {id}</a:t>
             </a:r>
             <a:endParaRPr lang="it-IT" sz="1050">
               <a:latin typeface="Bahnschrift Light Condensed" panose="020B0502040204020203" pitchFamily="34" charset="0"/>
@@ -6885,54 +6994,54 @@
         </p:nvSpPr>
         <p:spPr>
           <a:xfrm>
-            <a:off x="6056865" y="2212735"/>
-            <a:ext cx="758741" cy="928307"/>
+            <a:off x="5142449" y="2574698"/>
+            <a:ext cx="577380" cy="711544"/>
           </a:xfrm>
           <a:custGeom>
             <a:avLst/>
             <a:gdLst>
-              <a:gd name="connsiteX0" fmla="*/ 0 w 758741"/>
-              <a:gd name="connsiteY0" fmla="*/ 94843 h 928307"/>
-              <a:gd name="connsiteX1" fmla="*/ 379371 w 758741"/>
-              <a:gd name="connsiteY1" fmla="*/ 189686 h 928307"/>
-              <a:gd name="connsiteX2" fmla="*/ 758742 w 758741"/>
-              <a:gd name="connsiteY2" fmla="*/ 94843 h 928307"/>
-              <a:gd name="connsiteX3" fmla="*/ 758741 w 758741"/>
-              <a:gd name="connsiteY3" fmla="*/ 833464 h 928307"/>
-              <a:gd name="connsiteX4" fmla="*/ 379370 w 758741"/>
-              <a:gd name="connsiteY4" fmla="*/ 928307 h 928307"/>
-              <a:gd name="connsiteX5" fmla="*/ -1 w 758741"/>
-              <a:gd name="connsiteY5" fmla="*/ 833464 h 928307"/>
-              <a:gd name="connsiteX6" fmla="*/ 0 w 758741"/>
-              <a:gd name="connsiteY6" fmla="*/ 94843 h 928307"/>
-              <a:gd name="connsiteX0" fmla="*/ 0 w 758741"/>
-              <a:gd name="connsiteY0" fmla="*/ 94843 h 928307"/>
-              <a:gd name="connsiteX1" fmla="*/ 379371 w 758741"/>
-              <a:gd name="connsiteY1" fmla="*/ 0 h 928307"/>
-              <a:gd name="connsiteX2" fmla="*/ 758742 w 758741"/>
-              <a:gd name="connsiteY2" fmla="*/ 94843 h 928307"/>
-              <a:gd name="connsiteX3" fmla="*/ 379371 w 758741"/>
-              <a:gd name="connsiteY3" fmla="*/ 189686 h 928307"/>
-              <a:gd name="connsiteX4" fmla="*/ 0 w 758741"/>
-              <a:gd name="connsiteY4" fmla="*/ 94843 h 928307"/>
-              <a:gd name="connsiteX0" fmla="*/ 758741 w 758741"/>
-              <a:gd name="connsiteY0" fmla="*/ 94843 h 928307"/>
-              <a:gd name="connsiteX1" fmla="*/ 379370 w 758741"/>
-              <a:gd name="connsiteY1" fmla="*/ 189686 h 928307"/>
-              <a:gd name="connsiteX2" fmla="*/ -1 w 758741"/>
-              <a:gd name="connsiteY2" fmla="*/ 94843 h 928307"/>
-              <a:gd name="connsiteX3" fmla="*/ 379370 w 758741"/>
-              <a:gd name="connsiteY3" fmla="*/ 0 h 928307"/>
-              <a:gd name="connsiteX4" fmla="*/ 758741 w 758741"/>
-              <a:gd name="connsiteY4" fmla="*/ 94843 h 928307"/>
-              <a:gd name="connsiteX5" fmla="*/ 758741 w 758741"/>
-              <a:gd name="connsiteY5" fmla="*/ 833464 h 928307"/>
-              <a:gd name="connsiteX6" fmla="*/ 379370 w 758741"/>
-              <a:gd name="connsiteY6" fmla="*/ 928307 h 928307"/>
-              <a:gd name="connsiteX7" fmla="*/ -1 w 758741"/>
-              <a:gd name="connsiteY7" fmla="*/ 833464 h 928307"/>
-              <a:gd name="connsiteX8" fmla="*/ 0 w 758741"/>
-              <a:gd name="connsiteY8" fmla="*/ 94843 h 928307"/>
+              <a:gd name="connsiteX0" fmla="*/ 0 w 577380"/>
+              <a:gd name="connsiteY0" fmla="*/ 72173 h 711544"/>
+              <a:gd name="connsiteX1" fmla="*/ 288690 w 577380"/>
+              <a:gd name="connsiteY1" fmla="*/ 144346 h 711544"/>
+              <a:gd name="connsiteX2" fmla="*/ 577380 w 577380"/>
+              <a:gd name="connsiteY2" fmla="*/ 72173 h 711544"/>
+              <a:gd name="connsiteX3" fmla="*/ 577380 w 577380"/>
+              <a:gd name="connsiteY3" fmla="*/ 639372 h 711544"/>
+              <a:gd name="connsiteX4" fmla="*/ 288690 w 577380"/>
+              <a:gd name="connsiteY4" fmla="*/ 711545 h 711544"/>
+              <a:gd name="connsiteX5" fmla="*/ 0 w 577380"/>
+              <a:gd name="connsiteY5" fmla="*/ 639372 h 711544"/>
+              <a:gd name="connsiteX6" fmla="*/ 0 w 577380"/>
+              <a:gd name="connsiteY6" fmla="*/ 72173 h 711544"/>
+              <a:gd name="connsiteX0" fmla="*/ 0 w 577380"/>
+              <a:gd name="connsiteY0" fmla="*/ 72173 h 711544"/>
+              <a:gd name="connsiteX1" fmla="*/ 288690 w 577380"/>
+              <a:gd name="connsiteY1" fmla="*/ 0 h 711544"/>
+              <a:gd name="connsiteX2" fmla="*/ 577380 w 577380"/>
+              <a:gd name="connsiteY2" fmla="*/ 72173 h 711544"/>
+              <a:gd name="connsiteX3" fmla="*/ 288690 w 577380"/>
+              <a:gd name="connsiteY3" fmla="*/ 144346 h 711544"/>
+              <a:gd name="connsiteX4" fmla="*/ 0 w 577380"/>
+              <a:gd name="connsiteY4" fmla="*/ 72173 h 711544"/>
+              <a:gd name="connsiteX0" fmla="*/ 577380 w 577380"/>
+              <a:gd name="connsiteY0" fmla="*/ 72173 h 711544"/>
+              <a:gd name="connsiteX1" fmla="*/ 288690 w 577380"/>
+              <a:gd name="connsiteY1" fmla="*/ 144346 h 711544"/>
+              <a:gd name="connsiteX2" fmla="*/ 0 w 577380"/>
+              <a:gd name="connsiteY2" fmla="*/ 72173 h 711544"/>
+              <a:gd name="connsiteX3" fmla="*/ 288690 w 577380"/>
+              <a:gd name="connsiteY3" fmla="*/ 0 h 711544"/>
+              <a:gd name="connsiteX4" fmla="*/ 577380 w 577380"/>
+              <a:gd name="connsiteY4" fmla="*/ 72173 h 711544"/>
+              <a:gd name="connsiteX5" fmla="*/ 577380 w 577380"/>
+              <a:gd name="connsiteY5" fmla="*/ 639372 h 711544"/>
+              <a:gd name="connsiteX6" fmla="*/ 288690 w 577380"/>
+              <a:gd name="connsiteY6" fmla="*/ 711545 h 711544"/>
+              <a:gd name="connsiteX7" fmla="*/ 0 w 577380"/>
+              <a:gd name="connsiteY7" fmla="*/ 639372 h 711544"/>
+              <a:gd name="connsiteX8" fmla="*/ 0 w 577380"/>
+              <a:gd name="connsiteY8" fmla="*/ 72173 h 711544"/>
             </a:gdLst>
             <a:ahLst/>
             <a:cxnLst>
@@ -6966,116 +7075,120 @@
             </a:cxnLst>
             <a:rect l="l" t="t" r="r" b="b"/>
             <a:pathLst>
-              <a:path w="758741" h="928307" stroke="0" extrusionOk="0">
+              <a:path w="577380" h="711544" stroke="0" extrusionOk="0">
                 <a:moveTo>
-                  <a:pt x="0" y="94843"/>
+                  <a:pt x="0" y="72173"/>
                 </a:moveTo>
                 <a:cubicBezTo>
-                  <a:pt x="13379" y="132390"/>
-                  <a:pt x="141810" y="191150"/>
-                  <a:pt x="379371" y="189686"/>
-                </a:cubicBezTo>
-                <a:cubicBezTo>
-                  <a:pt x="598755" y="188448"/>
-                  <a:pt x="756645" y="147644"/>
-                  <a:pt x="758742" y="94843"/>
-                </a:cubicBezTo>
-                <a:cubicBezTo>
-                  <a:pt x="746149" y="346638"/>
-                  <a:pt x="785014" y="618298"/>
-                  <a:pt x="758741" y="833464"/>
-                </a:cubicBezTo>
-                <a:cubicBezTo>
-                  <a:pt x="772422" y="909871"/>
-                  <a:pt x="575304" y="904296"/>
-                  <a:pt x="379370" y="928307"/>
-                </a:cubicBezTo>
-                <a:cubicBezTo>
-                  <a:pt x="169424" y="930264"/>
-                  <a:pt x="-2554" y="886914"/>
-                  <a:pt x="-1" y="833464"/>
-                </a:cubicBezTo>
-                <a:cubicBezTo>
-                  <a:pt x="5715" y="601363"/>
-                  <a:pt x="37447" y="327826"/>
-                  <a:pt x="0" y="94843"/>
+                  <a:pt x="14619" y="95825"/>
+                  <a:pt x="127429" y="144441"/>
+                  <a:pt x="288690" y="144346"/>
+                </a:cubicBezTo>
+                <a:cubicBezTo>
+                  <a:pt x="455815" y="143381"/>
+                  <a:pt x="570686" y="113376"/>
+                  <a:pt x="577380" y="72173"/>
+                </a:cubicBezTo>
+                <a:cubicBezTo>
+                  <a:pt x="537600" y="294362"/>
+                  <a:pt x="608506" y="559806"/>
+                  <a:pt x="577380" y="639372"/>
+                </a:cubicBezTo>
+                <a:cubicBezTo>
+                  <a:pt x="583064" y="689214"/>
+                  <a:pt x="446523" y="708707"/>
+                  <a:pt x="288690" y="711545"/>
+                </a:cubicBezTo>
+                <a:cubicBezTo>
+                  <a:pt x="128744" y="713882"/>
+                  <a:pt x="-3365" y="680643"/>
+                  <a:pt x="0" y="639372"/>
+                </a:cubicBezTo>
+                <a:cubicBezTo>
+                  <a:pt x="-35677" y="565792"/>
+                  <a:pt x="-42564" y="306144"/>
+                  <a:pt x="0" y="72173"/>
                 </a:cubicBezTo>
                 <a:close/>
               </a:path>
-              <a:path w="758741" h="928307" fill="lighten" stroke="0" extrusionOk="0">
+              <a:path w="577380" h="711544" fill="lighten" stroke="0" extrusionOk="0">
                 <a:moveTo>
-                  <a:pt x="0" y="94843"/>
+                  <a:pt x="0" y="72173"/>
                 </a:moveTo>
                 <a:cubicBezTo>
-                  <a:pt x="685" y="45338"/>
-                  <a:pt x="153310" y="-5834"/>
-                  <a:pt x="379371" y="0"/>
-                </a:cubicBezTo>
-                <a:cubicBezTo>
-                  <a:pt x="585949" y="-8606"/>
-                  <a:pt x="764229" y="35289"/>
-                  <a:pt x="758742" y="94843"/>
-                </a:cubicBezTo>
-                <a:cubicBezTo>
-                  <a:pt x="773327" y="133303"/>
-                  <a:pt x="582008" y="210823"/>
-                  <a:pt x="379371" y="189686"/>
-                </a:cubicBezTo>
-                <a:cubicBezTo>
-                  <a:pt x="169636" y="193144"/>
-                  <a:pt x="157" y="148810"/>
-                  <a:pt x="0" y="94843"/>
+                  <a:pt x="6123" y="58009"/>
+                  <a:pt x="110039" y="-6776"/>
+                  <a:pt x="288690" y="0"/>
+                </a:cubicBezTo>
+                <a:cubicBezTo>
+                  <a:pt x="447053" y="-3145"/>
+                  <a:pt x="580036" y="28841"/>
+                  <a:pt x="577380" y="72173"/>
+                </a:cubicBezTo>
+                <a:cubicBezTo>
+                  <a:pt x="585056" y="104707"/>
+                  <a:pt x="443811" y="157606"/>
+                  <a:pt x="288690" y="144346"/>
+                </a:cubicBezTo>
+                <a:cubicBezTo>
+                  <a:pt x="128767" y="152186"/>
+                  <a:pt x="534" y="117431"/>
+                  <a:pt x="0" y="72173"/>
                 </a:cubicBezTo>
                 <a:close/>
               </a:path>
-              <a:path w="758741" h="928307" fill="none" extrusionOk="0">
+              <a:path w="577380" h="711544" fill="none" extrusionOk="0">
                 <a:moveTo>
-                  <a:pt x="758741" y="94843"/>
+                  <a:pt x="577380" y="72173"/>
                 </a:moveTo>
                 <a:cubicBezTo>
-                  <a:pt x="766701" y="133501"/>
-                  <a:pt x="578073" y="165007"/>
-                  <a:pt x="379370" y="189686"/>
-                </a:cubicBezTo>
-                <a:cubicBezTo>
-                  <a:pt x="170988" y="186331"/>
-                  <a:pt x="2299" y="141660"/>
-                  <a:pt x="-1" y="94843"/>
-                </a:cubicBezTo>
-                <a:cubicBezTo>
-                  <a:pt x="22054" y="58934"/>
-                  <a:pt x="180798" y="-3453"/>
-                  <a:pt x="379370" y="0"/>
-                </a:cubicBezTo>
-                <a:cubicBezTo>
-                  <a:pt x="594639" y="4633"/>
-                  <a:pt x="759362" y="44875"/>
-                  <a:pt x="758741" y="94843"/>
-                </a:cubicBezTo>
-                <a:cubicBezTo>
-                  <a:pt x="752519" y="447162"/>
-                  <a:pt x="749883" y="465217"/>
-                  <a:pt x="758741" y="833464"/>
-                </a:cubicBezTo>
-                <a:cubicBezTo>
-                  <a:pt x="764406" y="893508"/>
-                  <a:pt x="568873" y="934943"/>
-                  <a:pt x="379370" y="928307"/>
-                </a:cubicBezTo>
-                <a:cubicBezTo>
-                  <a:pt x="166397" y="933079"/>
-                  <a:pt x="6246" y="881329"/>
-                  <a:pt x="-1" y="833464"/>
-                </a:cubicBezTo>
-                <a:cubicBezTo>
-                  <a:pt x="15409" y="543904"/>
-                  <a:pt x="14633" y="372044"/>
-                  <a:pt x="0" y="94843"/>
+                  <a:pt x="588108" y="93541"/>
+                  <a:pt x="441067" y="128236"/>
+                  <a:pt x="288690" y="144346"/>
+                </a:cubicBezTo>
+                <a:cubicBezTo>
+                  <a:pt x="131257" y="138436"/>
+                  <a:pt x="2143" y="106849"/>
+                  <a:pt x="0" y="72173"/>
+                </a:cubicBezTo>
+                <a:cubicBezTo>
+                  <a:pt x="3195" y="34699"/>
+                  <a:pt x="144280" y="-4740"/>
+                  <a:pt x="288690" y="0"/>
+                </a:cubicBezTo>
+                <a:cubicBezTo>
+                  <a:pt x="452720" y="3700"/>
+                  <a:pt x="577580" y="33090"/>
+                  <a:pt x="577380" y="72173"/>
+                </a:cubicBezTo>
+                <a:cubicBezTo>
+                  <a:pt x="531323" y="137628"/>
+                  <a:pt x="538067" y="497835"/>
+                  <a:pt x="577380" y="639372"/>
+                </a:cubicBezTo>
+                <a:cubicBezTo>
+                  <a:pt x="587921" y="693492"/>
+                  <a:pt x="427380" y="718423"/>
+                  <a:pt x="288690" y="711545"/>
+                </a:cubicBezTo>
+                <a:cubicBezTo>
+                  <a:pt x="126627" y="715173"/>
+                  <a:pt x="2369" y="677520"/>
+                  <a:pt x="0" y="639372"/>
+                </a:cubicBezTo>
+                <a:cubicBezTo>
+                  <a:pt x="-20566" y="393065"/>
+                  <a:pt x="40435" y="291797"/>
+                  <a:pt x="0" y="72173"/>
                 </a:cubicBezTo>
               </a:path>
             </a:pathLst>
           </a:custGeom>
-          <a:noFill/>
+          <a:solidFill>
+            <a:schemeClr val="bg1">
+              <a:lumMod val="95000"/>
+            </a:schemeClr>
+          </a:solidFill>
           <a:ln>
             <a:extLst>
               <a:ext uri="{C807C97D-BFC1-408E-A445-0C87EB9F89A2}">
@@ -7147,8 +7260,8 @@
         </p:blipFill>
         <p:spPr bwMode="auto">
           <a:xfrm>
-            <a:off x="6078000" y="2701558"/>
-            <a:ext cx="738549" cy="492366"/>
+            <a:off x="5146941" y="2934913"/>
+            <a:ext cx="583392" cy="388928"/>
           </a:xfrm>
           <a:prstGeom prst="rect">
             <a:avLst/>
@@ -7165,48 +7278,6 @@
           </a:extLst>
         </p:spPr>
       </p:pic>
-      <p:cxnSp>
-        <p:nvCxnSpPr>
-          <p:cNvPr id="99" name="Connettore 2 98">
-            <a:extLst>
-              <a:ext uri="{FF2B5EF4-FFF2-40B4-BE49-F238E27FC236}">
-                <a16:creationId xmlns:a16="http://schemas.microsoft.com/office/drawing/2014/main" id="{B0F5B3F7-F326-89CC-7B61-B611F2930280}"/>
-              </a:ext>
-            </a:extLst>
-          </p:cNvPr>
-          <p:cNvCxnSpPr>
-            <a:cxnSpLocks/>
-          </p:cNvCxnSpPr>
-          <p:nvPr/>
-        </p:nvCxnSpPr>
-        <p:spPr>
-          <a:xfrm>
-            <a:off x="5386545" y="2730920"/>
-            <a:ext cx="640476" cy="0"/>
-          </a:xfrm>
-          <a:prstGeom prst="straightConnector1">
-            <a:avLst/>
-          </a:prstGeom>
-          <a:ln>
-            <a:prstDash val="sysDot"/>
-            <a:tailEnd type="triangle"/>
-          </a:ln>
-        </p:spPr>
-        <p:style>
-          <a:lnRef idx="2">
-            <a:schemeClr val="dk1"/>
-          </a:lnRef>
-          <a:fillRef idx="0">
-            <a:schemeClr val="dk1"/>
-          </a:fillRef>
-          <a:effectRef idx="1">
-            <a:schemeClr val="dk1"/>
-          </a:effectRef>
-          <a:fontRef idx="minor">
-            <a:schemeClr val="tx1"/>
-          </a:fontRef>
-        </p:style>
-      </p:cxnSp>
       <p:sp>
         <p:nvSpPr>
           <p:cNvPr id="102" name="CasellaDiTesto 101">
@@ -7221,8 +7292,8 @@
         </p:nvSpPr>
         <p:spPr>
           <a:xfrm>
-            <a:off x="5993769" y="2459098"/>
-            <a:ext cx="699230" cy="338554"/>
+            <a:off x="5098405" y="2687701"/>
+            <a:ext cx="633507" cy="307777"/>
           </a:xfrm>
           <a:prstGeom prst="rect">
             <a:avLst/>
@@ -7236,7 +7307,7 @@
           <a:lstStyle/>
           <a:p>
             <a:r>
-              <a:rPr lang="it-IT" sz="800">
+              <a:rPr lang="it-IT" sz="700">
                 <a:latin typeface="Bahnschrift Light Condensed" panose="020B0502040204020203" pitchFamily="34" charset="0"/>
               </a:rPr>
               <a:t>- consumers</a:t>
@@ -7244,7 +7315,7 @@
           </a:p>
           <a:p>
             <a:r>
-              <a:rPr lang="it-IT" sz="800">
+              <a:rPr lang="it-IT" sz="700">
                 <a:latin typeface="Bahnschrift Light Condensed" panose="020B0502040204020203" pitchFamily="34" charset="0"/>
               </a:rPr>
               <a:t>- subscriptions</a:t>
@@ -7313,38 +7384,38 @@
         </p:nvSpPr>
         <p:spPr>
           <a:xfrm>
-            <a:off x="5429306" y="4446183"/>
-            <a:ext cx="2271384" cy="967348"/>
+            <a:off x="5429306" y="4289848"/>
+            <a:ext cx="2271384" cy="1123683"/>
           </a:xfrm>
           <a:custGeom>
             <a:avLst/>
             <a:gdLst>
               <a:gd name="connsiteX0" fmla="*/ 0 w 2271384"/>
-              <a:gd name="connsiteY0" fmla="*/ 0 h 967348"/>
+              <a:gd name="connsiteY0" fmla="*/ 0 h 1123683"/>
               <a:gd name="connsiteX1" fmla="*/ 545132 w 2271384"/>
-              <a:gd name="connsiteY1" fmla="*/ 0 h 967348"/>
+              <a:gd name="connsiteY1" fmla="*/ 0 h 1123683"/>
               <a:gd name="connsiteX2" fmla="*/ 1067550 w 2271384"/>
-              <a:gd name="connsiteY2" fmla="*/ 0 h 967348"/>
+              <a:gd name="connsiteY2" fmla="*/ 0 h 1123683"/>
               <a:gd name="connsiteX3" fmla="*/ 1612683 w 2271384"/>
-              <a:gd name="connsiteY3" fmla="*/ 0 h 967348"/>
+              <a:gd name="connsiteY3" fmla="*/ 0 h 1123683"/>
               <a:gd name="connsiteX4" fmla="*/ 2271384 w 2271384"/>
-              <a:gd name="connsiteY4" fmla="*/ 0 h 967348"/>
+              <a:gd name="connsiteY4" fmla="*/ 0 h 1123683"/>
               <a:gd name="connsiteX5" fmla="*/ 2271384 w 2271384"/>
-              <a:gd name="connsiteY5" fmla="*/ 503021 h 967348"/>
+              <a:gd name="connsiteY5" fmla="*/ 584315 h 1123683"/>
               <a:gd name="connsiteX6" fmla="*/ 2271384 w 2271384"/>
-              <a:gd name="connsiteY6" fmla="*/ 967348 h 967348"/>
+              <a:gd name="connsiteY6" fmla="*/ 1123683 h 1123683"/>
               <a:gd name="connsiteX7" fmla="*/ 1771680 w 2271384"/>
-              <a:gd name="connsiteY7" fmla="*/ 967348 h 967348"/>
+              <a:gd name="connsiteY7" fmla="*/ 1123683 h 1123683"/>
               <a:gd name="connsiteX8" fmla="*/ 1181120 w 2271384"/>
-              <a:gd name="connsiteY8" fmla="*/ 967348 h 967348"/>
+              <a:gd name="connsiteY8" fmla="*/ 1123683 h 1123683"/>
               <a:gd name="connsiteX9" fmla="*/ 613274 w 2271384"/>
-              <a:gd name="connsiteY9" fmla="*/ 967348 h 967348"/>
+              <a:gd name="connsiteY9" fmla="*/ 1123683 h 1123683"/>
               <a:gd name="connsiteX10" fmla="*/ 0 w 2271384"/>
-              <a:gd name="connsiteY10" fmla="*/ 967348 h 967348"/>
+              <a:gd name="connsiteY10" fmla="*/ 1123683 h 1123683"/>
               <a:gd name="connsiteX11" fmla="*/ 0 w 2271384"/>
-              <a:gd name="connsiteY11" fmla="*/ 483674 h 967348"/>
+              <a:gd name="connsiteY11" fmla="*/ 561842 h 1123683"/>
               <a:gd name="connsiteX12" fmla="*/ 0 w 2271384"/>
-              <a:gd name="connsiteY12" fmla="*/ 0 h 967348"/>
+              <a:gd name="connsiteY12" fmla="*/ 0 h 1123683"/>
             </a:gdLst>
             <a:ahLst/>
             <a:cxnLst>
@@ -7390,7 +7461,7 @@
             </a:cxnLst>
             <a:rect l="l" t="t" r="r" b="b"/>
             <a:pathLst>
-              <a:path w="2271384" h="967348" extrusionOk="0">
+              <a:path w="2271384" h="1123683" extrusionOk="0">
                 <a:moveTo>
                   <a:pt x="0" y="0"/>
                 </a:moveTo>
@@ -7415,43 +7486,43 @@
                   <a:pt x="2271384" y="0"/>
                 </a:cubicBezTo>
                 <a:cubicBezTo>
-                  <a:pt x="2273983" y="191613"/>
-                  <a:pt x="2246389" y="386231"/>
-                  <a:pt x="2271384" y="503021"/>
-                </a:cubicBezTo>
-                <a:cubicBezTo>
-                  <a:pt x="2296379" y="619811"/>
-                  <a:pt x="2267778" y="773216"/>
-                  <a:pt x="2271384" y="967348"/>
-                </a:cubicBezTo>
-                <a:cubicBezTo>
-                  <a:pt x="2071798" y="968782"/>
-                  <a:pt x="1902854" y="970592"/>
-                  <a:pt x="1771680" y="967348"/>
-                </a:cubicBezTo>
-                <a:cubicBezTo>
-                  <a:pt x="1640506" y="964104"/>
-                  <a:pt x="1372101" y="941398"/>
-                  <a:pt x="1181120" y="967348"/>
-                </a:cubicBezTo>
-                <a:cubicBezTo>
-                  <a:pt x="990139" y="993298"/>
-                  <a:pt x="816485" y="970342"/>
-                  <a:pt x="613274" y="967348"/>
-                </a:cubicBezTo>
-                <a:cubicBezTo>
-                  <a:pt x="410063" y="964354"/>
-                  <a:pt x="304881" y="974044"/>
-                  <a:pt x="0" y="967348"/>
-                </a:cubicBezTo>
-                <a:cubicBezTo>
-                  <a:pt x="21640" y="772543"/>
-                  <a:pt x="17282" y="628140"/>
-                  <a:pt x="0" y="483674"/>
-                </a:cubicBezTo>
-                <a:cubicBezTo>
-                  <a:pt x="-17282" y="339208"/>
-                  <a:pt x="-10389" y="122127"/>
+                  <a:pt x="2267503" y="171603"/>
+                  <a:pt x="2253508" y="423028"/>
+                  <a:pt x="2271384" y="584315"/>
+                </a:cubicBezTo>
+                <a:cubicBezTo>
+                  <a:pt x="2289260" y="745603"/>
+                  <a:pt x="2285890" y="993423"/>
+                  <a:pt x="2271384" y="1123683"/>
+                </a:cubicBezTo>
+                <a:cubicBezTo>
+                  <a:pt x="2071798" y="1125117"/>
+                  <a:pt x="1902854" y="1126927"/>
+                  <a:pt x="1771680" y="1123683"/>
+                </a:cubicBezTo>
+                <a:cubicBezTo>
+                  <a:pt x="1640506" y="1120439"/>
+                  <a:pt x="1372101" y="1097733"/>
+                  <a:pt x="1181120" y="1123683"/>
+                </a:cubicBezTo>
+                <a:cubicBezTo>
+                  <a:pt x="990139" y="1149633"/>
+                  <a:pt x="816485" y="1126677"/>
+                  <a:pt x="613274" y="1123683"/>
+                </a:cubicBezTo>
+                <a:cubicBezTo>
+                  <a:pt x="410063" y="1120689"/>
+                  <a:pt x="304881" y="1130379"/>
+                  <a:pt x="0" y="1123683"/>
+                </a:cubicBezTo>
+                <a:cubicBezTo>
+                  <a:pt x="27578" y="895560"/>
+                  <a:pt x="-7211" y="798804"/>
+                  <a:pt x="0" y="561842"/>
+                </a:cubicBezTo>
+                <a:cubicBezTo>
+                  <a:pt x="7211" y="324880"/>
+                  <a:pt x="-20279" y="164560"/>
                   <a:pt x="0" y="0"/>
                 </a:cubicBezTo>
                 <a:close/>
@@ -7515,8 +7586,8 @@
         </p:nvSpPr>
         <p:spPr>
           <a:xfrm>
-            <a:off x="6347586" y="4428844"/>
-            <a:ext cx="1159292" cy="584775"/>
+            <a:off x="6183756" y="4268824"/>
+            <a:ext cx="1518364" cy="707886"/>
           </a:xfrm>
           <a:prstGeom prst="rect">
             <a:avLst/>
@@ -7554,6 +7625,26 @@
                 <a:latin typeface="Bahnschrift Light Condensed" panose="020B0502040204020203" pitchFamily="34" charset="0"/>
               </a:rPr>
               <a:t>station-threshold-mintime</a:t>
+            </a:r>
+          </a:p>
+          <a:p>
+            <a:r>
+              <a:rPr lang="it-IT" sz="800">
+                <a:latin typeface="Bahnschrift Light Condensed" panose="020B0502040204020203" pitchFamily="34" charset="0"/>
+              </a:rPr>
+              <a:t>- </a:t>
+            </a:r>
+            <a:r>
+              <a:rPr lang="it-IT" sz="800" i="1">
+                <a:latin typeface="Bahnschrift Light Condensed" panose="020B0502040204020203" pitchFamily="34" charset="0"/>
+              </a:rPr>
+              <a:t>station-threshold-mintime </a:t>
+            </a:r>
+            <a:r>
+              <a:rPr lang="it-IT" sz="800">
+                <a:latin typeface="Bahnschrift Light Condensed" panose="020B0502040204020203" pitchFamily="34" charset="0"/>
+              </a:rPr>
+              <a:t>[DATA-OK]</a:t>
             </a:r>
           </a:p>
           <a:p>
@@ -9385,7 +9476,7 @@
         </p:nvSpPr>
         <p:spPr>
           <a:xfrm>
-            <a:off x="5423626" y="4228881"/>
+            <a:off x="5423626" y="4072671"/>
             <a:ext cx="2271384" cy="217177"/>
           </a:xfrm>
           <a:custGeom>
@@ -10354,42 +10445,8 @@
         </p:nvSpPr>
         <p:spPr>
           <a:xfrm>
-            <a:off x="5644349" y="2455625"/>
-            <a:ext cx="429926" cy="276999"/>
-          </a:xfrm>
-          <a:prstGeom prst="rect">
-            <a:avLst/>
-          </a:prstGeom>
-          <a:noFill/>
-        </p:spPr>
-        <p:txBody>
-          <a:bodyPr wrap="none" rtlCol="0">
-            <a:spAutoFit/>
-          </a:bodyPr>
-          <a:lstStyle/>
-          <a:p>
-            <a:r>
-              <a:rPr lang="it-IT" sz="1200">
-                <a:latin typeface="Bahnschrift Light Condensed" panose="020B0502040204020203" pitchFamily="34" charset="0"/>
-              </a:rPr>
-              <a:t>3306</a:t>
-            </a:r>
-            <a:endParaRPr lang="it-IT">
-              <a:latin typeface="Bahnschrift Light Condensed" panose="020B0502040204020203" pitchFamily="34" charset="0"/>
-            </a:endParaRPr>
-          </a:p>
-        </p:txBody>
-      </p:sp>
-      <p:sp>
-        <p:nvSpPr>
-          <p:cNvPr id="53" name="CasellaDiTesto 52"/>
-          <p:cNvSpPr txBox="1"/>
-          <p:nvPr/>
-        </p:nvSpPr>
-        <p:spPr>
-          <a:xfrm>
-            <a:off x="954248" y="103311"/>
-            <a:ext cx="8353182" cy="461665"/>
+            <a:off x="5677409" y="2614168"/>
+            <a:ext cx="456729" cy="246221"/>
           </a:xfrm>
           <a:prstGeom prst="rect">
             <a:avLst/>
@@ -10403,19 +10460,14 @@
           <a:lstStyle/>
           <a:p>
             <a:r>
-              <a:rPr lang="it-IT" sz="1200" b="1"/>
-              <a:t>Distributed System and Big Data</a:t>
+              <a:rPr lang="it-IT" sz="1000">
+                <a:latin typeface="Bahnschrift Light Condensed" panose="020B0502040204020203" pitchFamily="34" charset="0"/>
+              </a:rPr>
+              <a:t>3306</a:t>
             </a:r>
-            <a:r>
-              <a:rPr lang="it-IT" sz="1200"/>
-              <a:t> – A.A. 2023/24 - Unict</a:t>
-            </a:r>
-          </a:p>
-          <a:p>
-            <a:r>
-              <a:rPr lang="it-IT" sz="1200"/>
-              <a:t>Schema progetto (prima parte) di Francesco Pandolfo</a:t>
-            </a:r>
+            <a:endParaRPr lang="it-IT" sz="1200">
+              <a:latin typeface="Bahnschrift Light Condensed" panose="020B0502040204020203" pitchFamily="34" charset="0"/>
+            </a:endParaRPr>
           </a:p>
         </p:txBody>
       </p:sp>
@@ -10482,7 +10534,7 @@
         </p:blipFill>
         <p:spPr>
           <a:xfrm>
-            <a:off x="9972713" y="588509"/>
+            <a:off x="10224037" y="1111811"/>
             <a:ext cx="1410062" cy="469578"/>
           </a:xfrm>
           <a:prstGeom prst="rect">
@@ -10504,7 +10556,7 @@
         </p:nvSpPr>
         <p:spPr>
           <a:xfrm>
-            <a:off x="6090036" y="3978530"/>
+            <a:off x="6090036" y="3829940"/>
             <a:ext cx="428322" cy="276999"/>
           </a:xfrm>
           <a:prstGeom prst="rect">
@@ -10544,22 +10596,22 @@
         </p:nvSpPr>
         <p:spPr>
           <a:xfrm>
-            <a:off x="9251818" y="324661"/>
-            <a:ext cx="2703472" cy="3617806"/>
+            <a:off x="9729338" y="811039"/>
+            <a:ext cx="2198502" cy="2964043"/>
           </a:xfrm>
           <a:custGeom>
             <a:avLst/>
             <a:gdLst>
-              <a:gd name="connsiteX0" fmla="*/ 0 w 2703472"/>
-              <a:gd name="connsiteY0" fmla="*/ 1808903 h 3617806"/>
-              <a:gd name="connsiteX1" fmla="*/ 1351736 w 2703472"/>
-              <a:gd name="connsiteY1" fmla="*/ 0 h 3617806"/>
-              <a:gd name="connsiteX2" fmla="*/ 2703472 w 2703472"/>
-              <a:gd name="connsiteY2" fmla="*/ 1808903 h 3617806"/>
-              <a:gd name="connsiteX3" fmla="*/ 1351736 w 2703472"/>
-              <a:gd name="connsiteY3" fmla="*/ 3617806 h 3617806"/>
-              <a:gd name="connsiteX4" fmla="*/ 0 w 2703472"/>
-              <a:gd name="connsiteY4" fmla="*/ 1808903 h 3617806"/>
+              <a:gd name="connsiteX0" fmla="*/ 0 w 2198502"/>
+              <a:gd name="connsiteY0" fmla="*/ 1482022 h 2964043"/>
+              <a:gd name="connsiteX1" fmla="*/ 1099251 w 2198502"/>
+              <a:gd name="connsiteY1" fmla="*/ 0 h 2964043"/>
+              <a:gd name="connsiteX2" fmla="*/ 2198502 w 2198502"/>
+              <a:gd name="connsiteY2" fmla="*/ 1482022 h 2964043"/>
+              <a:gd name="connsiteX3" fmla="*/ 1099251 w 2198502"/>
+              <a:gd name="connsiteY3" fmla="*/ 2964044 h 2964043"/>
+              <a:gd name="connsiteX4" fmla="*/ 0 w 2198502"/>
+              <a:gd name="connsiteY4" fmla="*/ 1482022 h 2964043"/>
             </a:gdLst>
             <a:ahLst/>
             <a:cxnLst>
@@ -10581,29 +10633,29 @@
             </a:cxnLst>
             <a:rect l="l" t="t" r="r" b="b"/>
             <a:pathLst>
-              <a:path w="2703472" h="3617806" extrusionOk="0">
+              <a:path w="2198502" h="2964043" extrusionOk="0">
                 <a:moveTo>
-                  <a:pt x="0" y="1808903"/>
+                  <a:pt x="0" y="1482022"/>
                 </a:moveTo>
                 <a:cubicBezTo>
-                  <a:pt x="-12256" y="884042"/>
-                  <a:pt x="606728" y="67969"/>
-                  <a:pt x="1351736" y="0"/>
-                </a:cubicBezTo>
-                <a:cubicBezTo>
-                  <a:pt x="2139936" y="-22065"/>
-                  <a:pt x="2922046" y="703030"/>
-                  <a:pt x="2703472" y="1808903"/>
-                </a:cubicBezTo>
-                <a:cubicBezTo>
-                  <a:pt x="2826751" y="2780181"/>
-                  <a:pt x="2092890" y="3740463"/>
-                  <a:pt x="1351736" y="3617806"/>
-                </a:cubicBezTo>
-                <a:cubicBezTo>
-                  <a:pt x="645579" y="3681785"/>
-                  <a:pt x="-173189" y="2629092"/>
-                  <a:pt x="0" y="1808903"/>
+                  <a:pt x="-24516" y="811888"/>
+                  <a:pt x="493159" y="44626"/>
+                  <a:pt x="1099251" y="0"/>
+                </a:cubicBezTo>
+                <a:cubicBezTo>
+                  <a:pt x="1800644" y="-49945"/>
+                  <a:pt x="2227894" y="649157"/>
+                  <a:pt x="2198502" y="1482022"/>
+                </a:cubicBezTo>
+                <a:cubicBezTo>
+                  <a:pt x="2341023" y="2268436"/>
+                  <a:pt x="1702280" y="3056706"/>
+                  <a:pt x="1099251" y="2964044"/>
+                </a:cubicBezTo>
+                <a:cubicBezTo>
+                  <a:pt x="560762" y="3072736"/>
+                  <a:pt x="-140939" y="2154981"/>
+                  <a:pt x="0" y="1482022"/>
                 </a:cubicBezTo>
                 <a:close/>
               </a:path>
@@ -10665,7 +10717,7 @@
         </p:nvSpPr>
         <p:spPr>
           <a:xfrm>
-            <a:off x="10451548" y="332761"/>
+            <a:off x="10738150" y="811039"/>
             <a:ext cx="381836" cy="276999"/>
           </a:xfrm>
           <a:prstGeom prst="rect">
@@ -10884,6 +10936,514 @@
           </a:p>
         </p:txBody>
       </p:sp>
+      <p:sp>
+        <p:nvSpPr>
+          <p:cNvPr id="6" name="CasellaDiTesto 5">
+            <a:extLst>
+              <a:ext uri="{FF2B5EF4-FFF2-40B4-BE49-F238E27FC236}">
+                <a16:creationId xmlns:a16="http://schemas.microsoft.com/office/drawing/2014/main" id="{BDA30468-4F01-AED4-3CF1-B3C3D095A76A}"/>
+              </a:ext>
+            </a:extLst>
+          </p:cNvPr>
+          <p:cNvSpPr txBox="1"/>
+          <p:nvPr/>
+        </p:nvSpPr>
+        <p:spPr>
+          <a:xfrm>
+            <a:off x="4387432" y="2412830"/>
+            <a:ext cx="837089" cy="215444"/>
+          </a:xfrm>
+          <a:prstGeom prst="rect">
+            <a:avLst/>
+          </a:prstGeom>
+          <a:noFill/>
+        </p:spPr>
+        <p:txBody>
+          <a:bodyPr wrap="none" rtlCol="0">
+            <a:spAutoFit/>
+          </a:bodyPr>
+          <a:lstStyle/>
+          <a:p>
+            <a:r>
+              <a:rPr lang="it-IT" sz="800">
+                <a:latin typeface="Bahnschrift Light Condensed" panose="020B0502040204020203" pitchFamily="34" charset="0"/>
+              </a:rPr>
+              <a:t>/delete {username}</a:t>
+            </a:r>
+          </a:p>
+        </p:txBody>
+      </p:sp>
+      <p:sp>
+        <p:nvSpPr>
+          <p:cNvPr id="11" name="Cilindro 10">
+            <a:extLst>
+              <a:ext uri="{FF2B5EF4-FFF2-40B4-BE49-F238E27FC236}">
+                <a16:creationId xmlns:a16="http://schemas.microsoft.com/office/drawing/2014/main" id="{6A2423D4-F358-4E82-80D9-6F46BDB1DF3C}"/>
+              </a:ext>
+            </a:extLst>
+          </p:cNvPr>
+          <p:cNvSpPr/>
+          <p:nvPr/>
+        </p:nvSpPr>
+        <p:spPr>
+          <a:xfrm>
+            <a:off x="4204225" y="4136811"/>
+            <a:ext cx="577380" cy="711544"/>
+          </a:xfrm>
+          <a:custGeom>
+            <a:avLst/>
+            <a:gdLst>
+              <a:gd name="connsiteX0" fmla="*/ 0 w 577380"/>
+              <a:gd name="connsiteY0" fmla="*/ 72173 h 711544"/>
+              <a:gd name="connsiteX1" fmla="*/ 288690 w 577380"/>
+              <a:gd name="connsiteY1" fmla="*/ 144346 h 711544"/>
+              <a:gd name="connsiteX2" fmla="*/ 577380 w 577380"/>
+              <a:gd name="connsiteY2" fmla="*/ 72173 h 711544"/>
+              <a:gd name="connsiteX3" fmla="*/ 577380 w 577380"/>
+              <a:gd name="connsiteY3" fmla="*/ 639372 h 711544"/>
+              <a:gd name="connsiteX4" fmla="*/ 288690 w 577380"/>
+              <a:gd name="connsiteY4" fmla="*/ 711545 h 711544"/>
+              <a:gd name="connsiteX5" fmla="*/ 0 w 577380"/>
+              <a:gd name="connsiteY5" fmla="*/ 639372 h 711544"/>
+              <a:gd name="connsiteX6" fmla="*/ 0 w 577380"/>
+              <a:gd name="connsiteY6" fmla="*/ 72173 h 711544"/>
+              <a:gd name="connsiteX0" fmla="*/ 0 w 577380"/>
+              <a:gd name="connsiteY0" fmla="*/ 72173 h 711544"/>
+              <a:gd name="connsiteX1" fmla="*/ 288690 w 577380"/>
+              <a:gd name="connsiteY1" fmla="*/ 0 h 711544"/>
+              <a:gd name="connsiteX2" fmla="*/ 577380 w 577380"/>
+              <a:gd name="connsiteY2" fmla="*/ 72173 h 711544"/>
+              <a:gd name="connsiteX3" fmla="*/ 288690 w 577380"/>
+              <a:gd name="connsiteY3" fmla="*/ 144346 h 711544"/>
+              <a:gd name="connsiteX4" fmla="*/ 0 w 577380"/>
+              <a:gd name="connsiteY4" fmla="*/ 72173 h 711544"/>
+              <a:gd name="connsiteX0" fmla="*/ 577380 w 577380"/>
+              <a:gd name="connsiteY0" fmla="*/ 72173 h 711544"/>
+              <a:gd name="connsiteX1" fmla="*/ 288690 w 577380"/>
+              <a:gd name="connsiteY1" fmla="*/ 144346 h 711544"/>
+              <a:gd name="connsiteX2" fmla="*/ 0 w 577380"/>
+              <a:gd name="connsiteY2" fmla="*/ 72173 h 711544"/>
+              <a:gd name="connsiteX3" fmla="*/ 288690 w 577380"/>
+              <a:gd name="connsiteY3" fmla="*/ 0 h 711544"/>
+              <a:gd name="connsiteX4" fmla="*/ 577380 w 577380"/>
+              <a:gd name="connsiteY4" fmla="*/ 72173 h 711544"/>
+              <a:gd name="connsiteX5" fmla="*/ 577380 w 577380"/>
+              <a:gd name="connsiteY5" fmla="*/ 639372 h 711544"/>
+              <a:gd name="connsiteX6" fmla="*/ 288690 w 577380"/>
+              <a:gd name="connsiteY6" fmla="*/ 711545 h 711544"/>
+              <a:gd name="connsiteX7" fmla="*/ 0 w 577380"/>
+              <a:gd name="connsiteY7" fmla="*/ 639372 h 711544"/>
+              <a:gd name="connsiteX8" fmla="*/ 0 w 577380"/>
+              <a:gd name="connsiteY8" fmla="*/ 72173 h 711544"/>
+            </a:gdLst>
+            <a:ahLst/>
+            <a:cxnLst>
+              <a:cxn ang="0">
+                <a:pos x="connsiteX0" y="connsiteY0"/>
+              </a:cxn>
+              <a:cxn ang="0">
+                <a:pos x="connsiteX1" y="connsiteY1"/>
+              </a:cxn>
+              <a:cxn ang="0">
+                <a:pos x="connsiteX2" y="connsiteY2"/>
+              </a:cxn>
+              <a:cxn ang="0">
+                <a:pos x="connsiteX3" y="connsiteY3"/>
+              </a:cxn>
+              <a:cxn ang="0">
+                <a:pos x="connsiteX4" y="connsiteY4"/>
+              </a:cxn>
+              <a:cxn ang="0">
+                <a:pos x="connsiteX5" y="connsiteY5"/>
+              </a:cxn>
+              <a:cxn ang="0">
+                <a:pos x="connsiteX6" y="connsiteY6"/>
+              </a:cxn>
+              <a:cxn ang="0">
+                <a:pos x="connsiteX7" y="connsiteY7"/>
+              </a:cxn>
+              <a:cxn ang="0">
+                <a:pos x="connsiteX8" y="connsiteY8"/>
+              </a:cxn>
+            </a:cxnLst>
+            <a:rect l="l" t="t" r="r" b="b"/>
+            <a:pathLst>
+              <a:path w="577380" h="711544" stroke="0" extrusionOk="0">
+                <a:moveTo>
+                  <a:pt x="0" y="72173"/>
+                </a:moveTo>
+                <a:cubicBezTo>
+                  <a:pt x="14619" y="95825"/>
+                  <a:pt x="127429" y="144441"/>
+                  <a:pt x="288690" y="144346"/>
+                </a:cubicBezTo>
+                <a:cubicBezTo>
+                  <a:pt x="455815" y="143381"/>
+                  <a:pt x="570686" y="113376"/>
+                  <a:pt x="577380" y="72173"/>
+                </a:cubicBezTo>
+                <a:cubicBezTo>
+                  <a:pt x="537600" y="294362"/>
+                  <a:pt x="608506" y="559806"/>
+                  <a:pt x="577380" y="639372"/>
+                </a:cubicBezTo>
+                <a:cubicBezTo>
+                  <a:pt x="583064" y="689214"/>
+                  <a:pt x="446523" y="708707"/>
+                  <a:pt x="288690" y="711545"/>
+                </a:cubicBezTo>
+                <a:cubicBezTo>
+                  <a:pt x="128744" y="713882"/>
+                  <a:pt x="-3365" y="680643"/>
+                  <a:pt x="0" y="639372"/>
+                </a:cubicBezTo>
+                <a:cubicBezTo>
+                  <a:pt x="-35677" y="565792"/>
+                  <a:pt x="-42564" y="306144"/>
+                  <a:pt x="0" y="72173"/>
+                </a:cubicBezTo>
+                <a:close/>
+              </a:path>
+              <a:path w="577380" h="711544" fill="lighten" stroke="0" extrusionOk="0">
+                <a:moveTo>
+                  <a:pt x="0" y="72173"/>
+                </a:moveTo>
+                <a:cubicBezTo>
+                  <a:pt x="6123" y="58009"/>
+                  <a:pt x="110039" y="-6776"/>
+                  <a:pt x="288690" y="0"/>
+                </a:cubicBezTo>
+                <a:cubicBezTo>
+                  <a:pt x="447053" y="-3145"/>
+                  <a:pt x="580036" y="28841"/>
+                  <a:pt x="577380" y="72173"/>
+                </a:cubicBezTo>
+                <a:cubicBezTo>
+                  <a:pt x="585056" y="104707"/>
+                  <a:pt x="443811" y="157606"/>
+                  <a:pt x="288690" y="144346"/>
+                </a:cubicBezTo>
+                <a:cubicBezTo>
+                  <a:pt x="128767" y="152186"/>
+                  <a:pt x="534" y="117431"/>
+                  <a:pt x="0" y="72173"/>
+                </a:cubicBezTo>
+                <a:close/>
+              </a:path>
+              <a:path w="577380" h="711544" fill="none" extrusionOk="0">
+                <a:moveTo>
+                  <a:pt x="577380" y="72173"/>
+                </a:moveTo>
+                <a:cubicBezTo>
+                  <a:pt x="588108" y="93541"/>
+                  <a:pt x="441067" y="128236"/>
+                  <a:pt x="288690" y="144346"/>
+                </a:cubicBezTo>
+                <a:cubicBezTo>
+                  <a:pt x="131257" y="138436"/>
+                  <a:pt x="2143" y="106849"/>
+                  <a:pt x="0" y="72173"/>
+                </a:cubicBezTo>
+                <a:cubicBezTo>
+                  <a:pt x="3195" y="34699"/>
+                  <a:pt x="144280" y="-4740"/>
+                  <a:pt x="288690" y="0"/>
+                </a:cubicBezTo>
+                <a:cubicBezTo>
+                  <a:pt x="452720" y="3700"/>
+                  <a:pt x="577580" y="33090"/>
+                  <a:pt x="577380" y="72173"/>
+                </a:cubicBezTo>
+                <a:cubicBezTo>
+                  <a:pt x="531323" y="137628"/>
+                  <a:pt x="538067" y="497835"/>
+                  <a:pt x="577380" y="639372"/>
+                </a:cubicBezTo>
+                <a:cubicBezTo>
+                  <a:pt x="587921" y="693492"/>
+                  <a:pt x="427380" y="718423"/>
+                  <a:pt x="288690" y="711545"/>
+                </a:cubicBezTo>
+                <a:cubicBezTo>
+                  <a:pt x="126627" y="715173"/>
+                  <a:pt x="2369" y="677520"/>
+                  <a:pt x="0" y="639372"/>
+                </a:cubicBezTo>
+                <a:cubicBezTo>
+                  <a:pt x="-20566" y="393065"/>
+                  <a:pt x="40435" y="291797"/>
+                  <a:pt x="0" y="72173"/>
+                </a:cubicBezTo>
+              </a:path>
+            </a:pathLst>
+          </a:custGeom>
+          <a:solidFill>
+            <a:schemeClr val="bg1">
+              <a:lumMod val="95000"/>
+            </a:schemeClr>
+          </a:solidFill>
+          <a:ln>
+            <a:extLst>
+              <a:ext uri="{C807C97D-BFC1-408E-A445-0C87EB9F89A2}">
+                <ask:lineSketchStyleProps xmlns:ask="http://schemas.microsoft.com/office/drawing/2018/sketchyshapes" sd="278935163">
+                  <a:prstGeom prst="can">
+                    <a:avLst/>
+                  </a:prstGeom>
+                  <ask:type>
+                    <ask:lineSketchCurved/>
+                  </ask:type>
+                </ask:lineSketchStyleProps>
+              </a:ext>
+            </a:extLst>
+          </a:ln>
+        </p:spPr>
+        <p:style>
+          <a:lnRef idx="2">
+            <a:schemeClr val="accent1">
+              <a:shade val="15000"/>
+            </a:schemeClr>
+          </a:lnRef>
+          <a:fillRef idx="1">
+            <a:schemeClr val="accent1"/>
+          </a:fillRef>
+          <a:effectRef idx="0">
+            <a:schemeClr val="accent1"/>
+          </a:effectRef>
+          <a:fontRef idx="minor">
+            <a:schemeClr val="lt1"/>
+          </a:fontRef>
+        </p:style>
+        <p:txBody>
+          <a:bodyPr rtlCol="0" anchor="ctr"/>
+          <a:lstStyle/>
+          <a:p>
+            <a:pPr algn="ctr"/>
+            <a:endParaRPr lang="it-IT">
+              <a:latin typeface="Bahnschrift Light Condensed" panose="020B0502040204020203" pitchFamily="34" charset="0"/>
+            </a:endParaRPr>
+          </a:p>
+        </p:txBody>
+      </p:sp>
+      <p:pic>
+        <p:nvPicPr>
+          <p:cNvPr id="12" name="Picture 2" descr="Cos'è MySQL e a cosa serve">
+            <a:extLst>
+              <a:ext uri="{FF2B5EF4-FFF2-40B4-BE49-F238E27FC236}">
+                <a16:creationId xmlns:a16="http://schemas.microsoft.com/office/drawing/2014/main" id="{F86C8C4B-484C-5EBB-B39F-19F0F0A33997}"/>
+              </a:ext>
+            </a:extLst>
+          </p:cNvPr>
+          <p:cNvPicPr>
+            <a:picLocks noChangeAspect="1" noChangeArrowheads="1"/>
+          </p:cNvPicPr>
+          <p:nvPr/>
+        </p:nvPicPr>
+        <p:blipFill>
+          <a:blip r:embed="rId5" cstate="hqprint">
+            <a:extLst>
+              <a:ext uri="{28A0092B-C50C-407E-A947-70E740481C1C}">
+                <a14:useLocalDpi xmlns:a14="http://schemas.microsoft.com/office/drawing/2010/main" val="0"/>
+              </a:ext>
+            </a:extLst>
+          </a:blip>
+          <a:srcRect/>
+          <a:stretch>
+            <a:fillRect/>
+          </a:stretch>
+        </p:blipFill>
+        <p:spPr bwMode="auto">
+          <a:xfrm>
+            <a:off x="4208717" y="4497026"/>
+            <a:ext cx="583392" cy="388928"/>
+          </a:xfrm>
+          <a:prstGeom prst="rect">
+            <a:avLst/>
+          </a:prstGeom>
+          <a:noFill/>
+          <a:extLst>
+            <a:ext uri="{909E8E84-426E-40DD-AFC4-6F175D3DCCD1}">
+              <a14:hiddenFill xmlns:a14="http://schemas.microsoft.com/office/drawing/2010/main">
+                <a:solidFill>
+                  <a:srgbClr val="FFFFFF"/>
+                </a:solidFill>
+              </a14:hiddenFill>
+            </a:ext>
+          </a:extLst>
+        </p:spPr>
+      </p:pic>
+      <p:sp>
+        <p:nvSpPr>
+          <p:cNvPr id="13" name="CasellaDiTesto 12">
+            <a:extLst>
+              <a:ext uri="{FF2B5EF4-FFF2-40B4-BE49-F238E27FC236}">
+                <a16:creationId xmlns:a16="http://schemas.microsoft.com/office/drawing/2014/main" id="{9E3CE89C-85C2-5E39-FF02-E7C25D5C5516}"/>
+              </a:ext>
+            </a:extLst>
+          </p:cNvPr>
+          <p:cNvSpPr txBox="1"/>
+          <p:nvPr/>
+        </p:nvSpPr>
+        <p:spPr>
+          <a:xfrm>
+            <a:off x="4190661" y="4295534"/>
+            <a:ext cx="601447" cy="200055"/>
+          </a:xfrm>
+          <a:prstGeom prst="rect">
+            <a:avLst/>
+          </a:prstGeom>
+          <a:noFill/>
+        </p:spPr>
+        <p:txBody>
+          <a:bodyPr wrap="none" rtlCol="0">
+            <a:spAutoFit/>
+          </a:bodyPr>
+          <a:lstStyle/>
+          <a:p>
+            <a:r>
+              <a:rPr lang="it-IT" sz="700">
+                <a:latin typeface="Bahnschrift Light Condensed" panose="020B0502040204020203" pitchFamily="34" charset="0"/>
+              </a:rPr>
+              <a:t>- notifications</a:t>
+            </a:r>
+          </a:p>
+        </p:txBody>
+      </p:sp>
+      <p:cxnSp>
+        <p:nvCxnSpPr>
+          <p:cNvPr id="23" name="Connettore a gomito 22">
+            <a:extLst>
+              <a:ext uri="{FF2B5EF4-FFF2-40B4-BE49-F238E27FC236}">
+                <a16:creationId xmlns:a16="http://schemas.microsoft.com/office/drawing/2014/main" id="{FE0440AB-29A2-1150-7B2C-5125DFB08365}"/>
+              </a:ext>
+            </a:extLst>
+          </p:cNvPr>
+          <p:cNvCxnSpPr>
+            <a:cxnSpLocks/>
+            <a:stCxn id="78" idx="3"/>
+            <a:endCxn id="102" idx="3"/>
+          </p:cNvCxnSpPr>
+          <p:nvPr/>
+        </p:nvCxnSpPr>
+        <p:spPr>
+          <a:xfrm>
+            <a:off x="5386443" y="2267549"/>
+            <a:ext cx="345469" cy="574041"/>
+          </a:xfrm>
+          <a:prstGeom prst="bentConnector3">
+            <a:avLst>
+              <a:gd name="adj1" fmla="val 180508"/>
+            </a:avLst>
+          </a:prstGeom>
+          <a:ln w="12700">
+            <a:solidFill>
+              <a:schemeClr val="tx1"/>
+            </a:solidFill>
+            <a:prstDash val="sysDot"/>
+            <a:tailEnd type="triangle"/>
+          </a:ln>
+        </p:spPr>
+        <p:style>
+          <a:lnRef idx="2">
+            <a:schemeClr val="accent1"/>
+          </a:lnRef>
+          <a:fillRef idx="0">
+            <a:schemeClr val="accent1"/>
+          </a:fillRef>
+          <a:effectRef idx="1">
+            <a:schemeClr val="accent1"/>
+          </a:effectRef>
+          <a:fontRef idx="minor">
+            <a:schemeClr val="tx1"/>
+          </a:fontRef>
+        </p:style>
+      </p:cxnSp>
+      <p:cxnSp>
+        <p:nvCxnSpPr>
+          <p:cNvPr id="32" name="Connettore a gomito 31">
+            <a:extLst>
+              <a:ext uri="{FF2B5EF4-FFF2-40B4-BE49-F238E27FC236}">
+                <a16:creationId xmlns:a16="http://schemas.microsoft.com/office/drawing/2014/main" id="{2ABF8285-22A2-FFC6-445B-8D7BC1FBE8C2}"/>
+              </a:ext>
+            </a:extLst>
+          </p:cNvPr>
+          <p:cNvCxnSpPr>
+            <a:cxnSpLocks/>
+            <a:stCxn id="109" idx="0"/>
+            <a:endCxn id="13" idx="1"/>
+          </p:cNvCxnSpPr>
+          <p:nvPr/>
+        </p:nvCxnSpPr>
+        <p:spPr>
+          <a:xfrm rot="5400000" flipH="1" flipV="1">
+            <a:off x="3797631" y="4131378"/>
+            <a:ext cx="128846" cy="657214"/>
+          </a:xfrm>
+          <a:prstGeom prst="bentConnector2">
+            <a:avLst/>
+          </a:prstGeom>
+          <a:ln w="12700">
+            <a:solidFill>
+              <a:schemeClr val="tx1"/>
+            </a:solidFill>
+            <a:prstDash val="sysDot"/>
+            <a:tailEnd type="triangle"/>
+          </a:ln>
+        </p:spPr>
+        <p:style>
+          <a:lnRef idx="2">
+            <a:schemeClr val="accent1"/>
+          </a:lnRef>
+          <a:fillRef idx="0">
+            <a:schemeClr val="accent1"/>
+          </a:fillRef>
+          <a:effectRef idx="1">
+            <a:schemeClr val="accent1"/>
+          </a:effectRef>
+          <a:fontRef idx="minor">
+            <a:schemeClr val="tx1"/>
+          </a:fontRef>
+        </p:style>
+      </p:cxnSp>
+      <p:sp>
+        <p:nvSpPr>
+          <p:cNvPr id="35" name="CasellaDiTesto 34">
+            <a:extLst>
+              <a:ext uri="{FF2B5EF4-FFF2-40B4-BE49-F238E27FC236}">
+                <a16:creationId xmlns:a16="http://schemas.microsoft.com/office/drawing/2014/main" id="{3D1CC720-70A6-7FD4-EEB6-13665AA6C5D2}"/>
+              </a:ext>
+            </a:extLst>
+          </p:cNvPr>
+          <p:cNvSpPr txBox="1"/>
+          <p:nvPr/>
+        </p:nvSpPr>
+        <p:spPr>
+          <a:xfrm>
+            <a:off x="3857892" y="4182925"/>
+            <a:ext cx="456729" cy="246221"/>
+          </a:xfrm>
+          <a:prstGeom prst="rect">
+            <a:avLst/>
+          </a:prstGeom>
+          <a:noFill/>
+        </p:spPr>
+        <p:txBody>
+          <a:bodyPr wrap="square" rtlCol="0">
+            <a:spAutoFit/>
+          </a:bodyPr>
+          <a:lstStyle/>
+          <a:p>
+            <a:r>
+              <a:rPr lang="it-IT" sz="1000">
+                <a:latin typeface="Bahnschrift Light Condensed" panose="020B0502040204020203" pitchFamily="34" charset="0"/>
+              </a:rPr>
+              <a:t>3306</a:t>
+            </a:r>
+            <a:endParaRPr lang="it-IT" sz="1200">
+              <a:latin typeface="Bahnschrift Light Condensed" panose="020B0502040204020203" pitchFamily="34" charset="0"/>
+            </a:endParaRPr>
+          </a:p>
+        </p:txBody>
+      </p:sp>
     </p:spTree>
     <p:extLst>
       <p:ext uri="{BB962C8B-B14F-4D97-AF65-F5344CB8AC3E}">
@@ -10897,7 +11457,7 @@
 </p:sld>
 </file>
 
-<file path=ppt/slides/slide2.xml><?xml version="1.0" encoding="utf-8"?>
+<file path=ppt/slides/slide3.xml><?xml version="1.0" encoding="utf-8"?>
 <p:sld xmlns:a="http://schemas.openxmlformats.org/drawingml/2006/main" xmlns:r="http://schemas.openxmlformats.org/officeDocument/2006/relationships" xmlns:p="http://schemas.openxmlformats.org/presentationml/2006/main">
   <p:cSld>
     <p:spTree>
@@ -11781,20 +12341,20 @@
         <p:spPr>
           <a:xfrm>
             <a:off x="1858206" y="811039"/>
-            <a:ext cx="7170537" cy="5189231"/>
+            <a:ext cx="7557977" cy="5189231"/>
           </a:xfrm>
           <a:custGeom>
             <a:avLst/>
             <a:gdLst>
-              <a:gd name="connsiteX0" fmla="*/ 0 w 7170537"/>
+              <a:gd name="connsiteX0" fmla="*/ 0 w 7557977"/>
               <a:gd name="connsiteY0" fmla="*/ 0 h 5189231"/>
-              <a:gd name="connsiteX1" fmla="*/ 7170537 w 7170537"/>
+              <a:gd name="connsiteX1" fmla="*/ 7557977 w 7557977"/>
               <a:gd name="connsiteY1" fmla="*/ 0 h 5189231"/>
-              <a:gd name="connsiteX2" fmla="*/ 7170537 w 7170537"/>
+              <a:gd name="connsiteX2" fmla="*/ 7557977 w 7557977"/>
               <a:gd name="connsiteY2" fmla="*/ 5189231 h 5189231"/>
-              <a:gd name="connsiteX3" fmla="*/ 0 w 7170537"/>
+              <a:gd name="connsiteX3" fmla="*/ 0 w 7557977"/>
               <a:gd name="connsiteY3" fmla="*/ 5189231 h 5189231"/>
-              <a:gd name="connsiteX4" fmla="*/ 0 w 7170537"/>
+              <a:gd name="connsiteX4" fmla="*/ 0 w 7557977"/>
               <a:gd name="connsiteY4" fmla="*/ 0 h 5189231"/>
             </a:gdLst>
             <a:ahLst/>
@@ -11817,23 +12377,23 @@
             </a:cxnLst>
             <a:rect l="l" t="t" r="r" b="b"/>
             <a:pathLst>
-              <a:path w="7170537" h="5189231" extrusionOk="0">
+              <a:path w="7557977" h="5189231" extrusionOk="0">
                 <a:moveTo>
                   <a:pt x="0" y="0"/>
                 </a:moveTo>
                 <a:cubicBezTo>
-                  <a:pt x="2582964" y="-5264"/>
-                  <a:pt x="5601442" y="84467"/>
-                  <a:pt x="7170537" y="0"/>
-                </a:cubicBezTo>
-                <a:cubicBezTo>
-                  <a:pt x="7042364" y="1146612"/>
-                  <a:pt x="7299687" y="4306876"/>
-                  <a:pt x="7170537" y="5189231"/>
-                </a:cubicBezTo>
-                <a:cubicBezTo>
-                  <a:pt x="5984607" y="5295551"/>
-                  <a:pt x="2889593" y="5181582"/>
+                  <a:pt x="3331858" y="-5264"/>
+                  <a:pt x="6533147" y="84467"/>
+                  <a:pt x="7557977" y="0"/>
+                </a:cubicBezTo>
+                <a:cubicBezTo>
+                  <a:pt x="7429804" y="1146612"/>
+                  <a:pt x="7687127" y="4306876"/>
+                  <a:pt x="7557977" y="5189231"/>
+                </a:cubicBezTo>
+                <a:cubicBezTo>
+                  <a:pt x="3930016" y="5295551"/>
+                  <a:pt x="1272094" y="5181582"/>
                   <a:pt x="0" y="5189231"/>
                 </a:cubicBezTo>
                 <a:cubicBezTo>
@@ -11917,8 +12477,8 @@
         </p:nvCxnSpPr>
         <p:spPr>
           <a:xfrm>
-            <a:off x="9023470" y="1991897"/>
-            <a:ext cx="1034931" cy="0"/>
+            <a:off x="9407161" y="1999450"/>
+            <a:ext cx="1171086" cy="0"/>
           </a:xfrm>
           <a:prstGeom prst="line">
             <a:avLst/>
@@ -11962,7 +12522,7 @@
         </p:nvSpPr>
         <p:spPr>
           <a:xfrm>
-            <a:off x="9602677" y="1727177"/>
+            <a:off x="10080197" y="1727177"/>
             <a:ext cx="433132" cy="276999"/>
           </a:xfrm>
           <a:prstGeom prst="rect">
@@ -12002,54 +12562,54 @@
         </p:nvSpPr>
         <p:spPr>
           <a:xfrm>
-            <a:off x="10048673" y="1379157"/>
-            <a:ext cx="1334102" cy="2130358"/>
+            <a:off x="10526193" y="1598955"/>
+            <a:ext cx="892322" cy="1656118"/>
           </a:xfrm>
           <a:custGeom>
             <a:avLst/>
             <a:gdLst>
-              <a:gd name="connsiteX0" fmla="*/ 0 w 1334102"/>
-              <a:gd name="connsiteY0" fmla="*/ 166763 h 2130358"/>
-              <a:gd name="connsiteX1" fmla="*/ 667051 w 1334102"/>
-              <a:gd name="connsiteY1" fmla="*/ 333526 h 2130358"/>
-              <a:gd name="connsiteX2" fmla="*/ 1334102 w 1334102"/>
-              <a:gd name="connsiteY2" fmla="*/ 166763 h 2130358"/>
-              <a:gd name="connsiteX3" fmla="*/ 1334102 w 1334102"/>
-              <a:gd name="connsiteY3" fmla="*/ 1963595 h 2130358"/>
-              <a:gd name="connsiteX4" fmla="*/ 667051 w 1334102"/>
-              <a:gd name="connsiteY4" fmla="*/ 2130358 h 2130358"/>
-              <a:gd name="connsiteX5" fmla="*/ 0 w 1334102"/>
-              <a:gd name="connsiteY5" fmla="*/ 1963595 h 2130358"/>
-              <a:gd name="connsiteX6" fmla="*/ 0 w 1334102"/>
-              <a:gd name="connsiteY6" fmla="*/ 166763 h 2130358"/>
-              <a:gd name="connsiteX0" fmla="*/ 0 w 1334102"/>
-              <a:gd name="connsiteY0" fmla="*/ 166763 h 2130358"/>
-              <a:gd name="connsiteX1" fmla="*/ 667051 w 1334102"/>
-              <a:gd name="connsiteY1" fmla="*/ 0 h 2130358"/>
-              <a:gd name="connsiteX2" fmla="*/ 1334102 w 1334102"/>
-              <a:gd name="connsiteY2" fmla="*/ 166763 h 2130358"/>
-              <a:gd name="connsiteX3" fmla="*/ 667051 w 1334102"/>
-              <a:gd name="connsiteY3" fmla="*/ 333526 h 2130358"/>
-              <a:gd name="connsiteX4" fmla="*/ 0 w 1334102"/>
-              <a:gd name="connsiteY4" fmla="*/ 166763 h 2130358"/>
-              <a:gd name="connsiteX0" fmla="*/ 1334102 w 1334102"/>
-              <a:gd name="connsiteY0" fmla="*/ 166763 h 2130358"/>
-              <a:gd name="connsiteX1" fmla="*/ 667051 w 1334102"/>
-              <a:gd name="connsiteY1" fmla="*/ 333526 h 2130358"/>
-              <a:gd name="connsiteX2" fmla="*/ 0 w 1334102"/>
-              <a:gd name="connsiteY2" fmla="*/ 166763 h 2130358"/>
-              <a:gd name="connsiteX3" fmla="*/ 667051 w 1334102"/>
-              <a:gd name="connsiteY3" fmla="*/ 0 h 2130358"/>
-              <a:gd name="connsiteX4" fmla="*/ 1334102 w 1334102"/>
-              <a:gd name="connsiteY4" fmla="*/ 166763 h 2130358"/>
-              <a:gd name="connsiteX5" fmla="*/ 1334102 w 1334102"/>
-              <a:gd name="connsiteY5" fmla="*/ 1963595 h 2130358"/>
-              <a:gd name="connsiteX6" fmla="*/ 667051 w 1334102"/>
-              <a:gd name="connsiteY6" fmla="*/ 2130358 h 2130358"/>
-              <a:gd name="connsiteX7" fmla="*/ 0 w 1334102"/>
-              <a:gd name="connsiteY7" fmla="*/ 1963595 h 2130358"/>
-              <a:gd name="connsiteX8" fmla="*/ 0 w 1334102"/>
-              <a:gd name="connsiteY8" fmla="*/ 166763 h 2130358"/>
+              <a:gd name="connsiteX0" fmla="*/ 0 w 892322"/>
+              <a:gd name="connsiteY0" fmla="*/ 111540 h 1656118"/>
+              <a:gd name="connsiteX1" fmla="*/ 446161 w 892322"/>
+              <a:gd name="connsiteY1" fmla="*/ 223080 h 1656118"/>
+              <a:gd name="connsiteX2" fmla="*/ 892322 w 892322"/>
+              <a:gd name="connsiteY2" fmla="*/ 111540 h 1656118"/>
+              <a:gd name="connsiteX3" fmla="*/ 892322 w 892322"/>
+              <a:gd name="connsiteY3" fmla="*/ 1544578 h 1656118"/>
+              <a:gd name="connsiteX4" fmla="*/ 446161 w 892322"/>
+              <a:gd name="connsiteY4" fmla="*/ 1656118 h 1656118"/>
+              <a:gd name="connsiteX5" fmla="*/ 0 w 892322"/>
+              <a:gd name="connsiteY5" fmla="*/ 1544578 h 1656118"/>
+              <a:gd name="connsiteX6" fmla="*/ 0 w 892322"/>
+              <a:gd name="connsiteY6" fmla="*/ 111540 h 1656118"/>
+              <a:gd name="connsiteX0" fmla="*/ 0 w 892322"/>
+              <a:gd name="connsiteY0" fmla="*/ 111540 h 1656118"/>
+              <a:gd name="connsiteX1" fmla="*/ 446161 w 892322"/>
+              <a:gd name="connsiteY1" fmla="*/ 0 h 1656118"/>
+              <a:gd name="connsiteX2" fmla="*/ 892322 w 892322"/>
+              <a:gd name="connsiteY2" fmla="*/ 111540 h 1656118"/>
+              <a:gd name="connsiteX3" fmla="*/ 446161 w 892322"/>
+              <a:gd name="connsiteY3" fmla="*/ 223080 h 1656118"/>
+              <a:gd name="connsiteX4" fmla="*/ 0 w 892322"/>
+              <a:gd name="connsiteY4" fmla="*/ 111540 h 1656118"/>
+              <a:gd name="connsiteX0" fmla="*/ 892322 w 892322"/>
+              <a:gd name="connsiteY0" fmla="*/ 111540 h 1656118"/>
+              <a:gd name="connsiteX1" fmla="*/ 446161 w 892322"/>
+              <a:gd name="connsiteY1" fmla="*/ 223080 h 1656118"/>
+              <a:gd name="connsiteX2" fmla="*/ 0 w 892322"/>
+              <a:gd name="connsiteY2" fmla="*/ 111540 h 1656118"/>
+              <a:gd name="connsiteX3" fmla="*/ 446161 w 892322"/>
+              <a:gd name="connsiteY3" fmla="*/ 0 h 1656118"/>
+              <a:gd name="connsiteX4" fmla="*/ 892322 w 892322"/>
+              <a:gd name="connsiteY4" fmla="*/ 111540 h 1656118"/>
+              <a:gd name="connsiteX5" fmla="*/ 892322 w 892322"/>
+              <a:gd name="connsiteY5" fmla="*/ 1544578 h 1656118"/>
+              <a:gd name="connsiteX6" fmla="*/ 446161 w 892322"/>
+              <a:gd name="connsiteY6" fmla="*/ 1656118 h 1656118"/>
+              <a:gd name="connsiteX7" fmla="*/ 0 w 892322"/>
+              <a:gd name="connsiteY7" fmla="*/ 1544578 h 1656118"/>
+              <a:gd name="connsiteX8" fmla="*/ 0 w 892322"/>
+              <a:gd name="connsiteY8" fmla="*/ 111540 h 1656118"/>
             </a:gdLst>
             <a:ahLst/>
             <a:cxnLst>
@@ -12083,116 +12643,165 @@
             </a:cxnLst>
             <a:rect l="l" t="t" r="r" b="b"/>
             <a:pathLst>
-              <a:path w="1334102" h="2130358" stroke="0" extrusionOk="0">
+              <a:path w="892322" h="1656118" stroke="0" extrusionOk="0">
                 <a:moveTo>
-                  <a:pt x="0" y="166763"/>
+                  <a:pt x="0" y="111540"/>
                 </a:moveTo>
                 <a:cubicBezTo>
-                  <a:pt x="10357" y="247381"/>
-                  <a:pt x="244836" y="336335"/>
-                  <a:pt x="667051" y="333526"/>
-                </a:cubicBezTo>
-                <a:cubicBezTo>
-                  <a:pt x="1041697" y="332742"/>
-                  <a:pt x="1321946" y="261303"/>
-                  <a:pt x="1334102" y="166763"/>
-                </a:cubicBezTo>
-                <a:cubicBezTo>
-                  <a:pt x="1413304" y="616163"/>
-                  <a:pt x="1488930" y="1461535"/>
-                  <a:pt x="1334102" y="1963595"/>
-                </a:cubicBezTo>
-                <a:cubicBezTo>
-                  <a:pt x="1360208" y="2101545"/>
-                  <a:pt x="1010517" y="2086291"/>
-                  <a:pt x="667051" y="2130358"/>
-                </a:cubicBezTo>
-                <a:cubicBezTo>
-                  <a:pt x="295099" y="2146709"/>
-                  <a:pt x="-1117" y="2056164"/>
-                  <a:pt x="0" y="1963595"/>
-                </a:cubicBezTo>
-                <a:cubicBezTo>
-                  <a:pt x="131615" y="1769773"/>
-                  <a:pt x="126546" y="817402"/>
-                  <a:pt x="0" y="166763"/>
+                  <a:pt x="7088" y="165283"/>
+                  <a:pt x="161686" y="225067"/>
+                  <a:pt x="446161" y="223080"/>
+                </a:cubicBezTo>
+                <a:cubicBezTo>
+                  <a:pt x="698966" y="222277"/>
+                  <a:pt x="889981" y="173612"/>
+                  <a:pt x="892322" y="111540"/>
+                </a:cubicBezTo>
+                <a:cubicBezTo>
+                  <a:pt x="982670" y="740912"/>
+                  <a:pt x="899275" y="1323338"/>
+                  <a:pt x="892322" y="1544578"/>
+                </a:cubicBezTo>
+                <a:cubicBezTo>
+                  <a:pt x="894074" y="1609258"/>
+                  <a:pt x="681859" y="1637192"/>
+                  <a:pt x="446161" y="1656118"/>
+                </a:cubicBezTo>
+                <a:cubicBezTo>
+                  <a:pt x="198951" y="1659813"/>
+                  <a:pt x="-6940" y="1609089"/>
+                  <a:pt x="0" y="1544578"/>
+                </a:cubicBezTo>
+                <a:cubicBezTo>
+                  <a:pt x="-51940" y="893998"/>
+                  <a:pt x="126657" y="361269"/>
+                  <a:pt x="0" y="111540"/>
                 </a:cubicBezTo>
                 <a:close/>
               </a:path>
-              <a:path w="1334102" h="2130358" fill="lighten" stroke="0" extrusionOk="0">
+              <a:path w="892322" h="1656118" fill="lighten" stroke="0" extrusionOk="0">
                 <a:moveTo>
-                  <a:pt x="0" y="166763"/>
+                  <a:pt x="0" y="111540"/>
                 </a:moveTo>
                 <a:cubicBezTo>
-                  <a:pt x="13122" y="129727"/>
-                  <a:pt x="279188" y="-6864"/>
-                  <a:pt x="667051" y="0"/>
-                </a:cubicBezTo>
-                <a:cubicBezTo>
-                  <a:pt x="1031626" y="-11190"/>
-                  <a:pt x="1344356" y="61256"/>
-                  <a:pt x="1334102" y="166763"/>
-                </a:cubicBezTo>
-                <a:cubicBezTo>
-                  <a:pt x="1349232" y="244424"/>
-                  <a:pt x="1033416" y="339780"/>
-                  <a:pt x="667051" y="333526"/>
-                </a:cubicBezTo>
-                <a:cubicBezTo>
-                  <a:pt x="298420" y="337235"/>
-                  <a:pt x="1510" y="274125"/>
-                  <a:pt x="0" y="166763"/>
+                  <a:pt x="5772" y="74159"/>
+                  <a:pt x="179886" y="-7007"/>
+                  <a:pt x="446161" y="0"/>
+                </a:cubicBezTo>
+                <a:cubicBezTo>
+                  <a:pt x="689925" y="-7732"/>
+                  <a:pt x="899586" y="40440"/>
+                  <a:pt x="892322" y="111540"/>
+                </a:cubicBezTo>
+                <a:cubicBezTo>
+                  <a:pt x="896517" y="169139"/>
+                  <a:pt x="687523" y="238574"/>
+                  <a:pt x="446161" y="223080"/>
+                </a:cubicBezTo>
+                <a:cubicBezTo>
+                  <a:pt x="199022" y="234903"/>
+                  <a:pt x="1181" y="185081"/>
+                  <a:pt x="0" y="111540"/>
                 </a:cubicBezTo>
                 <a:close/>
               </a:path>
-              <a:path w="1334102" h="2130358" fill="none" extrusionOk="0">
+              <a:path w="892322" h="1656118" fill="none" extrusionOk="0">
                 <a:moveTo>
-                  <a:pt x="1334102" y="166763"/>
+                  <a:pt x="892322" y="111540"/>
                 </a:moveTo>
                 <a:cubicBezTo>
-                  <a:pt x="1343778" y="242186"/>
-                  <a:pt x="1021436" y="301548"/>
-                  <a:pt x="667051" y="333526"/>
-                </a:cubicBezTo>
-                <a:cubicBezTo>
-                  <a:pt x="300785" y="327235"/>
-                  <a:pt x="5835" y="244748"/>
-                  <a:pt x="0" y="166763"/>
-                </a:cubicBezTo>
-                <a:cubicBezTo>
-                  <a:pt x="35469" y="101151"/>
-                  <a:pt x="335153" y="-11512"/>
-                  <a:pt x="667051" y="0"/>
-                </a:cubicBezTo>
-                <a:cubicBezTo>
-                  <a:pt x="1040793" y="4304"/>
-                  <a:pt x="1338594" y="92099"/>
-                  <a:pt x="1334102" y="166763"/>
-                </a:cubicBezTo>
-                <a:cubicBezTo>
-                  <a:pt x="1361373" y="1052808"/>
-                  <a:pt x="1379510" y="1216840"/>
-                  <a:pt x="1334102" y="1963595"/>
-                </a:cubicBezTo>
-                <a:cubicBezTo>
-                  <a:pt x="1360042" y="2090788"/>
-                  <a:pt x="1002799" y="2141183"/>
-                  <a:pt x="667051" y="2130358"/>
-                </a:cubicBezTo>
-                <a:cubicBezTo>
-                  <a:pt x="297913" y="2131376"/>
-                  <a:pt x="14138" y="2045479"/>
-                  <a:pt x="0" y="1963595"/>
-                </a:cubicBezTo>
-                <a:cubicBezTo>
-                  <a:pt x="-92158" y="1734069"/>
-                  <a:pt x="72582" y="558999"/>
-                  <a:pt x="0" y="166763"/>
+                  <a:pt x="878596" y="174864"/>
+                  <a:pt x="710187" y="204008"/>
+                  <a:pt x="446161" y="223080"/>
+                </a:cubicBezTo>
+                <a:cubicBezTo>
+                  <a:pt x="201072" y="225045"/>
+                  <a:pt x="-4908" y="182013"/>
+                  <a:pt x="0" y="111540"/>
+                </a:cubicBezTo>
+                <a:cubicBezTo>
+                  <a:pt x="9891" y="37300"/>
+                  <a:pt x="217420" y="-25030"/>
+                  <a:pt x="446161" y="0"/>
+                </a:cubicBezTo>
+                <a:cubicBezTo>
+                  <a:pt x="700193" y="1219"/>
+                  <a:pt x="895621" y="39239"/>
+                  <a:pt x="892322" y="111540"/>
+                </a:cubicBezTo>
+                <a:cubicBezTo>
+                  <a:pt x="1011206" y="418311"/>
+                  <a:pt x="841094" y="1036040"/>
+                  <a:pt x="892322" y="1544578"/>
+                </a:cubicBezTo>
+                <a:cubicBezTo>
+                  <a:pt x="886608" y="1605217"/>
+                  <a:pt x="698455" y="1650577"/>
+                  <a:pt x="446161" y="1656118"/>
+                </a:cubicBezTo>
+                <a:cubicBezTo>
+                  <a:pt x="198608" y="1658917"/>
+                  <a:pt x="-7545" y="1603093"/>
+                  <a:pt x="0" y="1544578"/>
+                </a:cubicBezTo>
+                <a:cubicBezTo>
+                  <a:pt x="-88415" y="965817"/>
+                  <a:pt x="-35793" y="817290"/>
+                  <a:pt x="0" y="111540"/>
+                </a:cubicBezTo>
+              </a:path>
+              <a:path w="892322" h="1656118" fill="none" stroke="0" extrusionOk="0">
+                <a:moveTo>
+                  <a:pt x="892322" y="111540"/>
+                </a:moveTo>
+                <a:cubicBezTo>
+                  <a:pt x="904755" y="151711"/>
+                  <a:pt x="683205" y="201718"/>
+                  <a:pt x="446161" y="223080"/>
+                </a:cubicBezTo>
+                <a:cubicBezTo>
+                  <a:pt x="200422" y="221111"/>
+                  <a:pt x="2775" y="166429"/>
+                  <a:pt x="0" y="111540"/>
+                </a:cubicBezTo>
+                <a:cubicBezTo>
+                  <a:pt x="16794" y="62480"/>
+                  <a:pt x="233414" y="-10616"/>
+                  <a:pt x="446161" y="0"/>
+                </a:cubicBezTo>
+                <a:cubicBezTo>
+                  <a:pt x="695472" y="2340"/>
+                  <a:pt x="894266" y="57485"/>
+                  <a:pt x="892322" y="111540"/>
+                </a:cubicBezTo>
+                <a:cubicBezTo>
+                  <a:pt x="764444" y="595096"/>
+                  <a:pt x="841231" y="986640"/>
+                  <a:pt x="892322" y="1544578"/>
+                </a:cubicBezTo>
+                <a:cubicBezTo>
+                  <a:pt x="911615" y="1632280"/>
+                  <a:pt x="675986" y="1661615"/>
+                  <a:pt x="446161" y="1656118"/>
+                </a:cubicBezTo>
+                <a:cubicBezTo>
+                  <a:pt x="195924" y="1661410"/>
+                  <a:pt x="7753" y="1600577"/>
+                  <a:pt x="0" y="1544578"/>
+                </a:cubicBezTo>
+                <a:cubicBezTo>
+                  <a:pt x="8279" y="1082380"/>
+                  <a:pt x="89701" y="489007"/>
+                  <a:pt x="0" y="111540"/>
                 </a:cubicBezTo>
               </a:path>
             </a:pathLst>
           </a:custGeom>
-          <a:noFill/>
+          <a:solidFill>
+            <a:schemeClr val="bg1">
+              <a:lumMod val="95000"/>
+            </a:schemeClr>
+          </a:solidFill>
           <a:ln>
             <a:extLst>
               <a:ext uri="{C807C97D-BFC1-408E-A445-0C87EB9F89A2}">
@@ -12257,8 +12866,8 @@
         </p:blipFill>
         <p:spPr>
           <a:xfrm>
-            <a:off x="9592813" y="2829176"/>
-            <a:ext cx="2144472" cy="795241"/>
+            <a:off x="10182940" y="2769591"/>
+            <a:ext cx="1541251" cy="571547"/>
           </a:xfrm>
           <a:prstGeom prst="rect">
             <a:avLst/>
@@ -12279,7 +12888,7 @@
         </p:nvSpPr>
         <p:spPr>
           <a:xfrm>
-            <a:off x="10058401" y="1853397"/>
+            <a:off x="10578247" y="1860950"/>
             <a:ext cx="518091" cy="276999"/>
           </a:xfrm>
           <a:prstGeom prst="rect">
@@ -12462,11 +13071,11 @@
         <p:spPr>
           <a:xfrm>
             <a:off x="4008329" y="1535106"/>
-            <a:ext cx="4986414" cy="455424"/>
+            <a:ext cx="5398832" cy="464344"/>
           </a:xfrm>
           <a:prstGeom prst="bentConnector3">
             <a:avLst>
-              <a:gd name="adj1" fmla="val 89732"/>
+              <a:gd name="adj1" fmla="val 84627"/>
             </a:avLst>
           </a:prstGeom>
           <a:ln>
@@ -12552,8 +13161,8 @@
         </p:nvCxnSpPr>
         <p:spPr>
           <a:xfrm flipH="1">
-            <a:off x="9007815" y="2154117"/>
-            <a:ext cx="1050586" cy="0"/>
+            <a:off x="9416183" y="2154117"/>
+            <a:ext cx="1107889" cy="0"/>
           </a:xfrm>
           <a:prstGeom prst="line">
             <a:avLst/>
@@ -12597,7 +13206,7 @@
         </p:nvSpPr>
         <p:spPr>
           <a:xfrm>
-            <a:off x="9599992" y="2118984"/>
+            <a:off x="10077512" y="2118984"/>
             <a:ext cx="511679" cy="215444"/>
           </a:xfrm>
           <a:prstGeom prst="rect">
@@ -12833,12 +13442,12 @@
         </p:nvCxnSpPr>
         <p:spPr>
           <a:xfrm rot="10800000">
-            <a:off x="4168190" y="1726246"/>
-            <a:ext cx="4816825" cy="412991"/>
+            <a:off x="4168192" y="1726247"/>
+            <a:ext cx="5179009" cy="411702"/>
           </a:xfrm>
           <a:prstGeom prst="bentConnector3">
             <a:avLst>
-              <a:gd name="adj1" fmla="val 12471"/>
+              <a:gd name="adj1" fmla="val 18121"/>
             </a:avLst>
           </a:prstGeom>
           <a:ln>
@@ -14233,7 +14842,7 @@
         <p:spPr>
           <a:xfrm>
             <a:off x="3777828" y="2417598"/>
-            <a:ext cx="603050" cy="461665"/>
+            <a:ext cx="732893" cy="461665"/>
           </a:xfrm>
           <a:prstGeom prst="rect">
             <a:avLst/>
@@ -14258,7 +14867,7 @@
               <a:rPr lang="it-IT" sz="800">
                 <a:latin typeface="Bahnschrift Light Condensed" panose="020B0502040204020203" pitchFamily="34" charset="0"/>
               </a:rPr>
-              <a:t>/getall</a:t>
+              <a:t>/all</a:t>
             </a:r>
           </a:p>
           <a:p>
@@ -14266,7 +14875,7 @@
               <a:rPr lang="it-IT" sz="800">
                 <a:latin typeface="Bahnschrift Light Condensed" panose="020B0502040204020203" pitchFamily="34" charset="0"/>
               </a:rPr>
-              <a:t>/{username}</a:t>
+              <a:t>/get {username}</a:t>
             </a:r>
             <a:endParaRPr lang="it-IT" sz="1050">
               <a:latin typeface="Bahnschrift Light Condensed" panose="020B0502040204020203" pitchFamily="34" charset="0"/>
@@ -14329,7 +14938,7 @@
         <p:spPr>
           <a:xfrm>
             <a:off x="3829216" y="2821930"/>
-            <a:ext cx="627095" cy="461665"/>
+            <a:ext cx="768159" cy="461665"/>
           </a:xfrm>
           <a:prstGeom prst="rect">
             <a:avLst/>
@@ -14354,7 +14963,7 @@
               <a:rPr lang="it-IT" sz="800">
                 <a:latin typeface="Bahnschrift Light Condensed" panose="020B0502040204020203" pitchFamily="34" charset="0"/>
               </a:rPr>
-              <a:t>/getall</a:t>
+              <a:t>/all</a:t>
             </a:r>
           </a:p>
           <a:p>
@@ -14362,7 +14971,7 @@
               <a:rPr lang="it-IT" sz="800">
                 <a:latin typeface="Bahnschrift Light Condensed" panose="020B0502040204020203" pitchFamily="34" charset="0"/>
               </a:rPr>
-              <a:t>/unsubscribe</a:t>
+              <a:t>/unsubscribe {id}</a:t>
             </a:r>
             <a:endParaRPr lang="it-IT" sz="1050">
               <a:latin typeface="Bahnschrift Light Condensed" panose="020B0502040204020203" pitchFamily="34" charset="0"/>
@@ -14471,54 +15080,54 @@
         </p:nvSpPr>
         <p:spPr>
           <a:xfrm>
-            <a:off x="6056865" y="2212735"/>
-            <a:ext cx="758741" cy="928307"/>
+            <a:off x="5142449" y="2574698"/>
+            <a:ext cx="577380" cy="711544"/>
           </a:xfrm>
           <a:custGeom>
             <a:avLst/>
             <a:gdLst>
-              <a:gd name="connsiteX0" fmla="*/ 0 w 758741"/>
-              <a:gd name="connsiteY0" fmla="*/ 94843 h 928307"/>
-              <a:gd name="connsiteX1" fmla="*/ 379371 w 758741"/>
-              <a:gd name="connsiteY1" fmla="*/ 189686 h 928307"/>
-              <a:gd name="connsiteX2" fmla="*/ 758742 w 758741"/>
-              <a:gd name="connsiteY2" fmla="*/ 94843 h 928307"/>
-              <a:gd name="connsiteX3" fmla="*/ 758741 w 758741"/>
-              <a:gd name="connsiteY3" fmla="*/ 833464 h 928307"/>
-              <a:gd name="connsiteX4" fmla="*/ 379370 w 758741"/>
-              <a:gd name="connsiteY4" fmla="*/ 928307 h 928307"/>
-              <a:gd name="connsiteX5" fmla="*/ -1 w 758741"/>
-              <a:gd name="connsiteY5" fmla="*/ 833464 h 928307"/>
-              <a:gd name="connsiteX6" fmla="*/ 0 w 758741"/>
-              <a:gd name="connsiteY6" fmla="*/ 94843 h 928307"/>
-              <a:gd name="connsiteX0" fmla="*/ 0 w 758741"/>
-              <a:gd name="connsiteY0" fmla="*/ 94843 h 928307"/>
-              <a:gd name="connsiteX1" fmla="*/ 379371 w 758741"/>
-              <a:gd name="connsiteY1" fmla="*/ 0 h 928307"/>
-              <a:gd name="connsiteX2" fmla="*/ 758742 w 758741"/>
-              <a:gd name="connsiteY2" fmla="*/ 94843 h 928307"/>
-              <a:gd name="connsiteX3" fmla="*/ 379371 w 758741"/>
-              <a:gd name="connsiteY3" fmla="*/ 189686 h 928307"/>
-              <a:gd name="connsiteX4" fmla="*/ 0 w 758741"/>
-              <a:gd name="connsiteY4" fmla="*/ 94843 h 928307"/>
-              <a:gd name="connsiteX0" fmla="*/ 758741 w 758741"/>
-              <a:gd name="connsiteY0" fmla="*/ 94843 h 928307"/>
-              <a:gd name="connsiteX1" fmla="*/ 379370 w 758741"/>
-              <a:gd name="connsiteY1" fmla="*/ 189686 h 928307"/>
-              <a:gd name="connsiteX2" fmla="*/ -1 w 758741"/>
-              <a:gd name="connsiteY2" fmla="*/ 94843 h 928307"/>
-              <a:gd name="connsiteX3" fmla="*/ 379370 w 758741"/>
-              <a:gd name="connsiteY3" fmla="*/ 0 h 928307"/>
-              <a:gd name="connsiteX4" fmla="*/ 758741 w 758741"/>
-              <a:gd name="connsiteY4" fmla="*/ 94843 h 928307"/>
-              <a:gd name="connsiteX5" fmla="*/ 758741 w 758741"/>
-              <a:gd name="connsiteY5" fmla="*/ 833464 h 928307"/>
-              <a:gd name="connsiteX6" fmla="*/ 379370 w 758741"/>
-              <a:gd name="connsiteY6" fmla="*/ 928307 h 928307"/>
-              <a:gd name="connsiteX7" fmla="*/ -1 w 758741"/>
-              <a:gd name="connsiteY7" fmla="*/ 833464 h 928307"/>
-              <a:gd name="connsiteX8" fmla="*/ 0 w 758741"/>
-              <a:gd name="connsiteY8" fmla="*/ 94843 h 928307"/>
+              <a:gd name="connsiteX0" fmla="*/ 0 w 577380"/>
+              <a:gd name="connsiteY0" fmla="*/ 72173 h 711544"/>
+              <a:gd name="connsiteX1" fmla="*/ 288690 w 577380"/>
+              <a:gd name="connsiteY1" fmla="*/ 144346 h 711544"/>
+              <a:gd name="connsiteX2" fmla="*/ 577380 w 577380"/>
+              <a:gd name="connsiteY2" fmla="*/ 72173 h 711544"/>
+              <a:gd name="connsiteX3" fmla="*/ 577380 w 577380"/>
+              <a:gd name="connsiteY3" fmla="*/ 639372 h 711544"/>
+              <a:gd name="connsiteX4" fmla="*/ 288690 w 577380"/>
+              <a:gd name="connsiteY4" fmla="*/ 711545 h 711544"/>
+              <a:gd name="connsiteX5" fmla="*/ 0 w 577380"/>
+              <a:gd name="connsiteY5" fmla="*/ 639372 h 711544"/>
+              <a:gd name="connsiteX6" fmla="*/ 0 w 577380"/>
+              <a:gd name="connsiteY6" fmla="*/ 72173 h 711544"/>
+              <a:gd name="connsiteX0" fmla="*/ 0 w 577380"/>
+              <a:gd name="connsiteY0" fmla="*/ 72173 h 711544"/>
+              <a:gd name="connsiteX1" fmla="*/ 288690 w 577380"/>
+              <a:gd name="connsiteY1" fmla="*/ 0 h 711544"/>
+              <a:gd name="connsiteX2" fmla="*/ 577380 w 577380"/>
+              <a:gd name="connsiteY2" fmla="*/ 72173 h 711544"/>
+              <a:gd name="connsiteX3" fmla="*/ 288690 w 577380"/>
+              <a:gd name="connsiteY3" fmla="*/ 144346 h 711544"/>
+              <a:gd name="connsiteX4" fmla="*/ 0 w 577380"/>
+              <a:gd name="connsiteY4" fmla="*/ 72173 h 711544"/>
+              <a:gd name="connsiteX0" fmla="*/ 577380 w 577380"/>
+              <a:gd name="connsiteY0" fmla="*/ 72173 h 711544"/>
+              <a:gd name="connsiteX1" fmla="*/ 288690 w 577380"/>
+              <a:gd name="connsiteY1" fmla="*/ 144346 h 711544"/>
+              <a:gd name="connsiteX2" fmla="*/ 0 w 577380"/>
+              <a:gd name="connsiteY2" fmla="*/ 72173 h 711544"/>
+              <a:gd name="connsiteX3" fmla="*/ 288690 w 577380"/>
+              <a:gd name="connsiteY3" fmla="*/ 0 h 711544"/>
+              <a:gd name="connsiteX4" fmla="*/ 577380 w 577380"/>
+              <a:gd name="connsiteY4" fmla="*/ 72173 h 711544"/>
+              <a:gd name="connsiteX5" fmla="*/ 577380 w 577380"/>
+              <a:gd name="connsiteY5" fmla="*/ 639372 h 711544"/>
+              <a:gd name="connsiteX6" fmla="*/ 288690 w 577380"/>
+              <a:gd name="connsiteY6" fmla="*/ 711545 h 711544"/>
+              <a:gd name="connsiteX7" fmla="*/ 0 w 577380"/>
+              <a:gd name="connsiteY7" fmla="*/ 639372 h 711544"/>
+              <a:gd name="connsiteX8" fmla="*/ 0 w 577380"/>
+              <a:gd name="connsiteY8" fmla="*/ 72173 h 711544"/>
             </a:gdLst>
             <a:ahLst/>
             <a:cxnLst>
@@ -14552,116 +15161,165 @@
             </a:cxnLst>
             <a:rect l="l" t="t" r="r" b="b"/>
             <a:pathLst>
-              <a:path w="758741" h="928307" stroke="0" extrusionOk="0">
+              <a:path w="577380" h="711544" stroke="0" extrusionOk="0">
                 <a:moveTo>
-                  <a:pt x="0" y="94843"/>
+                  <a:pt x="0" y="72173"/>
                 </a:moveTo>
                 <a:cubicBezTo>
-                  <a:pt x="13379" y="132390"/>
-                  <a:pt x="141810" y="191150"/>
-                  <a:pt x="379371" y="189686"/>
-                </a:cubicBezTo>
-                <a:cubicBezTo>
-                  <a:pt x="598755" y="188448"/>
-                  <a:pt x="756645" y="147644"/>
-                  <a:pt x="758742" y="94843"/>
-                </a:cubicBezTo>
-                <a:cubicBezTo>
-                  <a:pt x="746149" y="346638"/>
-                  <a:pt x="785014" y="618298"/>
-                  <a:pt x="758741" y="833464"/>
-                </a:cubicBezTo>
-                <a:cubicBezTo>
-                  <a:pt x="772422" y="909871"/>
-                  <a:pt x="575304" y="904296"/>
-                  <a:pt x="379370" y="928307"/>
-                </a:cubicBezTo>
-                <a:cubicBezTo>
-                  <a:pt x="169424" y="930264"/>
-                  <a:pt x="-2554" y="886914"/>
-                  <a:pt x="-1" y="833464"/>
-                </a:cubicBezTo>
-                <a:cubicBezTo>
-                  <a:pt x="5715" y="601363"/>
-                  <a:pt x="37447" y="327826"/>
-                  <a:pt x="0" y="94843"/>
+                  <a:pt x="14619" y="95825"/>
+                  <a:pt x="127429" y="144441"/>
+                  <a:pt x="288690" y="144346"/>
+                </a:cubicBezTo>
+                <a:cubicBezTo>
+                  <a:pt x="455815" y="143381"/>
+                  <a:pt x="570686" y="113376"/>
+                  <a:pt x="577380" y="72173"/>
+                </a:cubicBezTo>
+                <a:cubicBezTo>
+                  <a:pt x="537600" y="294362"/>
+                  <a:pt x="608506" y="559806"/>
+                  <a:pt x="577380" y="639372"/>
+                </a:cubicBezTo>
+                <a:cubicBezTo>
+                  <a:pt x="583064" y="689214"/>
+                  <a:pt x="446523" y="708707"/>
+                  <a:pt x="288690" y="711545"/>
+                </a:cubicBezTo>
+                <a:cubicBezTo>
+                  <a:pt x="128744" y="713882"/>
+                  <a:pt x="-3365" y="680643"/>
+                  <a:pt x="0" y="639372"/>
+                </a:cubicBezTo>
+                <a:cubicBezTo>
+                  <a:pt x="-35677" y="565792"/>
+                  <a:pt x="-42564" y="306144"/>
+                  <a:pt x="0" y="72173"/>
                 </a:cubicBezTo>
                 <a:close/>
               </a:path>
-              <a:path w="758741" h="928307" fill="lighten" stroke="0" extrusionOk="0">
+              <a:path w="577380" h="711544" fill="lighten" stroke="0" extrusionOk="0">
                 <a:moveTo>
-                  <a:pt x="0" y="94843"/>
+                  <a:pt x="0" y="72173"/>
                 </a:moveTo>
                 <a:cubicBezTo>
-                  <a:pt x="685" y="45338"/>
-                  <a:pt x="153310" y="-5834"/>
-                  <a:pt x="379371" y="0"/>
-                </a:cubicBezTo>
-                <a:cubicBezTo>
-                  <a:pt x="585949" y="-8606"/>
-                  <a:pt x="764229" y="35289"/>
-                  <a:pt x="758742" y="94843"/>
-                </a:cubicBezTo>
-                <a:cubicBezTo>
-                  <a:pt x="773327" y="133303"/>
-                  <a:pt x="582008" y="210823"/>
-                  <a:pt x="379371" y="189686"/>
-                </a:cubicBezTo>
-                <a:cubicBezTo>
-                  <a:pt x="169636" y="193144"/>
-                  <a:pt x="157" y="148810"/>
-                  <a:pt x="0" y="94843"/>
+                  <a:pt x="6123" y="58009"/>
+                  <a:pt x="110039" y="-6776"/>
+                  <a:pt x="288690" y="0"/>
+                </a:cubicBezTo>
+                <a:cubicBezTo>
+                  <a:pt x="447053" y="-3145"/>
+                  <a:pt x="580036" y="28841"/>
+                  <a:pt x="577380" y="72173"/>
+                </a:cubicBezTo>
+                <a:cubicBezTo>
+                  <a:pt x="585056" y="104707"/>
+                  <a:pt x="443811" y="157606"/>
+                  <a:pt x="288690" y="144346"/>
+                </a:cubicBezTo>
+                <a:cubicBezTo>
+                  <a:pt x="128767" y="152186"/>
+                  <a:pt x="534" y="117431"/>
+                  <a:pt x="0" y="72173"/>
                 </a:cubicBezTo>
                 <a:close/>
               </a:path>
-              <a:path w="758741" h="928307" fill="none" extrusionOk="0">
+              <a:path w="577380" h="711544" fill="none" extrusionOk="0">
                 <a:moveTo>
-                  <a:pt x="758741" y="94843"/>
+                  <a:pt x="577380" y="72173"/>
                 </a:moveTo>
                 <a:cubicBezTo>
-                  <a:pt x="766701" y="133501"/>
-                  <a:pt x="578073" y="165007"/>
-                  <a:pt x="379370" y="189686"/>
-                </a:cubicBezTo>
-                <a:cubicBezTo>
-                  <a:pt x="170988" y="186331"/>
-                  <a:pt x="2299" y="141660"/>
-                  <a:pt x="-1" y="94843"/>
-                </a:cubicBezTo>
-                <a:cubicBezTo>
-                  <a:pt x="22054" y="58934"/>
-                  <a:pt x="180798" y="-3453"/>
-                  <a:pt x="379370" y="0"/>
-                </a:cubicBezTo>
-                <a:cubicBezTo>
-                  <a:pt x="594639" y="4633"/>
-                  <a:pt x="759362" y="44875"/>
-                  <a:pt x="758741" y="94843"/>
-                </a:cubicBezTo>
-                <a:cubicBezTo>
-                  <a:pt x="752519" y="447162"/>
-                  <a:pt x="749883" y="465217"/>
-                  <a:pt x="758741" y="833464"/>
-                </a:cubicBezTo>
-                <a:cubicBezTo>
-                  <a:pt x="764406" y="893508"/>
-                  <a:pt x="568873" y="934943"/>
-                  <a:pt x="379370" y="928307"/>
-                </a:cubicBezTo>
-                <a:cubicBezTo>
-                  <a:pt x="166397" y="933079"/>
-                  <a:pt x="6246" y="881329"/>
-                  <a:pt x="-1" y="833464"/>
-                </a:cubicBezTo>
-                <a:cubicBezTo>
-                  <a:pt x="15409" y="543904"/>
-                  <a:pt x="14633" y="372044"/>
-                  <a:pt x="0" y="94843"/>
+                  <a:pt x="575724" y="112241"/>
+                  <a:pt x="462204" y="129109"/>
+                  <a:pt x="288690" y="144346"/>
+                </a:cubicBezTo>
+                <a:cubicBezTo>
+                  <a:pt x="131082" y="147075"/>
+                  <a:pt x="-2647" y="116817"/>
+                  <a:pt x="0" y="72173"/>
+                </a:cubicBezTo>
+                <a:cubicBezTo>
+                  <a:pt x="13105" y="15569"/>
+                  <a:pt x="140805" y="-16369"/>
+                  <a:pt x="288690" y="0"/>
+                </a:cubicBezTo>
+                <a:cubicBezTo>
+                  <a:pt x="454447" y="1010"/>
+                  <a:pt x="579095" y="26752"/>
+                  <a:pt x="577380" y="72173"/>
+                </a:cubicBezTo>
+                <a:cubicBezTo>
+                  <a:pt x="602987" y="227917"/>
+                  <a:pt x="601185" y="485138"/>
+                  <a:pt x="577380" y="639372"/>
+                </a:cubicBezTo>
+                <a:cubicBezTo>
+                  <a:pt x="552992" y="675120"/>
+                  <a:pt x="463604" y="696977"/>
+                  <a:pt x="288690" y="711545"/>
+                </a:cubicBezTo>
+                <a:cubicBezTo>
+                  <a:pt x="128615" y="713101"/>
+                  <a:pt x="-1490" y="678622"/>
+                  <a:pt x="0" y="639372"/>
+                </a:cubicBezTo>
+                <a:cubicBezTo>
+                  <a:pt x="-11476" y="555695"/>
+                  <a:pt x="6517" y="283484"/>
+                  <a:pt x="0" y="72173"/>
+                </a:cubicBezTo>
+              </a:path>
+              <a:path w="577380" h="711544" fill="none" stroke="0" extrusionOk="0">
+                <a:moveTo>
+                  <a:pt x="577380" y="72173"/>
+                </a:moveTo>
+                <a:cubicBezTo>
+                  <a:pt x="588108" y="93541"/>
+                  <a:pt x="441067" y="128236"/>
+                  <a:pt x="288690" y="144346"/>
+                </a:cubicBezTo>
+                <a:cubicBezTo>
+                  <a:pt x="131257" y="138436"/>
+                  <a:pt x="2143" y="106849"/>
+                  <a:pt x="0" y="72173"/>
+                </a:cubicBezTo>
+                <a:cubicBezTo>
+                  <a:pt x="3195" y="34699"/>
+                  <a:pt x="144280" y="-4740"/>
+                  <a:pt x="288690" y="0"/>
+                </a:cubicBezTo>
+                <a:cubicBezTo>
+                  <a:pt x="452720" y="3700"/>
+                  <a:pt x="577580" y="33090"/>
+                  <a:pt x="577380" y="72173"/>
+                </a:cubicBezTo>
+                <a:cubicBezTo>
+                  <a:pt x="531323" y="137628"/>
+                  <a:pt x="538067" y="497835"/>
+                  <a:pt x="577380" y="639372"/>
+                </a:cubicBezTo>
+                <a:cubicBezTo>
+                  <a:pt x="587921" y="693492"/>
+                  <a:pt x="427380" y="718423"/>
+                  <a:pt x="288690" y="711545"/>
+                </a:cubicBezTo>
+                <a:cubicBezTo>
+                  <a:pt x="126627" y="715173"/>
+                  <a:pt x="2369" y="677520"/>
+                  <a:pt x="0" y="639372"/>
+                </a:cubicBezTo>
+                <a:cubicBezTo>
+                  <a:pt x="-20566" y="393065"/>
+                  <a:pt x="40435" y="291797"/>
+                  <a:pt x="0" y="72173"/>
                 </a:cubicBezTo>
               </a:path>
             </a:pathLst>
           </a:custGeom>
-          <a:noFill/>
+          <a:solidFill>
+            <a:schemeClr val="bg1">
+              <a:lumMod val="95000"/>
+            </a:schemeClr>
+          </a:solidFill>
           <a:ln>
             <a:extLst>
               <a:ext uri="{C807C97D-BFC1-408E-A445-0C87EB9F89A2}">
@@ -14733,8 +15391,8 @@
         </p:blipFill>
         <p:spPr bwMode="auto">
           <a:xfrm>
-            <a:off x="6078000" y="2701558"/>
-            <a:ext cx="738549" cy="492366"/>
+            <a:off x="5146941" y="2934913"/>
+            <a:ext cx="583392" cy="388928"/>
           </a:xfrm>
           <a:prstGeom prst="rect">
             <a:avLst/>
@@ -14751,48 +15409,6 @@
           </a:extLst>
         </p:spPr>
       </p:pic>
-      <p:cxnSp>
-        <p:nvCxnSpPr>
-          <p:cNvPr id="99" name="Connettore 2 98">
-            <a:extLst>
-              <a:ext uri="{FF2B5EF4-FFF2-40B4-BE49-F238E27FC236}">
-                <a16:creationId xmlns:a16="http://schemas.microsoft.com/office/drawing/2014/main" id="{B0F5B3F7-F326-89CC-7B61-B611F2930280}"/>
-              </a:ext>
-            </a:extLst>
-          </p:cNvPr>
-          <p:cNvCxnSpPr>
-            <a:cxnSpLocks/>
-          </p:cNvCxnSpPr>
-          <p:nvPr/>
-        </p:nvCxnSpPr>
-        <p:spPr>
-          <a:xfrm>
-            <a:off x="5386545" y="2730920"/>
-            <a:ext cx="640476" cy="0"/>
-          </a:xfrm>
-          <a:prstGeom prst="straightConnector1">
-            <a:avLst/>
-          </a:prstGeom>
-          <a:ln>
-            <a:prstDash val="sysDot"/>
-            <a:tailEnd type="triangle"/>
-          </a:ln>
-        </p:spPr>
-        <p:style>
-          <a:lnRef idx="2">
-            <a:schemeClr val="dk1"/>
-          </a:lnRef>
-          <a:fillRef idx="0">
-            <a:schemeClr val="dk1"/>
-          </a:fillRef>
-          <a:effectRef idx="1">
-            <a:schemeClr val="dk1"/>
-          </a:effectRef>
-          <a:fontRef idx="minor">
-            <a:schemeClr val="tx1"/>
-          </a:fontRef>
-        </p:style>
-      </p:cxnSp>
       <p:sp>
         <p:nvSpPr>
           <p:cNvPr id="102" name="CasellaDiTesto 101">
@@ -14807,8 +15423,8 @@
         </p:nvSpPr>
         <p:spPr>
           <a:xfrm>
-            <a:off x="5993769" y="2459098"/>
-            <a:ext cx="699230" cy="338554"/>
+            <a:off x="5098405" y="2687701"/>
+            <a:ext cx="633507" cy="307777"/>
           </a:xfrm>
           <a:prstGeom prst="rect">
             <a:avLst/>
@@ -14822,7 +15438,7 @@
           <a:lstStyle/>
           <a:p>
             <a:r>
-              <a:rPr lang="it-IT" sz="800">
+              <a:rPr lang="it-IT" sz="700">
                 <a:latin typeface="Bahnschrift Light Condensed" panose="020B0502040204020203" pitchFamily="34" charset="0"/>
               </a:rPr>
               <a:t>- consumers</a:t>
@@ -14830,7 +15446,7 @@
           </a:p>
           <a:p>
             <a:r>
-              <a:rPr lang="it-IT" sz="800">
+              <a:rPr lang="it-IT" sz="700">
                 <a:latin typeface="Bahnschrift Light Condensed" panose="020B0502040204020203" pitchFamily="34" charset="0"/>
               </a:rPr>
               <a:t>- subscriptions</a:t>
@@ -14899,38 +15515,38 @@
         </p:nvSpPr>
         <p:spPr>
           <a:xfrm>
-            <a:off x="5429306" y="4446183"/>
-            <a:ext cx="2271384" cy="967348"/>
+            <a:off x="5429306" y="4289848"/>
+            <a:ext cx="2271384" cy="1123683"/>
           </a:xfrm>
           <a:custGeom>
             <a:avLst/>
             <a:gdLst>
               <a:gd name="connsiteX0" fmla="*/ 0 w 2271384"/>
-              <a:gd name="connsiteY0" fmla="*/ 0 h 967348"/>
+              <a:gd name="connsiteY0" fmla="*/ 0 h 1123683"/>
               <a:gd name="connsiteX1" fmla="*/ 545132 w 2271384"/>
-              <a:gd name="connsiteY1" fmla="*/ 0 h 967348"/>
+              <a:gd name="connsiteY1" fmla="*/ 0 h 1123683"/>
               <a:gd name="connsiteX2" fmla="*/ 1067550 w 2271384"/>
-              <a:gd name="connsiteY2" fmla="*/ 0 h 967348"/>
+              <a:gd name="connsiteY2" fmla="*/ 0 h 1123683"/>
               <a:gd name="connsiteX3" fmla="*/ 1612683 w 2271384"/>
-              <a:gd name="connsiteY3" fmla="*/ 0 h 967348"/>
+              <a:gd name="connsiteY3" fmla="*/ 0 h 1123683"/>
               <a:gd name="connsiteX4" fmla="*/ 2271384 w 2271384"/>
-              <a:gd name="connsiteY4" fmla="*/ 0 h 967348"/>
+              <a:gd name="connsiteY4" fmla="*/ 0 h 1123683"/>
               <a:gd name="connsiteX5" fmla="*/ 2271384 w 2271384"/>
-              <a:gd name="connsiteY5" fmla="*/ 503021 h 967348"/>
+              <a:gd name="connsiteY5" fmla="*/ 584315 h 1123683"/>
               <a:gd name="connsiteX6" fmla="*/ 2271384 w 2271384"/>
-              <a:gd name="connsiteY6" fmla="*/ 967348 h 967348"/>
+              <a:gd name="connsiteY6" fmla="*/ 1123683 h 1123683"/>
               <a:gd name="connsiteX7" fmla="*/ 1771680 w 2271384"/>
-              <a:gd name="connsiteY7" fmla="*/ 967348 h 967348"/>
+              <a:gd name="connsiteY7" fmla="*/ 1123683 h 1123683"/>
               <a:gd name="connsiteX8" fmla="*/ 1181120 w 2271384"/>
-              <a:gd name="connsiteY8" fmla="*/ 967348 h 967348"/>
+              <a:gd name="connsiteY8" fmla="*/ 1123683 h 1123683"/>
               <a:gd name="connsiteX9" fmla="*/ 613274 w 2271384"/>
-              <a:gd name="connsiteY9" fmla="*/ 967348 h 967348"/>
+              <a:gd name="connsiteY9" fmla="*/ 1123683 h 1123683"/>
               <a:gd name="connsiteX10" fmla="*/ 0 w 2271384"/>
-              <a:gd name="connsiteY10" fmla="*/ 967348 h 967348"/>
+              <a:gd name="connsiteY10" fmla="*/ 1123683 h 1123683"/>
               <a:gd name="connsiteX11" fmla="*/ 0 w 2271384"/>
-              <a:gd name="connsiteY11" fmla="*/ 483674 h 967348"/>
+              <a:gd name="connsiteY11" fmla="*/ 561842 h 1123683"/>
               <a:gd name="connsiteX12" fmla="*/ 0 w 2271384"/>
-              <a:gd name="connsiteY12" fmla="*/ 0 h 967348"/>
+              <a:gd name="connsiteY12" fmla="*/ 0 h 1123683"/>
             </a:gdLst>
             <a:ahLst/>
             <a:cxnLst>
@@ -14976,7 +15592,7 @@
             </a:cxnLst>
             <a:rect l="l" t="t" r="r" b="b"/>
             <a:pathLst>
-              <a:path w="2271384" h="967348" extrusionOk="0">
+              <a:path w="2271384" h="1123683" extrusionOk="0">
                 <a:moveTo>
                   <a:pt x="0" y="0"/>
                 </a:moveTo>
@@ -15001,43 +15617,43 @@
                   <a:pt x="2271384" y="0"/>
                 </a:cubicBezTo>
                 <a:cubicBezTo>
-                  <a:pt x="2273983" y="191613"/>
-                  <a:pt x="2246389" y="386231"/>
-                  <a:pt x="2271384" y="503021"/>
-                </a:cubicBezTo>
-                <a:cubicBezTo>
-                  <a:pt x="2296379" y="619811"/>
-                  <a:pt x="2267778" y="773216"/>
-                  <a:pt x="2271384" y="967348"/>
-                </a:cubicBezTo>
-                <a:cubicBezTo>
-                  <a:pt x="2071798" y="968782"/>
-                  <a:pt x="1902854" y="970592"/>
-                  <a:pt x="1771680" y="967348"/>
-                </a:cubicBezTo>
-                <a:cubicBezTo>
-                  <a:pt x="1640506" y="964104"/>
-                  <a:pt x="1372101" y="941398"/>
-                  <a:pt x="1181120" y="967348"/>
-                </a:cubicBezTo>
-                <a:cubicBezTo>
-                  <a:pt x="990139" y="993298"/>
-                  <a:pt x="816485" y="970342"/>
-                  <a:pt x="613274" y="967348"/>
-                </a:cubicBezTo>
-                <a:cubicBezTo>
-                  <a:pt x="410063" y="964354"/>
-                  <a:pt x="304881" y="974044"/>
-                  <a:pt x="0" y="967348"/>
-                </a:cubicBezTo>
-                <a:cubicBezTo>
-                  <a:pt x="21640" y="772543"/>
-                  <a:pt x="17282" y="628140"/>
-                  <a:pt x="0" y="483674"/>
-                </a:cubicBezTo>
-                <a:cubicBezTo>
-                  <a:pt x="-17282" y="339208"/>
-                  <a:pt x="-10389" y="122127"/>
+                  <a:pt x="2267503" y="171603"/>
+                  <a:pt x="2253508" y="423028"/>
+                  <a:pt x="2271384" y="584315"/>
+                </a:cubicBezTo>
+                <a:cubicBezTo>
+                  <a:pt x="2289260" y="745603"/>
+                  <a:pt x="2285890" y="993423"/>
+                  <a:pt x="2271384" y="1123683"/>
+                </a:cubicBezTo>
+                <a:cubicBezTo>
+                  <a:pt x="2071798" y="1125117"/>
+                  <a:pt x="1902854" y="1126927"/>
+                  <a:pt x="1771680" y="1123683"/>
+                </a:cubicBezTo>
+                <a:cubicBezTo>
+                  <a:pt x="1640506" y="1120439"/>
+                  <a:pt x="1372101" y="1097733"/>
+                  <a:pt x="1181120" y="1123683"/>
+                </a:cubicBezTo>
+                <a:cubicBezTo>
+                  <a:pt x="990139" y="1149633"/>
+                  <a:pt x="816485" y="1126677"/>
+                  <a:pt x="613274" y="1123683"/>
+                </a:cubicBezTo>
+                <a:cubicBezTo>
+                  <a:pt x="410063" y="1120689"/>
+                  <a:pt x="304881" y="1130379"/>
+                  <a:pt x="0" y="1123683"/>
+                </a:cubicBezTo>
+                <a:cubicBezTo>
+                  <a:pt x="27578" y="895560"/>
+                  <a:pt x="-7211" y="798804"/>
+                  <a:pt x="0" y="561842"/>
+                </a:cubicBezTo>
+                <a:cubicBezTo>
+                  <a:pt x="7211" y="324880"/>
+                  <a:pt x="-20279" y="164560"/>
                   <a:pt x="0" y="0"/>
                 </a:cubicBezTo>
                 <a:close/>
@@ -15101,8 +15717,8 @@
         </p:nvSpPr>
         <p:spPr>
           <a:xfrm>
-            <a:off x="6347586" y="4428844"/>
-            <a:ext cx="1159292" cy="584775"/>
+            <a:off x="6183756" y="4268824"/>
+            <a:ext cx="1518364" cy="707886"/>
           </a:xfrm>
           <a:prstGeom prst="rect">
             <a:avLst/>
@@ -15140,6 +15756,26 @@
                 <a:latin typeface="Bahnschrift Light Condensed" panose="020B0502040204020203" pitchFamily="34" charset="0"/>
               </a:rPr>
               <a:t>station-threshold-mintime</a:t>
+            </a:r>
+          </a:p>
+          <a:p>
+            <a:r>
+              <a:rPr lang="it-IT" sz="800">
+                <a:latin typeface="Bahnschrift Light Condensed" panose="020B0502040204020203" pitchFamily="34" charset="0"/>
+              </a:rPr>
+              <a:t>- </a:t>
+            </a:r>
+            <a:r>
+              <a:rPr lang="it-IT" sz="800" i="1">
+                <a:latin typeface="Bahnschrift Light Condensed" panose="020B0502040204020203" pitchFamily="34" charset="0"/>
+              </a:rPr>
+              <a:t>station-threshold-mintime </a:t>
+            </a:r>
+            <a:r>
+              <a:rPr lang="it-IT" sz="800">
+                <a:latin typeface="Bahnschrift Light Condensed" panose="020B0502040204020203" pitchFamily="34" charset="0"/>
+              </a:rPr>
+              <a:t>[DATA-OK]</a:t>
             </a:r>
           </a:p>
           <a:p>
@@ -16971,7 +17607,7 @@
         </p:nvSpPr>
         <p:spPr>
           <a:xfrm>
-            <a:off x="5423626" y="4228881"/>
+            <a:off x="5423626" y="4072671"/>
             <a:ext cx="2271384" cy="217177"/>
           </a:xfrm>
           <a:custGeom>
@@ -17940,42 +18576,8 @@
         </p:nvSpPr>
         <p:spPr>
           <a:xfrm>
-            <a:off x="5644349" y="2455625"/>
-            <a:ext cx="429926" cy="276999"/>
-          </a:xfrm>
-          <a:prstGeom prst="rect">
-            <a:avLst/>
-          </a:prstGeom>
-          <a:noFill/>
-        </p:spPr>
-        <p:txBody>
-          <a:bodyPr wrap="none" rtlCol="0">
-            <a:spAutoFit/>
-          </a:bodyPr>
-          <a:lstStyle/>
-          <a:p>
-            <a:r>
-              <a:rPr lang="it-IT" sz="1200">
-                <a:latin typeface="Bahnschrift Light Condensed" panose="020B0502040204020203" pitchFamily="34" charset="0"/>
-              </a:rPr>
-              <a:t>3306</a:t>
-            </a:r>
-            <a:endParaRPr lang="it-IT">
-              <a:latin typeface="Bahnschrift Light Condensed" panose="020B0502040204020203" pitchFamily="34" charset="0"/>
-            </a:endParaRPr>
-          </a:p>
-        </p:txBody>
-      </p:sp>
-      <p:sp>
-        <p:nvSpPr>
-          <p:cNvPr id="53" name="CasellaDiTesto 52"/>
-          <p:cNvSpPr txBox="1"/>
-          <p:nvPr/>
-        </p:nvSpPr>
-        <p:spPr>
-          <a:xfrm>
-            <a:off x="954248" y="103311"/>
-            <a:ext cx="8353182" cy="461665"/>
+            <a:off x="5677409" y="2614168"/>
+            <a:ext cx="456729" cy="246221"/>
           </a:xfrm>
           <a:prstGeom prst="rect">
             <a:avLst/>
@@ -17989,19 +18591,14 @@
           <a:lstStyle/>
           <a:p>
             <a:r>
-              <a:rPr lang="it-IT" sz="1200" b="1"/>
-              <a:t>Distributed System and Big Data</a:t>
+              <a:rPr lang="it-IT" sz="1000">
+                <a:latin typeface="Bahnschrift Light Condensed" panose="020B0502040204020203" pitchFamily="34" charset="0"/>
+              </a:rPr>
+              <a:t>3306</a:t>
             </a:r>
-            <a:r>
-              <a:rPr lang="it-IT" sz="1200"/>
-              <a:t> – A.A. 2023/24 - Unict</a:t>
-            </a:r>
-          </a:p>
-          <a:p>
-            <a:r>
-              <a:rPr lang="it-IT" sz="1200"/>
-              <a:t>Schema progetto (prima parte) di Francesco Pandolfo</a:t>
-            </a:r>
+            <a:endParaRPr lang="it-IT" sz="1200">
+              <a:latin typeface="Bahnschrift Light Condensed" panose="020B0502040204020203" pitchFamily="34" charset="0"/>
+            </a:endParaRPr>
           </a:p>
         </p:txBody>
       </p:sp>
@@ -18068,7 +18665,7 @@
         </p:blipFill>
         <p:spPr>
           <a:xfrm>
-            <a:off x="9972713" y="588509"/>
+            <a:off x="10224037" y="1111811"/>
             <a:ext cx="1410062" cy="469578"/>
           </a:xfrm>
           <a:prstGeom prst="rect">
@@ -18090,7 +18687,7 @@
         </p:nvSpPr>
         <p:spPr>
           <a:xfrm>
-            <a:off x="6090036" y="3978530"/>
+            <a:off x="6090036" y="3829940"/>
             <a:ext cx="428322" cy="276999"/>
           </a:xfrm>
           <a:prstGeom prst="rect">
@@ -18130,22 +18727,22 @@
         </p:nvSpPr>
         <p:spPr>
           <a:xfrm>
-            <a:off x="9251818" y="324661"/>
-            <a:ext cx="2703472" cy="3617806"/>
+            <a:off x="9729338" y="811039"/>
+            <a:ext cx="2198502" cy="2964043"/>
           </a:xfrm>
           <a:custGeom>
             <a:avLst/>
             <a:gdLst>
-              <a:gd name="connsiteX0" fmla="*/ 0 w 2703472"/>
-              <a:gd name="connsiteY0" fmla="*/ 1808903 h 3617806"/>
-              <a:gd name="connsiteX1" fmla="*/ 1351736 w 2703472"/>
-              <a:gd name="connsiteY1" fmla="*/ 0 h 3617806"/>
-              <a:gd name="connsiteX2" fmla="*/ 2703472 w 2703472"/>
-              <a:gd name="connsiteY2" fmla="*/ 1808903 h 3617806"/>
-              <a:gd name="connsiteX3" fmla="*/ 1351736 w 2703472"/>
-              <a:gd name="connsiteY3" fmla="*/ 3617806 h 3617806"/>
-              <a:gd name="connsiteX4" fmla="*/ 0 w 2703472"/>
-              <a:gd name="connsiteY4" fmla="*/ 1808903 h 3617806"/>
+              <a:gd name="connsiteX0" fmla="*/ 0 w 2198502"/>
+              <a:gd name="connsiteY0" fmla="*/ 1482022 h 2964043"/>
+              <a:gd name="connsiteX1" fmla="*/ 1099251 w 2198502"/>
+              <a:gd name="connsiteY1" fmla="*/ 0 h 2964043"/>
+              <a:gd name="connsiteX2" fmla="*/ 2198502 w 2198502"/>
+              <a:gd name="connsiteY2" fmla="*/ 1482022 h 2964043"/>
+              <a:gd name="connsiteX3" fmla="*/ 1099251 w 2198502"/>
+              <a:gd name="connsiteY3" fmla="*/ 2964044 h 2964043"/>
+              <a:gd name="connsiteX4" fmla="*/ 0 w 2198502"/>
+              <a:gd name="connsiteY4" fmla="*/ 1482022 h 2964043"/>
             </a:gdLst>
             <a:ahLst/>
             <a:cxnLst>
@@ -18167,29 +18764,29 @@
             </a:cxnLst>
             <a:rect l="l" t="t" r="r" b="b"/>
             <a:pathLst>
-              <a:path w="2703472" h="3617806" extrusionOk="0">
+              <a:path w="2198502" h="2964043" extrusionOk="0">
                 <a:moveTo>
-                  <a:pt x="0" y="1808903"/>
+                  <a:pt x="0" y="1482022"/>
                 </a:moveTo>
                 <a:cubicBezTo>
-                  <a:pt x="-12256" y="884042"/>
-                  <a:pt x="606728" y="67969"/>
-                  <a:pt x="1351736" y="0"/>
-                </a:cubicBezTo>
-                <a:cubicBezTo>
-                  <a:pt x="2139936" y="-22065"/>
-                  <a:pt x="2922046" y="703030"/>
-                  <a:pt x="2703472" y="1808903"/>
-                </a:cubicBezTo>
-                <a:cubicBezTo>
-                  <a:pt x="2826751" y="2780181"/>
-                  <a:pt x="2092890" y="3740463"/>
-                  <a:pt x="1351736" y="3617806"/>
-                </a:cubicBezTo>
-                <a:cubicBezTo>
-                  <a:pt x="645579" y="3681785"/>
-                  <a:pt x="-173189" y="2629092"/>
-                  <a:pt x="0" y="1808903"/>
+                  <a:pt x="-24516" y="811888"/>
+                  <a:pt x="493159" y="44626"/>
+                  <a:pt x="1099251" y="0"/>
+                </a:cubicBezTo>
+                <a:cubicBezTo>
+                  <a:pt x="1800644" y="-49945"/>
+                  <a:pt x="2227894" y="649157"/>
+                  <a:pt x="2198502" y="1482022"/>
+                </a:cubicBezTo>
+                <a:cubicBezTo>
+                  <a:pt x="2341023" y="2268436"/>
+                  <a:pt x="1702280" y="3056706"/>
+                  <a:pt x="1099251" y="2964044"/>
+                </a:cubicBezTo>
+                <a:cubicBezTo>
+                  <a:pt x="560762" y="3072736"/>
+                  <a:pt x="-140939" y="2154981"/>
+                  <a:pt x="0" y="1482022"/>
                 </a:cubicBezTo>
                 <a:close/>
               </a:path>
@@ -18251,7 +18848,7 @@
         </p:nvSpPr>
         <p:spPr>
           <a:xfrm>
-            <a:off x="10451548" y="332761"/>
+            <a:off x="10738150" y="811039"/>
             <a:ext cx="381836" cy="276999"/>
           </a:xfrm>
           <a:prstGeom prst="rect">
@@ -18472,10 +19069,563 @@
       </p:sp>
       <p:sp>
         <p:nvSpPr>
-          <p:cNvPr id="23" name="Rettangolo 22">
-            <a:extLst>
-              <a:ext uri="{FF2B5EF4-FFF2-40B4-BE49-F238E27FC236}">
-                <a16:creationId xmlns:a16="http://schemas.microsoft.com/office/drawing/2014/main" id="{6E53252B-9177-083C-588E-B3FCC47D3F51}"/>
+          <p:cNvPr id="6" name="CasellaDiTesto 5">
+            <a:extLst>
+              <a:ext uri="{FF2B5EF4-FFF2-40B4-BE49-F238E27FC236}">
+                <a16:creationId xmlns:a16="http://schemas.microsoft.com/office/drawing/2014/main" id="{BDA30468-4F01-AED4-3CF1-B3C3D095A76A}"/>
+              </a:ext>
+            </a:extLst>
+          </p:cNvPr>
+          <p:cNvSpPr txBox="1"/>
+          <p:nvPr/>
+        </p:nvSpPr>
+        <p:spPr>
+          <a:xfrm>
+            <a:off x="4387432" y="2412830"/>
+            <a:ext cx="837089" cy="215444"/>
+          </a:xfrm>
+          <a:prstGeom prst="rect">
+            <a:avLst/>
+          </a:prstGeom>
+          <a:noFill/>
+        </p:spPr>
+        <p:txBody>
+          <a:bodyPr wrap="none" rtlCol="0">
+            <a:spAutoFit/>
+          </a:bodyPr>
+          <a:lstStyle/>
+          <a:p>
+            <a:r>
+              <a:rPr lang="it-IT" sz="800">
+                <a:latin typeface="Bahnschrift Light Condensed" panose="020B0502040204020203" pitchFamily="34" charset="0"/>
+              </a:rPr>
+              <a:t>/delete {username}</a:t>
+            </a:r>
+          </a:p>
+        </p:txBody>
+      </p:sp>
+      <p:sp>
+        <p:nvSpPr>
+          <p:cNvPr id="11" name="Cilindro 10">
+            <a:extLst>
+              <a:ext uri="{FF2B5EF4-FFF2-40B4-BE49-F238E27FC236}">
+                <a16:creationId xmlns:a16="http://schemas.microsoft.com/office/drawing/2014/main" id="{6A2423D4-F358-4E82-80D9-6F46BDB1DF3C}"/>
+              </a:ext>
+            </a:extLst>
+          </p:cNvPr>
+          <p:cNvSpPr/>
+          <p:nvPr/>
+        </p:nvSpPr>
+        <p:spPr>
+          <a:xfrm>
+            <a:off x="4204225" y="4136811"/>
+            <a:ext cx="577380" cy="711544"/>
+          </a:xfrm>
+          <a:custGeom>
+            <a:avLst/>
+            <a:gdLst>
+              <a:gd name="connsiteX0" fmla="*/ 0 w 577380"/>
+              <a:gd name="connsiteY0" fmla="*/ 72173 h 711544"/>
+              <a:gd name="connsiteX1" fmla="*/ 288690 w 577380"/>
+              <a:gd name="connsiteY1" fmla="*/ 144346 h 711544"/>
+              <a:gd name="connsiteX2" fmla="*/ 577380 w 577380"/>
+              <a:gd name="connsiteY2" fmla="*/ 72173 h 711544"/>
+              <a:gd name="connsiteX3" fmla="*/ 577380 w 577380"/>
+              <a:gd name="connsiteY3" fmla="*/ 639372 h 711544"/>
+              <a:gd name="connsiteX4" fmla="*/ 288690 w 577380"/>
+              <a:gd name="connsiteY4" fmla="*/ 711545 h 711544"/>
+              <a:gd name="connsiteX5" fmla="*/ 0 w 577380"/>
+              <a:gd name="connsiteY5" fmla="*/ 639372 h 711544"/>
+              <a:gd name="connsiteX6" fmla="*/ 0 w 577380"/>
+              <a:gd name="connsiteY6" fmla="*/ 72173 h 711544"/>
+              <a:gd name="connsiteX0" fmla="*/ 0 w 577380"/>
+              <a:gd name="connsiteY0" fmla="*/ 72173 h 711544"/>
+              <a:gd name="connsiteX1" fmla="*/ 288690 w 577380"/>
+              <a:gd name="connsiteY1" fmla="*/ 0 h 711544"/>
+              <a:gd name="connsiteX2" fmla="*/ 577380 w 577380"/>
+              <a:gd name="connsiteY2" fmla="*/ 72173 h 711544"/>
+              <a:gd name="connsiteX3" fmla="*/ 288690 w 577380"/>
+              <a:gd name="connsiteY3" fmla="*/ 144346 h 711544"/>
+              <a:gd name="connsiteX4" fmla="*/ 0 w 577380"/>
+              <a:gd name="connsiteY4" fmla="*/ 72173 h 711544"/>
+              <a:gd name="connsiteX0" fmla="*/ 577380 w 577380"/>
+              <a:gd name="connsiteY0" fmla="*/ 72173 h 711544"/>
+              <a:gd name="connsiteX1" fmla="*/ 288690 w 577380"/>
+              <a:gd name="connsiteY1" fmla="*/ 144346 h 711544"/>
+              <a:gd name="connsiteX2" fmla="*/ 0 w 577380"/>
+              <a:gd name="connsiteY2" fmla="*/ 72173 h 711544"/>
+              <a:gd name="connsiteX3" fmla="*/ 288690 w 577380"/>
+              <a:gd name="connsiteY3" fmla="*/ 0 h 711544"/>
+              <a:gd name="connsiteX4" fmla="*/ 577380 w 577380"/>
+              <a:gd name="connsiteY4" fmla="*/ 72173 h 711544"/>
+              <a:gd name="connsiteX5" fmla="*/ 577380 w 577380"/>
+              <a:gd name="connsiteY5" fmla="*/ 639372 h 711544"/>
+              <a:gd name="connsiteX6" fmla="*/ 288690 w 577380"/>
+              <a:gd name="connsiteY6" fmla="*/ 711545 h 711544"/>
+              <a:gd name="connsiteX7" fmla="*/ 0 w 577380"/>
+              <a:gd name="connsiteY7" fmla="*/ 639372 h 711544"/>
+              <a:gd name="connsiteX8" fmla="*/ 0 w 577380"/>
+              <a:gd name="connsiteY8" fmla="*/ 72173 h 711544"/>
+            </a:gdLst>
+            <a:ahLst/>
+            <a:cxnLst>
+              <a:cxn ang="0">
+                <a:pos x="connsiteX0" y="connsiteY0"/>
+              </a:cxn>
+              <a:cxn ang="0">
+                <a:pos x="connsiteX1" y="connsiteY1"/>
+              </a:cxn>
+              <a:cxn ang="0">
+                <a:pos x="connsiteX2" y="connsiteY2"/>
+              </a:cxn>
+              <a:cxn ang="0">
+                <a:pos x="connsiteX3" y="connsiteY3"/>
+              </a:cxn>
+              <a:cxn ang="0">
+                <a:pos x="connsiteX4" y="connsiteY4"/>
+              </a:cxn>
+              <a:cxn ang="0">
+                <a:pos x="connsiteX5" y="connsiteY5"/>
+              </a:cxn>
+              <a:cxn ang="0">
+                <a:pos x="connsiteX6" y="connsiteY6"/>
+              </a:cxn>
+              <a:cxn ang="0">
+                <a:pos x="connsiteX7" y="connsiteY7"/>
+              </a:cxn>
+              <a:cxn ang="0">
+                <a:pos x="connsiteX8" y="connsiteY8"/>
+              </a:cxn>
+            </a:cxnLst>
+            <a:rect l="l" t="t" r="r" b="b"/>
+            <a:pathLst>
+              <a:path w="577380" h="711544" stroke="0" extrusionOk="0">
+                <a:moveTo>
+                  <a:pt x="0" y="72173"/>
+                </a:moveTo>
+                <a:cubicBezTo>
+                  <a:pt x="14619" y="95825"/>
+                  <a:pt x="127429" y="144441"/>
+                  <a:pt x="288690" y="144346"/>
+                </a:cubicBezTo>
+                <a:cubicBezTo>
+                  <a:pt x="455815" y="143381"/>
+                  <a:pt x="570686" y="113376"/>
+                  <a:pt x="577380" y="72173"/>
+                </a:cubicBezTo>
+                <a:cubicBezTo>
+                  <a:pt x="537600" y="294362"/>
+                  <a:pt x="608506" y="559806"/>
+                  <a:pt x="577380" y="639372"/>
+                </a:cubicBezTo>
+                <a:cubicBezTo>
+                  <a:pt x="583064" y="689214"/>
+                  <a:pt x="446523" y="708707"/>
+                  <a:pt x="288690" y="711545"/>
+                </a:cubicBezTo>
+                <a:cubicBezTo>
+                  <a:pt x="128744" y="713882"/>
+                  <a:pt x="-3365" y="680643"/>
+                  <a:pt x="0" y="639372"/>
+                </a:cubicBezTo>
+                <a:cubicBezTo>
+                  <a:pt x="-35677" y="565792"/>
+                  <a:pt x="-42564" y="306144"/>
+                  <a:pt x="0" y="72173"/>
+                </a:cubicBezTo>
+                <a:close/>
+              </a:path>
+              <a:path w="577380" h="711544" fill="lighten" stroke="0" extrusionOk="0">
+                <a:moveTo>
+                  <a:pt x="0" y="72173"/>
+                </a:moveTo>
+                <a:cubicBezTo>
+                  <a:pt x="6123" y="58009"/>
+                  <a:pt x="110039" y="-6776"/>
+                  <a:pt x="288690" y="0"/>
+                </a:cubicBezTo>
+                <a:cubicBezTo>
+                  <a:pt x="447053" y="-3145"/>
+                  <a:pt x="580036" y="28841"/>
+                  <a:pt x="577380" y="72173"/>
+                </a:cubicBezTo>
+                <a:cubicBezTo>
+                  <a:pt x="585056" y="104707"/>
+                  <a:pt x="443811" y="157606"/>
+                  <a:pt x="288690" y="144346"/>
+                </a:cubicBezTo>
+                <a:cubicBezTo>
+                  <a:pt x="128767" y="152186"/>
+                  <a:pt x="534" y="117431"/>
+                  <a:pt x="0" y="72173"/>
+                </a:cubicBezTo>
+                <a:close/>
+              </a:path>
+              <a:path w="577380" h="711544" fill="none" extrusionOk="0">
+                <a:moveTo>
+                  <a:pt x="577380" y="72173"/>
+                </a:moveTo>
+                <a:cubicBezTo>
+                  <a:pt x="575724" y="112241"/>
+                  <a:pt x="462204" y="129109"/>
+                  <a:pt x="288690" y="144346"/>
+                </a:cubicBezTo>
+                <a:cubicBezTo>
+                  <a:pt x="131082" y="147075"/>
+                  <a:pt x="-2647" y="116817"/>
+                  <a:pt x="0" y="72173"/>
+                </a:cubicBezTo>
+                <a:cubicBezTo>
+                  <a:pt x="13105" y="15569"/>
+                  <a:pt x="140805" y="-16369"/>
+                  <a:pt x="288690" y="0"/>
+                </a:cubicBezTo>
+                <a:cubicBezTo>
+                  <a:pt x="454447" y="1010"/>
+                  <a:pt x="579095" y="26752"/>
+                  <a:pt x="577380" y="72173"/>
+                </a:cubicBezTo>
+                <a:cubicBezTo>
+                  <a:pt x="602987" y="227917"/>
+                  <a:pt x="601185" y="485138"/>
+                  <a:pt x="577380" y="639372"/>
+                </a:cubicBezTo>
+                <a:cubicBezTo>
+                  <a:pt x="552992" y="675120"/>
+                  <a:pt x="463604" y="696977"/>
+                  <a:pt x="288690" y="711545"/>
+                </a:cubicBezTo>
+                <a:cubicBezTo>
+                  <a:pt x="128615" y="713101"/>
+                  <a:pt x="-1490" y="678622"/>
+                  <a:pt x="0" y="639372"/>
+                </a:cubicBezTo>
+                <a:cubicBezTo>
+                  <a:pt x="-11476" y="555695"/>
+                  <a:pt x="6517" y="283484"/>
+                  <a:pt x="0" y="72173"/>
+                </a:cubicBezTo>
+              </a:path>
+              <a:path w="577380" h="711544" fill="none" stroke="0" extrusionOk="0">
+                <a:moveTo>
+                  <a:pt x="577380" y="72173"/>
+                </a:moveTo>
+                <a:cubicBezTo>
+                  <a:pt x="588108" y="93541"/>
+                  <a:pt x="441067" y="128236"/>
+                  <a:pt x="288690" y="144346"/>
+                </a:cubicBezTo>
+                <a:cubicBezTo>
+                  <a:pt x="131257" y="138436"/>
+                  <a:pt x="2143" y="106849"/>
+                  <a:pt x="0" y="72173"/>
+                </a:cubicBezTo>
+                <a:cubicBezTo>
+                  <a:pt x="3195" y="34699"/>
+                  <a:pt x="144280" y="-4740"/>
+                  <a:pt x="288690" y="0"/>
+                </a:cubicBezTo>
+                <a:cubicBezTo>
+                  <a:pt x="452720" y="3700"/>
+                  <a:pt x="577580" y="33090"/>
+                  <a:pt x="577380" y="72173"/>
+                </a:cubicBezTo>
+                <a:cubicBezTo>
+                  <a:pt x="531323" y="137628"/>
+                  <a:pt x="538067" y="497835"/>
+                  <a:pt x="577380" y="639372"/>
+                </a:cubicBezTo>
+                <a:cubicBezTo>
+                  <a:pt x="587921" y="693492"/>
+                  <a:pt x="427380" y="718423"/>
+                  <a:pt x="288690" y="711545"/>
+                </a:cubicBezTo>
+                <a:cubicBezTo>
+                  <a:pt x="126627" y="715173"/>
+                  <a:pt x="2369" y="677520"/>
+                  <a:pt x="0" y="639372"/>
+                </a:cubicBezTo>
+                <a:cubicBezTo>
+                  <a:pt x="-20566" y="393065"/>
+                  <a:pt x="40435" y="291797"/>
+                  <a:pt x="0" y="72173"/>
+                </a:cubicBezTo>
+              </a:path>
+            </a:pathLst>
+          </a:custGeom>
+          <a:solidFill>
+            <a:schemeClr val="bg1">
+              <a:lumMod val="95000"/>
+            </a:schemeClr>
+          </a:solidFill>
+          <a:ln>
+            <a:extLst>
+              <a:ext uri="{C807C97D-BFC1-408E-A445-0C87EB9F89A2}">
+                <ask:lineSketchStyleProps xmlns:ask="http://schemas.microsoft.com/office/drawing/2018/sketchyshapes" sd="278935163">
+                  <a:prstGeom prst="can">
+                    <a:avLst/>
+                  </a:prstGeom>
+                  <ask:type>
+                    <ask:lineSketchCurved/>
+                  </ask:type>
+                </ask:lineSketchStyleProps>
+              </a:ext>
+            </a:extLst>
+          </a:ln>
+        </p:spPr>
+        <p:style>
+          <a:lnRef idx="2">
+            <a:schemeClr val="accent1">
+              <a:shade val="15000"/>
+            </a:schemeClr>
+          </a:lnRef>
+          <a:fillRef idx="1">
+            <a:schemeClr val="accent1"/>
+          </a:fillRef>
+          <a:effectRef idx="0">
+            <a:schemeClr val="accent1"/>
+          </a:effectRef>
+          <a:fontRef idx="minor">
+            <a:schemeClr val="lt1"/>
+          </a:fontRef>
+        </p:style>
+        <p:txBody>
+          <a:bodyPr rtlCol="0" anchor="ctr"/>
+          <a:lstStyle/>
+          <a:p>
+            <a:pPr algn="ctr"/>
+            <a:endParaRPr lang="it-IT">
+              <a:latin typeface="Bahnschrift Light Condensed" panose="020B0502040204020203" pitchFamily="34" charset="0"/>
+            </a:endParaRPr>
+          </a:p>
+        </p:txBody>
+      </p:sp>
+      <p:pic>
+        <p:nvPicPr>
+          <p:cNvPr id="12" name="Picture 2" descr="Cos'è MySQL e a cosa serve">
+            <a:extLst>
+              <a:ext uri="{FF2B5EF4-FFF2-40B4-BE49-F238E27FC236}">
+                <a16:creationId xmlns:a16="http://schemas.microsoft.com/office/drawing/2014/main" id="{F86C8C4B-484C-5EBB-B39F-19F0F0A33997}"/>
+              </a:ext>
+            </a:extLst>
+          </p:cNvPr>
+          <p:cNvPicPr>
+            <a:picLocks noChangeAspect="1" noChangeArrowheads="1"/>
+          </p:cNvPicPr>
+          <p:nvPr/>
+        </p:nvPicPr>
+        <p:blipFill>
+          <a:blip r:embed="rId5" cstate="hqprint">
+            <a:extLst>
+              <a:ext uri="{28A0092B-C50C-407E-A947-70E740481C1C}">
+                <a14:useLocalDpi xmlns:a14="http://schemas.microsoft.com/office/drawing/2010/main" val="0"/>
+              </a:ext>
+            </a:extLst>
+          </a:blip>
+          <a:srcRect/>
+          <a:stretch>
+            <a:fillRect/>
+          </a:stretch>
+        </p:blipFill>
+        <p:spPr bwMode="auto">
+          <a:xfrm>
+            <a:off x="4208717" y="4497026"/>
+            <a:ext cx="583392" cy="388928"/>
+          </a:xfrm>
+          <a:prstGeom prst="rect">
+            <a:avLst/>
+          </a:prstGeom>
+          <a:noFill/>
+          <a:extLst>
+            <a:ext uri="{909E8E84-426E-40DD-AFC4-6F175D3DCCD1}">
+              <a14:hiddenFill xmlns:a14="http://schemas.microsoft.com/office/drawing/2010/main">
+                <a:solidFill>
+                  <a:srgbClr val="FFFFFF"/>
+                </a:solidFill>
+              </a14:hiddenFill>
+            </a:ext>
+          </a:extLst>
+        </p:spPr>
+      </p:pic>
+      <p:sp>
+        <p:nvSpPr>
+          <p:cNvPr id="13" name="CasellaDiTesto 12">
+            <a:extLst>
+              <a:ext uri="{FF2B5EF4-FFF2-40B4-BE49-F238E27FC236}">
+                <a16:creationId xmlns:a16="http://schemas.microsoft.com/office/drawing/2014/main" id="{9E3CE89C-85C2-5E39-FF02-E7C25D5C5516}"/>
+              </a:ext>
+            </a:extLst>
+          </p:cNvPr>
+          <p:cNvSpPr txBox="1"/>
+          <p:nvPr/>
+        </p:nvSpPr>
+        <p:spPr>
+          <a:xfrm>
+            <a:off x="4190661" y="4295534"/>
+            <a:ext cx="601447" cy="200055"/>
+          </a:xfrm>
+          <a:prstGeom prst="rect">
+            <a:avLst/>
+          </a:prstGeom>
+          <a:noFill/>
+        </p:spPr>
+        <p:txBody>
+          <a:bodyPr wrap="none" rtlCol="0">
+            <a:spAutoFit/>
+          </a:bodyPr>
+          <a:lstStyle/>
+          <a:p>
+            <a:r>
+              <a:rPr lang="it-IT" sz="700">
+                <a:latin typeface="Bahnschrift Light Condensed" panose="020B0502040204020203" pitchFamily="34" charset="0"/>
+              </a:rPr>
+              <a:t>- notifications</a:t>
+            </a:r>
+          </a:p>
+        </p:txBody>
+      </p:sp>
+      <p:cxnSp>
+        <p:nvCxnSpPr>
+          <p:cNvPr id="23" name="Connettore a gomito 22">
+            <a:extLst>
+              <a:ext uri="{FF2B5EF4-FFF2-40B4-BE49-F238E27FC236}">
+                <a16:creationId xmlns:a16="http://schemas.microsoft.com/office/drawing/2014/main" id="{FE0440AB-29A2-1150-7B2C-5125DFB08365}"/>
+              </a:ext>
+            </a:extLst>
+          </p:cNvPr>
+          <p:cNvCxnSpPr>
+            <a:cxnSpLocks/>
+            <a:stCxn id="78" idx="3"/>
+            <a:endCxn id="102" idx="3"/>
+          </p:cNvCxnSpPr>
+          <p:nvPr/>
+        </p:nvCxnSpPr>
+        <p:spPr>
+          <a:xfrm>
+            <a:off x="5386443" y="2267549"/>
+            <a:ext cx="345469" cy="574041"/>
+          </a:xfrm>
+          <a:prstGeom prst="bentConnector3">
+            <a:avLst>
+              <a:gd name="adj1" fmla="val 180508"/>
+            </a:avLst>
+          </a:prstGeom>
+          <a:ln w="12700">
+            <a:solidFill>
+              <a:schemeClr val="tx1"/>
+            </a:solidFill>
+            <a:prstDash val="sysDot"/>
+            <a:tailEnd type="triangle"/>
+          </a:ln>
+        </p:spPr>
+        <p:style>
+          <a:lnRef idx="2">
+            <a:schemeClr val="accent1"/>
+          </a:lnRef>
+          <a:fillRef idx="0">
+            <a:schemeClr val="accent1"/>
+          </a:fillRef>
+          <a:effectRef idx="1">
+            <a:schemeClr val="accent1"/>
+          </a:effectRef>
+          <a:fontRef idx="minor">
+            <a:schemeClr val="tx1"/>
+          </a:fontRef>
+        </p:style>
+      </p:cxnSp>
+      <p:cxnSp>
+        <p:nvCxnSpPr>
+          <p:cNvPr id="32" name="Connettore a gomito 31">
+            <a:extLst>
+              <a:ext uri="{FF2B5EF4-FFF2-40B4-BE49-F238E27FC236}">
+                <a16:creationId xmlns:a16="http://schemas.microsoft.com/office/drawing/2014/main" id="{2ABF8285-22A2-FFC6-445B-8D7BC1FBE8C2}"/>
+              </a:ext>
+            </a:extLst>
+          </p:cNvPr>
+          <p:cNvCxnSpPr>
+            <a:cxnSpLocks/>
+            <a:stCxn id="109" idx="0"/>
+            <a:endCxn id="13" idx="1"/>
+          </p:cNvCxnSpPr>
+          <p:nvPr/>
+        </p:nvCxnSpPr>
+        <p:spPr>
+          <a:xfrm rot="5400000" flipH="1" flipV="1">
+            <a:off x="3797631" y="4131378"/>
+            <a:ext cx="128846" cy="657214"/>
+          </a:xfrm>
+          <a:prstGeom prst="bentConnector2">
+            <a:avLst/>
+          </a:prstGeom>
+          <a:ln w="12700">
+            <a:solidFill>
+              <a:schemeClr val="tx1"/>
+            </a:solidFill>
+            <a:prstDash val="sysDot"/>
+            <a:tailEnd type="triangle"/>
+          </a:ln>
+        </p:spPr>
+        <p:style>
+          <a:lnRef idx="2">
+            <a:schemeClr val="accent1"/>
+          </a:lnRef>
+          <a:fillRef idx="0">
+            <a:schemeClr val="accent1"/>
+          </a:fillRef>
+          <a:effectRef idx="1">
+            <a:schemeClr val="accent1"/>
+          </a:effectRef>
+          <a:fontRef idx="minor">
+            <a:schemeClr val="tx1"/>
+          </a:fontRef>
+        </p:style>
+      </p:cxnSp>
+      <p:sp>
+        <p:nvSpPr>
+          <p:cNvPr id="35" name="CasellaDiTesto 34">
+            <a:extLst>
+              <a:ext uri="{FF2B5EF4-FFF2-40B4-BE49-F238E27FC236}">
+                <a16:creationId xmlns:a16="http://schemas.microsoft.com/office/drawing/2014/main" id="{3D1CC720-70A6-7FD4-EEB6-13665AA6C5D2}"/>
+              </a:ext>
+            </a:extLst>
+          </p:cNvPr>
+          <p:cNvSpPr txBox="1"/>
+          <p:nvPr/>
+        </p:nvSpPr>
+        <p:spPr>
+          <a:xfrm>
+            <a:off x="3857892" y="4182925"/>
+            <a:ext cx="456729" cy="246221"/>
+          </a:xfrm>
+          <a:prstGeom prst="rect">
+            <a:avLst/>
+          </a:prstGeom>
+          <a:noFill/>
+        </p:spPr>
+        <p:txBody>
+          <a:bodyPr wrap="square" rtlCol="0">
+            <a:spAutoFit/>
+          </a:bodyPr>
+          <a:lstStyle/>
+          <a:p>
+            <a:r>
+              <a:rPr lang="it-IT" sz="1000">
+                <a:latin typeface="Bahnschrift Light Condensed" panose="020B0502040204020203" pitchFamily="34" charset="0"/>
+              </a:rPr>
+              <a:t>3306</a:t>
+            </a:r>
+            <a:endParaRPr lang="it-IT" sz="1200">
+              <a:latin typeface="Bahnschrift Light Condensed" panose="020B0502040204020203" pitchFamily="34" charset="0"/>
+            </a:endParaRPr>
+          </a:p>
+        </p:txBody>
+      </p:sp>
+      <p:sp>
+        <p:nvSpPr>
+          <p:cNvPr id="9" name="Rettangolo 8">
+            <a:extLst>
+              <a:ext uri="{FF2B5EF4-FFF2-40B4-BE49-F238E27FC236}">
+                <a16:creationId xmlns:a16="http://schemas.microsoft.com/office/drawing/2014/main" id="{495B998A-7E46-D2E7-3E6E-4D2BCD28145E}"/>
               </a:ext>
             </a:extLst>
           </p:cNvPr>
@@ -18577,7 +19727,7 @@
           </a:custGeom>
           <a:solidFill>
             <a:srgbClr val="FFFFFF">
-              <a:alpha val="74902"/>
+              <a:alpha val="85098"/>
             </a:srgbClr>
           </a:solidFill>
           <a:ln>
@@ -18640,13 +19790,11 @@
           <p:cNvPr id="17" name="Connettore curvo 16">
             <a:extLst>
               <a:ext uri="{FF2B5EF4-FFF2-40B4-BE49-F238E27FC236}">
-                <a16:creationId xmlns:a16="http://schemas.microsoft.com/office/drawing/2014/main" id="{83203E49-F364-A30D-0036-BDA30F6FD52C}"/>
-              </a:ext>
-            </a:extLst>
-          </p:cNvPr>
-          <p:cNvCxnSpPr>
-            <a:endCxn id="12" idx="1"/>
-          </p:cNvCxnSpPr>
+                <a16:creationId xmlns:a16="http://schemas.microsoft.com/office/drawing/2014/main" id="{4498DDDF-A2E5-5BDF-DC8F-E551499D30B9}"/>
+              </a:ext>
+            </a:extLst>
+          </p:cNvPr>
+          <p:cNvCxnSpPr/>
           <p:nvPr/>
         </p:nvCxnSpPr>
         <p:spPr>
@@ -18681,10 +19829,10 @@
       </p:cxnSp>
       <p:pic>
         <p:nvPicPr>
-          <p:cNvPr id="1032" name="Picture 8" descr="Prometheus Monitoring | Billy Okeyo">
-            <a:extLst>
-              <a:ext uri="{FF2B5EF4-FFF2-40B4-BE49-F238E27FC236}">
-                <a16:creationId xmlns:a16="http://schemas.microsoft.com/office/drawing/2014/main" id="{7FA02EDF-63B8-A6A4-94DF-1C4C0AD2EA23}"/>
+          <p:cNvPr id="20" name="Picture 8" descr="Prometheus Monitoring | Billy Okeyo">
+            <a:extLst>
+              <a:ext uri="{FF2B5EF4-FFF2-40B4-BE49-F238E27FC236}">
+                <a16:creationId xmlns:a16="http://schemas.microsoft.com/office/drawing/2014/main" id="{48F1F4F1-2B76-C885-8285-7FEB4DE602CD}"/>
               </a:ext>
             </a:extLst>
           </p:cNvPr>
@@ -18726,163 +19874,18 @@
           </a:extLst>
         </p:spPr>
       </p:pic>
-      <p:sp>
-        <p:nvSpPr>
-          <p:cNvPr id="12" name="Rettangolo 11">
-            <a:extLst>
-              <a:ext uri="{FF2B5EF4-FFF2-40B4-BE49-F238E27FC236}">
-                <a16:creationId xmlns:a16="http://schemas.microsoft.com/office/drawing/2014/main" id="{5CF03B44-1E80-7760-3C14-039C3B3EA141}"/>
-              </a:ext>
-            </a:extLst>
-          </p:cNvPr>
-          <p:cNvSpPr/>
-          <p:nvPr/>
-        </p:nvSpPr>
-        <p:spPr>
-          <a:xfrm>
-            <a:off x="7334319" y="2959687"/>
-            <a:ext cx="1109649" cy="689598"/>
-          </a:xfrm>
-          <a:custGeom>
-            <a:avLst/>
-            <a:gdLst>
-              <a:gd name="connsiteX0" fmla="*/ 0 w 1109649"/>
-              <a:gd name="connsiteY0" fmla="*/ 0 h 689598"/>
-              <a:gd name="connsiteX1" fmla="*/ 543728 w 1109649"/>
-              <a:gd name="connsiteY1" fmla="*/ 0 h 689598"/>
-              <a:gd name="connsiteX2" fmla="*/ 1109649 w 1109649"/>
-              <a:gd name="connsiteY2" fmla="*/ 0 h 689598"/>
-              <a:gd name="connsiteX3" fmla="*/ 1109649 w 1109649"/>
-              <a:gd name="connsiteY3" fmla="*/ 689598 h 689598"/>
-              <a:gd name="connsiteX4" fmla="*/ 565921 w 1109649"/>
-              <a:gd name="connsiteY4" fmla="*/ 689598 h 689598"/>
-              <a:gd name="connsiteX5" fmla="*/ 0 w 1109649"/>
-              <a:gd name="connsiteY5" fmla="*/ 689598 h 689598"/>
-              <a:gd name="connsiteX6" fmla="*/ 0 w 1109649"/>
-              <a:gd name="connsiteY6" fmla="*/ 0 h 689598"/>
-            </a:gdLst>
-            <a:ahLst/>
-            <a:cxnLst>
-              <a:cxn ang="0">
-                <a:pos x="connsiteX0" y="connsiteY0"/>
-              </a:cxn>
-              <a:cxn ang="0">
-                <a:pos x="connsiteX1" y="connsiteY1"/>
-              </a:cxn>
-              <a:cxn ang="0">
-                <a:pos x="connsiteX2" y="connsiteY2"/>
-              </a:cxn>
-              <a:cxn ang="0">
-                <a:pos x="connsiteX3" y="connsiteY3"/>
-              </a:cxn>
-              <a:cxn ang="0">
-                <a:pos x="connsiteX4" y="connsiteY4"/>
-              </a:cxn>
-              <a:cxn ang="0">
-                <a:pos x="connsiteX5" y="connsiteY5"/>
-              </a:cxn>
-              <a:cxn ang="0">
-                <a:pos x="connsiteX6" y="connsiteY6"/>
-              </a:cxn>
-            </a:cxnLst>
-            <a:rect l="l" t="t" r="r" b="b"/>
-            <a:pathLst>
-              <a:path w="1109649" h="689598" extrusionOk="0">
-                <a:moveTo>
-                  <a:pt x="0" y="0"/>
-                </a:moveTo>
-                <a:cubicBezTo>
-                  <a:pt x="202572" y="19512"/>
-                  <a:pt x="314047" y="-12169"/>
-                  <a:pt x="543728" y="0"/>
-                </a:cubicBezTo>
-                <a:cubicBezTo>
-                  <a:pt x="773409" y="12169"/>
-                  <a:pt x="942204" y="7781"/>
-                  <a:pt x="1109649" y="0"/>
-                </a:cubicBezTo>
-                <a:cubicBezTo>
-                  <a:pt x="1106480" y="335206"/>
-                  <a:pt x="1138163" y="526311"/>
-                  <a:pt x="1109649" y="689598"/>
-                </a:cubicBezTo>
-                <a:cubicBezTo>
-                  <a:pt x="898563" y="683837"/>
-                  <a:pt x="741109" y="709691"/>
-                  <a:pt x="565921" y="689598"/>
-                </a:cubicBezTo>
-                <a:cubicBezTo>
-                  <a:pt x="390733" y="669505"/>
-                  <a:pt x="263405" y="708543"/>
-                  <a:pt x="0" y="689598"/>
-                </a:cubicBezTo>
-                <a:cubicBezTo>
-                  <a:pt x="26533" y="428316"/>
-                  <a:pt x="7844" y="159093"/>
-                  <a:pt x="0" y="0"/>
-                </a:cubicBezTo>
-                <a:close/>
-              </a:path>
-            </a:pathLst>
-          </a:custGeom>
-          <a:noFill/>
-          <a:ln>
-            <a:solidFill>
-              <a:srgbClr val="DA4E31"/>
-            </a:solidFill>
-            <a:extLst>
-              <a:ext uri="{C807C97D-BFC1-408E-A445-0C87EB9F89A2}">
-                <ask:lineSketchStyleProps xmlns:ask="http://schemas.microsoft.com/office/drawing/2018/sketchyshapes" sd="2244232375">
-                  <a:prstGeom prst="rect">
-                    <a:avLst/>
-                  </a:prstGeom>
-                  <ask:type>
-                    <ask:lineSketchFreehand/>
-                  </ask:type>
-                </ask:lineSketchStyleProps>
-              </a:ext>
-            </a:extLst>
-          </a:ln>
-        </p:spPr>
-        <p:style>
-          <a:lnRef idx="2">
-            <a:schemeClr val="accent1">
-              <a:shade val="15000"/>
-            </a:schemeClr>
-          </a:lnRef>
-          <a:fillRef idx="1">
-            <a:schemeClr val="accent1"/>
-          </a:fillRef>
-          <a:effectRef idx="0">
-            <a:schemeClr val="accent1"/>
-          </a:effectRef>
-          <a:fontRef idx="minor">
-            <a:schemeClr val="lt1"/>
-          </a:fontRef>
-        </p:style>
-        <p:txBody>
-          <a:bodyPr rtlCol="0" anchor="ctr"/>
-          <a:lstStyle/>
-          <a:p>
-            <a:pPr algn="ctr"/>
-            <a:endParaRPr lang="it-IT">
-              <a:latin typeface="Bahnschrift Light Condensed" panose="020B0502040204020203" pitchFamily="34" charset="0"/>
-            </a:endParaRPr>
-          </a:p>
-        </p:txBody>
-      </p:sp>
       <p:cxnSp>
         <p:nvCxnSpPr>
           <p:cNvPr id="25" name="Connettore curvo 24">
             <a:extLst>
               <a:ext uri="{FF2B5EF4-FFF2-40B4-BE49-F238E27FC236}">
-                <a16:creationId xmlns:a16="http://schemas.microsoft.com/office/drawing/2014/main" id="{11C157CE-D8A7-0ADA-2E1D-EB2CBF41ACA3}"/>
+                <a16:creationId xmlns:a16="http://schemas.microsoft.com/office/drawing/2014/main" id="{280D8D0C-D4E5-FA2D-817F-074482F58B7C}"/>
               </a:ext>
             </a:extLst>
           </p:cNvPr>
           <p:cNvCxnSpPr>
             <a:cxnSpLocks/>
-            <a:stCxn id="35" idx="7"/>
+            <a:stCxn id="28" idx="7"/>
           </p:cNvCxnSpPr>
           <p:nvPr/>
         </p:nvCxnSpPr>
@@ -18921,10 +19924,10 @@
       </p:cxnSp>
       <p:sp>
         <p:nvSpPr>
-          <p:cNvPr id="34" name="Ovale 33">
-            <a:extLst>
-              <a:ext uri="{FF2B5EF4-FFF2-40B4-BE49-F238E27FC236}">
-                <a16:creationId xmlns:a16="http://schemas.microsoft.com/office/drawing/2014/main" id="{C8DB81F2-0BDB-4814-B7A0-F0A3A6E66CBF}"/>
+          <p:cNvPr id="27" name="Ovale 26">
+            <a:extLst>
+              <a:ext uri="{FF2B5EF4-FFF2-40B4-BE49-F238E27FC236}">
+                <a16:creationId xmlns:a16="http://schemas.microsoft.com/office/drawing/2014/main" id="{41ACF270-421F-8741-0DF7-BD92C0E31944}"/>
               </a:ext>
             </a:extLst>
           </p:cNvPr>
@@ -18975,10 +19978,10 @@
       </p:sp>
       <p:sp>
         <p:nvSpPr>
-          <p:cNvPr id="35" name="Ovale 34">
-            <a:extLst>
-              <a:ext uri="{FF2B5EF4-FFF2-40B4-BE49-F238E27FC236}">
-                <a16:creationId xmlns:a16="http://schemas.microsoft.com/office/drawing/2014/main" id="{486048BC-6FD2-9D60-385A-9E9AE70D89F6}"/>
+          <p:cNvPr id="28" name="Ovale 27">
+            <a:extLst>
+              <a:ext uri="{FF2B5EF4-FFF2-40B4-BE49-F238E27FC236}">
+                <a16:creationId xmlns:a16="http://schemas.microsoft.com/office/drawing/2014/main" id="{BB085B73-0EDC-610F-1F6B-31095FF5F443}"/>
               </a:ext>
             </a:extLst>
           </p:cNvPr>
@@ -19029,17 +20032,16 @@
       </p:sp>
       <p:cxnSp>
         <p:nvCxnSpPr>
-          <p:cNvPr id="44" name="Connettore curvo 43">
-            <a:extLst>
-              <a:ext uri="{FF2B5EF4-FFF2-40B4-BE49-F238E27FC236}">
-                <a16:creationId xmlns:a16="http://schemas.microsoft.com/office/drawing/2014/main" id="{A55C12F5-4F52-0B92-BA80-91995EEBFDB9}"/>
+          <p:cNvPr id="29" name="Connettore curvo 28">
+            <a:extLst>
+              <a:ext uri="{FF2B5EF4-FFF2-40B4-BE49-F238E27FC236}">
+                <a16:creationId xmlns:a16="http://schemas.microsoft.com/office/drawing/2014/main" id="{7DF54B6D-E075-34E9-8B38-ACEDA094B12D}"/>
               </a:ext>
             </a:extLst>
           </p:cNvPr>
           <p:cNvCxnSpPr>
             <a:cxnSpLocks/>
-            <a:stCxn id="49" idx="0"/>
-            <a:endCxn id="12" idx="2"/>
+            <a:stCxn id="30" idx="0"/>
           </p:cNvCxnSpPr>
           <p:nvPr/>
         </p:nvCxnSpPr>
@@ -19075,10 +20077,10 @@
       </p:cxnSp>
       <p:sp>
         <p:nvSpPr>
-          <p:cNvPr id="49" name="Ovale 48">
-            <a:extLst>
-              <a:ext uri="{FF2B5EF4-FFF2-40B4-BE49-F238E27FC236}">
-                <a16:creationId xmlns:a16="http://schemas.microsoft.com/office/drawing/2014/main" id="{8F3D9C37-C3AA-15A1-2891-B99947B23FBB}"/>
+          <p:cNvPr id="30" name="Ovale 29">
+            <a:extLst>
+              <a:ext uri="{FF2B5EF4-FFF2-40B4-BE49-F238E27FC236}">
+                <a16:creationId xmlns:a16="http://schemas.microsoft.com/office/drawing/2014/main" id="{DE4B723F-FBDB-773B-AB45-18CDCF07AD22}"/>
               </a:ext>
             </a:extLst>
           </p:cNvPr>
@@ -19129,10 +20131,10 @@
       </p:sp>
       <p:sp>
         <p:nvSpPr>
-          <p:cNvPr id="51" name="CasellaDiTesto 50">
-            <a:extLst>
-              <a:ext uri="{FF2B5EF4-FFF2-40B4-BE49-F238E27FC236}">
-                <a16:creationId xmlns:a16="http://schemas.microsoft.com/office/drawing/2014/main" id="{DB0CCB49-98D4-4B4B-0EEF-5C7784B4053B}"/>
+          <p:cNvPr id="31" name="CasellaDiTesto 30">
+            <a:extLst>
+              <a:ext uri="{FF2B5EF4-FFF2-40B4-BE49-F238E27FC236}">
+                <a16:creationId xmlns:a16="http://schemas.microsoft.com/office/drawing/2014/main" id="{EA4C3760-D705-31CC-F38A-BFA299C7ABDF}"/>
               </a:ext>
             </a:extLst>
           </p:cNvPr>
@@ -19179,10 +20181,10 @@
       </p:sp>
       <p:sp>
         <p:nvSpPr>
-          <p:cNvPr id="52" name="CasellaDiTesto 51">
-            <a:extLst>
-              <a:ext uri="{FF2B5EF4-FFF2-40B4-BE49-F238E27FC236}">
-                <a16:creationId xmlns:a16="http://schemas.microsoft.com/office/drawing/2014/main" id="{ECDDE38C-3B7E-380F-DDA1-4067DF7EA7A8}"/>
+          <p:cNvPr id="33" name="CasellaDiTesto 32">
+            <a:extLst>
+              <a:ext uri="{FF2B5EF4-FFF2-40B4-BE49-F238E27FC236}">
+                <a16:creationId xmlns:a16="http://schemas.microsoft.com/office/drawing/2014/main" id="{EC9286A2-DD86-DDB3-BC2A-78209C903F7E}"/>
               </a:ext>
             </a:extLst>
           </p:cNvPr>
@@ -19221,10 +20223,10 @@
       </p:sp>
       <p:sp>
         <p:nvSpPr>
-          <p:cNvPr id="54" name="CasellaDiTesto 53">
-            <a:extLst>
-              <a:ext uri="{FF2B5EF4-FFF2-40B4-BE49-F238E27FC236}">
-                <a16:creationId xmlns:a16="http://schemas.microsoft.com/office/drawing/2014/main" id="{13F99C8E-B15C-3819-E153-9CB8F9FE705E}"/>
+          <p:cNvPr id="34" name="CasellaDiTesto 33">
+            <a:extLst>
+              <a:ext uri="{FF2B5EF4-FFF2-40B4-BE49-F238E27FC236}">
+                <a16:creationId xmlns:a16="http://schemas.microsoft.com/office/drawing/2014/main" id="{22C7BE7B-FAAC-2C11-5CC3-6991B8CA9B73}"/>
               </a:ext>
             </a:extLst>
           </p:cNvPr>
@@ -19291,464 +20293,20 @@
           </a:p>
         </p:txBody>
       </p:sp>
-      <p:sp>
-        <p:nvSpPr>
-          <p:cNvPr id="58" name="CasellaDiTesto 57">
-            <a:extLst>
-              <a:ext uri="{FF2B5EF4-FFF2-40B4-BE49-F238E27FC236}">
-                <a16:creationId xmlns:a16="http://schemas.microsoft.com/office/drawing/2014/main" id="{0859A8AA-7CC5-CB40-71D1-429F677D1B22}"/>
-              </a:ext>
-            </a:extLst>
-          </p:cNvPr>
-          <p:cNvSpPr txBox="1"/>
-          <p:nvPr/>
-        </p:nvSpPr>
-        <p:spPr>
-          <a:xfrm>
-            <a:off x="775192" y="1906553"/>
-            <a:ext cx="7834196" cy="3724096"/>
-          </a:xfrm>
-          <a:prstGeom prst="rect">
-            <a:avLst/>
-          </a:prstGeom>
-          <a:noFill/>
-        </p:spPr>
-        <p:txBody>
-          <a:bodyPr wrap="none" rtlCol="0">
-            <a:spAutoFit/>
-          </a:bodyPr>
-          <a:lstStyle/>
-          <a:p>
-            <a:r>
-              <a:rPr lang="it-IT" sz="1400" b="1">
-                <a:solidFill>
-                  <a:schemeClr val="accent2">
-                    <a:lumMod val="75000"/>
-                  </a:schemeClr>
-                </a:solidFill>
-                <a:latin typeface="Bahnschrift Light Condensed" panose="020B0502040204020203" pitchFamily="34" charset="0"/>
-              </a:rPr>
-              <a:t>get-time-series:</a:t>
-            </a:r>
-          </a:p>
-          <a:p>
-            <a:r>
-              <a:rPr lang="it-IT" sz="1400">
-                <a:solidFill>
-                  <a:schemeClr val="accent2">
-                    <a:lumMod val="75000"/>
-                  </a:schemeClr>
-                </a:solidFill>
-                <a:latin typeface="Bahnschrift Light Condensed" panose="020B0502040204020203" pitchFamily="34" charset="0"/>
-              </a:rPr>
-              <a:t>- query_time_seconds_max{class="dsbd.gettimeseries.api.TimeSeriesController", instance="gettimeseries:8080", method="</a:t>
-            </a:r>
-            <a:r>
-              <a:rPr lang="it-IT" sz="1400" b="1">
-                <a:solidFill>
-                  <a:schemeClr val="accent2">
-                    <a:lumMod val="75000"/>
-                  </a:schemeClr>
-                </a:solidFill>
-                <a:latin typeface="Bahnschrift Light Condensed" panose="020B0502040204020203" pitchFamily="34" charset="0"/>
-              </a:rPr>
-              <a:t>query</a:t>
-            </a:r>
-            <a:r>
-              <a:rPr lang="it-IT" sz="1400">
-                <a:solidFill>
-                  <a:schemeClr val="accent2">
-                    <a:lumMod val="75000"/>
-                  </a:schemeClr>
-                </a:solidFill>
-                <a:latin typeface="Bahnschrift Light Condensed" panose="020B0502040204020203" pitchFamily="34" charset="0"/>
-              </a:rPr>
-              <a:t>"}</a:t>
-            </a:r>
-          </a:p>
-          <a:p>
-            <a:endParaRPr lang="it-IT" sz="1400" b="1">
-              <a:solidFill>
-                <a:schemeClr val="accent2">
-                  <a:lumMod val="75000"/>
-                </a:schemeClr>
-              </a:solidFill>
-              <a:latin typeface="Bahnschrift Light Condensed" panose="020B0502040204020203" pitchFamily="34" charset="0"/>
-            </a:endParaRPr>
-          </a:p>
-          <a:p>
-            <a:endParaRPr lang="it-IT" sz="1400" b="1">
-              <a:solidFill>
-                <a:schemeClr val="accent2">
-                  <a:lumMod val="75000"/>
-                </a:schemeClr>
-              </a:solidFill>
-              <a:latin typeface="Bahnschrift Light Condensed" panose="020B0502040204020203" pitchFamily="34" charset="0"/>
-            </a:endParaRPr>
-          </a:p>
-          <a:p>
-            <a:endParaRPr lang="it-IT" sz="1400" b="1">
-              <a:solidFill>
-                <a:schemeClr val="accent2">
-                  <a:lumMod val="75000"/>
-                </a:schemeClr>
-              </a:solidFill>
-              <a:latin typeface="Bahnschrift Light Condensed" panose="020B0502040204020203" pitchFamily="34" charset="0"/>
-            </a:endParaRPr>
-          </a:p>
-          <a:p>
-            <a:endParaRPr lang="it-IT" sz="1400" b="1">
-              <a:solidFill>
-                <a:schemeClr val="accent2">
-                  <a:lumMod val="75000"/>
-                </a:schemeClr>
-              </a:solidFill>
-              <a:latin typeface="Bahnschrift Light Condensed" panose="020B0502040204020203" pitchFamily="34" charset="0"/>
-            </a:endParaRPr>
-          </a:p>
-          <a:p>
-            <a:endParaRPr lang="it-IT" sz="1400" b="1">
-              <a:solidFill>
-                <a:schemeClr val="accent2">
-                  <a:lumMod val="75000"/>
-                </a:schemeClr>
-              </a:solidFill>
-              <a:latin typeface="Bahnschrift Light Condensed" panose="020B0502040204020203" pitchFamily="34" charset="0"/>
-            </a:endParaRPr>
-          </a:p>
-          <a:p>
-            <a:endParaRPr lang="it-IT" sz="1400" b="1">
-              <a:solidFill>
-                <a:schemeClr val="accent2">
-                  <a:lumMod val="75000"/>
-                </a:schemeClr>
-              </a:solidFill>
-              <a:latin typeface="Bahnschrift Light Condensed" panose="020B0502040204020203" pitchFamily="34" charset="0"/>
-            </a:endParaRPr>
-          </a:p>
-          <a:p>
-            <a:endParaRPr lang="it-IT" sz="1400" b="1">
-              <a:solidFill>
-                <a:schemeClr val="accent2">
-                  <a:lumMod val="75000"/>
-                </a:schemeClr>
-              </a:solidFill>
-              <a:latin typeface="Bahnschrift Light Condensed" panose="020B0502040204020203" pitchFamily="34" charset="0"/>
-            </a:endParaRPr>
-          </a:p>
-          <a:p>
-            <a:r>
-              <a:rPr lang="it-IT" sz="1400" b="1">
-                <a:solidFill>
-                  <a:schemeClr val="accent2">
-                    <a:lumMod val="75000"/>
-                  </a:schemeClr>
-                </a:solidFill>
-                <a:latin typeface="Bahnschrift Light Condensed" panose="020B0502040204020203" pitchFamily="34" charset="0"/>
-              </a:rPr>
-              <a:t>users-manager:</a:t>
-            </a:r>
-          </a:p>
-          <a:p>
-            <a:r>
-              <a:rPr lang="it-IT" sz="1400">
-                <a:solidFill>
-                  <a:schemeClr val="accent2">
-                    <a:lumMod val="75000"/>
-                  </a:schemeClr>
-                </a:solidFill>
-                <a:latin typeface="Bahnschrift Light Condensed" panose="020B0502040204020203" pitchFamily="34" charset="0"/>
-              </a:rPr>
-              <a:t>- SubscriptionsService_seconds_max{instance="usersmanager:8080", job="prometheus", method="</a:t>
-            </a:r>
-            <a:r>
-              <a:rPr lang="it-IT" sz="1400" b="1">
-                <a:solidFill>
-                  <a:schemeClr val="accent2">
-                    <a:lumMod val="75000"/>
-                  </a:schemeClr>
-                </a:solidFill>
-                <a:latin typeface="Bahnschrift Light Condensed" panose="020B0502040204020203" pitchFamily="34" charset="0"/>
-              </a:rPr>
-              <a:t>processSubscriptions</a:t>
-            </a:r>
-            <a:r>
-              <a:rPr lang="it-IT" sz="1400">
-                <a:solidFill>
-                  <a:schemeClr val="accent2">
-                    <a:lumMod val="75000"/>
-                  </a:schemeClr>
-                </a:solidFill>
-                <a:latin typeface="Bahnschrift Light Condensed" panose="020B0502040204020203" pitchFamily="34" charset="0"/>
-              </a:rPr>
-              <a:t>"}</a:t>
-            </a:r>
-          </a:p>
-          <a:p>
-            <a:r>
-              <a:rPr lang="it-IT" sz="1400">
-                <a:solidFill>
-                  <a:schemeClr val="accent2">
-                    <a:lumMod val="75000"/>
-                  </a:schemeClr>
-                </a:solidFill>
-                <a:latin typeface="Bahnschrift Light Condensed" panose="020B0502040204020203" pitchFamily="34" charset="0"/>
-              </a:rPr>
-              <a:t>- SubscriptionsService_seconds_count{instance="usersmanager:8080", job="prometheus", method="</a:t>
-            </a:r>
-            <a:r>
-              <a:rPr lang="it-IT" sz="1400" b="1">
-                <a:solidFill>
-                  <a:schemeClr val="accent2">
-                    <a:lumMod val="75000"/>
-                  </a:schemeClr>
-                </a:solidFill>
-                <a:latin typeface="Bahnschrift Light Condensed" panose="020B0502040204020203" pitchFamily="34" charset="0"/>
-              </a:rPr>
-              <a:t>exceptionManager</a:t>
-            </a:r>
-            <a:r>
-              <a:rPr lang="it-IT" sz="1400">
-                <a:solidFill>
-                  <a:schemeClr val="accent2">
-                    <a:lumMod val="75000"/>
-                  </a:schemeClr>
-                </a:solidFill>
-                <a:latin typeface="Bahnschrift Light Condensed" panose="020B0502040204020203" pitchFamily="34" charset="0"/>
-              </a:rPr>
-              <a:t>"}</a:t>
-            </a:r>
-          </a:p>
-          <a:p>
-            <a:endParaRPr lang="it-IT" sz="1400">
-              <a:solidFill>
-                <a:schemeClr val="accent2">
-                  <a:lumMod val="75000"/>
-                </a:schemeClr>
-              </a:solidFill>
-              <a:latin typeface="Bahnschrift Light Condensed" panose="020B0502040204020203" pitchFamily="34" charset="0"/>
-            </a:endParaRPr>
-          </a:p>
-          <a:p>
-            <a:endParaRPr lang="it-IT" sz="1400">
-              <a:solidFill>
-                <a:schemeClr val="accent2">
-                  <a:lumMod val="75000"/>
-                </a:schemeClr>
-              </a:solidFill>
-              <a:latin typeface="Bahnschrift Light Condensed" panose="020B0502040204020203" pitchFamily="34" charset="0"/>
-            </a:endParaRPr>
-          </a:p>
-          <a:p>
-            <a:endParaRPr lang="it-IT" sz="1400">
-              <a:solidFill>
-                <a:schemeClr val="accent2">
-                  <a:lumMod val="75000"/>
-                </a:schemeClr>
-              </a:solidFill>
-              <a:latin typeface="Bahnschrift Light Condensed" panose="020B0502040204020203" pitchFamily="34" charset="0"/>
-            </a:endParaRPr>
-          </a:p>
-          <a:p>
-            <a:r>
-              <a:rPr lang="it-IT" sz="1400" b="1">
-                <a:solidFill>
-                  <a:schemeClr val="accent2">
-                    <a:lumMod val="75000"/>
-                  </a:schemeClr>
-                </a:solidFill>
-                <a:latin typeface="Bahnschrift Light Condensed" panose="020B0502040204020203" pitchFamily="34" charset="0"/>
-              </a:rPr>
-              <a:t>kafka:</a:t>
-            </a:r>
-          </a:p>
-          <a:p>
-            <a:r>
-              <a:rPr lang="it-IT" sz="1200">
-                <a:solidFill>
-                  <a:schemeClr val="accent2">
-                    <a:lumMod val="75000"/>
-                  </a:schemeClr>
-                </a:solidFill>
-                <a:latin typeface="Bahnschrift Light Condensed" panose="020B0502040204020203" pitchFamily="34" charset="0"/>
-              </a:rPr>
-              <a:t>- avg by (instance,mode) (irate(</a:t>
-            </a:r>
-            <a:r>
-              <a:rPr lang="it-IT" sz="1200" b="1">
-                <a:solidFill>
-                  <a:schemeClr val="accent2">
-                    <a:lumMod val="75000"/>
-                  </a:schemeClr>
-                </a:solidFill>
-                <a:latin typeface="Bahnschrift Light Condensed" panose="020B0502040204020203" pitchFamily="34" charset="0"/>
-              </a:rPr>
-              <a:t>process_cpu_seconds_total</a:t>
-            </a:r>
-            <a:r>
-              <a:rPr lang="it-IT" sz="1200">
-                <a:solidFill>
-                  <a:schemeClr val="accent2">
-                    <a:lumMod val="75000"/>
-                  </a:schemeClr>
-                </a:solidFill>
-                <a:latin typeface="Bahnschrift Light Condensed" panose="020B0502040204020203" pitchFamily="34" charset="0"/>
-              </a:rPr>
-              <a:t>{mode!='idle', job="kafka"}[1m]))</a:t>
-            </a:r>
-          </a:p>
-        </p:txBody>
-      </p:sp>
     </p:spTree>
     <p:extLst>
       <p:ext uri="{BB962C8B-B14F-4D97-AF65-F5344CB8AC3E}">
-        <p14:creationId xmlns:p14="http://schemas.microsoft.com/office/powerpoint/2010/main" val="3480296093"/>
+        <p14:creationId xmlns:p14="http://schemas.microsoft.com/office/powerpoint/2010/main" val="3968606649"/>
       </p:ext>
     </p:extLst>
   </p:cSld>
   <p:clrMapOvr>
     <a:masterClrMapping/>
   </p:clrMapOvr>
-  <mc:AlternateContent xmlns:mc="http://schemas.openxmlformats.org/markup-compatibility/2006">
-    <mc:Choice xmlns:p14="http://schemas.microsoft.com/office/powerpoint/2010/main" Requires="p14">
-      <p:transition spd="med" p14:dur="700">
-        <p:fade/>
-      </p:transition>
-    </mc:Choice>
-    <mc:Fallback>
-      <p:transition spd="med">
-        <p:fade/>
-      </p:transition>
-    </mc:Fallback>
-  </mc:AlternateContent>
-  <p:timing>
-    <p:tnLst>
-      <p:par>
-        <p:cTn id="1" dur="indefinite" restart="never" nodeType="tmRoot">
-          <p:childTnLst>
-            <p:seq concurrent="1" nextAc="seek">
-              <p:cTn id="2" dur="indefinite" nodeType="mainSeq">
-                <p:childTnLst>
-                  <p:par>
-                    <p:cTn id="3" fill="hold">
-                      <p:stCondLst>
-                        <p:cond delay="indefinite"/>
-                      </p:stCondLst>
-                      <p:childTnLst>
-                        <p:par>
-                          <p:cTn id="4" fill="hold">
-                            <p:stCondLst>
-                              <p:cond delay="0"/>
-                            </p:stCondLst>
-                            <p:childTnLst>
-                              <p:par>
-                                <p:cTn id="5" presetID="2" presetClass="entr" presetSubtype="4" fill="hold" grpId="0" nodeType="clickEffect">
-                                  <p:stCondLst>
-                                    <p:cond delay="0"/>
-                                  </p:stCondLst>
-                                  <p:childTnLst>
-                                    <p:set>
-                                      <p:cBhvr>
-                                        <p:cTn id="6" dur="1" fill="hold">
-                                          <p:stCondLst>
-                                            <p:cond delay="0"/>
-                                          </p:stCondLst>
-                                        </p:cTn>
-                                        <p:tgtEl>
-                                          <p:spTgt spid="58"/>
-                                        </p:tgtEl>
-                                        <p:attrNameLst>
-                                          <p:attrName>style.visibility</p:attrName>
-                                        </p:attrNameLst>
-                                      </p:cBhvr>
-                                      <p:to>
-                                        <p:strVal val="visible"/>
-                                      </p:to>
-                                    </p:set>
-                                    <p:anim calcmode="lin" valueType="num">
-                                      <p:cBhvr additive="base">
-                                        <p:cTn id="7" dur="500" fill="hold"/>
-                                        <p:tgtEl>
-                                          <p:spTgt spid="58"/>
-                                        </p:tgtEl>
-                                        <p:attrNameLst>
-                                          <p:attrName>ppt_x</p:attrName>
-                                        </p:attrNameLst>
-                                      </p:cBhvr>
-                                      <p:tavLst>
-                                        <p:tav tm="0">
-                                          <p:val>
-                                            <p:strVal val="#ppt_x"/>
-                                          </p:val>
-                                        </p:tav>
-                                        <p:tav tm="100000">
-                                          <p:val>
-                                            <p:strVal val="#ppt_x"/>
-                                          </p:val>
-                                        </p:tav>
-                                      </p:tavLst>
-                                    </p:anim>
-                                    <p:anim calcmode="lin" valueType="num">
-                                      <p:cBhvr additive="base">
-                                        <p:cTn id="8" dur="500" fill="hold"/>
-                                        <p:tgtEl>
-                                          <p:spTgt spid="58"/>
-                                        </p:tgtEl>
-                                        <p:attrNameLst>
-                                          <p:attrName>ppt_y</p:attrName>
-                                        </p:attrNameLst>
-                                      </p:cBhvr>
-                                      <p:tavLst>
-                                        <p:tav tm="0">
-                                          <p:val>
-                                            <p:strVal val="1+#ppt_h/2"/>
-                                          </p:val>
-                                        </p:tav>
-                                        <p:tav tm="100000">
-                                          <p:val>
-                                            <p:strVal val="#ppt_y"/>
-                                          </p:val>
-                                        </p:tav>
-                                      </p:tavLst>
-                                    </p:anim>
-                                  </p:childTnLst>
-                                </p:cTn>
-                              </p:par>
-                            </p:childTnLst>
-                          </p:cTn>
-                        </p:par>
-                      </p:childTnLst>
-                    </p:cTn>
-                  </p:par>
-                </p:childTnLst>
-              </p:cTn>
-              <p:prevCondLst>
-                <p:cond evt="onPrev" delay="0">
-                  <p:tgtEl>
-                    <p:sldTgt/>
-                  </p:tgtEl>
-                </p:cond>
-              </p:prevCondLst>
-              <p:nextCondLst>
-                <p:cond evt="onNext" delay="0">
-                  <p:tgtEl>
-                    <p:sldTgt/>
-                  </p:tgtEl>
-                </p:cond>
-              </p:nextCondLst>
-            </p:seq>
-          </p:childTnLst>
-        </p:cTn>
-      </p:par>
-    </p:tnLst>
-    <p:bldLst>
-      <p:bldP spid="58" grpId="0"/>
-    </p:bldLst>
-  </p:timing>
 </p:sld>
 </file>
 
-<file path=ppt/slides/slide3.xml><?xml version="1.0" encoding="utf-8"?>
+<file path=ppt/slides/slide4.xml><?xml version="1.0" encoding="utf-8"?>
 <p:sld xmlns:a="http://schemas.openxmlformats.org/drawingml/2006/main" xmlns:r="http://schemas.openxmlformats.org/officeDocument/2006/relationships" xmlns:p="http://schemas.openxmlformats.org/presentationml/2006/main">
   <p:cSld>
     <p:spTree>
@@ -20632,20 +21190,20 @@
         <p:spPr>
           <a:xfrm>
             <a:off x="1858206" y="811039"/>
-            <a:ext cx="7170537" cy="5189231"/>
+            <a:ext cx="7557977" cy="5189231"/>
           </a:xfrm>
           <a:custGeom>
             <a:avLst/>
             <a:gdLst>
-              <a:gd name="connsiteX0" fmla="*/ 0 w 7170537"/>
+              <a:gd name="connsiteX0" fmla="*/ 0 w 7557977"/>
               <a:gd name="connsiteY0" fmla="*/ 0 h 5189231"/>
-              <a:gd name="connsiteX1" fmla="*/ 7170537 w 7170537"/>
+              <a:gd name="connsiteX1" fmla="*/ 7557977 w 7557977"/>
               <a:gd name="connsiteY1" fmla="*/ 0 h 5189231"/>
-              <a:gd name="connsiteX2" fmla="*/ 7170537 w 7170537"/>
+              <a:gd name="connsiteX2" fmla="*/ 7557977 w 7557977"/>
               <a:gd name="connsiteY2" fmla="*/ 5189231 h 5189231"/>
-              <a:gd name="connsiteX3" fmla="*/ 0 w 7170537"/>
+              <a:gd name="connsiteX3" fmla="*/ 0 w 7557977"/>
               <a:gd name="connsiteY3" fmla="*/ 5189231 h 5189231"/>
-              <a:gd name="connsiteX4" fmla="*/ 0 w 7170537"/>
+              <a:gd name="connsiteX4" fmla="*/ 0 w 7557977"/>
               <a:gd name="connsiteY4" fmla="*/ 0 h 5189231"/>
             </a:gdLst>
             <a:ahLst/>
@@ -20668,23 +21226,23 @@
             </a:cxnLst>
             <a:rect l="l" t="t" r="r" b="b"/>
             <a:pathLst>
-              <a:path w="7170537" h="5189231" extrusionOk="0">
+              <a:path w="7557977" h="5189231" extrusionOk="0">
                 <a:moveTo>
                   <a:pt x="0" y="0"/>
                 </a:moveTo>
                 <a:cubicBezTo>
-                  <a:pt x="2582964" y="-5264"/>
-                  <a:pt x="5601442" y="84467"/>
-                  <a:pt x="7170537" y="0"/>
-                </a:cubicBezTo>
-                <a:cubicBezTo>
-                  <a:pt x="7042364" y="1146612"/>
-                  <a:pt x="7299687" y="4306876"/>
-                  <a:pt x="7170537" y="5189231"/>
-                </a:cubicBezTo>
-                <a:cubicBezTo>
-                  <a:pt x="5984607" y="5295551"/>
-                  <a:pt x="2889593" y="5181582"/>
+                  <a:pt x="3331858" y="-5264"/>
+                  <a:pt x="6533147" y="84467"/>
+                  <a:pt x="7557977" y="0"/>
+                </a:cubicBezTo>
+                <a:cubicBezTo>
+                  <a:pt x="7429804" y="1146612"/>
+                  <a:pt x="7687127" y="4306876"/>
+                  <a:pt x="7557977" y="5189231"/>
+                </a:cubicBezTo>
+                <a:cubicBezTo>
+                  <a:pt x="3930016" y="5295551"/>
+                  <a:pt x="1272094" y="5181582"/>
                   <a:pt x="0" y="5189231"/>
                 </a:cubicBezTo>
                 <a:cubicBezTo>
@@ -20768,8 +21326,8 @@
         </p:nvCxnSpPr>
         <p:spPr>
           <a:xfrm>
-            <a:off x="9023470" y="1991897"/>
-            <a:ext cx="1034931" cy="0"/>
+            <a:off x="9407161" y="1999450"/>
+            <a:ext cx="1171086" cy="0"/>
           </a:xfrm>
           <a:prstGeom prst="line">
             <a:avLst/>
@@ -20813,7 +21371,7 @@
         </p:nvSpPr>
         <p:spPr>
           <a:xfrm>
-            <a:off x="9602677" y="1727177"/>
+            <a:off x="10080197" y="1727177"/>
             <a:ext cx="433132" cy="276999"/>
           </a:xfrm>
           <a:prstGeom prst="rect">
@@ -20853,54 +21411,54 @@
         </p:nvSpPr>
         <p:spPr>
           <a:xfrm>
-            <a:off x="10048673" y="1379157"/>
-            <a:ext cx="1334102" cy="2130358"/>
+            <a:off x="10526193" y="1598955"/>
+            <a:ext cx="892322" cy="1656118"/>
           </a:xfrm>
           <a:custGeom>
             <a:avLst/>
             <a:gdLst>
-              <a:gd name="connsiteX0" fmla="*/ 0 w 1334102"/>
-              <a:gd name="connsiteY0" fmla="*/ 166763 h 2130358"/>
-              <a:gd name="connsiteX1" fmla="*/ 667051 w 1334102"/>
-              <a:gd name="connsiteY1" fmla="*/ 333526 h 2130358"/>
-              <a:gd name="connsiteX2" fmla="*/ 1334102 w 1334102"/>
-              <a:gd name="connsiteY2" fmla="*/ 166763 h 2130358"/>
-              <a:gd name="connsiteX3" fmla="*/ 1334102 w 1334102"/>
-              <a:gd name="connsiteY3" fmla="*/ 1963595 h 2130358"/>
-              <a:gd name="connsiteX4" fmla="*/ 667051 w 1334102"/>
-              <a:gd name="connsiteY4" fmla="*/ 2130358 h 2130358"/>
-              <a:gd name="connsiteX5" fmla="*/ 0 w 1334102"/>
-              <a:gd name="connsiteY5" fmla="*/ 1963595 h 2130358"/>
-              <a:gd name="connsiteX6" fmla="*/ 0 w 1334102"/>
-              <a:gd name="connsiteY6" fmla="*/ 166763 h 2130358"/>
-              <a:gd name="connsiteX0" fmla="*/ 0 w 1334102"/>
-              <a:gd name="connsiteY0" fmla="*/ 166763 h 2130358"/>
-              <a:gd name="connsiteX1" fmla="*/ 667051 w 1334102"/>
-              <a:gd name="connsiteY1" fmla="*/ 0 h 2130358"/>
-              <a:gd name="connsiteX2" fmla="*/ 1334102 w 1334102"/>
-              <a:gd name="connsiteY2" fmla="*/ 166763 h 2130358"/>
-              <a:gd name="connsiteX3" fmla="*/ 667051 w 1334102"/>
-              <a:gd name="connsiteY3" fmla="*/ 333526 h 2130358"/>
-              <a:gd name="connsiteX4" fmla="*/ 0 w 1334102"/>
-              <a:gd name="connsiteY4" fmla="*/ 166763 h 2130358"/>
-              <a:gd name="connsiteX0" fmla="*/ 1334102 w 1334102"/>
-              <a:gd name="connsiteY0" fmla="*/ 166763 h 2130358"/>
-              <a:gd name="connsiteX1" fmla="*/ 667051 w 1334102"/>
-              <a:gd name="connsiteY1" fmla="*/ 333526 h 2130358"/>
-              <a:gd name="connsiteX2" fmla="*/ 0 w 1334102"/>
-              <a:gd name="connsiteY2" fmla="*/ 166763 h 2130358"/>
-              <a:gd name="connsiteX3" fmla="*/ 667051 w 1334102"/>
-              <a:gd name="connsiteY3" fmla="*/ 0 h 2130358"/>
-              <a:gd name="connsiteX4" fmla="*/ 1334102 w 1334102"/>
-              <a:gd name="connsiteY4" fmla="*/ 166763 h 2130358"/>
-              <a:gd name="connsiteX5" fmla="*/ 1334102 w 1334102"/>
-              <a:gd name="connsiteY5" fmla="*/ 1963595 h 2130358"/>
-              <a:gd name="connsiteX6" fmla="*/ 667051 w 1334102"/>
-              <a:gd name="connsiteY6" fmla="*/ 2130358 h 2130358"/>
-              <a:gd name="connsiteX7" fmla="*/ 0 w 1334102"/>
-              <a:gd name="connsiteY7" fmla="*/ 1963595 h 2130358"/>
-              <a:gd name="connsiteX8" fmla="*/ 0 w 1334102"/>
-              <a:gd name="connsiteY8" fmla="*/ 166763 h 2130358"/>
+              <a:gd name="connsiteX0" fmla="*/ 0 w 892322"/>
+              <a:gd name="connsiteY0" fmla="*/ 111540 h 1656118"/>
+              <a:gd name="connsiteX1" fmla="*/ 446161 w 892322"/>
+              <a:gd name="connsiteY1" fmla="*/ 223080 h 1656118"/>
+              <a:gd name="connsiteX2" fmla="*/ 892322 w 892322"/>
+              <a:gd name="connsiteY2" fmla="*/ 111540 h 1656118"/>
+              <a:gd name="connsiteX3" fmla="*/ 892322 w 892322"/>
+              <a:gd name="connsiteY3" fmla="*/ 1544578 h 1656118"/>
+              <a:gd name="connsiteX4" fmla="*/ 446161 w 892322"/>
+              <a:gd name="connsiteY4" fmla="*/ 1656118 h 1656118"/>
+              <a:gd name="connsiteX5" fmla="*/ 0 w 892322"/>
+              <a:gd name="connsiteY5" fmla="*/ 1544578 h 1656118"/>
+              <a:gd name="connsiteX6" fmla="*/ 0 w 892322"/>
+              <a:gd name="connsiteY6" fmla="*/ 111540 h 1656118"/>
+              <a:gd name="connsiteX0" fmla="*/ 0 w 892322"/>
+              <a:gd name="connsiteY0" fmla="*/ 111540 h 1656118"/>
+              <a:gd name="connsiteX1" fmla="*/ 446161 w 892322"/>
+              <a:gd name="connsiteY1" fmla="*/ 0 h 1656118"/>
+              <a:gd name="connsiteX2" fmla="*/ 892322 w 892322"/>
+              <a:gd name="connsiteY2" fmla="*/ 111540 h 1656118"/>
+              <a:gd name="connsiteX3" fmla="*/ 446161 w 892322"/>
+              <a:gd name="connsiteY3" fmla="*/ 223080 h 1656118"/>
+              <a:gd name="connsiteX4" fmla="*/ 0 w 892322"/>
+              <a:gd name="connsiteY4" fmla="*/ 111540 h 1656118"/>
+              <a:gd name="connsiteX0" fmla="*/ 892322 w 892322"/>
+              <a:gd name="connsiteY0" fmla="*/ 111540 h 1656118"/>
+              <a:gd name="connsiteX1" fmla="*/ 446161 w 892322"/>
+              <a:gd name="connsiteY1" fmla="*/ 223080 h 1656118"/>
+              <a:gd name="connsiteX2" fmla="*/ 0 w 892322"/>
+              <a:gd name="connsiteY2" fmla="*/ 111540 h 1656118"/>
+              <a:gd name="connsiteX3" fmla="*/ 446161 w 892322"/>
+              <a:gd name="connsiteY3" fmla="*/ 0 h 1656118"/>
+              <a:gd name="connsiteX4" fmla="*/ 892322 w 892322"/>
+              <a:gd name="connsiteY4" fmla="*/ 111540 h 1656118"/>
+              <a:gd name="connsiteX5" fmla="*/ 892322 w 892322"/>
+              <a:gd name="connsiteY5" fmla="*/ 1544578 h 1656118"/>
+              <a:gd name="connsiteX6" fmla="*/ 446161 w 892322"/>
+              <a:gd name="connsiteY6" fmla="*/ 1656118 h 1656118"/>
+              <a:gd name="connsiteX7" fmla="*/ 0 w 892322"/>
+              <a:gd name="connsiteY7" fmla="*/ 1544578 h 1656118"/>
+              <a:gd name="connsiteX8" fmla="*/ 0 w 892322"/>
+              <a:gd name="connsiteY8" fmla="*/ 111540 h 1656118"/>
             </a:gdLst>
             <a:ahLst/>
             <a:cxnLst>
@@ -20934,116 +21492,165 @@
             </a:cxnLst>
             <a:rect l="l" t="t" r="r" b="b"/>
             <a:pathLst>
-              <a:path w="1334102" h="2130358" stroke="0" extrusionOk="0">
+              <a:path w="892322" h="1656118" stroke="0" extrusionOk="0">
                 <a:moveTo>
-                  <a:pt x="0" y="166763"/>
+                  <a:pt x="0" y="111540"/>
                 </a:moveTo>
                 <a:cubicBezTo>
-                  <a:pt x="10357" y="247381"/>
-                  <a:pt x="244836" y="336335"/>
-                  <a:pt x="667051" y="333526"/>
-                </a:cubicBezTo>
-                <a:cubicBezTo>
-                  <a:pt x="1041697" y="332742"/>
-                  <a:pt x="1321946" y="261303"/>
-                  <a:pt x="1334102" y="166763"/>
-                </a:cubicBezTo>
-                <a:cubicBezTo>
-                  <a:pt x="1413304" y="616163"/>
-                  <a:pt x="1488930" y="1461535"/>
-                  <a:pt x="1334102" y="1963595"/>
-                </a:cubicBezTo>
-                <a:cubicBezTo>
-                  <a:pt x="1360208" y="2101545"/>
-                  <a:pt x="1010517" y="2086291"/>
-                  <a:pt x="667051" y="2130358"/>
-                </a:cubicBezTo>
-                <a:cubicBezTo>
-                  <a:pt x="295099" y="2146709"/>
-                  <a:pt x="-1117" y="2056164"/>
-                  <a:pt x="0" y="1963595"/>
-                </a:cubicBezTo>
-                <a:cubicBezTo>
-                  <a:pt x="131615" y="1769773"/>
-                  <a:pt x="126546" y="817402"/>
-                  <a:pt x="0" y="166763"/>
+                  <a:pt x="7088" y="165283"/>
+                  <a:pt x="161686" y="225067"/>
+                  <a:pt x="446161" y="223080"/>
+                </a:cubicBezTo>
+                <a:cubicBezTo>
+                  <a:pt x="698966" y="222277"/>
+                  <a:pt x="889981" y="173612"/>
+                  <a:pt x="892322" y="111540"/>
+                </a:cubicBezTo>
+                <a:cubicBezTo>
+                  <a:pt x="982670" y="740912"/>
+                  <a:pt x="899275" y="1323338"/>
+                  <a:pt x="892322" y="1544578"/>
+                </a:cubicBezTo>
+                <a:cubicBezTo>
+                  <a:pt x="894074" y="1609258"/>
+                  <a:pt x="681859" y="1637192"/>
+                  <a:pt x="446161" y="1656118"/>
+                </a:cubicBezTo>
+                <a:cubicBezTo>
+                  <a:pt x="198951" y="1659813"/>
+                  <a:pt x="-6940" y="1609089"/>
+                  <a:pt x="0" y="1544578"/>
+                </a:cubicBezTo>
+                <a:cubicBezTo>
+                  <a:pt x="-51940" y="893998"/>
+                  <a:pt x="126657" y="361269"/>
+                  <a:pt x="0" y="111540"/>
                 </a:cubicBezTo>
                 <a:close/>
               </a:path>
-              <a:path w="1334102" h="2130358" fill="lighten" stroke="0" extrusionOk="0">
+              <a:path w="892322" h="1656118" fill="lighten" stroke="0" extrusionOk="0">
                 <a:moveTo>
-                  <a:pt x="0" y="166763"/>
+                  <a:pt x="0" y="111540"/>
                 </a:moveTo>
                 <a:cubicBezTo>
-                  <a:pt x="13122" y="129727"/>
-                  <a:pt x="279188" y="-6864"/>
-                  <a:pt x="667051" y="0"/>
-                </a:cubicBezTo>
-                <a:cubicBezTo>
-                  <a:pt x="1031626" y="-11190"/>
-                  <a:pt x="1344356" y="61256"/>
-                  <a:pt x="1334102" y="166763"/>
-                </a:cubicBezTo>
-                <a:cubicBezTo>
-                  <a:pt x="1349232" y="244424"/>
-                  <a:pt x="1033416" y="339780"/>
-                  <a:pt x="667051" y="333526"/>
-                </a:cubicBezTo>
-                <a:cubicBezTo>
-                  <a:pt x="298420" y="337235"/>
-                  <a:pt x="1510" y="274125"/>
-                  <a:pt x="0" y="166763"/>
+                  <a:pt x="5772" y="74159"/>
+                  <a:pt x="179886" y="-7007"/>
+                  <a:pt x="446161" y="0"/>
+                </a:cubicBezTo>
+                <a:cubicBezTo>
+                  <a:pt x="689925" y="-7732"/>
+                  <a:pt x="899586" y="40440"/>
+                  <a:pt x="892322" y="111540"/>
+                </a:cubicBezTo>
+                <a:cubicBezTo>
+                  <a:pt x="896517" y="169139"/>
+                  <a:pt x="687523" y="238574"/>
+                  <a:pt x="446161" y="223080"/>
+                </a:cubicBezTo>
+                <a:cubicBezTo>
+                  <a:pt x="199022" y="234903"/>
+                  <a:pt x="1181" y="185081"/>
+                  <a:pt x="0" y="111540"/>
                 </a:cubicBezTo>
                 <a:close/>
               </a:path>
-              <a:path w="1334102" h="2130358" fill="none" extrusionOk="0">
+              <a:path w="892322" h="1656118" fill="none" extrusionOk="0">
                 <a:moveTo>
-                  <a:pt x="1334102" y="166763"/>
+                  <a:pt x="892322" y="111540"/>
                 </a:moveTo>
                 <a:cubicBezTo>
-                  <a:pt x="1343778" y="242186"/>
-                  <a:pt x="1021436" y="301548"/>
-                  <a:pt x="667051" y="333526"/>
-                </a:cubicBezTo>
-                <a:cubicBezTo>
-                  <a:pt x="300785" y="327235"/>
-                  <a:pt x="5835" y="244748"/>
-                  <a:pt x="0" y="166763"/>
-                </a:cubicBezTo>
-                <a:cubicBezTo>
-                  <a:pt x="35469" y="101151"/>
-                  <a:pt x="335153" y="-11512"/>
-                  <a:pt x="667051" y="0"/>
-                </a:cubicBezTo>
-                <a:cubicBezTo>
-                  <a:pt x="1040793" y="4304"/>
-                  <a:pt x="1338594" y="92099"/>
-                  <a:pt x="1334102" y="166763"/>
-                </a:cubicBezTo>
-                <a:cubicBezTo>
-                  <a:pt x="1361373" y="1052808"/>
-                  <a:pt x="1379510" y="1216840"/>
-                  <a:pt x="1334102" y="1963595"/>
-                </a:cubicBezTo>
-                <a:cubicBezTo>
-                  <a:pt x="1360042" y="2090788"/>
-                  <a:pt x="1002799" y="2141183"/>
-                  <a:pt x="667051" y="2130358"/>
-                </a:cubicBezTo>
-                <a:cubicBezTo>
-                  <a:pt x="297913" y="2131376"/>
-                  <a:pt x="14138" y="2045479"/>
-                  <a:pt x="0" y="1963595"/>
-                </a:cubicBezTo>
-                <a:cubicBezTo>
-                  <a:pt x="-92158" y="1734069"/>
-                  <a:pt x="72582" y="558999"/>
-                  <a:pt x="0" y="166763"/>
+                  <a:pt x="878596" y="174864"/>
+                  <a:pt x="710187" y="204008"/>
+                  <a:pt x="446161" y="223080"/>
+                </a:cubicBezTo>
+                <a:cubicBezTo>
+                  <a:pt x="201072" y="225045"/>
+                  <a:pt x="-4908" y="182013"/>
+                  <a:pt x="0" y="111540"/>
+                </a:cubicBezTo>
+                <a:cubicBezTo>
+                  <a:pt x="9891" y="37300"/>
+                  <a:pt x="217420" y="-25030"/>
+                  <a:pt x="446161" y="0"/>
+                </a:cubicBezTo>
+                <a:cubicBezTo>
+                  <a:pt x="700193" y="1219"/>
+                  <a:pt x="895621" y="39239"/>
+                  <a:pt x="892322" y="111540"/>
+                </a:cubicBezTo>
+                <a:cubicBezTo>
+                  <a:pt x="1011206" y="418311"/>
+                  <a:pt x="841094" y="1036040"/>
+                  <a:pt x="892322" y="1544578"/>
+                </a:cubicBezTo>
+                <a:cubicBezTo>
+                  <a:pt x="886608" y="1605217"/>
+                  <a:pt x="698455" y="1650577"/>
+                  <a:pt x="446161" y="1656118"/>
+                </a:cubicBezTo>
+                <a:cubicBezTo>
+                  <a:pt x="198608" y="1658917"/>
+                  <a:pt x="-7545" y="1603093"/>
+                  <a:pt x="0" y="1544578"/>
+                </a:cubicBezTo>
+                <a:cubicBezTo>
+                  <a:pt x="-88415" y="965817"/>
+                  <a:pt x="-35793" y="817290"/>
+                  <a:pt x="0" y="111540"/>
+                </a:cubicBezTo>
+              </a:path>
+              <a:path w="892322" h="1656118" fill="none" stroke="0" extrusionOk="0">
+                <a:moveTo>
+                  <a:pt x="892322" y="111540"/>
+                </a:moveTo>
+                <a:cubicBezTo>
+                  <a:pt x="904755" y="151711"/>
+                  <a:pt x="683205" y="201718"/>
+                  <a:pt x="446161" y="223080"/>
+                </a:cubicBezTo>
+                <a:cubicBezTo>
+                  <a:pt x="200422" y="221111"/>
+                  <a:pt x="2775" y="166429"/>
+                  <a:pt x="0" y="111540"/>
+                </a:cubicBezTo>
+                <a:cubicBezTo>
+                  <a:pt x="16794" y="62480"/>
+                  <a:pt x="233414" y="-10616"/>
+                  <a:pt x="446161" y="0"/>
+                </a:cubicBezTo>
+                <a:cubicBezTo>
+                  <a:pt x="695472" y="2340"/>
+                  <a:pt x="894266" y="57485"/>
+                  <a:pt x="892322" y="111540"/>
+                </a:cubicBezTo>
+                <a:cubicBezTo>
+                  <a:pt x="764444" y="595096"/>
+                  <a:pt x="841231" y="986640"/>
+                  <a:pt x="892322" y="1544578"/>
+                </a:cubicBezTo>
+                <a:cubicBezTo>
+                  <a:pt x="911615" y="1632280"/>
+                  <a:pt x="675986" y="1661615"/>
+                  <a:pt x="446161" y="1656118"/>
+                </a:cubicBezTo>
+                <a:cubicBezTo>
+                  <a:pt x="195924" y="1661410"/>
+                  <a:pt x="7753" y="1600577"/>
+                  <a:pt x="0" y="1544578"/>
+                </a:cubicBezTo>
+                <a:cubicBezTo>
+                  <a:pt x="8279" y="1082380"/>
+                  <a:pt x="89701" y="489007"/>
+                  <a:pt x="0" y="111540"/>
                 </a:cubicBezTo>
               </a:path>
             </a:pathLst>
           </a:custGeom>
-          <a:noFill/>
+          <a:solidFill>
+            <a:schemeClr val="bg1">
+              <a:lumMod val="95000"/>
+            </a:schemeClr>
+          </a:solidFill>
           <a:ln>
             <a:extLst>
               <a:ext uri="{C807C97D-BFC1-408E-A445-0C87EB9F89A2}">
@@ -21108,8 +21715,8 @@
         </p:blipFill>
         <p:spPr>
           <a:xfrm>
-            <a:off x="9592813" y="2829176"/>
-            <a:ext cx="2144472" cy="795241"/>
+            <a:off x="10182940" y="2769591"/>
+            <a:ext cx="1541251" cy="571547"/>
           </a:xfrm>
           <a:prstGeom prst="rect">
             <a:avLst/>
@@ -21130,7 +21737,7 @@
         </p:nvSpPr>
         <p:spPr>
           <a:xfrm>
-            <a:off x="10058401" y="1853397"/>
+            <a:off x="10578247" y="1860950"/>
             <a:ext cx="518091" cy="276999"/>
           </a:xfrm>
           <a:prstGeom prst="rect">
@@ -21313,11 +21920,11 @@
         <p:spPr>
           <a:xfrm>
             <a:off x="4008329" y="1535106"/>
-            <a:ext cx="4986414" cy="455424"/>
+            <a:ext cx="5398832" cy="464344"/>
           </a:xfrm>
           <a:prstGeom prst="bentConnector3">
             <a:avLst>
-              <a:gd name="adj1" fmla="val 89732"/>
+              <a:gd name="adj1" fmla="val 84627"/>
             </a:avLst>
           </a:prstGeom>
           <a:ln>
@@ -21403,8 +22010,8 @@
         </p:nvCxnSpPr>
         <p:spPr>
           <a:xfrm flipH="1">
-            <a:off x="9007815" y="2154117"/>
-            <a:ext cx="1050586" cy="0"/>
+            <a:off x="9416183" y="2154117"/>
+            <a:ext cx="1107889" cy="0"/>
           </a:xfrm>
           <a:prstGeom prst="line">
             <a:avLst/>
@@ -21448,7 +22055,7 @@
         </p:nvSpPr>
         <p:spPr>
           <a:xfrm>
-            <a:off x="9599992" y="2118984"/>
+            <a:off x="10077512" y="2118984"/>
             <a:ext cx="511679" cy="215444"/>
           </a:xfrm>
           <a:prstGeom prst="rect">
@@ -21684,12 +22291,12 @@
         </p:nvCxnSpPr>
         <p:spPr>
           <a:xfrm rot="10800000">
-            <a:off x="4168190" y="1726246"/>
-            <a:ext cx="4816825" cy="412991"/>
+            <a:off x="4168192" y="1726247"/>
+            <a:ext cx="5179009" cy="411702"/>
           </a:xfrm>
           <a:prstGeom prst="bentConnector3">
             <a:avLst>
-              <a:gd name="adj1" fmla="val 12471"/>
+              <a:gd name="adj1" fmla="val 18121"/>
             </a:avLst>
           </a:prstGeom>
           <a:ln>
@@ -23084,7 +23691,7 @@
         <p:spPr>
           <a:xfrm>
             <a:off x="3777828" y="2417598"/>
-            <a:ext cx="603050" cy="461665"/>
+            <a:ext cx="732893" cy="461665"/>
           </a:xfrm>
           <a:prstGeom prst="rect">
             <a:avLst/>
@@ -23109,7 +23716,7 @@
               <a:rPr lang="it-IT" sz="800">
                 <a:latin typeface="Bahnschrift Light Condensed" panose="020B0502040204020203" pitchFamily="34" charset="0"/>
               </a:rPr>
-              <a:t>/getall</a:t>
+              <a:t>/all</a:t>
             </a:r>
           </a:p>
           <a:p>
@@ -23117,7 +23724,7 @@
               <a:rPr lang="it-IT" sz="800">
                 <a:latin typeface="Bahnschrift Light Condensed" panose="020B0502040204020203" pitchFamily="34" charset="0"/>
               </a:rPr>
-              <a:t>/{username}</a:t>
+              <a:t>/get {username}</a:t>
             </a:r>
             <a:endParaRPr lang="it-IT" sz="1050">
               <a:latin typeface="Bahnschrift Light Condensed" panose="020B0502040204020203" pitchFamily="34" charset="0"/>
@@ -23180,7 +23787,7 @@
         <p:spPr>
           <a:xfrm>
             <a:off x="3829216" y="2821930"/>
-            <a:ext cx="627095" cy="461665"/>
+            <a:ext cx="768159" cy="461665"/>
           </a:xfrm>
           <a:prstGeom prst="rect">
             <a:avLst/>
@@ -23205,7 +23812,7 @@
               <a:rPr lang="it-IT" sz="800">
                 <a:latin typeface="Bahnschrift Light Condensed" panose="020B0502040204020203" pitchFamily="34" charset="0"/>
               </a:rPr>
-              <a:t>/getall</a:t>
+              <a:t>/all</a:t>
             </a:r>
           </a:p>
           <a:p>
@@ -23213,7 +23820,7 @@
               <a:rPr lang="it-IT" sz="800">
                 <a:latin typeface="Bahnschrift Light Condensed" panose="020B0502040204020203" pitchFamily="34" charset="0"/>
               </a:rPr>
-              <a:t>/unsubscribe</a:t>
+              <a:t>/unsubscribe {id}</a:t>
             </a:r>
             <a:endParaRPr lang="it-IT" sz="1050">
               <a:latin typeface="Bahnschrift Light Condensed" panose="020B0502040204020203" pitchFamily="34" charset="0"/>
@@ -23322,54 +23929,54 @@
         </p:nvSpPr>
         <p:spPr>
           <a:xfrm>
-            <a:off x="6056865" y="2212735"/>
-            <a:ext cx="758741" cy="928307"/>
+            <a:off x="5142449" y="2574698"/>
+            <a:ext cx="577380" cy="711544"/>
           </a:xfrm>
           <a:custGeom>
             <a:avLst/>
             <a:gdLst>
-              <a:gd name="connsiteX0" fmla="*/ 0 w 758741"/>
-              <a:gd name="connsiteY0" fmla="*/ 94843 h 928307"/>
-              <a:gd name="connsiteX1" fmla="*/ 379371 w 758741"/>
-              <a:gd name="connsiteY1" fmla="*/ 189686 h 928307"/>
-              <a:gd name="connsiteX2" fmla="*/ 758742 w 758741"/>
-              <a:gd name="connsiteY2" fmla="*/ 94843 h 928307"/>
-              <a:gd name="connsiteX3" fmla="*/ 758741 w 758741"/>
-              <a:gd name="connsiteY3" fmla="*/ 833464 h 928307"/>
-              <a:gd name="connsiteX4" fmla="*/ 379370 w 758741"/>
-              <a:gd name="connsiteY4" fmla="*/ 928307 h 928307"/>
-              <a:gd name="connsiteX5" fmla="*/ -1 w 758741"/>
-              <a:gd name="connsiteY5" fmla="*/ 833464 h 928307"/>
-              <a:gd name="connsiteX6" fmla="*/ 0 w 758741"/>
-              <a:gd name="connsiteY6" fmla="*/ 94843 h 928307"/>
-              <a:gd name="connsiteX0" fmla="*/ 0 w 758741"/>
-              <a:gd name="connsiteY0" fmla="*/ 94843 h 928307"/>
-              <a:gd name="connsiteX1" fmla="*/ 379371 w 758741"/>
-              <a:gd name="connsiteY1" fmla="*/ 0 h 928307"/>
-              <a:gd name="connsiteX2" fmla="*/ 758742 w 758741"/>
-              <a:gd name="connsiteY2" fmla="*/ 94843 h 928307"/>
-              <a:gd name="connsiteX3" fmla="*/ 379371 w 758741"/>
-              <a:gd name="connsiteY3" fmla="*/ 189686 h 928307"/>
-              <a:gd name="connsiteX4" fmla="*/ 0 w 758741"/>
-              <a:gd name="connsiteY4" fmla="*/ 94843 h 928307"/>
-              <a:gd name="connsiteX0" fmla="*/ 758741 w 758741"/>
-              <a:gd name="connsiteY0" fmla="*/ 94843 h 928307"/>
-              <a:gd name="connsiteX1" fmla="*/ 379370 w 758741"/>
-              <a:gd name="connsiteY1" fmla="*/ 189686 h 928307"/>
-              <a:gd name="connsiteX2" fmla="*/ -1 w 758741"/>
-              <a:gd name="connsiteY2" fmla="*/ 94843 h 928307"/>
-              <a:gd name="connsiteX3" fmla="*/ 379370 w 758741"/>
-              <a:gd name="connsiteY3" fmla="*/ 0 h 928307"/>
-              <a:gd name="connsiteX4" fmla="*/ 758741 w 758741"/>
-              <a:gd name="connsiteY4" fmla="*/ 94843 h 928307"/>
-              <a:gd name="connsiteX5" fmla="*/ 758741 w 758741"/>
-              <a:gd name="connsiteY5" fmla="*/ 833464 h 928307"/>
-              <a:gd name="connsiteX6" fmla="*/ 379370 w 758741"/>
-              <a:gd name="connsiteY6" fmla="*/ 928307 h 928307"/>
-              <a:gd name="connsiteX7" fmla="*/ -1 w 758741"/>
-              <a:gd name="connsiteY7" fmla="*/ 833464 h 928307"/>
-              <a:gd name="connsiteX8" fmla="*/ 0 w 758741"/>
-              <a:gd name="connsiteY8" fmla="*/ 94843 h 928307"/>
+              <a:gd name="connsiteX0" fmla="*/ 0 w 577380"/>
+              <a:gd name="connsiteY0" fmla="*/ 72173 h 711544"/>
+              <a:gd name="connsiteX1" fmla="*/ 288690 w 577380"/>
+              <a:gd name="connsiteY1" fmla="*/ 144346 h 711544"/>
+              <a:gd name="connsiteX2" fmla="*/ 577380 w 577380"/>
+              <a:gd name="connsiteY2" fmla="*/ 72173 h 711544"/>
+              <a:gd name="connsiteX3" fmla="*/ 577380 w 577380"/>
+              <a:gd name="connsiteY3" fmla="*/ 639372 h 711544"/>
+              <a:gd name="connsiteX4" fmla="*/ 288690 w 577380"/>
+              <a:gd name="connsiteY4" fmla="*/ 711545 h 711544"/>
+              <a:gd name="connsiteX5" fmla="*/ 0 w 577380"/>
+              <a:gd name="connsiteY5" fmla="*/ 639372 h 711544"/>
+              <a:gd name="connsiteX6" fmla="*/ 0 w 577380"/>
+              <a:gd name="connsiteY6" fmla="*/ 72173 h 711544"/>
+              <a:gd name="connsiteX0" fmla="*/ 0 w 577380"/>
+              <a:gd name="connsiteY0" fmla="*/ 72173 h 711544"/>
+              <a:gd name="connsiteX1" fmla="*/ 288690 w 577380"/>
+              <a:gd name="connsiteY1" fmla="*/ 0 h 711544"/>
+              <a:gd name="connsiteX2" fmla="*/ 577380 w 577380"/>
+              <a:gd name="connsiteY2" fmla="*/ 72173 h 711544"/>
+              <a:gd name="connsiteX3" fmla="*/ 288690 w 577380"/>
+              <a:gd name="connsiteY3" fmla="*/ 144346 h 711544"/>
+              <a:gd name="connsiteX4" fmla="*/ 0 w 577380"/>
+              <a:gd name="connsiteY4" fmla="*/ 72173 h 711544"/>
+              <a:gd name="connsiteX0" fmla="*/ 577380 w 577380"/>
+              <a:gd name="connsiteY0" fmla="*/ 72173 h 711544"/>
+              <a:gd name="connsiteX1" fmla="*/ 288690 w 577380"/>
+              <a:gd name="connsiteY1" fmla="*/ 144346 h 711544"/>
+              <a:gd name="connsiteX2" fmla="*/ 0 w 577380"/>
+              <a:gd name="connsiteY2" fmla="*/ 72173 h 711544"/>
+              <a:gd name="connsiteX3" fmla="*/ 288690 w 577380"/>
+              <a:gd name="connsiteY3" fmla="*/ 0 h 711544"/>
+              <a:gd name="connsiteX4" fmla="*/ 577380 w 577380"/>
+              <a:gd name="connsiteY4" fmla="*/ 72173 h 711544"/>
+              <a:gd name="connsiteX5" fmla="*/ 577380 w 577380"/>
+              <a:gd name="connsiteY5" fmla="*/ 639372 h 711544"/>
+              <a:gd name="connsiteX6" fmla="*/ 288690 w 577380"/>
+              <a:gd name="connsiteY6" fmla="*/ 711545 h 711544"/>
+              <a:gd name="connsiteX7" fmla="*/ 0 w 577380"/>
+              <a:gd name="connsiteY7" fmla="*/ 639372 h 711544"/>
+              <a:gd name="connsiteX8" fmla="*/ 0 w 577380"/>
+              <a:gd name="connsiteY8" fmla="*/ 72173 h 711544"/>
             </a:gdLst>
             <a:ahLst/>
             <a:cxnLst>
@@ -23403,116 +24010,165 @@
             </a:cxnLst>
             <a:rect l="l" t="t" r="r" b="b"/>
             <a:pathLst>
-              <a:path w="758741" h="928307" stroke="0" extrusionOk="0">
+              <a:path w="577380" h="711544" stroke="0" extrusionOk="0">
                 <a:moveTo>
-                  <a:pt x="0" y="94843"/>
+                  <a:pt x="0" y="72173"/>
                 </a:moveTo>
                 <a:cubicBezTo>
-                  <a:pt x="13379" y="132390"/>
-                  <a:pt x="141810" y="191150"/>
-                  <a:pt x="379371" y="189686"/>
-                </a:cubicBezTo>
-                <a:cubicBezTo>
-                  <a:pt x="598755" y="188448"/>
-                  <a:pt x="756645" y="147644"/>
-                  <a:pt x="758742" y="94843"/>
-                </a:cubicBezTo>
-                <a:cubicBezTo>
-                  <a:pt x="746149" y="346638"/>
-                  <a:pt x="785014" y="618298"/>
-                  <a:pt x="758741" y="833464"/>
-                </a:cubicBezTo>
-                <a:cubicBezTo>
-                  <a:pt x="772422" y="909871"/>
-                  <a:pt x="575304" y="904296"/>
-                  <a:pt x="379370" y="928307"/>
-                </a:cubicBezTo>
-                <a:cubicBezTo>
-                  <a:pt x="169424" y="930264"/>
-                  <a:pt x="-2554" y="886914"/>
-                  <a:pt x="-1" y="833464"/>
-                </a:cubicBezTo>
-                <a:cubicBezTo>
-                  <a:pt x="5715" y="601363"/>
-                  <a:pt x="37447" y="327826"/>
-                  <a:pt x="0" y="94843"/>
+                  <a:pt x="14619" y="95825"/>
+                  <a:pt x="127429" y="144441"/>
+                  <a:pt x="288690" y="144346"/>
+                </a:cubicBezTo>
+                <a:cubicBezTo>
+                  <a:pt x="455815" y="143381"/>
+                  <a:pt x="570686" y="113376"/>
+                  <a:pt x="577380" y="72173"/>
+                </a:cubicBezTo>
+                <a:cubicBezTo>
+                  <a:pt x="537600" y="294362"/>
+                  <a:pt x="608506" y="559806"/>
+                  <a:pt x="577380" y="639372"/>
+                </a:cubicBezTo>
+                <a:cubicBezTo>
+                  <a:pt x="583064" y="689214"/>
+                  <a:pt x="446523" y="708707"/>
+                  <a:pt x="288690" y="711545"/>
+                </a:cubicBezTo>
+                <a:cubicBezTo>
+                  <a:pt x="128744" y="713882"/>
+                  <a:pt x="-3365" y="680643"/>
+                  <a:pt x="0" y="639372"/>
+                </a:cubicBezTo>
+                <a:cubicBezTo>
+                  <a:pt x="-35677" y="565792"/>
+                  <a:pt x="-42564" y="306144"/>
+                  <a:pt x="0" y="72173"/>
                 </a:cubicBezTo>
                 <a:close/>
               </a:path>
-              <a:path w="758741" h="928307" fill="lighten" stroke="0" extrusionOk="0">
+              <a:path w="577380" h="711544" fill="lighten" stroke="0" extrusionOk="0">
                 <a:moveTo>
-                  <a:pt x="0" y="94843"/>
+                  <a:pt x="0" y="72173"/>
                 </a:moveTo>
                 <a:cubicBezTo>
-                  <a:pt x="685" y="45338"/>
-                  <a:pt x="153310" y="-5834"/>
-                  <a:pt x="379371" y="0"/>
-                </a:cubicBezTo>
-                <a:cubicBezTo>
-                  <a:pt x="585949" y="-8606"/>
-                  <a:pt x="764229" y="35289"/>
-                  <a:pt x="758742" y="94843"/>
-                </a:cubicBezTo>
-                <a:cubicBezTo>
-                  <a:pt x="773327" y="133303"/>
-                  <a:pt x="582008" y="210823"/>
-                  <a:pt x="379371" y="189686"/>
-                </a:cubicBezTo>
-                <a:cubicBezTo>
-                  <a:pt x="169636" y="193144"/>
-                  <a:pt x="157" y="148810"/>
-                  <a:pt x="0" y="94843"/>
+                  <a:pt x="6123" y="58009"/>
+                  <a:pt x="110039" y="-6776"/>
+                  <a:pt x="288690" y="0"/>
+                </a:cubicBezTo>
+                <a:cubicBezTo>
+                  <a:pt x="447053" y="-3145"/>
+                  <a:pt x="580036" y="28841"/>
+                  <a:pt x="577380" y="72173"/>
+                </a:cubicBezTo>
+                <a:cubicBezTo>
+                  <a:pt x="585056" y="104707"/>
+                  <a:pt x="443811" y="157606"/>
+                  <a:pt x="288690" y="144346"/>
+                </a:cubicBezTo>
+                <a:cubicBezTo>
+                  <a:pt x="128767" y="152186"/>
+                  <a:pt x="534" y="117431"/>
+                  <a:pt x="0" y="72173"/>
                 </a:cubicBezTo>
                 <a:close/>
               </a:path>
-              <a:path w="758741" h="928307" fill="none" extrusionOk="0">
+              <a:path w="577380" h="711544" fill="none" extrusionOk="0">
                 <a:moveTo>
-                  <a:pt x="758741" y="94843"/>
+                  <a:pt x="577380" y="72173"/>
                 </a:moveTo>
                 <a:cubicBezTo>
-                  <a:pt x="766701" y="133501"/>
-                  <a:pt x="578073" y="165007"/>
-                  <a:pt x="379370" y="189686"/>
-                </a:cubicBezTo>
-                <a:cubicBezTo>
-                  <a:pt x="170988" y="186331"/>
-                  <a:pt x="2299" y="141660"/>
-                  <a:pt x="-1" y="94843"/>
-                </a:cubicBezTo>
-                <a:cubicBezTo>
-                  <a:pt x="22054" y="58934"/>
-                  <a:pt x="180798" y="-3453"/>
-                  <a:pt x="379370" y="0"/>
-                </a:cubicBezTo>
-                <a:cubicBezTo>
-                  <a:pt x="594639" y="4633"/>
-                  <a:pt x="759362" y="44875"/>
-                  <a:pt x="758741" y="94843"/>
-                </a:cubicBezTo>
-                <a:cubicBezTo>
-                  <a:pt x="752519" y="447162"/>
-                  <a:pt x="749883" y="465217"/>
-                  <a:pt x="758741" y="833464"/>
-                </a:cubicBezTo>
-                <a:cubicBezTo>
-                  <a:pt x="764406" y="893508"/>
-                  <a:pt x="568873" y="934943"/>
-                  <a:pt x="379370" y="928307"/>
-                </a:cubicBezTo>
-                <a:cubicBezTo>
-                  <a:pt x="166397" y="933079"/>
-                  <a:pt x="6246" y="881329"/>
-                  <a:pt x="-1" y="833464"/>
-                </a:cubicBezTo>
-                <a:cubicBezTo>
-                  <a:pt x="15409" y="543904"/>
-                  <a:pt x="14633" y="372044"/>
-                  <a:pt x="0" y="94843"/>
+                  <a:pt x="575724" y="112241"/>
+                  <a:pt x="462204" y="129109"/>
+                  <a:pt x="288690" y="144346"/>
+                </a:cubicBezTo>
+                <a:cubicBezTo>
+                  <a:pt x="131082" y="147075"/>
+                  <a:pt x="-2647" y="116817"/>
+                  <a:pt x="0" y="72173"/>
+                </a:cubicBezTo>
+                <a:cubicBezTo>
+                  <a:pt x="13105" y="15569"/>
+                  <a:pt x="140805" y="-16369"/>
+                  <a:pt x="288690" y="0"/>
+                </a:cubicBezTo>
+                <a:cubicBezTo>
+                  <a:pt x="454447" y="1010"/>
+                  <a:pt x="579095" y="26752"/>
+                  <a:pt x="577380" y="72173"/>
+                </a:cubicBezTo>
+                <a:cubicBezTo>
+                  <a:pt x="602987" y="227917"/>
+                  <a:pt x="601185" y="485138"/>
+                  <a:pt x="577380" y="639372"/>
+                </a:cubicBezTo>
+                <a:cubicBezTo>
+                  <a:pt x="552992" y="675120"/>
+                  <a:pt x="463604" y="696977"/>
+                  <a:pt x="288690" y="711545"/>
+                </a:cubicBezTo>
+                <a:cubicBezTo>
+                  <a:pt x="128615" y="713101"/>
+                  <a:pt x="-1490" y="678622"/>
+                  <a:pt x="0" y="639372"/>
+                </a:cubicBezTo>
+                <a:cubicBezTo>
+                  <a:pt x="-11476" y="555695"/>
+                  <a:pt x="6517" y="283484"/>
+                  <a:pt x="0" y="72173"/>
+                </a:cubicBezTo>
+              </a:path>
+              <a:path w="577380" h="711544" fill="none" stroke="0" extrusionOk="0">
+                <a:moveTo>
+                  <a:pt x="577380" y="72173"/>
+                </a:moveTo>
+                <a:cubicBezTo>
+                  <a:pt x="588108" y="93541"/>
+                  <a:pt x="441067" y="128236"/>
+                  <a:pt x="288690" y="144346"/>
+                </a:cubicBezTo>
+                <a:cubicBezTo>
+                  <a:pt x="131257" y="138436"/>
+                  <a:pt x="2143" y="106849"/>
+                  <a:pt x="0" y="72173"/>
+                </a:cubicBezTo>
+                <a:cubicBezTo>
+                  <a:pt x="3195" y="34699"/>
+                  <a:pt x="144280" y="-4740"/>
+                  <a:pt x="288690" y="0"/>
+                </a:cubicBezTo>
+                <a:cubicBezTo>
+                  <a:pt x="452720" y="3700"/>
+                  <a:pt x="577580" y="33090"/>
+                  <a:pt x="577380" y="72173"/>
+                </a:cubicBezTo>
+                <a:cubicBezTo>
+                  <a:pt x="531323" y="137628"/>
+                  <a:pt x="538067" y="497835"/>
+                  <a:pt x="577380" y="639372"/>
+                </a:cubicBezTo>
+                <a:cubicBezTo>
+                  <a:pt x="587921" y="693492"/>
+                  <a:pt x="427380" y="718423"/>
+                  <a:pt x="288690" y="711545"/>
+                </a:cubicBezTo>
+                <a:cubicBezTo>
+                  <a:pt x="126627" y="715173"/>
+                  <a:pt x="2369" y="677520"/>
+                  <a:pt x="0" y="639372"/>
+                </a:cubicBezTo>
+                <a:cubicBezTo>
+                  <a:pt x="-20566" y="393065"/>
+                  <a:pt x="40435" y="291797"/>
+                  <a:pt x="0" y="72173"/>
                 </a:cubicBezTo>
               </a:path>
             </a:pathLst>
           </a:custGeom>
-          <a:noFill/>
+          <a:solidFill>
+            <a:schemeClr val="bg1">
+              <a:lumMod val="95000"/>
+            </a:schemeClr>
+          </a:solidFill>
           <a:ln>
             <a:extLst>
               <a:ext uri="{C807C97D-BFC1-408E-A445-0C87EB9F89A2}">
@@ -23584,8 +24240,8 @@
         </p:blipFill>
         <p:spPr bwMode="auto">
           <a:xfrm>
-            <a:off x="6078000" y="2701558"/>
-            <a:ext cx="738549" cy="492366"/>
+            <a:off x="5146941" y="2934913"/>
+            <a:ext cx="583392" cy="388928"/>
           </a:xfrm>
           <a:prstGeom prst="rect">
             <a:avLst/>
@@ -23602,48 +24258,6 @@
           </a:extLst>
         </p:spPr>
       </p:pic>
-      <p:cxnSp>
-        <p:nvCxnSpPr>
-          <p:cNvPr id="99" name="Connettore 2 98">
-            <a:extLst>
-              <a:ext uri="{FF2B5EF4-FFF2-40B4-BE49-F238E27FC236}">
-                <a16:creationId xmlns:a16="http://schemas.microsoft.com/office/drawing/2014/main" id="{B0F5B3F7-F326-89CC-7B61-B611F2930280}"/>
-              </a:ext>
-            </a:extLst>
-          </p:cNvPr>
-          <p:cNvCxnSpPr>
-            <a:cxnSpLocks/>
-          </p:cNvCxnSpPr>
-          <p:nvPr/>
-        </p:nvCxnSpPr>
-        <p:spPr>
-          <a:xfrm>
-            <a:off x="5386545" y="2730920"/>
-            <a:ext cx="640476" cy="0"/>
-          </a:xfrm>
-          <a:prstGeom prst="straightConnector1">
-            <a:avLst/>
-          </a:prstGeom>
-          <a:ln>
-            <a:prstDash val="sysDot"/>
-            <a:tailEnd type="triangle"/>
-          </a:ln>
-        </p:spPr>
-        <p:style>
-          <a:lnRef idx="2">
-            <a:schemeClr val="dk1"/>
-          </a:lnRef>
-          <a:fillRef idx="0">
-            <a:schemeClr val="dk1"/>
-          </a:fillRef>
-          <a:effectRef idx="1">
-            <a:schemeClr val="dk1"/>
-          </a:effectRef>
-          <a:fontRef idx="minor">
-            <a:schemeClr val="tx1"/>
-          </a:fontRef>
-        </p:style>
-      </p:cxnSp>
       <p:sp>
         <p:nvSpPr>
           <p:cNvPr id="102" name="CasellaDiTesto 101">
@@ -23658,8 +24272,8 @@
         </p:nvSpPr>
         <p:spPr>
           <a:xfrm>
-            <a:off x="5993769" y="2459098"/>
-            <a:ext cx="699230" cy="338554"/>
+            <a:off x="5098405" y="2687701"/>
+            <a:ext cx="633507" cy="307777"/>
           </a:xfrm>
           <a:prstGeom prst="rect">
             <a:avLst/>
@@ -23673,7 +24287,7 @@
           <a:lstStyle/>
           <a:p>
             <a:r>
-              <a:rPr lang="it-IT" sz="800">
+              <a:rPr lang="it-IT" sz="700">
                 <a:latin typeface="Bahnschrift Light Condensed" panose="020B0502040204020203" pitchFamily="34" charset="0"/>
               </a:rPr>
               <a:t>- consumers</a:t>
@@ -23681,7 +24295,7 @@
           </a:p>
           <a:p>
             <a:r>
-              <a:rPr lang="it-IT" sz="800">
+              <a:rPr lang="it-IT" sz="700">
                 <a:latin typeface="Bahnschrift Light Condensed" panose="020B0502040204020203" pitchFamily="34" charset="0"/>
               </a:rPr>
               <a:t>- subscriptions</a:t>
@@ -23718,7 +24332,7 @@
         </p:blipFill>
         <p:spPr bwMode="auto">
           <a:xfrm>
-            <a:off x="6787952" y="5049876"/>
+            <a:off x="6489006" y="5038152"/>
             <a:ext cx="909887" cy="351896"/>
           </a:xfrm>
           <a:prstGeom prst="rect">
@@ -23750,38 +24364,34 @@
         </p:nvSpPr>
         <p:spPr>
           <a:xfrm>
-            <a:off x="5429306" y="4446183"/>
-            <a:ext cx="2271384" cy="967348"/>
+            <a:off x="5429306" y="4289848"/>
+            <a:ext cx="2072563" cy="1123683"/>
           </a:xfrm>
           <a:custGeom>
             <a:avLst/>
             <a:gdLst>
-              <a:gd name="connsiteX0" fmla="*/ 0 w 2271384"/>
-              <a:gd name="connsiteY0" fmla="*/ 0 h 967348"/>
-              <a:gd name="connsiteX1" fmla="*/ 545132 w 2271384"/>
-              <a:gd name="connsiteY1" fmla="*/ 0 h 967348"/>
-              <a:gd name="connsiteX2" fmla="*/ 1067550 w 2271384"/>
-              <a:gd name="connsiteY2" fmla="*/ 0 h 967348"/>
-              <a:gd name="connsiteX3" fmla="*/ 1612683 w 2271384"/>
-              <a:gd name="connsiteY3" fmla="*/ 0 h 967348"/>
-              <a:gd name="connsiteX4" fmla="*/ 2271384 w 2271384"/>
-              <a:gd name="connsiteY4" fmla="*/ 0 h 967348"/>
-              <a:gd name="connsiteX5" fmla="*/ 2271384 w 2271384"/>
-              <a:gd name="connsiteY5" fmla="*/ 503021 h 967348"/>
-              <a:gd name="connsiteX6" fmla="*/ 2271384 w 2271384"/>
-              <a:gd name="connsiteY6" fmla="*/ 967348 h 967348"/>
-              <a:gd name="connsiteX7" fmla="*/ 1771680 w 2271384"/>
-              <a:gd name="connsiteY7" fmla="*/ 967348 h 967348"/>
-              <a:gd name="connsiteX8" fmla="*/ 1181120 w 2271384"/>
-              <a:gd name="connsiteY8" fmla="*/ 967348 h 967348"/>
-              <a:gd name="connsiteX9" fmla="*/ 613274 w 2271384"/>
-              <a:gd name="connsiteY9" fmla="*/ 967348 h 967348"/>
-              <a:gd name="connsiteX10" fmla="*/ 0 w 2271384"/>
-              <a:gd name="connsiteY10" fmla="*/ 967348 h 967348"/>
-              <a:gd name="connsiteX11" fmla="*/ 0 w 2271384"/>
-              <a:gd name="connsiteY11" fmla="*/ 483674 h 967348"/>
-              <a:gd name="connsiteX12" fmla="*/ 0 w 2271384"/>
-              <a:gd name="connsiteY12" fmla="*/ 0 h 967348"/>
+              <a:gd name="connsiteX0" fmla="*/ 0 w 2072563"/>
+              <a:gd name="connsiteY0" fmla="*/ 0 h 1123683"/>
+              <a:gd name="connsiteX1" fmla="*/ 670129 w 2072563"/>
+              <a:gd name="connsiteY1" fmla="*/ 0 h 1123683"/>
+              <a:gd name="connsiteX2" fmla="*/ 1319532 w 2072563"/>
+              <a:gd name="connsiteY2" fmla="*/ 0 h 1123683"/>
+              <a:gd name="connsiteX3" fmla="*/ 2072563 w 2072563"/>
+              <a:gd name="connsiteY3" fmla="*/ 0 h 1123683"/>
+              <a:gd name="connsiteX4" fmla="*/ 2072563 w 2072563"/>
+              <a:gd name="connsiteY4" fmla="*/ 573078 h 1123683"/>
+              <a:gd name="connsiteX5" fmla="*/ 2072563 w 2072563"/>
+              <a:gd name="connsiteY5" fmla="*/ 1123683 h 1123683"/>
+              <a:gd name="connsiteX6" fmla="*/ 1443886 w 2072563"/>
+              <a:gd name="connsiteY6" fmla="*/ 1123683 h 1123683"/>
+              <a:gd name="connsiteX7" fmla="*/ 815208 w 2072563"/>
+              <a:gd name="connsiteY7" fmla="*/ 1123683 h 1123683"/>
+              <a:gd name="connsiteX8" fmla="*/ 0 w 2072563"/>
+              <a:gd name="connsiteY8" fmla="*/ 1123683 h 1123683"/>
+              <a:gd name="connsiteX9" fmla="*/ 0 w 2072563"/>
+              <a:gd name="connsiteY9" fmla="*/ 561842 h 1123683"/>
+              <a:gd name="connsiteX10" fmla="*/ 0 w 2072563"/>
+              <a:gd name="connsiteY10" fmla="*/ 0 h 1123683"/>
             </a:gdLst>
             <a:ahLst/>
             <a:cxnLst>
@@ -23818,77 +24428,61 @@
               <a:cxn ang="0">
                 <a:pos x="connsiteX10" y="connsiteY10"/>
               </a:cxn>
-              <a:cxn ang="0">
-                <a:pos x="connsiteX11" y="connsiteY11"/>
-              </a:cxn>
-              <a:cxn ang="0">
-                <a:pos x="connsiteX12" y="connsiteY12"/>
-              </a:cxn>
             </a:cxnLst>
             <a:rect l="l" t="t" r="r" b="b"/>
             <a:pathLst>
-              <a:path w="2271384" h="967348" extrusionOk="0">
+              <a:path w="2072563" h="1123683" extrusionOk="0">
                 <a:moveTo>
                   <a:pt x="0" y="0"/>
                 </a:moveTo>
                 <a:cubicBezTo>
-                  <a:pt x="180953" y="17575"/>
-                  <a:pt x="300353" y="-23285"/>
-                  <a:pt x="545132" y="0"/>
-                </a:cubicBezTo>
-                <a:cubicBezTo>
-                  <a:pt x="789911" y="23285"/>
-                  <a:pt x="857615" y="-13029"/>
-                  <a:pt x="1067550" y="0"/>
-                </a:cubicBezTo>
-                <a:cubicBezTo>
-                  <a:pt x="1277485" y="13029"/>
-                  <a:pt x="1430516" y="145"/>
-                  <a:pt x="1612683" y="0"/>
-                </a:cubicBezTo>
-                <a:cubicBezTo>
-                  <a:pt x="1794850" y="-145"/>
-                  <a:pt x="1979660" y="23486"/>
-                  <a:pt x="2271384" y="0"/>
-                </a:cubicBezTo>
-                <a:cubicBezTo>
-                  <a:pt x="2273983" y="191613"/>
-                  <a:pt x="2246389" y="386231"/>
-                  <a:pt x="2271384" y="503021"/>
-                </a:cubicBezTo>
-                <a:cubicBezTo>
-                  <a:pt x="2296379" y="619811"/>
-                  <a:pt x="2267778" y="773216"/>
-                  <a:pt x="2271384" y="967348"/>
-                </a:cubicBezTo>
-                <a:cubicBezTo>
-                  <a:pt x="2071798" y="968782"/>
-                  <a:pt x="1902854" y="970592"/>
-                  <a:pt x="1771680" y="967348"/>
-                </a:cubicBezTo>
-                <a:cubicBezTo>
-                  <a:pt x="1640506" y="964104"/>
-                  <a:pt x="1372101" y="941398"/>
-                  <a:pt x="1181120" y="967348"/>
-                </a:cubicBezTo>
-                <a:cubicBezTo>
-                  <a:pt x="990139" y="993298"/>
-                  <a:pt x="816485" y="970342"/>
-                  <a:pt x="613274" y="967348"/>
-                </a:cubicBezTo>
-                <a:cubicBezTo>
-                  <a:pt x="410063" y="964354"/>
-                  <a:pt x="304881" y="974044"/>
-                  <a:pt x="0" y="967348"/>
-                </a:cubicBezTo>
-                <a:cubicBezTo>
-                  <a:pt x="21640" y="772543"/>
-                  <a:pt x="17282" y="628140"/>
-                  <a:pt x="0" y="483674"/>
-                </a:cubicBezTo>
-                <a:cubicBezTo>
-                  <a:pt x="-17282" y="339208"/>
-                  <a:pt x="-10389" y="122127"/>
+                  <a:pt x="226148" y="21844"/>
+                  <a:pt x="426177" y="6954"/>
+                  <a:pt x="670129" y="0"/>
+                </a:cubicBezTo>
+                <a:cubicBezTo>
+                  <a:pt x="914081" y="-6954"/>
+                  <a:pt x="1059741" y="889"/>
+                  <a:pt x="1319532" y="0"/>
+                </a:cubicBezTo>
+                <a:cubicBezTo>
+                  <a:pt x="1579323" y="-889"/>
+                  <a:pt x="1717115" y="11036"/>
+                  <a:pt x="2072563" y="0"/>
+                </a:cubicBezTo>
+                <a:cubicBezTo>
+                  <a:pt x="2060783" y="147989"/>
+                  <a:pt x="2065982" y="446153"/>
+                  <a:pt x="2072563" y="573078"/>
+                </a:cubicBezTo>
+                <a:cubicBezTo>
+                  <a:pt x="2079144" y="700003"/>
+                  <a:pt x="2087922" y="954279"/>
+                  <a:pt x="2072563" y="1123683"/>
+                </a:cubicBezTo>
+                <a:cubicBezTo>
+                  <a:pt x="1912136" y="1126505"/>
+                  <a:pt x="1645262" y="1117464"/>
+                  <a:pt x="1443886" y="1123683"/>
+                </a:cubicBezTo>
+                <a:cubicBezTo>
+                  <a:pt x="1242510" y="1129902"/>
+                  <a:pt x="1011645" y="1137642"/>
+                  <a:pt x="815208" y="1123683"/>
+                </a:cubicBezTo>
+                <a:cubicBezTo>
+                  <a:pt x="618771" y="1109724"/>
+                  <a:pt x="333652" y="1112179"/>
+                  <a:pt x="0" y="1123683"/>
+                </a:cubicBezTo>
+                <a:cubicBezTo>
+                  <a:pt x="1482" y="877937"/>
+                  <a:pt x="6180" y="704349"/>
+                  <a:pt x="0" y="561842"/>
+                </a:cubicBezTo>
+                <a:cubicBezTo>
+                  <a:pt x="-6180" y="419335"/>
+                  <a:pt x="-16845" y="120080"/>
                   <a:pt x="0" y="0"/>
                 </a:cubicBezTo>
                 <a:close/>
@@ -23952,8 +24546,8 @@
         </p:nvSpPr>
         <p:spPr>
           <a:xfrm>
-            <a:off x="6347586" y="4428844"/>
-            <a:ext cx="1159292" cy="584775"/>
+            <a:off x="6025492" y="4268824"/>
+            <a:ext cx="1518364" cy="707886"/>
           </a:xfrm>
           <a:prstGeom prst="rect">
             <a:avLst/>
@@ -23991,6 +24585,26 @@
                 <a:latin typeface="Bahnschrift Light Condensed" panose="020B0502040204020203" pitchFamily="34" charset="0"/>
               </a:rPr>
               <a:t>station-threshold-mintime</a:t>
+            </a:r>
+          </a:p>
+          <a:p>
+            <a:r>
+              <a:rPr lang="it-IT" sz="800">
+                <a:latin typeface="Bahnschrift Light Condensed" panose="020B0502040204020203" pitchFamily="34" charset="0"/>
+              </a:rPr>
+              <a:t>- </a:t>
+            </a:r>
+            <a:r>
+              <a:rPr lang="it-IT" sz="800" i="1">
+                <a:latin typeface="Bahnschrift Light Condensed" panose="020B0502040204020203" pitchFamily="34" charset="0"/>
+              </a:rPr>
+              <a:t>station-threshold-mintime </a:t>
+            </a:r>
+            <a:r>
+              <a:rPr lang="it-IT" sz="800">
+                <a:latin typeface="Bahnschrift Light Condensed" panose="020B0502040204020203" pitchFamily="34" charset="0"/>
+              </a:rPr>
+              <a:t>[DATA-OK]</a:t>
             </a:r>
           </a:p>
           <a:p>
@@ -24613,7 +25227,7 @@
         <p:spPr>
           <a:xfrm>
             <a:off x="4808649" y="3511019"/>
-            <a:ext cx="1336714" cy="1507880"/>
+            <a:ext cx="1200934" cy="1507881"/>
           </a:xfrm>
           <a:prstGeom prst="bentConnector2">
             <a:avLst/>
@@ -25630,26 +26244,26 @@
         </p:nvSpPr>
         <p:spPr>
           <a:xfrm>
-            <a:off x="5546994" y="5018899"/>
-            <a:ext cx="1196738" cy="173315"/>
+            <a:off x="5546994" y="5018900"/>
+            <a:ext cx="925178" cy="173230"/>
           </a:xfrm>
           <a:custGeom>
             <a:avLst/>
             <a:gdLst>
-              <a:gd name="connsiteX0" fmla="*/ 0 w 1196738"/>
-              <a:gd name="connsiteY0" fmla="*/ 0 h 173315"/>
-              <a:gd name="connsiteX1" fmla="*/ 562467 w 1196738"/>
-              <a:gd name="connsiteY1" fmla="*/ 0 h 173315"/>
-              <a:gd name="connsiteX2" fmla="*/ 1196738 w 1196738"/>
-              <a:gd name="connsiteY2" fmla="*/ 0 h 173315"/>
-              <a:gd name="connsiteX3" fmla="*/ 1196738 w 1196738"/>
-              <a:gd name="connsiteY3" fmla="*/ 173315 h 173315"/>
-              <a:gd name="connsiteX4" fmla="*/ 622304 w 1196738"/>
-              <a:gd name="connsiteY4" fmla="*/ 173315 h 173315"/>
-              <a:gd name="connsiteX5" fmla="*/ 0 w 1196738"/>
-              <a:gd name="connsiteY5" fmla="*/ 173315 h 173315"/>
-              <a:gd name="connsiteX6" fmla="*/ 0 w 1196738"/>
-              <a:gd name="connsiteY6" fmla="*/ 0 h 173315"/>
+              <a:gd name="connsiteX0" fmla="*/ 0 w 925178"/>
+              <a:gd name="connsiteY0" fmla="*/ 0 h 173230"/>
+              <a:gd name="connsiteX1" fmla="*/ 434834 w 925178"/>
+              <a:gd name="connsiteY1" fmla="*/ 0 h 173230"/>
+              <a:gd name="connsiteX2" fmla="*/ 925178 w 925178"/>
+              <a:gd name="connsiteY2" fmla="*/ 0 h 173230"/>
+              <a:gd name="connsiteX3" fmla="*/ 925178 w 925178"/>
+              <a:gd name="connsiteY3" fmla="*/ 173230 h 173230"/>
+              <a:gd name="connsiteX4" fmla="*/ 481093 w 925178"/>
+              <a:gd name="connsiteY4" fmla="*/ 173230 h 173230"/>
+              <a:gd name="connsiteX5" fmla="*/ 0 w 925178"/>
+              <a:gd name="connsiteY5" fmla="*/ 173230 h 173230"/>
+              <a:gd name="connsiteX6" fmla="*/ 0 w 925178"/>
+              <a:gd name="connsiteY6" fmla="*/ 0 h 173230"/>
             </a:gdLst>
             <a:ahLst/>
             <a:cxnLst>
@@ -25677,74 +26291,74 @@
             </a:cxnLst>
             <a:rect l="l" t="t" r="r" b="b"/>
             <a:pathLst>
-              <a:path w="1196738" h="173315" fill="none" extrusionOk="0">
+              <a:path w="925178" h="173230" fill="none" extrusionOk="0">
                 <a:moveTo>
                   <a:pt x="0" y="0"/>
                 </a:moveTo>
                 <a:cubicBezTo>
-                  <a:pt x="257017" y="13150"/>
-                  <a:pt x="345933" y="6249"/>
-                  <a:pt x="562467" y="0"/>
-                </a:cubicBezTo>
-                <a:cubicBezTo>
-                  <a:pt x="779001" y="-6249"/>
-                  <a:pt x="908363" y="-30347"/>
-                  <a:pt x="1196738" y="0"/>
-                </a:cubicBezTo>
-                <a:cubicBezTo>
-                  <a:pt x="1190030" y="68453"/>
-                  <a:pt x="1200159" y="87029"/>
-                  <a:pt x="1196738" y="173315"/>
-                </a:cubicBezTo>
-                <a:cubicBezTo>
-                  <a:pt x="1029541" y="183305"/>
-                  <a:pt x="823030" y="158175"/>
-                  <a:pt x="622304" y="173315"/>
-                </a:cubicBezTo>
-                <a:cubicBezTo>
-                  <a:pt x="421578" y="188455"/>
-                  <a:pt x="231512" y="192702"/>
-                  <a:pt x="0" y="173315"/>
-                </a:cubicBezTo>
-                <a:cubicBezTo>
-                  <a:pt x="-4481" y="124411"/>
-                  <a:pt x="-1086" y="64321"/>
+                  <a:pt x="188510" y="-3177"/>
+                  <a:pt x="263310" y="19377"/>
+                  <a:pt x="434834" y="0"/>
+                </a:cubicBezTo>
+                <a:cubicBezTo>
+                  <a:pt x="606358" y="-19377"/>
+                  <a:pt x="820532" y="-2490"/>
+                  <a:pt x="925178" y="0"/>
+                </a:cubicBezTo>
+                <a:cubicBezTo>
+                  <a:pt x="925360" y="42446"/>
+                  <a:pt x="919985" y="135457"/>
+                  <a:pt x="925178" y="173230"/>
+                </a:cubicBezTo>
+                <a:cubicBezTo>
+                  <a:pt x="761298" y="181959"/>
+                  <a:pt x="611321" y="164433"/>
+                  <a:pt x="481093" y="173230"/>
+                </a:cubicBezTo>
+                <a:cubicBezTo>
+                  <a:pt x="350866" y="182027"/>
+                  <a:pt x="109909" y="168935"/>
+                  <a:pt x="0" y="173230"/>
+                </a:cubicBezTo>
+                <a:cubicBezTo>
+                  <a:pt x="4279" y="129157"/>
+                  <a:pt x="5889" y="51897"/>
                   <a:pt x="0" y="0"/>
                 </a:cubicBezTo>
                 <a:close/>
               </a:path>
-              <a:path w="1196738" h="173315" stroke="0" extrusionOk="0">
+              <a:path w="925178" h="173230" stroke="0" extrusionOk="0">
                 <a:moveTo>
                   <a:pt x="0" y="0"/>
                 </a:moveTo>
                 <a:cubicBezTo>
-                  <a:pt x="246889" y="-211"/>
-                  <a:pt x="357492" y="-19281"/>
-                  <a:pt x="610336" y="0"/>
-                </a:cubicBezTo>
-                <a:cubicBezTo>
-                  <a:pt x="863180" y="19281"/>
-                  <a:pt x="1056743" y="-19875"/>
-                  <a:pt x="1196738" y="0"/>
-                </a:cubicBezTo>
-                <a:cubicBezTo>
-                  <a:pt x="1202521" y="81297"/>
-                  <a:pt x="1190469" y="99211"/>
-                  <a:pt x="1196738" y="173315"/>
-                </a:cubicBezTo>
-                <a:cubicBezTo>
-                  <a:pt x="926668" y="177236"/>
-                  <a:pt x="732535" y="163876"/>
-                  <a:pt x="598369" y="173315"/>
-                </a:cubicBezTo>
-                <a:cubicBezTo>
-                  <a:pt x="464203" y="182754"/>
-                  <a:pt x="132024" y="151548"/>
-                  <a:pt x="0" y="173315"/>
-                </a:cubicBezTo>
-                <a:cubicBezTo>
-                  <a:pt x="278" y="119527"/>
-                  <a:pt x="-7950" y="49332"/>
+                  <a:pt x="208014" y="2984"/>
+                  <a:pt x="335637" y="19303"/>
+                  <a:pt x="471841" y="0"/>
+                </a:cubicBezTo>
+                <a:cubicBezTo>
+                  <a:pt x="608045" y="-19303"/>
+                  <a:pt x="819140" y="7433"/>
+                  <a:pt x="925178" y="0"/>
+                </a:cubicBezTo>
+                <a:cubicBezTo>
+                  <a:pt x="928943" y="39986"/>
+                  <a:pt x="918956" y="125381"/>
+                  <a:pt x="925178" y="173230"/>
+                </a:cubicBezTo>
+                <a:cubicBezTo>
+                  <a:pt x="762492" y="189401"/>
+                  <a:pt x="589898" y="188180"/>
+                  <a:pt x="462589" y="173230"/>
+                </a:cubicBezTo>
+                <a:cubicBezTo>
+                  <a:pt x="335280" y="158280"/>
+                  <a:pt x="125495" y="153149"/>
+                  <a:pt x="0" y="173230"/>
+                </a:cubicBezTo>
+                <a:cubicBezTo>
+                  <a:pt x="4567" y="89980"/>
+                  <a:pt x="6182" y="37971"/>
                   <a:pt x="0" y="0"/>
                 </a:cubicBezTo>
                 <a:close/>
@@ -25822,34 +26436,30 @@
         </p:nvSpPr>
         <p:spPr>
           <a:xfrm>
-            <a:off x="5423626" y="4228881"/>
-            <a:ext cx="2271384" cy="217177"/>
+            <a:off x="5423626" y="4072671"/>
+            <a:ext cx="2078243" cy="217177"/>
           </a:xfrm>
           <a:custGeom>
             <a:avLst/>
             <a:gdLst>
-              <a:gd name="connsiteX0" fmla="*/ 0 w 2271384"/>
+              <a:gd name="connsiteX0" fmla="*/ 0 w 2078243"/>
               <a:gd name="connsiteY0" fmla="*/ 0 h 217177"/>
-              <a:gd name="connsiteX1" fmla="*/ 613274 w 2271384"/>
+              <a:gd name="connsiteX1" fmla="*/ 630400 w 2078243"/>
               <a:gd name="connsiteY1" fmla="*/ 0 h 217177"/>
-              <a:gd name="connsiteX2" fmla="*/ 1226547 w 2271384"/>
+              <a:gd name="connsiteX2" fmla="*/ 1343930 w 2078243"/>
               <a:gd name="connsiteY2" fmla="*/ 0 h 217177"/>
-              <a:gd name="connsiteX3" fmla="*/ 1726252 w 2271384"/>
+              <a:gd name="connsiteX3" fmla="*/ 2078243 w 2078243"/>
               <a:gd name="connsiteY3" fmla="*/ 0 h 217177"/>
-              <a:gd name="connsiteX4" fmla="*/ 2271384 w 2271384"/>
-              <a:gd name="connsiteY4" fmla="*/ 0 h 217177"/>
-              <a:gd name="connsiteX5" fmla="*/ 2271384 w 2271384"/>
+              <a:gd name="connsiteX4" fmla="*/ 2078243 w 2078243"/>
+              <a:gd name="connsiteY4" fmla="*/ 217177 h 217177"/>
+              <a:gd name="connsiteX5" fmla="*/ 1427060 w 2078243"/>
               <a:gd name="connsiteY5" fmla="*/ 217177 h 217177"/>
-              <a:gd name="connsiteX6" fmla="*/ 1771680 w 2271384"/>
+              <a:gd name="connsiteX6" fmla="*/ 775877 w 2078243"/>
               <a:gd name="connsiteY6" fmla="*/ 217177 h 217177"/>
-              <a:gd name="connsiteX7" fmla="*/ 1271975 w 2271384"/>
+              <a:gd name="connsiteX7" fmla="*/ 0 w 2078243"/>
               <a:gd name="connsiteY7" fmla="*/ 217177 h 217177"/>
-              <a:gd name="connsiteX8" fmla="*/ 704129 w 2271384"/>
-              <a:gd name="connsiteY8" fmla="*/ 217177 h 217177"/>
-              <a:gd name="connsiteX9" fmla="*/ 0 w 2271384"/>
-              <a:gd name="connsiteY9" fmla="*/ 217177 h 217177"/>
-              <a:gd name="connsiteX10" fmla="*/ 0 w 2271384"/>
-              <a:gd name="connsiteY10" fmla="*/ 0 h 217177"/>
+              <a:gd name="connsiteX8" fmla="*/ 0 w 2078243"/>
+              <a:gd name="connsiteY8" fmla="*/ 0 h 217177"/>
             </a:gdLst>
             <a:ahLst/>
             <a:cxnLst>
@@ -25880,123 +26490,97 @@
               <a:cxn ang="0">
                 <a:pos x="connsiteX8" y="connsiteY8"/>
               </a:cxn>
-              <a:cxn ang="0">
-                <a:pos x="connsiteX9" y="connsiteY9"/>
-              </a:cxn>
-              <a:cxn ang="0">
-                <a:pos x="connsiteX10" y="connsiteY10"/>
-              </a:cxn>
             </a:cxnLst>
             <a:rect l="l" t="t" r="r" b="b"/>
             <a:pathLst>
-              <a:path w="2271384" h="217177" fill="none" extrusionOk="0">
+              <a:path w="2078243" h="217177" fill="none" extrusionOk="0">
                 <a:moveTo>
                   <a:pt x="0" y="0"/>
                 </a:moveTo>
                 <a:cubicBezTo>
-                  <a:pt x="140771" y="28961"/>
-                  <a:pt x="391222" y="7665"/>
-                  <a:pt x="613274" y="0"/>
-                </a:cubicBezTo>
-                <a:cubicBezTo>
-                  <a:pt x="835326" y="-7665"/>
-                  <a:pt x="1095409" y="28903"/>
-                  <a:pt x="1226547" y="0"/>
-                </a:cubicBezTo>
-                <a:cubicBezTo>
-                  <a:pt x="1357685" y="-28903"/>
-                  <a:pt x="1538516" y="12614"/>
-                  <a:pt x="1726252" y="0"/>
-                </a:cubicBezTo>
-                <a:cubicBezTo>
-                  <a:pt x="1913989" y="-12614"/>
-                  <a:pt x="2098487" y="2152"/>
-                  <a:pt x="2271384" y="0"/>
-                </a:cubicBezTo>
-                <a:cubicBezTo>
-                  <a:pt x="2262555" y="98198"/>
-                  <a:pt x="2276805" y="170929"/>
-                  <a:pt x="2271384" y="217177"/>
-                </a:cubicBezTo>
-                <a:cubicBezTo>
-                  <a:pt x="2106996" y="224535"/>
-                  <a:pt x="2008736" y="205405"/>
-                  <a:pt x="1771680" y="217177"/>
-                </a:cubicBezTo>
-                <a:cubicBezTo>
-                  <a:pt x="1534624" y="228949"/>
-                  <a:pt x="1477338" y="195216"/>
-                  <a:pt x="1271975" y="217177"/>
-                </a:cubicBezTo>
-                <a:cubicBezTo>
-                  <a:pt x="1066612" y="239138"/>
-                  <a:pt x="903944" y="211604"/>
-                  <a:pt x="704129" y="217177"/>
-                </a:cubicBezTo>
-                <a:cubicBezTo>
-                  <a:pt x="504314" y="222750"/>
-                  <a:pt x="253049" y="188819"/>
+                  <a:pt x="297594" y="28115"/>
+                  <a:pt x="415333" y="-25453"/>
+                  <a:pt x="630400" y="0"/>
+                </a:cubicBezTo>
+                <a:cubicBezTo>
+                  <a:pt x="845467" y="25453"/>
+                  <a:pt x="1110588" y="-15616"/>
+                  <a:pt x="1343930" y="0"/>
+                </a:cubicBezTo>
+                <a:cubicBezTo>
+                  <a:pt x="1577272" y="15616"/>
+                  <a:pt x="1900037" y="56"/>
+                  <a:pt x="2078243" y="0"/>
+                </a:cubicBezTo>
+                <a:cubicBezTo>
+                  <a:pt x="2082136" y="82012"/>
+                  <a:pt x="2070213" y="145882"/>
+                  <a:pt x="2078243" y="217177"/>
+                </a:cubicBezTo>
+                <a:cubicBezTo>
+                  <a:pt x="1897807" y="196196"/>
+                  <a:pt x="1664461" y="235925"/>
+                  <a:pt x="1427060" y="217177"/>
+                </a:cubicBezTo>
+                <a:cubicBezTo>
+                  <a:pt x="1189659" y="198429"/>
+                  <a:pt x="1101232" y="241471"/>
+                  <a:pt x="775877" y="217177"/>
+                </a:cubicBezTo>
+                <a:cubicBezTo>
+                  <a:pt x="450522" y="192883"/>
+                  <a:pt x="283445" y="185299"/>
                   <a:pt x="0" y="217177"/>
                 </a:cubicBezTo>
                 <a:cubicBezTo>
-                  <a:pt x="2531" y="160446"/>
-                  <a:pt x="-9100" y="58755"/>
+                  <a:pt x="-9936" y="118458"/>
+                  <a:pt x="-3074" y="101669"/>
                   <a:pt x="0" y="0"/>
                 </a:cubicBezTo>
                 <a:close/>
               </a:path>
-              <a:path w="2271384" h="217177" stroke="0" extrusionOk="0">
+              <a:path w="2078243" h="217177" stroke="0" extrusionOk="0">
                 <a:moveTo>
                   <a:pt x="0" y="0"/>
                 </a:moveTo>
                 <a:cubicBezTo>
-                  <a:pt x="180953" y="17575"/>
-                  <a:pt x="300353" y="-23285"/>
-                  <a:pt x="545132" y="0"/>
-                </a:cubicBezTo>
-                <a:cubicBezTo>
-                  <a:pt x="789911" y="23285"/>
-                  <a:pt x="857615" y="-13029"/>
-                  <a:pt x="1067550" y="0"/>
-                </a:cubicBezTo>
-                <a:cubicBezTo>
-                  <a:pt x="1277485" y="13029"/>
-                  <a:pt x="1430516" y="145"/>
-                  <a:pt x="1612683" y="0"/>
-                </a:cubicBezTo>
-                <a:cubicBezTo>
-                  <a:pt x="1794850" y="-145"/>
-                  <a:pt x="1979660" y="23486"/>
-                  <a:pt x="2271384" y="0"/>
-                </a:cubicBezTo>
-                <a:cubicBezTo>
-                  <a:pt x="2282124" y="98637"/>
-                  <a:pt x="2277829" y="126553"/>
-                  <a:pt x="2271384" y="217177"/>
-                </a:cubicBezTo>
-                <a:cubicBezTo>
-                  <a:pt x="2158828" y="198319"/>
-                  <a:pt x="1954841" y="228632"/>
-                  <a:pt x="1771680" y="217177"/>
-                </a:cubicBezTo>
-                <a:cubicBezTo>
-                  <a:pt x="1588519" y="205722"/>
-                  <a:pt x="1406377" y="225415"/>
-                  <a:pt x="1271975" y="217177"/>
-                </a:cubicBezTo>
-                <a:cubicBezTo>
-                  <a:pt x="1137574" y="208939"/>
-                  <a:pt x="872396" y="191227"/>
-                  <a:pt x="681415" y="217177"/>
-                </a:cubicBezTo>
-                <a:cubicBezTo>
-                  <a:pt x="490434" y="243127"/>
-                  <a:pt x="156561" y="225761"/>
+                  <a:pt x="216006" y="-21036"/>
+                  <a:pt x="401731" y="10519"/>
+                  <a:pt x="671965" y="0"/>
+                </a:cubicBezTo>
+                <a:cubicBezTo>
+                  <a:pt x="942200" y="-10519"/>
+                  <a:pt x="1161559" y="17323"/>
+                  <a:pt x="1323148" y="0"/>
+                </a:cubicBezTo>
+                <a:cubicBezTo>
+                  <a:pt x="1484737" y="-17323"/>
+                  <a:pt x="1855023" y="6410"/>
+                  <a:pt x="2078243" y="0"/>
+                </a:cubicBezTo>
+                <a:cubicBezTo>
+                  <a:pt x="2071782" y="79632"/>
+                  <a:pt x="2088962" y="147074"/>
+                  <a:pt x="2078243" y="217177"/>
+                </a:cubicBezTo>
+                <a:cubicBezTo>
+                  <a:pt x="1893152" y="231458"/>
+                  <a:pt x="1595654" y="221887"/>
+                  <a:pt x="1385495" y="217177"/>
+                </a:cubicBezTo>
+                <a:cubicBezTo>
+                  <a:pt x="1175336" y="212467"/>
+                  <a:pt x="853141" y="210653"/>
+                  <a:pt x="651183" y="217177"/>
+                </a:cubicBezTo>
+                <a:cubicBezTo>
+                  <a:pt x="449225" y="223701"/>
+                  <a:pt x="309776" y="230303"/>
                   <a:pt x="0" y="217177"/>
                 </a:cubicBezTo>
                 <a:cubicBezTo>
-                  <a:pt x="6136" y="120947"/>
-                  <a:pt x="288" y="50423"/>
+                  <a:pt x="5836" y="115859"/>
+                  <a:pt x="4563" y="75000"/>
                   <a:pt x="0" y="0"/>
                 </a:cubicBezTo>
                 <a:close/>
@@ -26082,7 +26666,7 @@
           </a:xfrm>
           <a:prstGeom prst="bentConnector3">
             <a:avLst>
-              <a:gd name="adj1" fmla="val 2216"/>
+              <a:gd name="adj1" fmla="val 8516"/>
             </a:avLst>
           </a:prstGeom>
           <a:ln>
@@ -26791,42 +27375,8 @@
         </p:nvSpPr>
         <p:spPr>
           <a:xfrm>
-            <a:off x="5644349" y="2455625"/>
-            <a:ext cx="429926" cy="276999"/>
-          </a:xfrm>
-          <a:prstGeom prst="rect">
-            <a:avLst/>
-          </a:prstGeom>
-          <a:noFill/>
-        </p:spPr>
-        <p:txBody>
-          <a:bodyPr wrap="none" rtlCol="0">
-            <a:spAutoFit/>
-          </a:bodyPr>
-          <a:lstStyle/>
-          <a:p>
-            <a:r>
-              <a:rPr lang="it-IT" sz="1200">
-                <a:latin typeface="Bahnschrift Light Condensed" panose="020B0502040204020203" pitchFamily="34" charset="0"/>
-              </a:rPr>
-              <a:t>3306</a:t>
-            </a:r>
-            <a:endParaRPr lang="it-IT">
-              <a:latin typeface="Bahnschrift Light Condensed" panose="020B0502040204020203" pitchFamily="34" charset="0"/>
-            </a:endParaRPr>
-          </a:p>
-        </p:txBody>
-      </p:sp>
-      <p:sp>
-        <p:nvSpPr>
-          <p:cNvPr id="53" name="CasellaDiTesto 52"/>
-          <p:cNvSpPr txBox="1"/>
-          <p:nvPr/>
-        </p:nvSpPr>
-        <p:spPr>
-          <a:xfrm>
-            <a:off x="954248" y="103311"/>
-            <a:ext cx="8353182" cy="461665"/>
+            <a:off x="5677409" y="2614168"/>
+            <a:ext cx="456729" cy="246221"/>
           </a:xfrm>
           <a:prstGeom prst="rect">
             <a:avLst/>
@@ -26840,19 +27390,14 @@
           <a:lstStyle/>
           <a:p>
             <a:r>
-              <a:rPr lang="it-IT" sz="1200" b="1"/>
-              <a:t>Distributed System and Big Data</a:t>
+              <a:rPr lang="it-IT" sz="1000">
+                <a:latin typeface="Bahnschrift Light Condensed" panose="020B0502040204020203" pitchFamily="34" charset="0"/>
+              </a:rPr>
+              <a:t>3306</a:t>
             </a:r>
-            <a:r>
-              <a:rPr lang="it-IT" sz="1200"/>
-              <a:t> – A.A. 2023/24 - Unict</a:t>
-            </a:r>
-          </a:p>
-          <a:p>
-            <a:r>
-              <a:rPr lang="it-IT" sz="1200"/>
-              <a:t>Schema progetto (prima parte) di Francesco Pandolfo</a:t>
-            </a:r>
+            <a:endParaRPr lang="it-IT" sz="1200">
+              <a:latin typeface="Bahnschrift Light Condensed" panose="020B0502040204020203" pitchFamily="34" charset="0"/>
+            </a:endParaRPr>
           </a:p>
         </p:txBody>
       </p:sp>
@@ -26919,7 +27464,7 @@
         </p:blipFill>
         <p:spPr>
           <a:xfrm>
-            <a:off x="9972713" y="588509"/>
+            <a:off x="10224037" y="1111811"/>
             <a:ext cx="1410062" cy="469578"/>
           </a:xfrm>
           <a:prstGeom prst="rect">
@@ -26941,7 +27486,7 @@
         </p:nvSpPr>
         <p:spPr>
           <a:xfrm>
-            <a:off x="6090036" y="3978530"/>
+            <a:off x="6090036" y="3829940"/>
             <a:ext cx="428322" cy="276999"/>
           </a:xfrm>
           <a:prstGeom prst="rect">
@@ -26981,22 +27526,22 @@
         </p:nvSpPr>
         <p:spPr>
           <a:xfrm>
-            <a:off x="9251818" y="324661"/>
-            <a:ext cx="2703472" cy="3617806"/>
+            <a:off x="9729338" y="811039"/>
+            <a:ext cx="2198502" cy="2964043"/>
           </a:xfrm>
           <a:custGeom>
             <a:avLst/>
             <a:gdLst>
-              <a:gd name="connsiteX0" fmla="*/ 0 w 2703472"/>
-              <a:gd name="connsiteY0" fmla="*/ 1808903 h 3617806"/>
-              <a:gd name="connsiteX1" fmla="*/ 1351736 w 2703472"/>
-              <a:gd name="connsiteY1" fmla="*/ 0 h 3617806"/>
-              <a:gd name="connsiteX2" fmla="*/ 2703472 w 2703472"/>
-              <a:gd name="connsiteY2" fmla="*/ 1808903 h 3617806"/>
-              <a:gd name="connsiteX3" fmla="*/ 1351736 w 2703472"/>
-              <a:gd name="connsiteY3" fmla="*/ 3617806 h 3617806"/>
-              <a:gd name="connsiteX4" fmla="*/ 0 w 2703472"/>
-              <a:gd name="connsiteY4" fmla="*/ 1808903 h 3617806"/>
+              <a:gd name="connsiteX0" fmla="*/ 0 w 2198502"/>
+              <a:gd name="connsiteY0" fmla="*/ 1482022 h 2964043"/>
+              <a:gd name="connsiteX1" fmla="*/ 1099251 w 2198502"/>
+              <a:gd name="connsiteY1" fmla="*/ 0 h 2964043"/>
+              <a:gd name="connsiteX2" fmla="*/ 2198502 w 2198502"/>
+              <a:gd name="connsiteY2" fmla="*/ 1482022 h 2964043"/>
+              <a:gd name="connsiteX3" fmla="*/ 1099251 w 2198502"/>
+              <a:gd name="connsiteY3" fmla="*/ 2964044 h 2964043"/>
+              <a:gd name="connsiteX4" fmla="*/ 0 w 2198502"/>
+              <a:gd name="connsiteY4" fmla="*/ 1482022 h 2964043"/>
             </a:gdLst>
             <a:ahLst/>
             <a:cxnLst>
@@ -27018,29 +27563,29 @@
             </a:cxnLst>
             <a:rect l="l" t="t" r="r" b="b"/>
             <a:pathLst>
-              <a:path w="2703472" h="3617806" extrusionOk="0">
+              <a:path w="2198502" h="2964043" extrusionOk="0">
                 <a:moveTo>
-                  <a:pt x="0" y="1808903"/>
+                  <a:pt x="0" y="1482022"/>
                 </a:moveTo>
                 <a:cubicBezTo>
-                  <a:pt x="-12256" y="884042"/>
-                  <a:pt x="606728" y="67969"/>
-                  <a:pt x="1351736" y="0"/>
-                </a:cubicBezTo>
-                <a:cubicBezTo>
-                  <a:pt x="2139936" y="-22065"/>
-                  <a:pt x="2922046" y="703030"/>
-                  <a:pt x="2703472" y="1808903"/>
-                </a:cubicBezTo>
-                <a:cubicBezTo>
-                  <a:pt x="2826751" y="2780181"/>
-                  <a:pt x="2092890" y="3740463"/>
-                  <a:pt x="1351736" y="3617806"/>
-                </a:cubicBezTo>
-                <a:cubicBezTo>
-                  <a:pt x="645579" y="3681785"/>
-                  <a:pt x="-173189" y="2629092"/>
-                  <a:pt x="0" y="1808903"/>
+                  <a:pt x="-24516" y="811888"/>
+                  <a:pt x="493159" y="44626"/>
+                  <a:pt x="1099251" y="0"/>
+                </a:cubicBezTo>
+                <a:cubicBezTo>
+                  <a:pt x="1800644" y="-49945"/>
+                  <a:pt x="2227894" y="649157"/>
+                  <a:pt x="2198502" y="1482022"/>
+                </a:cubicBezTo>
+                <a:cubicBezTo>
+                  <a:pt x="2341023" y="2268436"/>
+                  <a:pt x="1702280" y="3056706"/>
+                  <a:pt x="1099251" y="2964044"/>
+                </a:cubicBezTo>
+                <a:cubicBezTo>
+                  <a:pt x="560762" y="3072736"/>
+                  <a:pt x="-140939" y="2154981"/>
+                  <a:pt x="0" y="1482022"/>
                 </a:cubicBezTo>
                 <a:close/>
               </a:path>
@@ -27102,7 +27647,7 @@
         </p:nvSpPr>
         <p:spPr>
           <a:xfrm>
-            <a:off x="10451548" y="332761"/>
+            <a:off x="10738150" y="811039"/>
             <a:ext cx="381836" cy="276999"/>
           </a:xfrm>
           <a:prstGeom prst="rect">
@@ -27321,105 +27866,49 @@
           </a:p>
         </p:txBody>
       </p:sp>
-      <p:cxnSp>
-        <p:nvCxnSpPr>
-          <p:cNvPr id="17" name="Connettore curvo 16">
-            <a:extLst>
-              <a:ext uri="{FF2B5EF4-FFF2-40B4-BE49-F238E27FC236}">
-                <a16:creationId xmlns:a16="http://schemas.microsoft.com/office/drawing/2014/main" id="{83203E49-F364-A30D-0036-BDA30F6FD52C}"/>
-              </a:ext>
-            </a:extLst>
-          </p:cNvPr>
-          <p:cNvCxnSpPr>
-            <a:endCxn id="12" idx="1"/>
-          </p:cNvCxnSpPr>
+      <p:sp>
+        <p:nvSpPr>
+          <p:cNvPr id="6" name="CasellaDiTesto 5">
+            <a:extLst>
+              <a:ext uri="{FF2B5EF4-FFF2-40B4-BE49-F238E27FC236}">
+                <a16:creationId xmlns:a16="http://schemas.microsoft.com/office/drawing/2014/main" id="{BDA30468-4F01-AED4-3CF1-B3C3D095A76A}"/>
+              </a:ext>
+            </a:extLst>
+          </p:cNvPr>
+          <p:cNvSpPr txBox="1"/>
           <p:nvPr/>
-        </p:nvCxnSpPr>
+        </p:nvSpPr>
         <p:spPr>
           <a:xfrm>
-            <a:off x="3066259" y="1542161"/>
-            <a:ext cx="4268060" cy="1762325"/>
-          </a:xfrm>
-          <a:prstGeom prst="curvedConnector3">
-            <a:avLst/>
-          </a:prstGeom>
-          <a:ln>
-            <a:solidFill>
-              <a:srgbClr val="DA4E31">
-                <a:alpha val="20000"/>
-              </a:srgbClr>
-            </a:solidFill>
-            <a:tailEnd type="triangle"/>
-          </a:ln>
-        </p:spPr>
-        <p:style>
-          <a:lnRef idx="2">
-            <a:schemeClr val="accent1"/>
-          </a:lnRef>
-          <a:fillRef idx="0">
-            <a:schemeClr val="accent1"/>
-          </a:fillRef>
-          <a:effectRef idx="1">
-            <a:schemeClr val="accent1"/>
-          </a:effectRef>
-          <a:fontRef idx="minor">
-            <a:schemeClr val="tx1"/>
-          </a:fontRef>
-        </p:style>
-      </p:cxnSp>
-      <p:pic>
-        <p:nvPicPr>
-          <p:cNvPr id="1032" name="Picture 8" descr="Prometheus Monitoring | Billy Okeyo">
-            <a:extLst>
-              <a:ext uri="{FF2B5EF4-FFF2-40B4-BE49-F238E27FC236}">
-                <a16:creationId xmlns:a16="http://schemas.microsoft.com/office/drawing/2014/main" id="{7FA02EDF-63B8-A6A4-94DF-1C4C0AD2EA23}"/>
-              </a:ext>
-            </a:extLst>
-          </p:cNvPr>
-          <p:cNvPicPr>
-            <a:picLocks noChangeAspect="1" noChangeArrowheads="1"/>
-          </p:cNvPicPr>
-          <p:nvPr/>
-        </p:nvPicPr>
-        <p:blipFill>
-          <a:blip r:embed="rId11">
-            <a:extLst>
-              <a:ext uri="{28A0092B-C50C-407E-A947-70E740481C1C}">
-                <a14:useLocalDpi xmlns:a14="http://schemas.microsoft.com/office/drawing/2010/main" val="0"/>
-              </a:ext>
-            </a:extLst>
-          </a:blip>
-          <a:srcRect/>
-          <a:stretch>
-            <a:fillRect/>
-          </a:stretch>
-        </p:blipFill>
-        <p:spPr bwMode="auto">
-          <a:xfrm>
-            <a:off x="7322446" y="2976133"/>
-            <a:ext cx="1182114" cy="591057"/>
+            <a:off x="4387432" y="2412830"/>
+            <a:ext cx="837089" cy="215444"/>
           </a:xfrm>
           <a:prstGeom prst="rect">
             <a:avLst/>
           </a:prstGeom>
           <a:noFill/>
-          <a:extLst>
-            <a:ext uri="{909E8E84-426E-40DD-AFC4-6F175D3DCCD1}">
-              <a14:hiddenFill xmlns:a14="http://schemas.microsoft.com/office/drawing/2010/main">
-                <a:solidFill>
-                  <a:srgbClr val="FFFFFF"/>
-                </a:solidFill>
-              </a14:hiddenFill>
-            </a:ext>
-          </a:extLst>
-        </p:spPr>
-      </p:pic>
+        </p:spPr>
+        <p:txBody>
+          <a:bodyPr wrap="none" rtlCol="0">
+            <a:spAutoFit/>
+          </a:bodyPr>
+          <a:lstStyle/>
+          <a:p>
+            <a:r>
+              <a:rPr lang="it-IT" sz="800">
+                <a:latin typeface="Bahnschrift Light Condensed" panose="020B0502040204020203" pitchFamily="34" charset="0"/>
+              </a:rPr>
+              <a:t>/delete {username}</a:t>
+            </a:r>
+          </a:p>
+        </p:txBody>
+      </p:sp>
       <p:sp>
         <p:nvSpPr>
-          <p:cNvPr id="12" name="Rettangolo 11">
-            <a:extLst>
-              <a:ext uri="{FF2B5EF4-FFF2-40B4-BE49-F238E27FC236}">
-                <a16:creationId xmlns:a16="http://schemas.microsoft.com/office/drawing/2014/main" id="{5CF03B44-1E80-7760-3C14-039C3B3EA141}"/>
+          <p:cNvPr id="11" name="Cilindro 10">
+            <a:extLst>
+              <a:ext uri="{FF2B5EF4-FFF2-40B4-BE49-F238E27FC236}">
+                <a16:creationId xmlns:a16="http://schemas.microsoft.com/office/drawing/2014/main" id="{6A2423D4-F358-4E82-80D9-6F46BDB1DF3C}"/>
               </a:ext>
             </a:extLst>
           </p:cNvPr>
@@ -27428,26 +27917,54 @@
         </p:nvSpPr>
         <p:spPr>
           <a:xfrm>
-            <a:off x="7334319" y="2959687"/>
-            <a:ext cx="1109649" cy="689598"/>
+            <a:off x="4204225" y="4136811"/>
+            <a:ext cx="577380" cy="711544"/>
           </a:xfrm>
           <a:custGeom>
             <a:avLst/>
             <a:gdLst>
-              <a:gd name="connsiteX0" fmla="*/ 0 w 1109649"/>
-              <a:gd name="connsiteY0" fmla="*/ 0 h 689598"/>
-              <a:gd name="connsiteX1" fmla="*/ 543728 w 1109649"/>
-              <a:gd name="connsiteY1" fmla="*/ 0 h 689598"/>
-              <a:gd name="connsiteX2" fmla="*/ 1109649 w 1109649"/>
-              <a:gd name="connsiteY2" fmla="*/ 0 h 689598"/>
-              <a:gd name="connsiteX3" fmla="*/ 1109649 w 1109649"/>
-              <a:gd name="connsiteY3" fmla="*/ 689598 h 689598"/>
-              <a:gd name="connsiteX4" fmla="*/ 565921 w 1109649"/>
-              <a:gd name="connsiteY4" fmla="*/ 689598 h 689598"/>
-              <a:gd name="connsiteX5" fmla="*/ 0 w 1109649"/>
-              <a:gd name="connsiteY5" fmla="*/ 689598 h 689598"/>
-              <a:gd name="connsiteX6" fmla="*/ 0 w 1109649"/>
-              <a:gd name="connsiteY6" fmla="*/ 0 h 689598"/>
+              <a:gd name="connsiteX0" fmla="*/ 0 w 577380"/>
+              <a:gd name="connsiteY0" fmla="*/ 72173 h 711544"/>
+              <a:gd name="connsiteX1" fmla="*/ 288690 w 577380"/>
+              <a:gd name="connsiteY1" fmla="*/ 144346 h 711544"/>
+              <a:gd name="connsiteX2" fmla="*/ 577380 w 577380"/>
+              <a:gd name="connsiteY2" fmla="*/ 72173 h 711544"/>
+              <a:gd name="connsiteX3" fmla="*/ 577380 w 577380"/>
+              <a:gd name="connsiteY3" fmla="*/ 639372 h 711544"/>
+              <a:gd name="connsiteX4" fmla="*/ 288690 w 577380"/>
+              <a:gd name="connsiteY4" fmla="*/ 711545 h 711544"/>
+              <a:gd name="connsiteX5" fmla="*/ 0 w 577380"/>
+              <a:gd name="connsiteY5" fmla="*/ 639372 h 711544"/>
+              <a:gd name="connsiteX6" fmla="*/ 0 w 577380"/>
+              <a:gd name="connsiteY6" fmla="*/ 72173 h 711544"/>
+              <a:gd name="connsiteX0" fmla="*/ 0 w 577380"/>
+              <a:gd name="connsiteY0" fmla="*/ 72173 h 711544"/>
+              <a:gd name="connsiteX1" fmla="*/ 288690 w 577380"/>
+              <a:gd name="connsiteY1" fmla="*/ 0 h 711544"/>
+              <a:gd name="connsiteX2" fmla="*/ 577380 w 577380"/>
+              <a:gd name="connsiteY2" fmla="*/ 72173 h 711544"/>
+              <a:gd name="connsiteX3" fmla="*/ 288690 w 577380"/>
+              <a:gd name="connsiteY3" fmla="*/ 144346 h 711544"/>
+              <a:gd name="connsiteX4" fmla="*/ 0 w 577380"/>
+              <a:gd name="connsiteY4" fmla="*/ 72173 h 711544"/>
+              <a:gd name="connsiteX0" fmla="*/ 577380 w 577380"/>
+              <a:gd name="connsiteY0" fmla="*/ 72173 h 711544"/>
+              <a:gd name="connsiteX1" fmla="*/ 288690 w 577380"/>
+              <a:gd name="connsiteY1" fmla="*/ 144346 h 711544"/>
+              <a:gd name="connsiteX2" fmla="*/ 0 w 577380"/>
+              <a:gd name="connsiteY2" fmla="*/ 72173 h 711544"/>
+              <a:gd name="connsiteX3" fmla="*/ 288690 w 577380"/>
+              <a:gd name="connsiteY3" fmla="*/ 0 h 711544"/>
+              <a:gd name="connsiteX4" fmla="*/ 577380 w 577380"/>
+              <a:gd name="connsiteY4" fmla="*/ 72173 h 711544"/>
+              <a:gd name="connsiteX5" fmla="*/ 577380 w 577380"/>
+              <a:gd name="connsiteY5" fmla="*/ 639372 h 711544"/>
+              <a:gd name="connsiteX6" fmla="*/ 288690 w 577380"/>
+              <a:gd name="connsiteY6" fmla="*/ 711545 h 711544"/>
+              <a:gd name="connsiteX7" fmla="*/ 0 w 577380"/>
+              <a:gd name="connsiteY7" fmla="*/ 639372 h 711544"/>
+              <a:gd name="connsiteX8" fmla="*/ 0 w 577380"/>
+              <a:gd name="connsiteY8" fmla="*/ 72173 h 711544"/>
             </a:gdLst>
             <a:ahLst/>
             <a:cxnLst>
@@ -27472,60 +27989,183 @@
               <a:cxn ang="0">
                 <a:pos x="connsiteX6" y="connsiteY6"/>
               </a:cxn>
+              <a:cxn ang="0">
+                <a:pos x="connsiteX7" y="connsiteY7"/>
+              </a:cxn>
+              <a:cxn ang="0">
+                <a:pos x="connsiteX8" y="connsiteY8"/>
+              </a:cxn>
             </a:cxnLst>
             <a:rect l="l" t="t" r="r" b="b"/>
             <a:pathLst>
-              <a:path w="1109649" h="689598" extrusionOk="0">
+              <a:path w="577380" h="711544" stroke="0" extrusionOk="0">
                 <a:moveTo>
-                  <a:pt x="0" y="0"/>
+                  <a:pt x="0" y="72173"/>
                 </a:moveTo>
                 <a:cubicBezTo>
-                  <a:pt x="202572" y="19512"/>
-                  <a:pt x="314047" y="-12169"/>
-                  <a:pt x="543728" y="0"/>
-                </a:cubicBezTo>
-                <a:cubicBezTo>
-                  <a:pt x="773409" y="12169"/>
-                  <a:pt x="942204" y="7781"/>
-                  <a:pt x="1109649" y="0"/>
-                </a:cubicBezTo>
-                <a:cubicBezTo>
-                  <a:pt x="1106480" y="335206"/>
-                  <a:pt x="1138163" y="526311"/>
-                  <a:pt x="1109649" y="689598"/>
-                </a:cubicBezTo>
-                <a:cubicBezTo>
-                  <a:pt x="898563" y="683837"/>
-                  <a:pt x="741109" y="709691"/>
-                  <a:pt x="565921" y="689598"/>
-                </a:cubicBezTo>
-                <a:cubicBezTo>
-                  <a:pt x="390733" y="669505"/>
-                  <a:pt x="263405" y="708543"/>
-                  <a:pt x="0" y="689598"/>
-                </a:cubicBezTo>
-                <a:cubicBezTo>
-                  <a:pt x="26533" y="428316"/>
-                  <a:pt x="7844" y="159093"/>
-                  <a:pt x="0" y="0"/>
+                  <a:pt x="14619" y="95825"/>
+                  <a:pt x="127429" y="144441"/>
+                  <a:pt x="288690" y="144346"/>
+                </a:cubicBezTo>
+                <a:cubicBezTo>
+                  <a:pt x="455815" y="143381"/>
+                  <a:pt x="570686" y="113376"/>
+                  <a:pt x="577380" y="72173"/>
+                </a:cubicBezTo>
+                <a:cubicBezTo>
+                  <a:pt x="537600" y="294362"/>
+                  <a:pt x="608506" y="559806"/>
+                  <a:pt x="577380" y="639372"/>
+                </a:cubicBezTo>
+                <a:cubicBezTo>
+                  <a:pt x="583064" y="689214"/>
+                  <a:pt x="446523" y="708707"/>
+                  <a:pt x="288690" y="711545"/>
+                </a:cubicBezTo>
+                <a:cubicBezTo>
+                  <a:pt x="128744" y="713882"/>
+                  <a:pt x="-3365" y="680643"/>
+                  <a:pt x="0" y="639372"/>
+                </a:cubicBezTo>
+                <a:cubicBezTo>
+                  <a:pt x="-35677" y="565792"/>
+                  <a:pt x="-42564" y="306144"/>
+                  <a:pt x="0" y="72173"/>
                 </a:cubicBezTo>
                 <a:close/>
+              </a:path>
+              <a:path w="577380" h="711544" fill="lighten" stroke="0" extrusionOk="0">
+                <a:moveTo>
+                  <a:pt x="0" y="72173"/>
+                </a:moveTo>
+                <a:cubicBezTo>
+                  <a:pt x="6123" y="58009"/>
+                  <a:pt x="110039" y="-6776"/>
+                  <a:pt x="288690" y="0"/>
+                </a:cubicBezTo>
+                <a:cubicBezTo>
+                  <a:pt x="447053" y="-3145"/>
+                  <a:pt x="580036" y="28841"/>
+                  <a:pt x="577380" y="72173"/>
+                </a:cubicBezTo>
+                <a:cubicBezTo>
+                  <a:pt x="585056" y="104707"/>
+                  <a:pt x="443811" y="157606"/>
+                  <a:pt x="288690" y="144346"/>
+                </a:cubicBezTo>
+                <a:cubicBezTo>
+                  <a:pt x="128767" y="152186"/>
+                  <a:pt x="534" y="117431"/>
+                  <a:pt x="0" y="72173"/>
+                </a:cubicBezTo>
+                <a:close/>
+              </a:path>
+              <a:path w="577380" h="711544" fill="none" extrusionOk="0">
+                <a:moveTo>
+                  <a:pt x="577380" y="72173"/>
+                </a:moveTo>
+                <a:cubicBezTo>
+                  <a:pt x="575724" y="112241"/>
+                  <a:pt x="462204" y="129109"/>
+                  <a:pt x="288690" y="144346"/>
+                </a:cubicBezTo>
+                <a:cubicBezTo>
+                  <a:pt x="131082" y="147075"/>
+                  <a:pt x="-2647" y="116817"/>
+                  <a:pt x="0" y="72173"/>
+                </a:cubicBezTo>
+                <a:cubicBezTo>
+                  <a:pt x="13105" y="15569"/>
+                  <a:pt x="140805" y="-16369"/>
+                  <a:pt x="288690" y="0"/>
+                </a:cubicBezTo>
+                <a:cubicBezTo>
+                  <a:pt x="454447" y="1010"/>
+                  <a:pt x="579095" y="26752"/>
+                  <a:pt x="577380" y="72173"/>
+                </a:cubicBezTo>
+                <a:cubicBezTo>
+                  <a:pt x="602987" y="227917"/>
+                  <a:pt x="601185" y="485138"/>
+                  <a:pt x="577380" y="639372"/>
+                </a:cubicBezTo>
+                <a:cubicBezTo>
+                  <a:pt x="552992" y="675120"/>
+                  <a:pt x="463604" y="696977"/>
+                  <a:pt x="288690" y="711545"/>
+                </a:cubicBezTo>
+                <a:cubicBezTo>
+                  <a:pt x="128615" y="713101"/>
+                  <a:pt x="-1490" y="678622"/>
+                  <a:pt x="0" y="639372"/>
+                </a:cubicBezTo>
+                <a:cubicBezTo>
+                  <a:pt x="-11476" y="555695"/>
+                  <a:pt x="6517" y="283484"/>
+                  <a:pt x="0" y="72173"/>
+                </a:cubicBezTo>
+              </a:path>
+              <a:path w="577380" h="711544" fill="none" stroke="0" extrusionOk="0">
+                <a:moveTo>
+                  <a:pt x="577380" y="72173"/>
+                </a:moveTo>
+                <a:cubicBezTo>
+                  <a:pt x="588108" y="93541"/>
+                  <a:pt x="441067" y="128236"/>
+                  <a:pt x="288690" y="144346"/>
+                </a:cubicBezTo>
+                <a:cubicBezTo>
+                  <a:pt x="131257" y="138436"/>
+                  <a:pt x="2143" y="106849"/>
+                  <a:pt x="0" y="72173"/>
+                </a:cubicBezTo>
+                <a:cubicBezTo>
+                  <a:pt x="3195" y="34699"/>
+                  <a:pt x="144280" y="-4740"/>
+                  <a:pt x="288690" y="0"/>
+                </a:cubicBezTo>
+                <a:cubicBezTo>
+                  <a:pt x="452720" y="3700"/>
+                  <a:pt x="577580" y="33090"/>
+                  <a:pt x="577380" y="72173"/>
+                </a:cubicBezTo>
+                <a:cubicBezTo>
+                  <a:pt x="531323" y="137628"/>
+                  <a:pt x="538067" y="497835"/>
+                  <a:pt x="577380" y="639372"/>
+                </a:cubicBezTo>
+                <a:cubicBezTo>
+                  <a:pt x="587921" y="693492"/>
+                  <a:pt x="427380" y="718423"/>
+                  <a:pt x="288690" y="711545"/>
+                </a:cubicBezTo>
+                <a:cubicBezTo>
+                  <a:pt x="126627" y="715173"/>
+                  <a:pt x="2369" y="677520"/>
+                  <a:pt x="0" y="639372"/>
+                </a:cubicBezTo>
+                <a:cubicBezTo>
+                  <a:pt x="-20566" y="393065"/>
+                  <a:pt x="40435" y="291797"/>
+                  <a:pt x="0" y="72173"/>
+                </a:cubicBezTo>
               </a:path>
             </a:pathLst>
           </a:custGeom>
-          <a:noFill/>
+          <a:solidFill>
+            <a:schemeClr val="bg1">
+              <a:lumMod val="95000"/>
+            </a:schemeClr>
+          </a:solidFill>
           <a:ln>
-            <a:solidFill>
-              <a:srgbClr val="DA4E31"/>
-            </a:solidFill>
             <a:extLst>
               <a:ext uri="{C807C97D-BFC1-408E-A445-0C87EB9F89A2}">
-                <ask:lineSketchStyleProps xmlns:ask="http://schemas.microsoft.com/office/drawing/2018/sketchyshapes" sd="2244232375">
-                  <a:prstGeom prst="rect">
+                <ask:lineSketchStyleProps xmlns:ask="http://schemas.microsoft.com/office/drawing/2018/sketchyshapes" sd="278935163">
+                  <a:prstGeom prst="can">
                     <a:avLst/>
                   </a:prstGeom>
                   <ask:type>
-                    <ask:lineSketchFreehand/>
+                    <ask:lineSketchCurved/>
                   </ask:type>
                 </ask:lineSketchStyleProps>
               </a:ext>
@@ -27559,38 +28199,168 @@
           </a:p>
         </p:txBody>
       </p:sp>
+      <p:pic>
+        <p:nvPicPr>
+          <p:cNvPr id="12" name="Picture 2" descr="Cos'è MySQL e a cosa serve">
+            <a:extLst>
+              <a:ext uri="{FF2B5EF4-FFF2-40B4-BE49-F238E27FC236}">
+                <a16:creationId xmlns:a16="http://schemas.microsoft.com/office/drawing/2014/main" id="{F86C8C4B-484C-5EBB-B39F-19F0F0A33997}"/>
+              </a:ext>
+            </a:extLst>
+          </p:cNvPr>
+          <p:cNvPicPr>
+            <a:picLocks noChangeAspect="1" noChangeArrowheads="1"/>
+          </p:cNvPicPr>
+          <p:nvPr/>
+        </p:nvPicPr>
+        <p:blipFill>
+          <a:blip r:embed="rId5" cstate="hqprint">
+            <a:extLst>
+              <a:ext uri="{28A0092B-C50C-407E-A947-70E740481C1C}">
+                <a14:useLocalDpi xmlns:a14="http://schemas.microsoft.com/office/drawing/2010/main" val="0"/>
+              </a:ext>
+            </a:extLst>
+          </a:blip>
+          <a:srcRect/>
+          <a:stretch>
+            <a:fillRect/>
+          </a:stretch>
+        </p:blipFill>
+        <p:spPr bwMode="auto">
+          <a:xfrm>
+            <a:off x="4208717" y="4497026"/>
+            <a:ext cx="583392" cy="388928"/>
+          </a:xfrm>
+          <a:prstGeom prst="rect">
+            <a:avLst/>
+          </a:prstGeom>
+          <a:noFill/>
+          <a:extLst>
+            <a:ext uri="{909E8E84-426E-40DD-AFC4-6F175D3DCCD1}">
+              <a14:hiddenFill xmlns:a14="http://schemas.microsoft.com/office/drawing/2010/main">
+                <a:solidFill>
+                  <a:srgbClr val="FFFFFF"/>
+                </a:solidFill>
+              </a14:hiddenFill>
+            </a:ext>
+          </a:extLst>
+        </p:spPr>
+      </p:pic>
+      <p:sp>
+        <p:nvSpPr>
+          <p:cNvPr id="13" name="CasellaDiTesto 12">
+            <a:extLst>
+              <a:ext uri="{FF2B5EF4-FFF2-40B4-BE49-F238E27FC236}">
+                <a16:creationId xmlns:a16="http://schemas.microsoft.com/office/drawing/2014/main" id="{9E3CE89C-85C2-5E39-FF02-E7C25D5C5516}"/>
+              </a:ext>
+            </a:extLst>
+          </p:cNvPr>
+          <p:cNvSpPr txBox="1"/>
+          <p:nvPr/>
+        </p:nvSpPr>
+        <p:spPr>
+          <a:xfrm>
+            <a:off x="4190661" y="4295534"/>
+            <a:ext cx="601447" cy="200055"/>
+          </a:xfrm>
+          <a:prstGeom prst="rect">
+            <a:avLst/>
+          </a:prstGeom>
+          <a:noFill/>
+        </p:spPr>
+        <p:txBody>
+          <a:bodyPr wrap="none" rtlCol="0">
+            <a:spAutoFit/>
+          </a:bodyPr>
+          <a:lstStyle/>
+          <a:p>
+            <a:r>
+              <a:rPr lang="it-IT" sz="700">
+                <a:latin typeface="Bahnschrift Light Condensed" panose="020B0502040204020203" pitchFamily="34" charset="0"/>
+              </a:rPr>
+              <a:t>- notifications</a:t>
+            </a:r>
+          </a:p>
+        </p:txBody>
+      </p:sp>
       <p:cxnSp>
         <p:nvCxnSpPr>
-          <p:cNvPr id="25" name="Connettore curvo 24">
-            <a:extLst>
-              <a:ext uri="{FF2B5EF4-FFF2-40B4-BE49-F238E27FC236}">
-                <a16:creationId xmlns:a16="http://schemas.microsoft.com/office/drawing/2014/main" id="{11C157CE-D8A7-0ADA-2E1D-EB2CBF41ACA3}"/>
+          <p:cNvPr id="23" name="Connettore a gomito 22">
+            <a:extLst>
+              <a:ext uri="{FF2B5EF4-FFF2-40B4-BE49-F238E27FC236}">
+                <a16:creationId xmlns:a16="http://schemas.microsoft.com/office/drawing/2014/main" id="{FE0440AB-29A2-1150-7B2C-5125DFB08365}"/>
               </a:ext>
             </a:extLst>
           </p:cNvPr>
           <p:cNvCxnSpPr>
             <a:cxnSpLocks/>
-            <a:stCxn id="35" idx="7"/>
+            <a:stCxn id="78" idx="3"/>
+            <a:endCxn id="102" idx="3"/>
           </p:cNvCxnSpPr>
           <p:nvPr/>
         </p:nvCxnSpPr>
         <p:spPr>
-          <a:xfrm rot="16200000" flipH="1">
-            <a:off x="6013244" y="2190279"/>
-            <a:ext cx="45247" cy="2565446"/>
-          </a:xfrm>
-          <a:prstGeom prst="curvedConnector4">
+          <a:xfrm>
+            <a:off x="5386443" y="2267549"/>
+            <a:ext cx="345469" cy="574041"/>
+          </a:xfrm>
+          <a:prstGeom prst="bentConnector3">
             <a:avLst>
-              <a:gd name="adj1" fmla="val 736789"/>
-              <a:gd name="adj2" fmla="val 57671"/>
+              <a:gd name="adj1" fmla="val 180508"/>
             </a:avLst>
           </a:prstGeom>
-          <a:ln>
+          <a:ln w="12700">
             <a:solidFill>
-              <a:srgbClr val="DA4E31">
-                <a:alpha val="20000"/>
-              </a:srgbClr>
+              <a:schemeClr val="tx1"/>
             </a:solidFill>
+            <a:prstDash val="sysDot"/>
+            <a:tailEnd type="triangle"/>
+          </a:ln>
+        </p:spPr>
+        <p:style>
+          <a:lnRef idx="2">
+            <a:schemeClr val="accent1"/>
+          </a:lnRef>
+          <a:fillRef idx="0">
+            <a:schemeClr val="accent1"/>
+          </a:fillRef>
+          <a:effectRef idx="1">
+            <a:schemeClr val="accent1"/>
+          </a:effectRef>
+          <a:fontRef idx="minor">
+            <a:schemeClr val="tx1"/>
+          </a:fontRef>
+        </p:style>
+      </p:cxnSp>
+      <p:cxnSp>
+        <p:nvCxnSpPr>
+          <p:cNvPr id="32" name="Connettore a gomito 31">
+            <a:extLst>
+              <a:ext uri="{FF2B5EF4-FFF2-40B4-BE49-F238E27FC236}">
+                <a16:creationId xmlns:a16="http://schemas.microsoft.com/office/drawing/2014/main" id="{2ABF8285-22A2-FFC6-445B-8D7BC1FBE8C2}"/>
+              </a:ext>
+            </a:extLst>
+          </p:cNvPr>
+          <p:cNvCxnSpPr>
+            <a:cxnSpLocks/>
+            <a:stCxn id="109" idx="0"/>
+            <a:endCxn id="13" idx="1"/>
+          </p:cNvCxnSpPr>
+          <p:nvPr/>
+        </p:nvCxnSpPr>
+        <p:spPr>
+          <a:xfrm rot="5400000" flipH="1" flipV="1">
+            <a:off x="3797631" y="4131378"/>
+            <a:ext cx="128846" cy="657214"/>
+          </a:xfrm>
+          <a:prstGeom prst="bentConnector2">
+            <a:avLst/>
+          </a:prstGeom>
+          <a:ln w="12700">
+            <a:solidFill>
+              <a:schemeClr val="tx1"/>
+            </a:solidFill>
+            <a:prstDash val="sysDot"/>
             <a:tailEnd type="triangle"/>
           </a:ln>
         </p:spPr>
@@ -27611,10 +28381,191 @@
       </p:cxnSp>
       <p:sp>
         <p:nvSpPr>
-          <p:cNvPr id="34" name="Ovale 33">
-            <a:extLst>
-              <a:ext uri="{FF2B5EF4-FFF2-40B4-BE49-F238E27FC236}">
-                <a16:creationId xmlns:a16="http://schemas.microsoft.com/office/drawing/2014/main" id="{C8DB81F2-0BDB-4814-B7A0-F0A3A6E66CBF}"/>
+          <p:cNvPr id="35" name="CasellaDiTesto 34">
+            <a:extLst>
+              <a:ext uri="{FF2B5EF4-FFF2-40B4-BE49-F238E27FC236}">
+                <a16:creationId xmlns:a16="http://schemas.microsoft.com/office/drawing/2014/main" id="{3D1CC720-70A6-7FD4-EEB6-13665AA6C5D2}"/>
+              </a:ext>
+            </a:extLst>
+          </p:cNvPr>
+          <p:cNvSpPr txBox="1"/>
+          <p:nvPr/>
+        </p:nvSpPr>
+        <p:spPr>
+          <a:xfrm>
+            <a:off x="3857892" y="4182925"/>
+            <a:ext cx="456729" cy="246221"/>
+          </a:xfrm>
+          <a:prstGeom prst="rect">
+            <a:avLst/>
+          </a:prstGeom>
+          <a:noFill/>
+        </p:spPr>
+        <p:txBody>
+          <a:bodyPr wrap="square" rtlCol="0">
+            <a:spAutoFit/>
+          </a:bodyPr>
+          <a:lstStyle/>
+          <a:p>
+            <a:r>
+              <a:rPr lang="it-IT" sz="1000">
+                <a:latin typeface="Bahnschrift Light Condensed" panose="020B0502040204020203" pitchFamily="34" charset="0"/>
+              </a:rPr>
+              <a:t>3306</a:t>
+            </a:r>
+            <a:endParaRPr lang="it-IT" sz="1200">
+              <a:latin typeface="Bahnschrift Light Condensed" panose="020B0502040204020203" pitchFamily="34" charset="0"/>
+            </a:endParaRPr>
+          </a:p>
+        </p:txBody>
+      </p:sp>
+      <p:cxnSp>
+        <p:nvCxnSpPr>
+          <p:cNvPr id="9" name="Connettore curvo 8">
+            <a:extLst>
+              <a:ext uri="{FF2B5EF4-FFF2-40B4-BE49-F238E27FC236}">
+                <a16:creationId xmlns:a16="http://schemas.microsoft.com/office/drawing/2014/main" id="{1A642980-CA13-7C3D-0D76-73DDF718DB0A}"/>
+              </a:ext>
+            </a:extLst>
+          </p:cNvPr>
+          <p:cNvCxnSpPr/>
+          <p:nvPr/>
+        </p:nvCxnSpPr>
+        <p:spPr>
+          <a:xfrm>
+            <a:off x="3066259" y="1542161"/>
+            <a:ext cx="4268060" cy="1762325"/>
+          </a:xfrm>
+          <a:prstGeom prst="curvedConnector3">
+            <a:avLst/>
+          </a:prstGeom>
+          <a:ln>
+            <a:solidFill>
+              <a:srgbClr val="DA4E31">
+                <a:alpha val="30196"/>
+              </a:srgbClr>
+            </a:solidFill>
+            <a:tailEnd type="triangle"/>
+          </a:ln>
+        </p:spPr>
+        <p:style>
+          <a:lnRef idx="2">
+            <a:schemeClr val="accent1"/>
+          </a:lnRef>
+          <a:fillRef idx="0">
+            <a:schemeClr val="accent1"/>
+          </a:fillRef>
+          <a:effectRef idx="1">
+            <a:schemeClr val="accent1"/>
+          </a:effectRef>
+          <a:fontRef idx="minor">
+            <a:schemeClr val="tx1"/>
+          </a:fontRef>
+        </p:style>
+      </p:cxnSp>
+      <p:pic>
+        <p:nvPicPr>
+          <p:cNvPr id="17" name="Picture 8" descr="Prometheus Monitoring | Billy Okeyo">
+            <a:extLst>
+              <a:ext uri="{FF2B5EF4-FFF2-40B4-BE49-F238E27FC236}">
+                <a16:creationId xmlns:a16="http://schemas.microsoft.com/office/drawing/2014/main" id="{3FEFC814-310B-3916-2172-38584C6B02A2}"/>
+              </a:ext>
+            </a:extLst>
+          </p:cNvPr>
+          <p:cNvPicPr>
+            <a:picLocks noChangeAspect="1" noChangeArrowheads="1"/>
+          </p:cNvPicPr>
+          <p:nvPr/>
+        </p:nvPicPr>
+        <p:blipFill>
+          <a:blip r:embed="rId11">
+            <a:extLst>
+              <a:ext uri="{28A0092B-C50C-407E-A947-70E740481C1C}">
+                <a14:useLocalDpi xmlns:a14="http://schemas.microsoft.com/office/drawing/2010/main" val="0"/>
+              </a:ext>
+            </a:extLst>
+          </a:blip>
+          <a:srcRect/>
+          <a:stretch>
+            <a:fillRect/>
+          </a:stretch>
+        </p:blipFill>
+        <p:spPr bwMode="auto">
+          <a:xfrm>
+            <a:off x="7322446" y="2976133"/>
+            <a:ext cx="1182114" cy="591057"/>
+          </a:xfrm>
+          <a:prstGeom prst="rect">
+            <a:avLst/>
+          </a:prstGeom>
+          <a:noFill/>
+          <a:extLst>
+            <a:ext uri="{909E8E84-426E-40DD-AFC4-6F175D3DCCD1}">
+              <a14:hiddenFill xmlns:a14="http://schemas.microsoft.com/office/drawing/2010/main">
+                <a:solidFill>
+                  <a:srgbClr val="FFFFFF"/>
+                </a:solidFill>
+              </a14:hiddenFill>
+            </a:ext>
+          </a:extLst>
+        </p:spPr>
+      </p:pic>
+      <p:cxnSp>
+        <p:nvCxnSpPr>
+          <p:cNvPr id="20" name="Connettore curvo 19">
+            <a:extLst>
+              <a:ext uri="{FF2B5EF4-FFF2-40B4-BE49-F238E27FC236}">
+                <a16:creationId xmlns:a16="http://schemas.microsoft.com/office/drawing/2014/main" id="{719C6FB1-26E5-2EF9-E3A7-B0B1ACE7D28A}"/>
+              </a:ext>
+            </a:extLst>
+          </p:cNvPr>
+          <p:cNvCxnSpPr>
+            <a:cxnSpLocks/>
+            <a:stCxn id="27" idx="7"/>
+          </p:cNvCxnSpPr>
+          <p:nvPr/>
+        </p:nvCxnSpPr>
+        <p:spPr>
+          <a:xfrm rot="16200000" flipH="1">
+            <a:off x="6013244" y="2190279"/>
+            <a:ext cx="45247" cy="2565446"/>
+          </a:xfrm>
+          <a:prstGeom prst="curvedConnector4">
+            <a:avLst>
+              <a:gd name="adj1" fmla="val 736789"/>
+              <a:gd name="adj2" fmla="val 57671"/>
+            </a:avLst>
+          </a:prstGeom>
+          <a:ln>
+            <a:solidFill>
+              <a:srgbClr val="DA4E31">
+                <a:alpha val="30196"/>
+              </a:srgbClr>
+            </a:solidFill>
+            <a:tailEnd type="triangle"/>
+          </a:ln>
+        </p:spPr>
+        <p:style>
+          <a:lnRef idx="2">
+            <a:schemeClr val="accent1"/>
+          </a:lnRef>
+          <a:fillRef idx="0">
+            <a:schemeClr val="accent1"/>
+          </a:fillRef>
+          <a:effectRef idx="1">
+            <a:schemeClr val="accent1"/>
+          </a:effectRef>
+          <a:fontRef idx="minor">
+            <a:schemeClr val="tx1"/>
+          </a:fontRef>
+        </p:style>
+      </p:cxnSp>
+      <p:sp>
+        <p:nvSpPr>
+          <p:cNvPr id="25" name="Ovale 24">
+            <a:extLst>
+              <a:ext uri="{FF2B5EF4-FFF2-40B4-BE49-F238E27FC236}">
+                <a16:creationId xmlns:a16="http://schemas.microsoft.com/office/drawing/2014/main" id="{C2A856C4-BEEE-90CE-63F4-14AEF89D308A}"/>
               </a:ext>
             </a:extLst>
           </p:cNvPr>
@@ -27631,13 +28582,13 @@
           </a:prstGeom>
           <a:solidFill>
             <a:srgbClr val="DA4E31">
-              <a:alpha val="20000"/>
+              <a:alpha val="30196"/>
             </a:srgbClr>
           </a:solidFill>
           <a:ln>
             <a:solidFill>
               <a:srgbClr val="DA4E31">
-                <a:alpha val="20000"/>
+                <a:alpha val="30196"/>
               </a:srgbClr>
             </a:solidFill>
           </a:ln>
@@ -27669,10 +28620,10 @@
       </p:sp>
       <p:sp>
         <p:nvSpPr>
-          <p:cNvPr id="35" name="Ovale 34">
-            <a:extLst>
-              <a:ext uri="{FF2B5EF4-FFF2-40B4-BE49-F238E27FC236}">
-                <a16:creationId xmlns:a16="http://schemas.microsoft.com/office/drawing/2014/main" id="{486048BC-6FD2-9D60-385A-9E9AE70D89F6}"/>
+          <p:cNvPr id="27" name="Ovale 26">
+            <a:extLst>
+              <a:ext uri="{FF2B5EF4-FFF2-40B4-BE49-F238E27FC236}">
+                <a16:creationId xmlns:a16="http://schemas.microsoft.com/office/drawing/2014/main" id="{F4A165BD-1D00-31BD-4E6A-610DF07CCA5E}"/>
               </a:ext>
             </a:extLst>
           </p:cNvPr>
@@ -27689,13 +28640,13 @@
           </a:prstGeom>
           <a:solidFill>
             <a:srgbClr val="DA4E31">
-              <a:alpha val="20000"/>
+              <a:alpha val="30196"/>
             </a:srgbClr>
           </a:solidFill>
           <a:ln>
             <a:solidFill>
               <a:srgbClr val="DA4E31">
-                <a:alpha val="20000"/>
+                <a:alpha val="30196"/>
               </a:srgbClr>
             </a:solidFill>
           </a:ln>
@@ -27727,17 +28678,16 @@
       </p:sp>
       <p:cxnSp>
         <p:nvCxnSpPr>
-          <p:cNvPr id="44" name="Connettore curvo 43">
-            <a:extLst>
-              <a:ext uri="{FF2B5EF4-FFF2-40B4-BE49-F238E27FC236}">
-                <a16:creationId xmlns:a16="http://schemas.microsoft.com/office/drawing/2014/main" id="{A55C12F5-4F52-0B92-BA80-91995EEBFDB9}"/>
+          <p:cNvPr id="28" name="Connettore curvo 27">
+            <a:extLst>
+              <a:ext uri="{FF2B5EF4-FFF2-40B4-BE49-F238E27FC236}">
+                <a16:creationId xmlns:a16="http://schemas.microsoft.com/office/drawing/2014/main" id="{3FD82A43-71D1-02FC-DF48-2C57763902AA}"/>
               </a:ext>
             </a:extLst>
           </p:cNvPr>
           <p:cNvCxnSpPr>
             <a:cxnSpLocks/>
-            <a:stCxn id="49" idx="0"/>
-            <a:endCxn id="12" idx="2"/>
+            <a:stCxn id="29" idx="0"/>
           </p:cNvCxnSpPr>
           <p:nvPr/>
         </p:nvCxnSpPr>
@@ -27752,7 +28702,7 @@
           <a:ln>
             <a:solidFill>
               <a:srgbClr val="DA4E31">
-                <a:alpha val="20000"/>
+                <a:alpha val="30196"/>
               </a:srgbClr>
             </a:solidFill>
             <a:tailEnd type="triangle"/>
@@ -27775,10 +28725,10 @@
       </p:cxnSp>
       <p:sp>
         <p:nvSpPr>
-          <p:cNvPr id="49" name="Ovale 48">
-            <a:extLst>
-              <a:ext uri="{FF2B5EF4-FFF2-40B4-BE49-F238E27FC236}">
-                <a16:creationId xmlns:a16="http://schemas.microsoft.com/office/drawing/2014/main" id="{8F3D9C37-C3AA-15A1-2891-B99947B23FBB}"/>
+          <p:cNvPr id="29" name="Ovale 28">
+            <a:extLst>
+              <a:ext uri="{FF2B5EF4-FFF2-40B4-BE49-F238E27FC236}">
+                <a16:creationId xmlns:a16="http://schemas.microsoft.com/office/drawing/2014/main" id="{661877F3-B413-E37F-C749-A92196E60314}"/>
               </a:ext>
             </a:extLst>
           </p:cNvPr>
@@ -27795,13 +28745,13 @@
           </a:prstGeom>
           <a:solidFill>
             <a:srgbClr val="DA4E31">
-              <a:alpha val="20000"/>
+              <a:alpha val="30196"/>
             </a:srgbClr>
           </a:solidFill>
           <a:ln>
             <a:solidFill>
               <a:srgbClr val="DA4E31">
-                <a:alpha val="20000"/>
+                <a:alpha val="30196"/>
               </a:srgbClr>
             </a:solidFill>
           </a:ln>
@@ -27831,28 +28781,1343 @@
           </a:p>
         </p:txBody>
       </p:sp>
+      <p:sp>
+        <p:nvSpPr>
+          <p:cNvPr id="30" name="Rettangolo 29">
+            <a:extLst>
+              <a:ext uri="{FF2B5EF4-FFF2-40B4-BE49-F238E27FC236}">
+                <a16:creationId xmlns:a16="http://schemas.microsoft.com/office/drawing/2014/main" id="{E25ED9F8-11AF-5988-E517-F28E59EAFF47}"/>
+              </a:ext>
+            </a:extLst>
+          </p:cNvPr>
+          <p:cNvSpPr/>
+          <p:nvPr/>
+        </p:nvSpPr>
+        <p:spPr>
+          <a:xfrm>
+            <a:off x="7676179" y="4736168"/>
+            <a:ext cx="1370611" cy="1208557"/>
+          </a:xfrm>
+          <a:custGeom>
+            <a:avLst/>
+            <a:gdLst>
+              <a:gd name="connsiteX0" fmla="*/ 0 w 1370611"/>
+              <a:gd name="connsiteY0" fmla="*/ 0 h 1208557"/>
+              <a:gd name="connsiteX1" fmla="*/ 644187 w 1370611"/>
+              <a:gd name="connsiteY1" fmla="*/ 0 h 1208557"/>
+              <a:gd name="connsiteX2" fmla="*/ 1370611 w 1370611"/>
+              <a:gd name="connsiteY2" fmla="*/ 0 h 1208557"/>
+              <a:gd name="connsiteX3" fmla="*/ 1370611 w 1370611"/>
+              <a:gd name="connsiteY3" fmla="*/ 616364 h 1208557"/>
+              <a:gd name="connsiteX4" fmla="*/ 1370611 w 1370611"/>
+              <a:gd name="connsiteY4" fmla="*/ 1208557 h 1208557"/>
+              <a:gd name="connsiteX5" fmla="*/ 712718 w 1370611"/>
+              <a:gd name="connsiteY5" fmla="*/ 1208557 h 1208557"/>
+              <a:gd name="connsiteX6" fmla="*/ 0 w 1370611"/>
+              <a:gd name="connsiteY6" fmla="*/ 1208557 h 1208557"/>
+              <a:gd name="connsiteX7" fmla="*/ 0 w 1370611"/>
+              <a:gd name="connsiteY7" fmla="*/ 580107 h 1208557"/>
+              <a:gd name="connsiteX8" fmla="*/ 0 w 1370611"/>
+              <a:gd name="connsiteY8" fmla="*/ 0 h 1208557"/>
+            </a:gdLst>
+            <a:ahLst/>
+            <a:cxnLst>
+              <a:cxn ang="0">
+                <a:pos x="connsiteX0" y="connsiteY0"/>
+              </a:cxn>
+              <a:cxn ang="0">
+                <a:pos x="connsiteX1" y="connsiteY1"/>
+              </a:cxn>
+              <a:cxn ang="0">
+                <a:pos x="connsiteX2" y="connsiteY2"/>
+              </a:cxn>
+              <a:cxn ang="0">
+                <a:pos x="connsiteX3" y="connsiteY3"/>
+              </a:cxn>
+              <a:cxn ang="0">
+                <a:pos x="connsiteX4" y="connsiteY4"/>
+              </a:cxn>
+              <a:cxn ang="0">
+                <a:pos x="connsiteX5" y="connsiteY5"/>
+              </a:cxn>
+              <a:cxn ang="0">
+                <a:pos x="connsiteX6" y="connsiteY6"/>
+              </a:cxn>
+              <a:cxn ang="0">
+                <a:pos x="connsiteX7" y="connsiteY7"/>
+              </a:cxn>
+              <a:cxn ang="0">
+                <a:pos x="connsiteX8" y="connsiteY8"/>
+              </a:cxn>
+            </a:cxnLst>
+            <a:rect l="l" t="t" r="r" b="b"/>
+            <a:pathLst>
+              <a:path w="1370611" h="1208557" fill="none" extrusionOk="0">
+                <a:moveTo>
+                  <a:pt x="0" y="0"/>
+                </a:moveTo>
+                <a:cubicBezTo>
+                  <a:pt x="260354" y="-9329"/>
+                  <a:pt x="386794" y="-32203"/>
+                  <a:pt x="644187" y="0"/>
+                </a:cubicBezTo>
+                <a:cubicBezTo>
+                  <a:pt x="901580" y="32203"/>
+                  <a:pt x="1074990" y="19431"/>
+                  <a:pt x="1370611" y="0"/>
+                </a:cubicBezTo>
+                <a:cubicBezTo>
+                  <a:pt x="1365883" y="230017"/>
+                  <a:pt x="1340551" y="478367"/>
+                  <a:pt x="1370611" y="616364"/>
+                </a:cubicBezTo>
+                <a:cubicBezTo>
+                  <a:pt x="1400671" y="754361"/>
+                  <a:pt x="1365799" y="1060427"/>
+                  <a:pt x="1370611" y="1208557"/>
+                </a:cubicBezTo>
+                <a:cubicBezTo>
+                  <a:pt x="1133633" y="1196515"/>
+                  <a:pt x="956712" y="1202053"/>
+                  <a:pt x="712718" y="1208557"/>
+                </a:cubicBezTo>
+                <a:cubicBezTo>
+                  <a:pt x="468724" y="1215061"/>
+                  <a:pt x="233048" y="1229025"/>
+                  <a:pt x="0" y="1208557"/>
+                </a:cubicBezTo>
+                <a:cubicBezTo>
+                  <a:pt x="25897" y="908763"/>
+                  <a:pt x="-6356" y="828242"/>
+                  <a:pt x="0" y="580107"/>
+                </a:cubicBezTo>
+                <a:cubicBezTo>
+                  <a:pt x="6356" y="331972"/>
+                  <a:pt x="-17410" y="156628"/>
+                  <a:pt x="0" y="0"/>
+                </a:cubicBezTo>
+                <a:close/>
+              </a:path>
+              <a:path w="1370611" h="1208557" stroke="0" extrusionOk="0">
+                <a:moveTo>
+                  <a:pt x="0" y="0"/>
+                </a:moveTo>
+                <a:cubicBezTo>
+                  <a:pt x="173559" y="27222"/>
+                  <a:pt x="484561" y="-4649"/>
+                  <a:pt x="671599" y="0"/>
+                </a:cubicBezTo>
+                <a:cubicBezTo>
+                  <a:pt x="858637" y="4649"/>
+                  <a:pt x="1212434" y="-5225"/>
+                  <a:pt x="1370611" y="0"/>
+                </a:cubicBezTo>
+                <a:cubicBezTo>
+                  <a:pt x="1393748" y="178146"/>
+                  <a:pt x="1353843" y="309660"/>
+                  <a:pt x="1370611" y="592193"/>
+                </a:cubicBezTo>
+                <a:cubicBezTo>
+                  <a:pt x="1387379" y="874726"/>
+                  <a:pt x="1353502" y="970869"/>
+                  <a:pt x="1370611" y="1208557"/>
+                </a:cubicBezTo>
+                <a:cubicBezTo>
+                  <a:pt x="1211715" y="1231253"/>
+                  <a:pt x="938414" y="1197062"/>
+                  <a:pt x="685306" y="1208557"/>
+                </a:cubicBezTo>
+                <a:cubicBezTo>
+                  <a:pt x="432198" y="1220052"/>
+                  <a:pt x="169371" y="1233628"/>
+                  <a:pt x="0" y="1208557"/>
+                </a:cubicBezTo>
+                <a:cubicBezTo>
+                  <a:pt x="-3264" y="958353"/>
+                  <a:pt x="-5022" y="891782"/>
+                  <a:pt x="0" y="640535"/>
+                </a:cubicBezTo>
+                <a:cubicBezTo>
+                  <a:pt x="5022" y="389288"/>
+                  <a:pt x="-18160" y="212855"/>
+                  <a:pt x="0" y="0"/>
+                </a:cubicBezTo>
+                <a:close/>
+              </a:path>
+            </a:pathLst>
+          </a:custGeom>
+          <a:solidFill>
+            <a:srgbClr val="FFFFCC"/>
+          </a:solidFill>
+          <a:ln>
+            <a:extLst>
+              <a:ext uri="{C807C97D-BFC1-408E-A445-0C87EB9F89A2}">
+                <ask:lineSketchStyleProps xmlns:ask="http://schemas.microsoft.com/office/drawing/2018/sketchyshapes" sd="2244232375">
+                  <a:prstGeom prst="rect">
+                    <a:avLst/>
+                  </a:prstGeom>
+                  <ask:type>
+                    <ask:lineSketchFreehand/>
+                  </ask:type>
+                </ask:lineSketchStyleProps>
+              </a:ext>
+            </a:extLst>
+          </a:ln>
+        </p:spPr>
+        <p:style>
+          <a:lnRef idx="2">
+            <a:schemeClr val="accent1">
+              <a:shade val="15000"/>
+            </a:schemeClr>
+          </a:lnRef>
+          <a:fillRef idx="1">
+            <a:schemeClr val="accent1"/>
+          </a:fillRef>
+          <a:effectRef idx="0">
+            <a:schemeClr val="accent1"/>
+          </a:effectRef>
+          <a:fontRef idx="minor">
+            <a:schemeClr val="lt1"/>
+          </a:fontRef>
+        </p:style>
+        <p:txBody>
+          <a:bodyPr rtlCol="0" anchor="ctr"/>
+          <a:lstStyle/>
+          <a:p>
+            <a:pPr algn="ctr"/>
+            <a:endParaRPr lang="it-IT">
+              <a:latin typeface="Bahnschrift Light Condensed" panose="020B0502040204020203" pitchFamily="34" charset="0"/>
+            </a:endParaRPr>
+          </a:p>
+        </p:txBody>
+      </p:sp>
+      <p:sp>
+        <p:nvSpPr>
+          <p:cNvPr id="31" name="Rettangolo 30">
+            <a:extLst>
+              <a:ext uri="{FF2B5EF4-FFF2-40B4-BE49-F238E27FC236}">
+                <a16:creationId xmlns:a16="http://schemas.microsoft.com/office/drawing/2014/main" id="{5C2D0762-51E4-B0F2-9E44-4FD17CDC4E07}"/>
+              </a:ext>
+            </a:extLst>
+          </p:cNvPr>
+          <p:cNvSpPr/>
+          <p:nvPr/>
+        </p:nvSpPr>
+        <p:spPr>
+          <a:xfrm>
+            <a:off x="7670501" y="4518991"/>
+            <a:ext cx="1370610" cy="217177"/>
+          </a:xfrm>
+          <a:custGeom>
+            <a:avLst/>
+            <a:gdLst>
+              <a:gd name="connsiteX0" fmla="*/ 0 w 1370610"/>
+              <a:gd name="connsiteY0" fmla="*/ 0 h 217177"/>
+              <a:gd name="connsiteX1" fmla="*/ 657893 w 1370610"/>
+              <a:gd name="connsiteY1" fmla="*/ 0 h 217177"/>
+              <a:gd name="connsiteX2" fmla="*/ 1370610 w 1370610"/>
+              <a:gd name="connsiteY2" fmla="*/ 0 h 217177"/>
+              <a:gd name="connsiteX3" fmla="*/ 1370610 w 1370610"/>
+              <a:gd name="connsiteY3" fmla="*/ 217177 h 217177"/>
+              <a:gd name="connsiteX4" fmla="*/ 712717 w 1370610"/>
+              <a:gd name="connsiteY4" fmla="*/ 217177 h 217177"/>
+              <a:gd name="connsiteX5" fmla="*/ 0 w 1370610"/>
+              <a:gd name="connsiteY5" fmla="*/ 217177 h 217177"/>
+              <a:gd name="connsiteX6" fmla="*/ 0 w 1370610"/>
+              <a:gd name="connsiteY6" fmla="*/ 0 h 217177"/>
+            </a:gdLst>
+            <a:ahLst/>
+            <a:cxnLst>
+              <a:cxn ang="0">
+                <a:pos x="connsiteX0" y="connsiteY0"/>
+              </a:cxn>
+              <a:cxn ang="0">
+                <a:pos x="connsiteX1" y="connsiteY1"/>
+              </a:cxn>
+              <a:cxn ang="0">
+                <a:pos x="connsiteX2" y="connsiteY2"/>
+              </a:cxn>
+              <a:cxn ang="0">
+                <a:pos x="connsiteX3" y="connsiteY3"/>
+              </a:cxn>
+              <a:cxn ang="0">
+                <a:pos x="connsiteX4" y="connsiteY4"/>
+              </a:cxn>
+              <a:cxn ang="0">
+                <a:pos x="connsiteX5" y="connsiteY5"/>
+              </a:cxn>
+              <a:cxn ang="0">
+                <a:pos x="connsiteX6" y="connsiteY6"/>
+              </a:cxn>
+            </a:cxnLst>
+            <a:rect l="l" t="t" r="r" b="b"/>
+            <a:pathLst>
+              <a:path w="1370610" h="217177" fill="none" extrusionOk="0">
+                <a:moveTo>
+                  <a:pt x="0" y="0"/>
+                </a:moveTo>
+                <a:cubicBezTo>
+                  <a:pt x="213363" y="14833"/>
+                  <a:pt x="485118" y="-5142"/>
+                  <a:pt x="657893" y="0"/>
+                </a:cubicBezTo>
+                <a:cubicBezTo>
+                  <a:pt x="830668" y="5142"/>
+                  <a:pt x="1078184" y="20271"/>
+                  <a:pt x="1370610" y="0"/>
+                </a:cubicBezTo>
+                <a:cubicBezTo>
+                  <a:pt x="1379863" y="97773"/>
+                  <a:pt x="1367117" y="155835"/>
+                  <a:pt x="1370610" y="217177"/>
+                </a:cubicBezTo>
+                <a:cubicBezTo>
+                  <a:pt x="1127610" y="189225"/>
+                  <a:pt x="844484" y="206095"/>
+                  <a:pt x="712717" y="217177"/>
+                </a:cubicBezTo>
+                <a:cubicBezTo>
+                  <a:pt x="580950" y="228259"/>
+                  <a:pt x="216619" y="193826"/>
+                  <a:pt x="0" y="217177"/>
+                </a:cubicBezTo>
+                <a:cubicBezTo>
+                  <a:pt x="5618" y="147949"/>
+                  <a:pt x="10004" y="85381"/>
+                  <a:pt x="0" y="0"/>
+                </a:cubicBezTo>
+                <a:close/>
+              </a:path>
+              <a:path w="1370610" h="217177" stroke="0" extrusionOk="0">
+                <a:moveTo>
+                  <a:pt x="0" y="0"/>
+                </a:moveTo>
+                <a:cubicBezTo>
+                  <a:pt x="173559" y="27222"/>
+                  <a:pt x="484561" y="-4649"/>
+                  <a:pt x="671599" y="0"/>
+                </a:cubicBezTo>
+                <a:cubicBezTo>
+                  <a:pt x="858637" y="4649"/>
+                  <a:pt x="1216358" y="-3976"/>
+                  <a:pt x="1370610" y="0"/>
+                </a:cubicBezTo>
+                <a:cubicBezTo>
+                  <a:pt x="1376314" y="104915"/>
+                  <a:pt x="1365461" y="164309"/>
+                  <a:pt x="1370610" y="217177"/>
+                </a:cubicBezTo>
+                <a:cubicBezTo>
+                  <a:pt x="1206761" y="238492"/>
+                  <a:pt x="962877" y="203763"/>
+                  <a:pt x="699011" y="217177"/>
+                </a:cubicBezTo>
+                <a:cubicBezTo>
+                  <a:pt x="435145" y="230591"/>
+                  <a:pt x="325327" y="247341"/>
+                  <a:pt x="0" y="217177"/>
+                </a:cubicBezTo>
+                <a:cubicBezTo>
+                  <a:pt x="-5860" y="140397"/>
+                  <a:pt x="-1723" y="65900"/>
+                  <a:pt x="0" y="0"/>
+                </a:cubicBezTo>
+                <a:close/>
+              </a:path>
+            </a:pathLst>
+          </a:custGeom>
+          <a:solidFill>
+            <a:srgbClr val="FFFF66"/>
+          </a:solidFill>
+          <a:ln>
+            <a:extLst>
+              <a:ext uri="{C807C97D-BFC1-408E-A445-0C87EB9F89A2}">
+                <ask:lineSketchStyleProps xmlns:ask="http://schemas.microsoft.com/office/drawing/2018/sketchyshapes" sd="2244232375">
+                  <a:prstGeom prst="rect">
+                    <a:avLst/>
+                  </a:prstGeom>
+                  <ask:type>
+                    <ask:lineSketchFreehand/>
+                  </ask:type>
+                </ask:lineSketchStyleProps>
+              </a:ext>
+            </a:extLst>
+          </a:ln>
+        </p:spPr>
+        <p:style>
+          <a:lnRef idx="2">
+            <a:schemeClr val="accent1">
+              <a:shade val="15000"/>
+            </a:schemeClr>
+          </a:lnRef>
+          <a:fillRef idx="1">
+            <a:schemeClr val="accent1"/>
+          </a:fillRef>
+          <a:effectRef idx="0">
+            <a:schemeClr val="accent1"/>
+          </a:effectRef>
+          <a:fontRef idx="minor">
+            <a:schemeClr val="lt1"/>
+          </a:fontRef>
+        </p:style>
+        <p:txBody>
+          <a:bodyPr rtlCol="0" anchor="ctr"/>
+          <a:lstStyle/>
+          <a:p>
+            <a:pPr algn="ctr"/>
+            <a:r>
+              <a:rPr lang="it-IT" sz="1100">
+                <a:solidFill>
+                  <a:schemeClr val="tx1"/>
+                </a:solidFill>
+                <a:latin typeface="Bahnschrift Light Condensed" panose="020B0502040204020203" pitchFamily="34" charset="0"/>
+              </a:rPr>
+              <a:t>sla-manager</a:t>
+            </a:r>
+            <a:endParaRPr lang="it-IT">
+              <a:solidFill>
+                <a:schemeClr val="tx1"/>
+              </a:solidFill>
+              <a:latin typeface="Bahnschrift Light Condensed" panose="020B0502040204020203" pitchFamily="34" charset="0"/>
+            </a:endParaRPr>
+          </a:p>
+        </p:txBody>
+      </p:sp>
+      <p:cxnSp>
+        <p:nvCxnSpPr>
+          <p:cNvPr id="40" name="Connettore a gomito 39">
+            <a:extLst>
+              <a:ext uri="{FF2B5EF4-FFF2-40B4-BE49-F238E27FC236}">
+                <a16:creationId xmlns:a16="http://schemas.microsoft.com/office/drawing/2014/main" id="{C90BA364-2AD1-1911-DF9D-08AF5D39ACDC}"/>
+              </a:ext>
+            </a:extLst>
+          </p:cNvPr>
+          <p:cNvCxnSpPr>
+            <a:cxnSpLocks/>
+          </p:cNvCxnSpPr>
+          <p:nvPr/>
+        </p:nvCxnSpPr>
+        <p:spPr>
+          <a:xfrm rot="10800000">
+            <a:off x="8155697" y="3271662"/>
+            <a:ext cx="1251466" cy="725950"/>
+          </a:xfrm>
+          <a:prstGeom prst="bentConnector3">
+            <a:avLst>
+              <a:gd name="adj1" fmla="val 50000"/>
+            </a:avLst>
+          </a:prstGeom>
+          <a:ln w="12700">
+            <a:solidFill>
+              <a:schemeClr val="tx1"/>
+            </a:solidFill>
+            <a:prstDash val="sysDot"/>
+            <a:tailEnd type="triangle"/>
+          </a:ln>
+        </p:spPr>
+        <p:style>
+          <a:lnRef idx="2">
+            <a:schemeClr val="accent1"/>
+          </a:lnRef>
+          <a:fillRef idx="0">
+            <a:schemeClr val="accent1"/>
+          </a:fillRef>
+          <a:effectRef idx="1">
+            <a:schemeClr val="accent1"/>
+          </a:effectRef>
+          <a:fontRef idx="minor">
+            <a:schemeClr val="tx1"/>
+          </a:fontRef>
+        </p:style>
+      </p:cxnSp>
+      <p:sp>
+        <p:nvSpPr>
+          <p:cNvPr id="46" name="CasellaDiTesto 45">
+            <a:extLst>
+              <a:ext uri="{FF2B5EF4-FFF2-40B4-BE49-F238E27FC236}">
+                <a16:creationId xmlns:a16="http://schemas.microsoft.com/office/drawing/2014/main" id="{B739C8F7-DF1A-DDCB-E77D-2E6FF3CB4FCC}"/>
+              </a:ext>
+            </a:extLst>
+          </p:cNvPr>
+          <p:cNvSpPr txBox="1"/>
+          <p:nvPr/>
+        </p:nvSpPr>
+        <p:spPr>
+          <a:xfrm>
+            <a:off x="8010977" y="2995105"/>
+            <a:ext cx="456729" cy="246221"/>
+          </a:xfrm>
+          <a:prstGeom prst="rect">
+            <a:avLst/>
+          </a:prstGeom>
+          <a:noFill/>
+        </p:spPr>
+        <p:txBody>
+          <a:bodyPr wrap="square" rtlCol="0">
+            <a:spAutoFit/>
+          </a:bodyPr>
+          <a:lstStyle/>
+          <a:p>
+            <a:r>
+              <a:rPr lang="it-IT" sz="1000">
+                <a:latin typeface="Bahnschrift Light Condensed" panose="020B0502040204020203" pitchFamily="34" charset="0"/>
+              </a:rPr>
+              <a:t>9090</a:t>
+            </a:r>
+            <a:endParaRPr lang="it-IT" sz="1200">
+              <a:latin typeface="Bahnschrift Light Condensed" panose="020B0502040204020203" pitchFamily="34" charset="0"/>
+            </a:endParaRPr>
+          </a:p>
+        </p:txBody>
+      </p:sp>
+      <p:sp>
+        <p:nvSpPr>
+          <p:cNvPr id="48" name="CasellaDiTesto 47">
+            <a:extLst>
+              <a:ext uri="{FF2B5EF4-FFF2-40B4-BE49-F238E27FC236}">
+                <a16:creationId xmlns:a16="http://schemas.microsoft.com/office/drawing/2014/main" id="{E1A3761D-B7AB-B792-6832-349EA9858957}"/>
+              </a:ext>
+            </a:extLst>
+          </p:cNvPr>
+          <p:cNvSpPr txBox="1"/>
+          <p:nvPr/>
+        </p:nvSpPr>
+        <p:spPr>
+          <a:xfrm>
+            <a:off x="9382668" y="3837335"/>
+            <a:ext cx="436338" cy="276999"/>
+          </a:xfrm>
+          <a:prstGeom prst="rect">
+            <a:avLst/>
+          </a:prstGeom>
+          <a:noFill/>
+        </p:spPr>
+        <p:txBody>
+          <a:bodyPr wrap="none" rtlCol="0">
+            <a:spAutoFit/>
+          </a:bodyPr>
+          <a:lstStyle/>
+          <a:p>
+            <a:r>
+              <a:rPr lang="it-IT" sz="1200">
+                <a:latin typeface="Bahnschrift Light Condensed" panose="020B0502040204020203" pitchFamily="34" charset="0"/>
+              </a:rPr>
+              <a:t>8003</a:t>
+            </a:r>
+            <a:endParaRPr lang="it-IT">
+              <a:latin typeface="Bahnschrift Light Condensed" panose="020B0502040204020203" pitchFamily="34" charset="0"/>
+            </a:endParaRPr>
+          </a:p>
+        </p:txBody>
+      </p:sp>
+      <p:pic>
+        <p:nvPicPr>
+          <p:cNvPr id="49" name="Picture 2">
+            <a:extLst>
+              <a:ext uri="{FF2B5EF4-FFF2-40B4-BE49-F238E27FC236}">
+                <a16:creationId xmlns:a16="http://schemas.microsoft.com/office/drawing/2014/main" id="{6BF9631A-7632-D1E7-210C-7D349D15FBF9}"/>
+              </a:ext>
+            </a:extLst>
+          </p:cNvPr>
+          <p:cNvPicPr>
+            <a:picLocks noChangeAspect="1" noChangeArrowheads="1"/>
+          </p:cNvPicPr>
+          <p:nvPr/>
+        </p:nvPicPr>
+        <p:blipFill>
+          <a:blip r:embed="rId12">
+            <a:extLst>
+              <a:ext uri="{28A0092B-C50C-407E-A947-70E740481C1C}">
+                <a14:useLocalDpi xmlns:a14="http://schemas.microsoft.com/office/drawing/2010/main" val="0"/>
+              </a:ext>
+            </a:extLst>
+          </a:blip>
+          <a:srcRect/>
+          <a:stretch>
+            <a:fillRect/>
+          </a:stretch>
+        </p:blipFill>
+        <p:spPr bwMode="auto">
+          <a:xfrm>
+            <a:off x="7659198" y="2176420"/>
+            <a:ext cx="508197" cy="518887"/>
+          </a:xfrm>
+          <a:prstGeom prst="rect">
+            <a:avLst/>
+          </a:prstGeom>
+          <a:noFill/>
+          <a:extLst>
+            <a:ext uri="{909E8E84-426E-40DD-AFC4-6F175D3DCCD1}">
+              <a14:hiddenFill xmlns:a14="http://schemas.microsoft.com/office/drawing/2010/main">
+                <a:solidFill>
+                  <a:srgbClr val="FFFFFF"/>
+                </a:solidFill>
+              </a14:hiddenFill>
+            </a:ext>
+          </a:extLst>
+        </p:spPr>
+      </p:pic>
+      <p:cxnSp>
+        <p:nvCxnSpPr>
+          <p:cNvPr id="50" name="Connettore a gomito 49">
+            <a:extLst>
+              <a:ext uri="{FF2B5EF4-FFF2-40B4-BE49-F238E27FC236}">
+                <a16:creationId xmlns:a16="http://schemas.microsoft.com/office/drawing/2014/main" id="{1281028A-3B15-21BA-35B2-A985AC636011}"/>
+              </a:ext>
+            </a:extLst>
+          </p:cNvPr>
+          <p:cNvCxnSpPr>
+            <a:cxnSpLocks/>
+            <a:endCxn id="49" idx="3"/>
+          </p:cNvCxnSpPr>
+          <p:nvPr/>
+        </p:nvCxnSpPr>
+        <p:spPr>
+          <a:xfrm rot="10800000">
+            <a:off x="8167395" y="2435865"/>
+            <a:ext cx="1264356" cy="1135953"/>
+          </a:xfrm>
+          <a:prstGeom prst="bentConnector3">
+            <a:avLst>
+              <a:gd name="adj1" fmla="val 37019"/>
+            </a:avLst>
+          </a:prstGeom>
+          <a:ln w="12700">
+            <a:solidFill>
+              <a:schemeClr val="tx1"/>
+            </a:solidFill>
+            <a:prstDash val="sysDot"/>
+            <a:tailEnd type="triangle"/>
+          </a:ln>
+        </p:spPr>
+        <p:style>
+          <a:lnRef idx="2">
+            <a:schemeClr val="accent1"/>
+          </a:lnRef>
+          <a:fillRef idx="0">
+            <a:schemeClr val="accent1"/>
+          </a:fillRef>
+          <a:effectRef idx="1">
+            <a:schemeClr val="accent1"/>
+          </a:effectRef>
+          <a:fontRef idx="minor">
+            <a:schemeClr val="tx1"/>
+          </a:fontRef>
+        </p:style>
+      </p:cxnSp>
+      <p:sp>
+        <p:nvSpPr>
+          <p:cNvPr id="61" name="CasellaDiTesto 60">
+            <a:extLst>
+              <a:ext uri="{FF2B5EF4-FFF2-40B4-BE49-F238E27FC236}">
+                <a16:creationId xmlns:a16="http://schemas.microsoft.com/office/drawing/2014/main" id="{CA092989-FF93-C7DA-CBC6-7EF1C6D57499}"/>
+              </a:ext>
+            </a:extLst>
+          </p:cNvPr>
+          <p:cNvSpPr txBox="1"/>
+          <p:nvPr/>
+        </p:nvSpPr>
+        <p:spPr>
+          <a:xfrm>
+            <a:off x="9366583" y="3438836"/>
+            <a:ext cx="436338" cy="276999"/>
+          </a:xfrm>
+          <a:prstGeom prst="rect">
+            <a:avLst/>
+          </a:prstGeom>
+          <a:noFill/>
+        </p:spPr>
+        <p:txBody>
+          <a:bodyPr wrap="none" rtlCol="0">
+            <a:spAutoFit/>
+          </a:bodyPr>
+          <a:lstStyle/>
+          <a:p>
+            <a:r>
+              <a:rPr lang="it-IT" sz="1200">
+                <a:latin typeface="Bahnschrift Light Condensed" panose="020B0502040204020203" pitchFamily="34" charset="0"/>
+              </a:rPr>
+              <a:t>8005</a:t>
+            </a:r>
+            <a:endParaRPr lang="it-IT">
+              <a:latin typeface="Bahnschrift Light Condensed" panose="020B0502040204020203" pitchFamily="34" charset="0"/>
+            </a:endParaRPr>
+          </a:p>
+        </p:txBody>
+      </p:sp>
+      <p:cxnSp>
+        <p:nvCxnSpPr>
+          <p:cNvPr id="62" name="Connettore a gomito 61">
+            <a:extLst>
+              <a:ext uri="{FF2B5EF4-FFF2-40B4-BE49-F238E27FC236}">
+                <a16:creationId xmlns:a16="http://schemas.microsoft.com/office/drawing/2014/main" id="{0A365BA6-876B-83CA-4AFC-B16852938E07}"/>
+              </a:ext>
+            </a:extLst>
+          </p:cNvPr>
+          <p:cNvCxnSpPr>
+            <a:cxnSpLocks/>
+            <a:stCxn id="49" idx="2"/>
+            <a:endCxn id="17" idx="0"/>
+          </p:cNvCxnSpPr>
+          <p:nvPr/>
+        </p:nvCxnSpPr>
+        <p:spPr>
+          <a:xfrm rot="16200000" flipH="1">
+            <a:off x="7772987" y="2835617"/>
+            <a:ext cx="280826" cy="206"/>
+          </a:xfrm>
+          <a:prstGeom prst="bentConnector3">
+            <a:avLst>
+              <a:gd name="adj1" fmla="val 50000"/>
+            </a:avLst>
+          </a:prstGeom>
+          <a:ln w="12700">
+            <a:solidFill>
+              <a:schemeClr val="tx1"/>
+            </a:solidFill>
+            <a:prstDash val="sysDot"/>
+            <a:tailEnd type="triangle"/>
+          </a:ln>
+        </p:spPr>
+        <p:style>
+          <a:lnRef idx="2">
+            <a:schemeClr val="accent1"/>
+          </a:lnRef>
+          <a:fillRef idx="0">
+            <a:schemeClr val="accent1"/>
+          </a:fillRef>
+          <a:effectRef idx="1">
+            <a:schemeClr val="accent1"/>
+          </a:effectRef>
+          <a:fontRef idx="minor">
+            <a:schemeClr val="tx1"/>
+          </a:fontRef>
+        </p:style>
+      </p:cxnSp>
+      <p:cxnSp>
+        <p:nvCxnSpPr>
+          <p:cNvPr id="92" name="Connettore a gomito 91">
+            <a:extLst>
+              <a:ext uri="{FF2B5EF4-FFF2-40B4-BE49-F238E27FC236}">
+                <a16:creationId xmlns:a16="http://schemas.microsoft.com/office/drawing/2014/main" id="{16DB8456-5923-FD4D-628D-2A6559DDF81E}"/>
+              </a:ext>
+            </a:extLst>
+          </p:cNvPr>
+          <p:cNvCxnSpPr>
+            <a:cxnSpLocks/>
+            <a:stCxn id="31" idx="0"/>
+          </p:cNvCxnSpPr>
+          <p:nvPr/>
+        </p:nvCxnSpPr>
+        <p:spPr>
+          <a:xfrm rot="16200000" flipV="1">
+            <a:off x="7785369" y="3948553"/>
+            <a:ext cx="908387" cy="232489"/>
+          </a:xfrm>
+          <a:prstGeom prst="bentConnector3">
+            <a:avLst>
+              <a:gd name="adj1" fmla="val 50000"/>
+            </a:avLst>
+          </a:prstGeom>
+          <a:ln w="12700">
+            <a:solidFill>
+              <a:schemeClr val="tx1"/>
+            </a:solidFill>
+            <a:prstDash val="sysDot"/>
+            <a:tailEnd type="triangle"/>
+          </a:ln>
+        </p:spPr>
+        <p:style>
+          <a:lnRef idx="2">
+            <a:schemeClr val="accent1"/>
+          </a:lnRef>
+          <a:fillRef idx="0">
+            <a:schemeClr val="accent1"/>
+          </a:fillRef>
+          <a:effectRef idx="1">
+            <a:schemeClr val="accent1"/>
+          </a:effectRef>
+          <a:fontRef idx="minor">
+            <a:schemeClr val="tx1"/>
+          </a:fontRef>
+        </p:style>
+      </p:cxnSp>
+      <p:cxnSp>
+        <p:nvCxnSpPr>
+          <p:cNvPr id="95" name="Connettore a gomito 94">
+            <a:extLst>
+              <a:ext uri="{FF2B5EF4-FFF2-40B4-BE49-F238E27FC236}">
+                <a16:creationId xmlns:a16="http://schemas.microsoft.com/office/drawing/2014/main" id="{FA52FF5F-A13A-67B7-CBF4-A35802F89E9F}"/>
+              </a:ext>
+            </a:extLst>
+          </p:cNvPr>
+          <p:cNvCxnSpPr>
+            <a:cxnSpLocks/>
+            <a:stCxn id="99" idx="1"/>
+            <a:endCxn id="30" idx="3"/>
+          </p:cNvCxnSpPr>
+          <p:nvPr/>
+        </p:nvCxnSpPr>
+        <p:spPr>
+          <a:xfrm rot="10800000">
+            <a:off x="9046791" y="5340448"/>
+            <a:ext cx="365183" cy="1131"/>
+          </a:xfrm>
+          <a:prstGeom prst="bentConnector3">
+            <a:avLst>
+              <a:gd name="adj1" fmla="val 50000"/>
+            </a:avLst>
+          </a:prstGeom>
+          <a:ln w="12700">
+            <a:solidFill>
+              <a:schemeClr val="tx1"/>
+            </a:solidFill>
+            <a:prstDash val="sysDot"/>
+            <a:tailEnd type="triangle"/>
+          </a:ln>
+        </p:spPr>
+        <p:style>
+          <a:lnRef idx="2">
+            <a:schemeClr val="accent1"/>
+          </a:lnRef>
+          <a:fillRef idx="0">
+            <a:schemeClr val="accent1"/>
+          </a:fillRef>
+          <a:effectRef idx="1">
+            <a:schemeClr val="accent1"/>
+          </a:effectRef>
+          <a:fontRef idx="minor">
+            <a:schemeClr val="tx1"/>
+          </a:fontRef>
+        </p:style>
+      </p:cxnSp>
+      <p:sp>
+        <p:nvSpPr>
+          <p:cNvPr id="99" name="CasellaDiTesto 98">
+            <a:extLst>
+              <a:ext uri="{FF2B5EF4-FFF2-40B4-BE49-F238E27FC236}">
+                <a16:creationId xmlns:a16="http://schemas.microsoft.com/office/drawing/2014/main" id="{7B584C5F-8452-8C55-BA87-7A5B72B848DF}"/>
+              </a:ext>
+            </a:extLst>
+          </p:cNvPr>
+          <p:cNvSpPr txBox="1"/>
+          <p:nvPr/>
+        </p:nvSpPr>
+        <p:spPr>
+          <a:xfrm>
+            <a:off x="9411973" y="5203078"/>
+            <a:ext cx="441146" cy="276999"/>
+          </a:xfrm>
+          <a:prstGeom prst="rect">
+            <a:avLst/>
+          </a:prstGeom>
+          <a:noFill/>
+        </p:spPr>
+        <p:txBody>
+          <a:bodyPr wrap="none" rtlCol="0">
+            <a:spAutoFit/>
+          </a:bodyPr>
+          <a:lstStyle/>
+          <a:p>
+            <a:r>
+              <a:rPr lang="it-IT" sz="1200">
+                <a:latin typeface="Bahnschrift Light Condensed" panose="020B0502040204020203" pitchFamily="34" charset="0"/>
+              </a:rPr>
+              <a:t>8004</a:t>
+            </a:r>
+            <a:endParaRPr lang="it-IT">
+              <a:latin typeface="Bahnschrift Light Condensed" panose="020B0502040204020203" pitchFamily="34" charset="0"/>
+            </a:endParaRPr>
+          </a:p>
+        </p:txBody>
+      </p:sp>
+      <p:sp>
+        <p:nvSpPr>
+          <p:cNvPr id="100" name="CasellaDiTesto 99">
+            <a:extLst>
+              <a:ext uri="{FF2B5EF4-FFF2-40B4-BE49-F238E27FC236}">
+                <a16:creationId xmlns:a16="http://schemas.microsoft.com/office/drawing/2014/main" id="{68ED1D88-420F-38AD-6905-7C6013151164}"/>
+              </a:ext>
+            </a:extLst>
+          </p:cNvPr>
+          <p:cNvSpPr txBox="1"/>
+          <p:nvPr/>
+        </p:nvSpPr>
+        <p:spPr>
+          <a:xfrm>
+            <a:off x="7621570" y="4718694"/>
+            <a:ext cx="710451" cy="253916"/>
+          </a:xfrm>
+          <a:prstGeom prst="rect">
+            <a:avLst/>
+          </a:prstGeom>
+          <a:noFill/>
+        </p:spPr>
+        <p:txBody>
+          <a:bodyPr wrap="none" rtlCol="0">
+            <a:spAutoFit/>
+          </a:bodyPr>
+          <a:lstStyle/>
+          <a:p>
+            <a:r>
+              <a:rPr lang="it-IT" sz="1050" b="1">
+                <a:latin typeface="Bahnschrift Light Condensed" panose="020B0502040204020203" pitchFamily="34" charset="0"/>
+              </a:rPr>
+              <a:t>/consumers</a:t>
+            </a:r>
+            <a:endParaRPr lang="it-IT" b="1">
+              <a:latin typeface="Bahnschrift Light Condensed" panose="020B0502040204020203" pitchFamily="34" charset="0"/>
+            </a:endParaRPr>
+          </a:p>
+        </p:txBody>
+      </p:sp>
+      <p:sp>
+        <p:nvSpPr>
+          <p:cNvPr id="101" name="CasellaDiTesto 100">
+            <a:extLst>
+              <a:ext uri="{FF2B5EF4-FFF2-40B4-BE49-F238E27FC236}">
+                <a16:creationId xmlns:a16="http://schemas.microsoft.com/office/drawing/2014/main" id="{94DF81B9-56B7-F070-0CAE-326ECB098616}"/>
+              </a:ext>
+            </a:extLst>
+          </p:cNvPr>
+          <p:cNvSpPr txBox="1"/>
+          <p:nvPr/>
+        </p:nvSpPr>
+        <p:spPr>
+          <a:xfrm>
+            <a:off x="7716064" y="4874644"/>
+            <a:ext cx="1402948" cy="1238801"/>
+          </a:xfrm>
+          <a:prstGeom prst="rect">
+            <a:avLst/>
+          </a:prstGeom>
+          <a:noFill/>
+        </p:spPr>
+        <p:txBody>
+          <a:bodyPr wrap="none" rtlCol="0">
+            <a:spAutoFit/>
+          </a:bodyPr>
+          <a:lstStyle/>
+          <a:p>
+            <a:r>
+              <a:rPr lang="it-IT" sz="800">
+                <a:latin typeface="Bahnschrift Light Condensed" panose="020B0502040204020203" pitchFamily="34" charset="0"/>
+              </a:rPr>
+              <a:t>/discoveryJobs        /getState</a:t>
+            </a:r>
+          </a:p>
+          <a:p>
+            <a:r>
+              <a:rPr lang="it-IT" sz="800">
+                <a:latin typeface="Bahnschrift Light Condensed" panose="020B0502040204020203" pitchFamily="34" charset="0"/>
+              </a:rPr>
+              <a:t>/discoveryMetrics   /violations</a:t>
+            </a:r>
+          </a:p>
+          <a:p>
+            <a:r>
+              <a:rPr lang="it-IT" sz="800">
+                <a:latin typeface="Bahnschrift Light Condensed" panose="020B0502040204020203" pitchFamily="34" charset="0"/>
+              </a:rPr>
+              <a:t>/unsubscribe {id}    /violations/prob.</a:t>
+            </a:r>
+          </a:p>
+          <a:p>
+            <a:r>
+              <a:rPr lang="it-IT" sz="800">
+                <a:latin typeface="Bahnschrift Light Condensed" panose="020B0502040204020203" pitchFamily="34" charset="0"/>
+              </a:rPr>
+              <a:t>      </a:t>
+            </a:r>
+            <a:r>
+              <a:rPr lang="it-IT" sz="800" b="1">
+                <a:latin typeface="Bahnschrift Light Condensed" panose="020B0502040204020203" pitchFamily="34" charset="0"/>
+              </a:rPr>
+              <a:t>/metrics</a:t>
+            </a:r>
+          </a:p>
+          <a:p>
+            <a:r>
+              <a:rPr lang="it-IT" sz="800">
+                <a:latin typeface="Bahnschrift Light Condensed" panose="020B0502040204020203" pitchFamily="34" charset="0"/>
+              </a:rPr>
+              <a:t>           /register</a:t>
+            </a:r>
+          </a:p>
+          <a:p>
+            <a:r>
+              <a:rPr lang="it-IT" sz="800">
+                <a:latin typeface="Bahnschrift Light Condensed" panose="020B0502040204020203" pitchFamily="34" charset="0"/>
+              </a:rPr>
+              <a:t>           /delete</a:t>
+            </a:r>
+          </a:p>
+          <a:p>
+            <a:r>
+              <a:rPr lang="it-IT" sz="800">
+                <a:latin typeface="Bahnschrift Light Condensed" panose="020B0502040204020203" pitchFamily="34" charset="0"/>
+              </a:rPr>
+              <a:t>           /all</a:t>
+            </a:r>
+          </a:p>
+          <a:p>
+            <a:r>
+              <a:rPr lang="it-IT" sz="800">
+                <a:latin typeface="Bahnschrift Light Condensed" panose="020B0502040204020203" pitchFamily="34" charset="0"/>
+              </a:rPr>
+              <a:t>           /get</a:t>
+            </a:r>
+          </a:p>
+          <a:p>
+            <a:endParaRPr lang="it-IT" sz="1050">
+              <a:latin typeface="Bahnschrift Light Condensed" panose="020B0502040204020203" pitchFamily="34" charset="0"/>
+            </a:endParaRPr>
+          </a:p>
+        </p:txBody>
+      </p:sp>
+      <p:sp>
+        <p:nvSpPr>
+          <p:cNvPr id="117" name="Cilindro 116">
+            <a:extLst>
+              <a:ext uri="{FF2B5EF4-FFF2-40B4-BE49-F238E27FC236}">
+                <a16:creationId xmlns:a16="http://schemas.microsoft.com/office/drawing/2014/main" id="{72D28B81-36D0-55E7-4F54-4149DF7EA1D2}"/>
+              </a:ext>
+            </a:extLst>
+          </p:cNvPr>
+          <p:cNvSpPr/>
+          <p:nvPr/>
+        </p:nvSpPr>
+        <p:spPr>
+          <a:xfrm>
+            <a:off x="8800756" y="5452372"/>
+            <a:ext cx="505356" cy="516905"/>
+          </a:xfrm>
+          <a:custGeom>
+            <a:avLst/>
+            <a:gdLst>
+              <a:gd name="connsiteX0" fmla="*/ 0 w 505356"/>
+              <a:gd name="connsiteY0" fmla="*/ 63170 h 516905"/>
+              <a:gd name="connsiteX1" fmla="*/ 252678 w 505356"/>
+              <a:gd name="connsiteY1" fmla="*/ 126340 h 516905"/>
+              <a:gd name="connsiteX2" fmla="*/ 505356 w 505356"/>
+              <a:gd name="connsiteY2" fmla="*/ 63170 h 516905"/>
+              <a:gd name="connsiteX3" fmla="*/ 505356 w 505356"/>
+              <a:gd name="connsiteY3" fmla="*/ 453736 h 516905"/>
+              <a:gd name="connsiteX4" fmla="*/ 252678 w 505356"/>
+              <a:gd name="connsiteY4" fmla="*/ 516906 h 516905"/>
+              <a:gd name="connsiteX5" fmla="*/ 0 w 505356"/>
+              <a:gd name="connsiteY5" fmla="*/ 453736 h 516905"/>
+              <a:gd name="connsiteX6" fmla="*/ 0 w 505356"/>
+              <a:gd name="connsiteY6" fmla="*/ 63170 h 516905"/>
+              <a:gd name="connsiteX0" fmla="*/ 0 w 505356"/>
+              <a:gd name="connsiteY0" fmla="*/ 63170 h 516905"/>
+              <a:gd name="connsiteX1" fmla="*/ 252678 w 505356"/>
+              <a:gd name="connsiteY1" fmla="*/ 0 h 516905"/>
+              <a:gd name="connsiteX2" fmla="*/ 505356 w 505356"/>
+              <a:gd name="connsiteY2" fmla="*/ 63170 h 516905"/>
+              <a:gd name="connsiteX3" fmla="*/ 252678 w 505356"/>
+              <a:gd name="connsiteY3" fmla="*/ 126340 h 516905"/>
+              <a:gd name="connsiteX4" fmla="*/ 0 w 505356"/>
+              <a:gd name="connsiteY4" fmla="*/ 63170 h 516905"/>
+              <a:gd name="connsiteX0" fmla="*/ 505356 w 505356"/>
+              <a:gd name="connsiteY0" fmla="*/ 63170 h 516905"/>
+              <a:gd name="connsiteX1" fmla="*/ 252678 w 505356"/>
+              <a:gd name="connsiteY1" fmla="*/ 126340 h 516905"/>
+              <a:gd name="connsiteX2" fmla="*/ 0 w 505356"/>
+              <a:gd name="connsiteY2" fmla="*/ 63170 h 516905"/>
+              <a:gd name="connsiteX3" fmla="*/ 252678 w 505356"/>
+              <a:gd name="connsiteY3" fmla="*/ 0 h 516905"/>
+              <a:gd name="connsiteX4" fmla="*/ 505356 w 505356"/>
+              <a:gd name="connsiteY4" fmla="*/ 63170 h 516905"/>
+              <a:gd name="connsiteX5" fmla="*/ 505356 w 505356"/>
+              <a:gd name="connsiteY5" fmla="*/ 453736 h 516905"/>
+              <a:gd name="connsiteX6" fmla="*/ 252678 w 505356"/>
+              <a:gd name="connsiteY6" fmla="*/ 516906 h 516905"/>
+              <a:gd name="connsiteX7" fmla="*/ 0 w 505356"/>
+              <a:gd name="connsiteY7" fmla="*/ 453736 h 516905"/>
+              <a:gd name="connsiteX8" fmla="*/ 0 w 505356"/>
+              <a:gd name="connsiteY8" fmla="*/ 63170 h 516905"/>
+            </a:gdLst>
+            <a:ahLst/>
+            <a:cxnLst>
+              <a:cxn ang="0">
+                <a:pos x="connsiteX0" y="connsiteY0"/>
+              </a:cxn>
+              <a:cxn ang="0">
+                <a:pos x="connsiteX1" y="connsiteY1"/>
+              </a:cxn>
+              <a:cxn ang="0">
+                <a:pos x="connsiteX2" y="connsiteY2"/>
+              </a:cxn>
+              <a:cxn ang="0">
+                <a:pos x="connsiteX3" y="connsiteY3"/>
+              </a:cxn>
+              <a:cxn ang="0">
+                <a:pos x="connsiteX4" y="connsiteY4"/>
+              </a:cxn>
+              <a:cxn ang="0">
+                <a:pos x="connsiteX5" y="connsiteY5"/>
+              </a:cxn>
+              <a:cxn ang="0">
+                <a:pos x="connsiteX6" y="connsiteY6"/>
+              </a:cxn>
+              <a:cxn ang="0">
+                <a:pos x="connsiteX7" y="connsiteY7"/>
+              </a:cxn>
+              <a:cxn ang="0">
+                <a:pos x="connsiteX8" y="connsiteY8"/>
+              </a:cxn>
+            </a:cxnLst>
+            <a:rect l="l" t="t" r="r" b="b"/>
+            <a:pathLst>
+              <a:path w="505356" h="516905" stroke="0" extrusionOk="0">
+                <a:moveTo>
+                  <a:pt x="0" y="63170"/>
+                </a:moveTo>
+                <a:cubicBezTo>
+                  <a:pt x="15465" y="80911"/>
+                  <a:pt x="105318" y="126748"/>
+                  <a:pt x="252678" y="126340"/>
+                </a:cubicBezTo>
+                <a:cubicBezTo>
+                  <a:pt x="396305" y="125828"/>
+                  <a:pt x="504300" y="98270"/>
+                  <a:pt x="505356" y="63170"/>
+                </a:cubicBezTo>
+                <a:cubicBezTo>
+                  <a:pt x="501410" y="187366"/>
+                  <a:pt x="486467" y="292316"/>
+                  <a:pt x="505356" y="453736"/>
+                </a:cubicBezTo>
+                <a:cubicBezTo>
+                  <a:pt x="507771" y="492865"/>
+                  <a:pt x="384273" y="502849"/>
+                  <a:pt x="252678" y="516906"/>
+                </a:cubicBezTo>
+                <a:cubicBezTo>
+                  <a:pt x="111826" y="522902"/>
+                  <a:pt x="-5416" y="490894"/>
+                  <a:pt x="0" y="453736"/>
+                </a:cubicBezTo>
+                <a:cubicBezTo>
+                  <a:pt x="-33020" y="332700"/>
+                  <a:pt x="-11038" y="107069"/>
+                  <a:pt x="0" y="63170"/>
+                </a:cubicBezTo>
+                <a:close/>
+              </a:path>
+              <a:path w="505356" h="516905" fill="lighten" stroke="0" extrusionOk="0">
+                <a:moveTo>
+                  <a:pt x="0" y="63170"/>
+                </a:moveTo>
+                <a:cubicBezTo>
+                  <a:pt x="4382" y="46672"/>
+                  <a:pt x="99577" y="-4779"/>
+                  <a:pt x="252678" y="0"/>
+                </a:cubicBezTo>
+                <a:cubicBezTo>
+                  <a:pt x="392069" y="-464"/>
+                  <a:pt x="505712" y="27816"/>
+                  <a:pt x="505356" y="63170"/>
+                </a:cubicBezTo>
+                <a:cubicBezTo>
+                  <a:pt x="508692" y="94874"/>
+                  <a:pt x="390966" y="130216"/>
+                  <a:pt x="252678" y="126340"/>
+                </a:cubicBezTo>
+                <a:cubicBezTo>
+                  <a:pt x="112891" y="130171"/>
+                  <a:pt x="262" y="100705"/>
+                  <a:pt x="0" y="63170"/>
+                </a:cubicBezTo>
+                <a:close/>
+              </a:path>
+              <a:path w="505356" h="516905" fill="none" extrusionOk="0">
+                <a:moveTo>
+                  <a:pt x="505356" y="63170"/>
+                </a:moveTo>
+                <a:cubicBezTo>
+                  <a:pt x="501108" y="98591"/>
+                  <a:pt x="395482" y="122817"/>
+                  <a:pt x="252678" y="126340"/>
+                </a:cubicBezTo>
+                <a:cubicBezTo>
+                  <a:pt x="114390" y="128221"/>
+                  <a:pt x="-330" y="98654"/>
+                  <a:pt x="0" y="63170"/>
+                </a:cubicBezTo>
+                <a:cubicBezTo>
+                  <a:pt x="2300" y="25344"/>
+                  <a:pt x="116900" y="-5344"/>
+                  <a:pt x="252678" y="0"/>
+                </a:cubicBezTo>
+                <a:cubicBezTo>
+                  <a:pt x="398122" y="942"/>
+                  <a:pt x="505961" y="26321"/>
+                  <a:pt x="505356" y="63170"/>
+                </a:cubicBezTo>
+                <a:cubicBezTo>
+                  <a:pt x="507964" y="204586"/>
+                  <a:pt x="479081" y="352515"/>
+                  <a:pt x="505356" y="453736"/>
+                </a:cubicBezTo>
+                <a:cubicBezTo>
+                  <a:pt x="493994" y="486708"/>
+                  <a:pt x="399446" y="510111"/>
+                  <a:pt x="252678" y="516906"/>
+                </a:cubicBezTo>
+                <a:cubicBezTo>
+                  <a:pt x="112477" y="518498"/>
+                  <a:pt x="-4343" y="486847"/>
+                  <a:pt x="0" y="453736"/>
+                </a:cubicBezTo>
+                <a:cubicBezTo>
+                  <a:pt x="16778" y="273179"/>
+                  <a:pt x="8499" y="237183"/>
+                  <a:pt x="0" y="63170"/>
+                </a:cubicBezTo>
+              </a:path>
+              <a:path w="505356" h="516905" fill="none" stroke="0" extrusionOk="0">
+                <a:moveTo>
+                  <a:pt x="505356" y="63170"/>
+                </a:moveTo>
+                <a:cubicBezTo>
+                  <a:pt x="512006" y="86596"/>
+                  <a:pt x="388810" y="118543"/>
+                  <a:pt x="252678" y="126340"/>
+                </a:cubicBezTo>
+                <a:cubicBezTo>
+                  <a:pt x="114421" y="122530"/>
+                  <a:pt x="1927" y="93397"/>
+                  <a:pt x="0" y="63170"/>
+                </a:cubicBezTo>
+                <a:cubicBezTo>
+                  <a:pt x="6279" y="32971"/>
+                  <a:pt x="115140" y="-634"/>
+                  <a:pt x="252678" y="0"/>
+                </a:cubicBezTo>
+                <a:cubicBezTo>
+                  <a:pt x="397205" y="4012"/>
+                  <a:pt x="505612" y="29276"/>
+                  <a:pt x="505356" y="63170"/>
+                </a:cubicBezTo>
+                <a:cubicBezTo>
+                  <a:pt x="537624" y="257224"/>
+                  <a:pt x="534051" y="322339"/>
+                  <a:pt x="505356" y="453736"/>
+                </a:cubicBezTo>
+                <a:cubicBezTo>
+                  <a:pt x="509946" y="494833"/>
+                  <a:pt x="375659" y="522398"/>
+                  <a:pt x="252678" y="516906"/>
+                </a:cubicBezTo>
+                <a:cubicBezTo>
+                  <a:pt x="110051" y="521160"/>
+                  <a:pt x="2749" y="486637"/>
+                  <a:pt x="0" y="453736"/>
+                </a:cubicBezTo>
+                <a:cubicBezTo>
+                  <a:pt x="4599" y="402430"/>
+                  <a:pt x="-11474" y="199138"/>
+                  <a:pt x="0" y="63170"/>
+                </a:cubicBezTo>
+              </a:path>
+            </a:pathLst>
+          </a:custGeom>
+          <a:solidFill>
+            <a:schemeClr val="bg1">
+              <a:lumMod val="95000"/>
+            </a:schemeClr>
+          </a:solidFill>
+          <a:ln>
+            <a:extLst>
+              <a:ext uri="{C807C97D-BFC1-408E-A445-0C87EB9F89A2}">
+                <ask:lineSketchStyleProps xmlns:ask="http://schemas.microsoft.com/office/drawing/2018/sketchyshapes" sd="278935163">
+                  <a:prstGeom prst="can">
+                    <a:avLst/>
+                  </a:prstGeom>
+                  <ask:type>
+                    <ask:lineSketchCurved/>
+                  </ask:type>
+                </ask:lineSketchStyleProps>
+              </a:ext>
+            </a:extLst>
+          </a:ln>
+        </p:spPr>
+        <p:style>
+          <a:lnRef idx="2">
+            <a:schemeClr val="accent1">
+              <a:shade val="15000"/>
+            </a:schemeClr>
+          </a:lnRef>
+          <a:fillRef idx="1">
+            <a:schemeClr val="accent1"/>
+          </a:fillRef>
+          <a:effectRef idx="0">
+            <a:schemeClr val="accent1"/>
+          </a:effectRef>
+          <a:fontRef idx="minor">
+            <a:schemeClr val="lt1"/>
+          </a:fontRef>
+        </p:style>
+        <p:txBody>
+          <a:bodyPr rtlCol="0" anchor="ctr"/>
+          <a:lstStyle/>
+          <a:p>
+            <a:pPr algn="ctr"/>
+            <a:endParaRPr lang="it-IT">
+              <a:latin typeface="Bahnschrift Light Condensed" panose="020B0502040204020203" pitchFamily="34" charset="0"/>
+            </a:endParaRPr>
+          </a:p>
+        </p:txBody>
+      </p:sp>
+      <p:sp>
+        <p:nvSpPr>
+          <p:cNvPr id="120" name="CasellaDiTesto 119">
+            <a:extLst>
+              <a:ext uri="{FF2B5EF4-FFF2-40B4-BE49-F238E27FC236}">
+                <a16:creationId xmlns:a16="http://schemas.microsoft.com/office/drawing/2014/main" id="{D05BC0D7-596A-7FB0-34B6-477509AC7527}"/>
+              </a:ext>
+            </a:extLst>
+          </p:cNvPr>
+          <p:cNvSpPr txBox="1"/>
+          <p:nvPr/>
+        </p:nvSpPr>
+        <p:spPr>
+          <a:xfrm>
+            <a:off x="8787191" y="5611095"/>
+            <a:ext cx="558805" cy="200055"/>
+          </a:xfrm>
+          <a:prstGeom prst="rect">
+            <a:avLst/>
+          </a:prstGeom>
+          <a:noFill/>
+        </p:spPr>
+        <p:txBody>
+          <a:bodyPr wrap="square" rtlCol="0">
+            <a:spAutoFit/>
+          </a:bodyPr>
+          <a:lstStyle/>
+          <a:p>
+            <a:r>
+              <a:rPr lang="it-IT" sz="700">
+                <a:latin typeface="Bahnschrift Light Condensed" panose="020B0502040204020203" pitchFamily="34" charset="0"/>
+              </a:rPr>
+              <a:t>notifications</a:t>
+            </a:r>
+          </a:p>
+        </p:txBody>
+      </p:sp>
     </p:spTree>
     <p:extLst>
       <p:ext uri="{BB962C8B-B14F-4D97-AF65-F5344CB8AC3E}">
-        <p14:creationId xmlns:p14="http://schemas.microsoft.com/office/powerpoint/2010/main" val="3887077611"/>
+        <p14:creationId xmlns:p14="http://schemas.microsoft.com/office/powerpoint/2010/main" val="2937844744"/>
       </p:ext>
     </p:extLst>
   </p:cSld>
   <p:clrMapOvr>
     <a:masterClrMapping/>
   </p:clrMapOvr>
-  <mc:AlternateContent xmlns:mc="http://schemas.openxmlformats.org/markup-compatibility/2006">
-    <mc:Choice xmlns:p14="http://schemas.microsoft.com/office/powerpoint/2010/main" Requires="p14">
-      <p:transition spd="med" p14:dur="700">
-        <p:fade/>
-      </p:transition>
-    </mc:Choice>
-    <mc:Fallback>
-      <p:transition spd="med">
-        <p:fade/>
-      </p:transition>
-    </mc:Fallback>
-  </mc:AlternateContent>
 </p:sld>
 </file>
 
